--- a/djlee/DB/20211228/실습문제.pptx
+++ b/djlee/DB/20211228/실습문제.pptx
@@ -7,6 +7,9 @@
   <p:sldIdLst>
     <p:sldId id="256" r:id="rId2"/>
     <p:sldId id="257" r:id="rId3"/>
+    <p:sldId id="259" r:id="rId4"/>
+    <p:sldId id="260" r:id="rId5"/>
+    <p:sldId id="258" r:id="rId6"/>
   </p:sldIdLst>
   <p:sldSz cx="9144000" cy="6858000" type="screen4x3"/>
   <p:notesSz cx="6858000" cy="9144000"/>
@@ -3503,7 +3506,6 @@
               <a:rPr lang="en-US" altLang="ko-KR" sz="1350" dirty="0"/>
               <a:t>. </a:t>
             </a:r>
-            <a:endParaRPr lang="en-US" altLang="ko-KR" sz="1350" dirty="0"/>
           </a:p>
           <a:p>
             <a:endParaRPr lang="en-US" altLang="ko-KR" sz="1350" dirty="0"/>
@@ -3867,6 +3869,9669 @@
       </p:par>
     </p:tnLst>
   </p:timing>
+</p:sld>
+</file>
+
+<file path=ppt/slides/slide3.xml><?xml version="1.0" encoding="utf-8"?>
+<p:sld xmlns:a="http://schemas.openxmlformats.org/drawingml/2006/main" xmlns:r="http://schemas.openxmlformats.org/officeDocument/2006/relationships" xmlns:p="http://schemas.openxmlformats.org/presentationml/2006/main">
+  <p:cSld>
+    <p:spTree>
+      <p:nvGrpSpPr>
+        <p:cNvPr id="1" name=""/>
+        <p:cNvGrpSpPr/>
+        <p:nvPr/>
+      </p:nvGrpSpPr>
+      <p:grpSpPr>
+        <a:xfrm>
+          <a:off x="0" y="0"/>
+          <a:ext cx="0" cy="0"/>
+          <a:chOff x="0" y="0"/>
+          <a:chExt cx="0" cy="0"/>
+        </a:xfrm>
+      </p:grpSpPr>
+      <p:sp>
+        <p:nvSpPr>
+          <p:cNvPr id="2" name="제목 1"/>
+          <p:cNvSpPr>
+            <a:spLocks noGrp="1"/>
+          </p:cNvSpPr>
+          <p:nvPr>
+            <p:ph type="title"/>
+          </p:nvPr>
+        </p:nvSpPr>
+        <p:spPr/>
+        <p:txBody>
+          <a:bodyPr/>
+          <a:lstStyle/>
+          <a:p>
+            <a:r>
+              <a:rPr lang="ko-KR" altLang="en-US" dirty="0" smtClean="0"/>
+              <a:t>테이블</a:t>
+            </a:r>
+            <a:endParaRPr lang="ko-KR" altLang="en-US" dirty="0"/>
+          </a:p>
+        </p:txBody>
+      </p:sp>
+      <p:sp>
+        <p:nvSpPr>
+          <p:cNvPr id="3" name="내용 개체 틀 2"/>
+          <p:cNvSpPr>
+            <a:spLocks noGrp="1"/>
+          </p:cNvSpPr>
+          <p:nvPr>
+            <p:ph idx="1"/>
+          </p:nvPr>
+        </p:nvSpPr>
+        <p:spPr/>
+        <p:txBody>
+          <a:bodyPr>
+            <a:normAutofit fontScale="85000" lnSpcReduction="20000"/>
+          </a:bodyPr>
+          <a:lstStyle/>
+          <a:p>
+            <a:r>
+              <a:rPr lang="en-US" altLang="ko-KR" dirty="0" smtClean="0"/>
+              <a:t>Book</a:t>
+            </a:r>
+          </a:p>
+          <a:p>
+            <a:pPr lvl="1"/>
+            <a:r>
+              <a:rPr lang="en-US" altLang="ko-KR" dirty="0" err="1"/>
+              <a:t>b</a:t>
+            </a:r>
+            <a:r>
+              <a:rPr lang="en-US" altLang="ko-KR" dirty="0" err="1" smtClean="0"/>
+              <a:t>ookid</a:t>
+            </a:r>
+            <a:r>
+              <a:rPr lang="en-US" altLang="ko-KR" dirty="0" smtClean="0"/>
+              <a:t> </a:t>
+            </a:r>
+            <a:r>
+              <a:rPr lang="ko-KR" altLang="en-US" dirty="0" smtClean="0"/>
+              <a:t>중복되면 안 됨</a:t>
+            </a:r>
+            <a:r>
+              <a:rPr lang="en-US" altLang="ko-KR" dirty="0" smtClean="0"/>
+              <a:t>, </a:t>
+            </a:r>
+            <a:r>
+              <a:rPr lang="ko-KR" altLang="en-US" dirty="0" smtClean="0"/>
+              <a:t>정수</a:t>
+            </a:r>
+            <a:endParaRPr lang="en-US" altLang="ko-KR" dirty="0" smtClean="0"/>
+          </a:p>
+          <a:p>
+            <a:pPr lvl="1"/>
+            <a:r>
+              <a:rPr lang="en-US" altLang="ko-KR" dirty="0" err="1"/>
+              <a:t>b</a:t>
+            </a:r>
+            <a:r>
+              <a:rPr lang="en-US" altLang="ko-KR" dirty="0" err="1" smtClean="0"/>
+              <a:t>ookname</a:t>
+            </a:r>
+            <a:r>
+              <a:rPr lang="en-US" altLang="ko-KR" dirty="0" smtClean="0"/>
+              <a:t> </a:t>
+            </a:r>
+            <a:r>
+              <a:rPr lang="ko-KR" altLang="en-US" dirty="0" smtClean="0"/>
+              <a:t>최대 </a:t>
+            </a:r>
+            <a:r>
+              <a:rPr lang="en-US" altLang="ko-KR" dirty="0" smtClean="0"/>
+              <a:t>40</a:t>
+            </a:r>
+            <a:r>
+              <a:rPr lang="ko-KR" altLang="en-US" dirty="0" smtClean="0"/>
+              <a:t>바이트 허용 문자열</a:t>
+            </a:r>
+            <a:endParaRPr lang="en-US" altLang="ko-KR" dirty="0" smtClean="0"/>
+          </a:p>
+          <a:p>
+            <a:pPr lvl="1"/>
+            <a:r>
+              <a:rPr lang="en-US" altLang="ko-KR" dirty="0"/>
+              <a:t>p</a:t>
+            </a:r>
+            <a:r>
+              <a:rPr lang="en-US" altLang="ko-KR" dirty="0" smtClean="0"/>
+              <a:t>ublisher </a:t>
+            </a:r>
+            <a:r>
+              <a:rPr lang="ko-KR" altLang="en-US" dirty="0" smtClean="0"/>
+              <a:t>최대 </a:t>
+            </a:r>
+            <a:r>
+              <a:rPr lang="en-US" altLang="ko-KR" dirty="0" smtClean="0"/>
+              <a:t>40</a:t>
+            </a:r>
+            <a:r>
+              <a:rPr lang="ko-KR" altLang="en-US" dirty="0" smtClean="0"/>
+              <a:t>바이트 허용</a:t>
+            </a:r>
+            <a:r>
+              <a:rPr lang="ko-KR" altLang="en-US" dirty="0"/>
+              <a:t> 문자열</a:t>
+            </a:r>
+            <a:endParaRPr lang="en-US" altLang="ko-KR" dirty="0" smtClean="0"/>
+          </a:p>
+          <a:p>
+            <a:pPr lvl="1"/>
+            <a:r>
+              <a:rPr lang="en-US" altLang="ko-KR" dirty="0" smtClean="0"/>
+              <a:t>price </a:t>
+            </a:r>
+            <a:r>
+              <a:rPr lang="ko-KR" altLang="en-US" dirty="0" smtClean="0"/>
+              <a:t>정수</a:t>
+            </a:r>
+            <a:endParaRPr lang="en-US" altLang="ko-KR" dirty="0" smtClean="0"/>
+          </a:p>
+          <a:p>
+            <a:endParaRPr lang="en-US" altLang="ko-KR" dirty="0"/>
+          </a:p>
+          <a:p>
+            <a:r>
+              <a:rPr lang="en-US" altLang="ko-KR" dirty="0" smtClean="0"/>
+              <a:t>Customer</a:t>
+            </a:r>
+          </a:p>
+          <a:p>
+            <a:pPr lvl="1"/>
+            <a:r>
+              <a:rPr lang="en-US" altLang="ko-KR" dirty="0" err="1"/>
+              <a:t>c</a:t>
+            </a:r>
+            <a:r>
+              <a:rPr lang="en-US" altLang="ko-KR" dirty="0" err="1" smtClean="0"/>
+              <a:t>ustid</a:t>
+            </a:r>
+            <a:r>
+              <a:rPr lang="en-US" altLang="ko-KR" dirty="0" smtClean="0"/>
+              <a:t> </a:t>
+            </a:r>
+            <a:r>
+              <a:rPr lang="ko-KR" altLang="en-US" dirty="0" smtClean="0"/>
+              <a:t>중복되면 안 됨</a:t>
+            </a:r>
+            <a:r>
+              <a:rPr lang="en-US" altLang="ko-KR" dirty="0" smtClean="0"/>
+              <a:t>, </a:t>
+            </a:r>
+            <a:r>
+              <a:rPr lang="ko-KR" altLang="en-US" dirty="0" smtClean="0"/>
+              <a:t>정수</a:t>
+            </a:r>
+            <a:endParaRPr lang="en-US" altLang="ko-KR" dirty="0" smtClean="0"/>
+          </a:p>
+          <a:p>
+            <a:pPr lvl="1"/>
+            <a:r>
+              <a:rPr lang="en-US" altLang="ko-KR" dirty="0"/>
+              <a:t>n</a:t>
+            </a:r>
+            <a:r>
+              <a:rPr lang="en-US" altLang="ko-KR" dirty="0" smtClean="0"/>
+              <a:t>ame </a:t>
+            </a:r>
+            <a:r>
+              <a:rPr lang="ko-KR" altLang="en-US" dirty="0" smtClean="0"/>
+              <a:t>최대 </a:t>
+            </a:r>
+            <a:r>
+              <a:rPr lang="en-US" altLang="ko-KR" dirty="0" smtClean="0"/>
+              <a:t>40</a:t>
+            </a:r>
+            <a:r>
+              <a:rPr lang="ko-KR" altLang="en-US" dirty="0" smtClean="0"/>
+              <a:t>바이트</a:t>
+            </a:r>
+            <a:r>
+              <a:rPr lang="ko-KR" altLang="en-US" dirty="0"/>
+              <a:t> 문자열</a:t>
+            </a:r>
+            <a:endParaRPr lang="en-US" altLang="ko-KR" dirty="0" smtClean="0"/>
+          </a:p>
+          <a:p>
+            <a:pPr lvl="1"/>
+            <a:r>
+              <a:rPr lang="en-US" altLang="ko-KR" dirty="0"/>
+              <a:t>a</a:t>
+            </a:r>
+            <a:r>
+              <a:rPr lang="en-US" altLang="ko-KR" dirty="0" smtClean="0"/>
+              <a:t>ddress </a:t>
+            </a:r>
+            <a:r>
+              <a:rPr lang="ko-KR" altLang="en-US" dirty="0" smtClean="0"/>
+              <a:t>최대 </a:t>
+            </a:r>
+            <a:r>
+              <a:rPr lang="en-US" altLang="ko-KR" dirty="0" smtClean="0"/>
+              <a:t>50</a:t>
+            </a:r>
+            <a:r>
+              <a:rPr lang="ko-KR" altLang="en-US" dirty="0" smtClean="0"/>
+              <a:t>바이트</a:t>
+            </a:r>
+            <a:r>
+              <a:rPr lang="ko-KR" altLang="en-US" dirty="0"/>
+              <a:t> 문자열</a:t>
+            </a:r>
+            <a:endParaRPr lang="en-US" altLang="ko-KR" dirty="0" smtClean="0"/>
+          </a:p>
+          <a:p>
+            <a:pPr lvl="1"/>
+            <a:r>
+              <a:rPr lang="en-US" altLang="ko-KR" dirty="0" smtClean="0"/>
+              <a:t>phone </a:t>
+            </a:r>
+            <a:r>
+              <a:rPr lang="ko-KR" altLang="en-US" dirty="0" smtClean="0"/>
+              <a:t>최대 </a:t>
+            </a:r>
+            <a:r>
+              <a:rPr lang="en-US" altLang="ko-KR" dirty="0" smtClean="0"/>
+              <a:t>20</a:t>
+            </a:r>
+            <a:r>
+              <a:rPr lang="ko-KR" altLang="en-US" dirty="0" smtClean="0"/>
+              <a:t>바이트</a:t>
+            </a:r>
+            <a:r>
+              <a:rPr lang="ko-KR" altLang="en-US" dirty="0"/>
+              <a:t> 문자열</a:t>
+            </a:r>
+          </a:p>
+        </p:txBody>
+      </p:sp>
+    </p:spTree>
+    <p:extLst>
+      <p:ext uri="{BB962C8B-B14F-4D97-AF65-F5344CB8AC3E}">
+        <p14:creationId xmlns:p14="http://schemas.microsoft.com/office/powerpoint/2010/main" val="2813040200"/>
+      </p:ext>
+    </p:extLst>
+  </p:cSld>
+  <p:clrMapOvr>
+    <a:masterClrMapping/>
+  </p:clrMapOvr>
+  <p:timing>
+    <p:tnLst>
+      <p:par>
+        <p:cTn id="1" dur="indefinite" restart="never" nodeType="tmRoot"/>
+      </p:par>
+    </p:tnLst>
+  </p:timing>
+</p:sld>
+</file>
+
+<file path=ppt/slides/slide4.xml><?xml version="1.0" encoding="utf-8"?>
+<p:sld xmlns:a="http://schemas.openxmlformats.org/drawingml/2006/main" xmlns:r="http://schemas.openxmlformats.org/officeDocument/2006/relationships" xmlns:p="http://schemas.openxmlformats.org/presentationml/2006/main">
+  <p:cSld>
+    <p:spTree>
+      <p:nvGrpSpPr>
+        <p:cNvPr id="1" name=""/>
+        <p:cNvGrpSpPr/>
+        <p:nvPr/>
+      </p:nvGrpSpPr>
+      <p:grpSpPr>
+        <a:xfrm>
+          <a:off x="0" y="0"/>
+          <a:ext cx="0" cy="0"/>
+          <a:chOff x="0" y="0"/>
+          <a:chExt cx="0" cy="0"/>
+        </a:xfrm>
+      </p:grpSpPr>
+      <p:graphicFrame>
+        <p:nvGraphicFramePr>
+          <p:cNvPr id="10" name="표 9"/>
+          <p:cNvGraphicFramePr>
+            <a:graphicFrameLocks noGrp="1"/>
+          </p:cNvGraphicFramePr>
+          <p:nvPr>
+            <p:extLst/>
+          </p:nvPr>
+        </p:nvGraphicFramePr>
+        <p:xfrm>
+          <a:off x="748576" y="1302534"/>
+          <a:ext cx="2761080" cy="2343722"/>
+        </p:xfrm>
+        <a:graphic>
+          <a:graphicData uri="http://schemas.openxmlformats.org/drawingml/2006/table">
+            <a:tbl>
+              <a:tblPr/>
+              <a:tblGrid>
+                <a:gridCol w="542954">
+                  <a:extLst>
+                    <a:ext uri="{9D8B030D-6E8A-4147-A177-3AD203B41FA5}">
+                      <a16:colId xmlns:a16="http://schemas.microsoft.com/office/drawing/2014/main" val="20000"/>
+                    </a:ext>
+                  </a:extLst>
+                </a:gridCol>
+                <a:gridCol w="1029995">
+                  <a:extLst>
+                    <a:ext uri="{9D8B030D-6E8A-4147-A177-3AD203B41FA5}">
+                      <a16:colId xmlns:a16="http://schemas.microsoft.com/office/drawing/2014/main" val="20001"/>
+                    </a:ext>
+                  </a:extLst>
+                </a:gridCol>
+                <a:gridCol w="702078">
+                  <a:extLst>
+                    <a:ext uri="{9D8B030D-6E8A-4147-A177-3AD203B41FA5}">
+                      <a16:colId xmlns:a16="http://schemas.microsoft.com/office/drawing/2014/main" val="20002"/>
+                    </a:ext>
+                  </a:extLst>
+                </a:gridCol>
+                <a:gridCol w="486054">
+                  <a:extLst>
+                    <a:ext uri="{9D8B030D-6E8A-4147-A177-3AD203B41FA5}">
+                      <a16:colId xmlns:a16="http://schemas.microsoft.com/office/drawing/2014/main" val="20003"/>
+                    </a:ext>
+                  </a:extLst>
+                </a:gridCol>
+              </a:tblGrid>
+              <a:tr h="246317">
+                <a:tc>
+                  <a:txBody>
+                    <a:bodyPr/>
+                    <a:lstStyle/>
+                    <a:p>
+                      <a:pPr marL="0" marR="0" algn="ctr">
+                        <a:lnSpc>
+                          <a:spcPct val="160000"/>
+                        </a:lnSpc>
+                        <a:spcBef>
+                          <a:spcPts val="0"/>
+                        </a:spcBef>
+                        <a:spcAft>
+                          <a:spcPts val="0"/>
+                        </a:spcAft>
+                      </a:pPr>
+                      <a:r>
+                        <a:rPr lang="en-US" sz="900" b="1" dirty="0" err="1">
+                          <a:solidFill>
+                            <a:srgbClr val="000000"/>
+                          </a:solidFill>
+                          <a:effectLst/>
+                          <a:latin typeface="+mj-ea"/>
+                          <a:ea typeface="+mj-ea"/>
+                        </a:rPr>
+                        <a:t>bookid</a:t>
+                      </a:r>
+                      <a:endParaRPr lang="en-US" sz="900" b="1" dirty="0">
+                        <a:solidFill>
+                          <a:srgbClr val="000000"/>
+                        </a:solidFill>
+                        <a:effectLst/>
+                        <a:latin typeface="+mj-ea"/>
+                        <a:ea typeface="+mj-ea"/>
+                      </a:endParaRPr>
+                    </a:p>
+                  </a:txBody>
+                  <a:tcPr marL="48578" marR="48578" marT="13430" marB="13430" anchor="ctr">
+                    <a:lnL w="3556" cap="flat" cmpd="sng" algn="ctr">
+                      <a:solidFill>
+                        <a:srgbClr val="000000"/>
+                      </a:solidFill>
+                      <a:prstDash val="solid"/>
+                      <a:round/>
+                      <a:headEnd type="none" w="med" len="med"/>
+                      <a:tailEnd type="none" w="med" len="med"/>
+                    </a:lnL>
+                    <a:lnR w="3556" cap="flat" cmpd="sng" algn="ctr">
+                      <a:solidFill>
+                        <a:srgbClr val="000000"/>
+                      </a:solidFill>
+                      <a:prstDash val="solid"/>
+                      <a:round/>
+                      <a:headEnd type="none" w="med" len="med"/>
+                      <a:tailEnd type="none" w="med" len="med"/>
+                    </a:lnR>
+                    <a:lnT w="3556" cap="flat" cmpd="sng" algn="ctr">
+                      <a:solidFill>
+                        <a:srgbClr val="000000"/>
+                      </a:solidFill>
+                      <a:prstDash val="solid"/>
+                      <a:round/>
+                      <a:headEnd type="none" w="med" len="med"/>
+                      <a:tailEnd type="none" w="med" len="med"/>
+                    </a:lnT>
+                    <a:lnB w="3556" cap="flat" cmpd="sng" algn="ctr">
+                      <a:solidFill>
+                        <a:srgbClr val="000000"/>
+                      </a:solidFill>
+                      <a:prstDash val="solid"/>
+                      <a:round/>
+                      <a:headEnd type="none" w="med" len="med"/>
+                      <a:tailEnd type="none" w="med" len="med"/>
+                    </a:lnB>
+                    <a:solidFill>
+                      <a:schemeClr val="tx2">
+                        <a:lumMod val="20000"/>
+                        <a:lumOff val="80000"/>
+                      </a:schemeClr>
+                    </a:solidFill>
+                  </a:tcPr>
+                </a:tc>
+                <a:tc>
+                  <a:txBody>
+                    <a:bodyPr/>
+                    <a:lstStyle/>
+                    <a:p>
+                      <a:pPr marL="0" marR="0" algn="ctr">
+                        <a:lnSpc>
+                          <a:spcPct val="160000"/>
+                        </a:lnSpc>
+                        <a:spcBef>
+                          <a:spcPts val="0"/>
+                        </a:spcBef>
+                        <a:spcAft>
+                          <a:spcPts val="0"/>
+                        </a:spcAft>
+                      </a:pPr>
+                      <a:r>
+                        <a:rPr lang="en-US" sz="900" b="1" dirty="0" err="1" smtClean="0">
+                          <a:solidFill>
+                            <a:srgbClr val="000000"/>
+                          </a:solidFill>
+                          <a:effectLst/>
+                          <a:latin typeface="+mj-ea"/>
+                          <a:ea typeface="+mj-ea"/>
+                        </a:rPr>
+                        <a:t>bookname</a:t>
+                      </a:r>
+                      <a:endParaRPr lang="en-US" sz="900" b="1" dirty="0" smtClean="0">
+                        <a:solidFill>
+                          <a:srgbClr val="000000"/>
+                        </a:solidFill>
+                        <a:effectLst/>
+                        <a:latin typeface="+mj-ea"/>
+                        <a:ea typeface="+mj-ea"/>
+                      </a:endParaRPr>
+                    </a:p>
+                  </a:txBody>
+                  <a:tcPr marL="48578" marR="48578" marT="13430" marB="13430" anchor="ctr">
+                    <a:lnL w="3556" cap="flat" cmpd="sng" algn="ctr">
+                      <a:solidFill>
+                        <a:srgbClr val="000000"/>
+                      </a:solidFill>
+                      <a:prstDash val="solid"/>
+                      <a:round/>
+                      <a:headEnd type="none" w="med" len="med"/>
+                      <a:tailEnd type="none" w="med" len="med"/>
+                    </a:lnL>
+                    <a:lnR w="3556" cap="flat" cmpd="sng" algn="ctr">
+                      <a:solidFill>
+                        <a:srgbClr val="000000"/>
+                      </a:solidFill>
+                      <a:prstDash val="solid"/>
+                      <a:round/>
+                      <a:headEnd type="none" w="med" len="med"/>
+                      <a:tailEnd type="none" w="med" len="med"/>
+                    </a:lnR>
+                    <a:lnT w="3556" cap="flat" cmpd="sng" algn="ctr">
+                      <a:solidFill>
+                        <a:srgbClr val="000000"/>
+                      </a:solidFill>
+                      <a:prstDash val="solid"/>
+                      <a:round/>
+                      <a:headEnd type="none" w="med" len="med"/>
+                      <a:tailEnd type="none" w="med" len="med"/>
+                    </a:lnT>
+                    <a:lnB w="3556" cap="flat" cmpd="sng" algn="ctr">
+                      <a:solidFill>
+                        <a:srgbClr val="000000"/>
+                      </a:solidFill>
+                      <a:prstDash val="solid"/>
+                      <a:round/>
+                      <a:headEnd type="none" w="med" len="med"/>
+                      <a:tailEnd type="none" w="med" len="med"/>
+                    </a:lnB>
+                    <a:solidFill>
+                      <a:schemeClr val="tx2">
+                        <a:lumMod val="20000"/>
+                        <a:lumOff val="80000"/>
+                      </a:schemeClr>
+                    </a:solidFill>
+                  </a:tcPr>
+                </a:tc>
+                <a:tc>
+                  <a:txBody>
+                    <a:bodyPr/>
+                    <a:lstStyle/>
+                    <a:p>
+                      <a:pPr marL="0" marR="0" algn="ctr">
+                        <a:lnSpc>
+                          <a:spcPct val="160000"/>
+                        </a:lnSpc>
+                        <a:spcBef>
+                          <a:spcPts val="0"/>
+                        </a:spcBef>
+                        <a:spcAft>
+                          <a:spcPts val="0"/>
+                        </a:spcAft>
+                      </a:pPr>
+                      <a:r>
+                        <a:rPr lang="en-US" sz="900" b="1" dirty="0">
+                          <a:solidFill>
+                            <a:srgbClr val="000000"/>
+                          </a:solidFill>
+                          <a:effectLst/>
+                          <a:latin typeface="+mj-ea"/>
+                          <a:ea typeface="+mj-ea"/>
+                        </a:rPr>
+                        <a:t>publisher</a:t>
+                      </a:r>
+                    </a:p>
+                  </a:txBody>
+                  <a:tcPr marL="48578" marR="48578" marT="13430" marB="13430" anchor="ctr">
+                    <a:lnL w="3556" cap="flat" cmpd="sng" algn="ctr">
+                      <a:solidFill>
+                        <a:srgbClr val="000000"/>
+                      </a:solidFill>
+                      <a:prstDash val="solid"/>
+                      <a:round/>
+                      <a:headEnd type="none" w="med" len="med"/>
+                      <a:tailEnd type="none" w="med" len="med"/>
+                    </a:lnL>
+                    <a:lnR w="3556" cap="flat" cmpd="sng" algn="ctr">
+                      <a:solidFill>
+                        <a:srgbClr val="000000"/>
+                      </a:solidFill>
+                      <a:prstDash val="solid"/>
+                      <a:round/>
+                      <a:headEnd type="none" w="med" len="med"/>
+                      <a:tailEnd type="none" w="med" len="med"/>
+                    </a:lnR>
+                    <a:lnT w="3556" cap="flat" cmpd="sng" algn="ctr">
+                      <a:solidFill>
+                        <a:srgbClr val="000000"/>
+                      </a:solidFill>
+                      <a:prstDash val="solid"/>
+                      <a:round/>
+                      <a:headEnd type="none" w="med" len="med"/>
+                      <a:tailEnd type="none" w="med" len="med"/>
+                    </a:lnT>
+                    <a:lnB w="3556" cap="flat" cmpd="sng" algn="ctr">
+                      <a:solidFill>
+                        <a:srgbClr val="000000"/>
+                      </a:solidFill>
+                      <a:prstDash val="solid"/>
+                      <a:round/>
+                      <a:headEnd type="none" w="med" len="med"/>
+                      <a:tailEnd type="none" w="med" len="med"/>
+                    </a:lnB>
+                    <a:solidFill>
+                      <a:schemeClr val="tx2">
+                        <a:lumMod val="20000"/>
+                        <a:lumOff val="80000"/>
+                      </a:schemeClr>
+                    </a:solidFill>
+                  </a:tcPr>
+                </a:tc>
+                <a:tc>
+                  <a:txBody>
+                    <a:bodyPr/>
+                    <a:lstStyle/>
+                    <a:p>
+                      <a:pPr marL="0" marR="0" algn="ctr">
+                        <a:lnSpc>
+                          <a:spcPct val="160000"/>
+                        </a:lnSpc>
+                        <a:spcBef>
+                          <a:spcPts val="0"/>
+                        </a:spcBef>
+                        <a:spcAft>
+                          <a:spcPts val="0"/>
+                        </a:spcAft>
+                      </a:pPr>
+                      <a:r>
+                        <a:rPr lang="en-US" sz="900" b="1" dirty="0">
+                          <a:solidFill>
+                            <a:srgbClr val="000000"/>
+                          </a:solidFill>
+                          <a:effectLst/>
+                          <a:latin typeface="+mj-ea"/>
+                          <a:ea typeface="+mj-ea"/>
+                        </a:rPr>
+                        <a:t>price</a:t>
+                      </a:r>
+                    </a:p>
+                  </a:txBody>
+                  <a:tcPr marL="48578" marR="48578" marT="13430" marB="13430" anchor="ctr">
+                    <a:lnL w="3556" cap="flat" cmpd="sng" algn="ctr">
+                      <a:solidFill>
+                        <a:srgbClr val="000000"/>
+                      </a:solidFill>
+                      <a:prstDash val="solid"/>
+                      <a:round/>
+                      <a:headEnd type="none" w="med" len="med"/>
+                      <a:tailEnd type="none" w="med" len="med"/>
+                    </a:lnL>
+                    <a:lnR w="3556" cap="flat" cmpd="sng" algn="ctr">
+                      <a:solidFill>
+                        <a:srgbClr val="000000"/>
+                      </a:solidFill>
+                      <a:prstDash val="solid"/>
+                      <a:round/>
+                      <a:headEnd type="none" w="med" len="med"/>
+                      <a:tailEnd type="none" w="med" len="med"/>
+                    </a:lnR>
+                    <a:lnT w="3556" cap="flat" cmpd="sng" algn="ctr">
+                      <a:solidFill>
+                        <a:srgbClr val="000000"/>
+                      </a:solidFill>
+                      <a:prstDash val="solid"/>
+                      <a:round/>
+                      <a:headEnd type="none" w="med" len="med"/>
+                      <a:tailEnd type="none" w="med" len="med"/>
+                    </a:lnT>
+                    <a:lnB w="3556" cap="flat" cmpd="sng" algn="ctr">
+                      <a:solidFill>
+                        <a:srgbClr val="000000"/>
+                      </a:solidFill>
+                      <a:prstDash val="solid"/>
+                      <a:round/>
+                      <a:headEnd type="none" w="med" len="med"/>
+                      <a:tailEnd type="none" w="med" len="med"/>
+                    </a:lnB>
+                    <a:solidFill>
+                      <a:schemeClr val="tx2">
+                        <a:lumMod val="20000"/>
+                        <a:lumOff val="80000"/>
+                      </a:schemeClr>
+                    </a:solidFill>
+                  </a:tcPr>
+                </a:tc>
+                <a:extLst>
+                  <a:ext uri="{0D108BD9-81ED-4DB2-BD59-A6C34878D82A}">
+                    <a16:rowId xmlns:a16="http://schemas.microsoft.com/office/drawing/2014/main" val="10000"/>
+                  </a:ext>
+                </a:extLst>
+              </a:tr>
+              <a:tr h="209741">
+                <a:tc>
+                  <a:txBody>
+                    <a:bodyPr/>
+                    <a:lstStyle/>
+                    <a:p>
+                      <a:pPr marL="0" marR="0" algn="ctr">
+                        <a:lnSpc>
+                          <a:spcPct val="160000"/>
+                        </a:lnSpc>
+                        <a:spcBef>
+                          <a:spcPts val="0"/>
+                        </a:spcBef>
+                        <a:spcAft>
+                          <a:spcPts val="0"/>
+                        </a:spcAft>
+                      </a:pPr>
+                      <a:r>
+                        <a:rPr lang="en-US" sz="800" dirty="0">
+                          <a:solidFill>
+                            <a:srgbClr val="000000"/>
+                          </a:solidFill>
+                          <a:effectLst/>
+                          <a:latin typeface="+mj-ea"/>
+                          <a:ea typeface="+mj-ea"/>
+                        </a:rPr>
+                        <a:t>1</a:t>
+                      </a:r>
+                    </a:p>
+                  </a:txBody>
+                  <a:tcPr marL="48578" marR="48578" marT="13430" marB="13430" anchor="ctr">
+                    <a:lnL w="3556" cap="flat" cmpd="sng" algn="ctr">
+                      <a:solidFill>
+                        <a:srgbClr val="000000"/>
+                      </a:solidFill>
+                      <a:prstDash val="solid"/>
+                      <a:round/>
+                      <a:headEnd type="none" w="med" len="med"/>
+                      <a:tailEnd type="none" w="med" len="med"/>
+                    </a:lnL>
+                    <a:lnR w="3556" cap="flat" cmpd="sng" algn="ctr">
+                      <a:solidFill>
+                        <a:srgbClr val="000000"/>
+                      </a:solidFill>
+                      <a:prstDash val="solid"/>
+                      <a:round/>
+                      <a:headEnd type="none" w="med" len="med"/>
+                      <a:tailEnd type="none" w="med" len="med"/>
+                    </a:lnR>
+                    <a:lnT w="3556" cap="flat" cmpd="sng" algn="ctr">
+                      <a:solidFill>
+                        <a:srgbClr val="000000"/>
+                      </a:solidFill>
+                      <a:prstDash val="solid"/>
+                      <a:round/>
+                      <a:headEnd type="none" w="med" len="med"/>
+                      <a:tailEnd type="none" w="med" len="med"/>
+                    </a:lnT>
+                    <a:lnB w="3556" cap="flat" cmpd="sng" algn="ctr">
+                      <a:solidFill>
+                        <a:srgbClr val="000000"/>
+                      </a:solidFill>
+                      <a:prstDash val="solid"/>
+                      <a:round/>
+                      <a:headEnd type="none" w="med" len="med"/>
+                      <a:tailEnd type="none" w="med" len="med"/>
+                    </a:lnB>
+                  </a:tcPr>
+                </a:tc>
+                <a:tc>
+                  <a:txBody>
+                    <a:bodyPr/>
+                    <a:lstStyle/>
+                    <a:p>
+                      <a:pPr marL="0" marR="0" algn="l">
+                        <a:lnSpc>
+                          <a:spcPct val="160000"/>
+                        </a:lnSpc>
+                        <a:spcBef>
+                          <a:spcPts val="0"/>
+                        </a:spcBef>
+                        <a:spcAft>
+                          <a:spcPts val="0"/>
+                        </a:spcAft>
+                      </a:pPr>
+                      <a:r>
+                        <a:rPr lang="ko-KR" altLang="en-US" sz="800" dirty="0">
+                          <a:solidFill>
+                            <a:srgbClr val="000000"/>
+                          </a:solidFill>
+                          <a:effectLst/>
+                          <a:latin typeface="+mj-ea"/>
+                          <a:ea typeface="+mj-ea"/>
+                        </a:rPr>
+                        <a:t>축구의 역사</a:t>
+                      </a:r>
+                    </a:p>
+                  </a:txBody>
+                  <a:tcPr marL="48578" marR="48578" marT="13430" marB="13430" anchor="ctr">
+                    <a:lnL w="3556" cap="flat" cmpd="sng" algn="ctr">
+                      <a:solidFill>
+                        <a:srgbClr val="000000"/>
+                      </a:solidFill>
+                      <a:prstDash val="solid"/>
+                      <a:round/>
+                      <a:headEnd type="none" w="med" len="med"/>
+                      <a:tailEnd type="none" w="med" len="med"/>
+                    </a:lnL>
+                    <a:lnR w="3556" cap="flat" cmpd="sng" algn="ctr">
+                      <a:solidFill>
+                        <a:srgbClr val="000000"/>
+                      </a:solidFill>
+                      <a:prstDash val="solid"/>
+                      <a:round/>
+                      <a:headEnd type="none" w="med" len="med"/>
+                      <a:tailEnd type="none" w="med" len="med"/>
+                    </a:lnR>
+                    <a:lnT w="3556" cap="flat" cmpd="sng" algn="ctr">
+                      <a:solidFill>
+                        <a:srgbClr val="000000"/>
+                      </a:solidFill>
+                      <a:prstDash val="solid"/>
+                      <a:round/>
+                      <a:headEnd type="none" w="med" len="med"/>
+                      <a:tailEnd type="none" w="med" len="med"/>
+                    </a:lnT>
+                    <a:lnB w="3556" cap="flat" cmpd="sng" algn="ctr">
+                      <a:solidFill>
+                        <a:srgbClr val="000000"/>
+                      </a:solidFill>
+                      <a:prstDash val="solid"/>
+                      <a:round/>
+                      <a:headEnd type="none" w="med" len="med"/>
+                      <a:tailEnd type="none" w="med" len="med"/>
+                    </a:lnB>
+                  </a:tcPr>
+                </a:tc>
+                <a:tc>
+                  <a:txBody>
+                    <a:bodyPr/>
+                    <a:lstStyle/>
+                    <a:p>
+                      <a:pPr marL="0" marR="0" algn="l">
+                        <a:lnSpc>
+                          <a:spcPct val="160000"/>
+                        </a:lnSpc>
+                        <a:spcBef>
+                          <a:spcPts val="0"/>
+                        </a:spcBef>
+                        <a:spcAft>
+                          <a:spcPts val="0"/>
+                        </a:spcAft>
+                      </a:pPr>
+                      <a:r>
+                        <a:rPr lang="ko-KR" altLang="en-US" sz="800" dirty="0" err="1">
+                          <a:solidFill>
+                            <a:srgbClr val="000000"/>
+                          </a:solidFill>
+                          <a:effectLst/>
+                          <a:latin typeface="+mj-ea"/>
+                          <a:ea typeface="+mj-ea"/>
+                        </a:rPr>
+                        <a:t>굿스포츠</a:t>
+                      </a:r>
+                      <a:endParaRPr lang="ko-KR" altLang="en-US" sz="800" dirty="0">
+                        <a:solidFill>
+                          <a:srgbClr val="000000"/>
+                        </a:solidFill>
+                        <a:effectLst/>
+                        <a:latin typeface="+mj-ea"/>
+                        <a:ea typeface="+mj-ea"/>
+                      </a:endParaRPr>
+                    </a:p>
+                  </a:txBody>
+                  <a:tcPr marL="48578" marR="48578" marT="13430" marB="13430" anchor="ctr">
+                    <a:lnL w="3556" cap="flat" cmpd="sng" algn="ctr">
+                      <a:solidFill>
+                        <a:srgbClr val="000000"/>
+                      </a:solidFill>
+                      <a:prstDash val="solid"/>
+                      <a:round/>
+                      <a:headEnd type="none" w="med" len="med"/>
+                      <a:tailEnd type="none" w="med" len="med"/>
+                    </a:lnL>
+                    <a:lnR w="3556" cap="flat" cmpd="sng" algn="ctr">
+                      <a:solidFill>
+                        <a:srgbClr val="000000"/>
+                      </a:solidFill>
+                      <a:prstDash val="solid"/>
+                      <a:round/>
+                      <a:headEnd type="none" w="med" len="med"/>
+                      <a:tailEnd type="none" w="med" len="med"/>
+                    </a:lnR>
+                    <a:lnT w="3556" cap="flat" cmpd="sng" algn="ctr">
+                      <a:solidFill>
+                        <a:srgbClr val="000000"/>
+                      </a:solidFill>
+                      <a:prstDash val="solid"/>
+                      <a:round/>
+                      <a:headEnd type="none" w="med" len="med"/>
+                      <a:tailEnd type="none" w="med" len="med"/>
+                    </a:lnT>
+                    <a:lnB w="3556" cap="flat" cmpd="sng" algn="ctr">
+                      <a:solidFill>
+                        <a:srgbClr val="000000"/>
+                      </a:solidFill>
+                      <a:prstDash val="solid"/>
+                      <a:round/>
+                      <a:headEnd type="none" w="med" len="med"/>
+                      <a:tailEnd type="none" w="med" len="med"/>
+                    </a:lnB>
+                  </a:tcPr>
+                </a:tc>
+                <a:tc>
+                  <a:txBody>
+                    <a:bodyPr/>
+                    <a:lstStyle/>
+                    <a:p>
+                      <a:pPr marL="0" marR="0" algn="r">
+                        <a:lnSpc>
+                          <a:spcPct val="160000"/>
+                        </a:lnSpc>
+                        <a:spcBef>
+                          <a:spcPts val="0"/>
+                        </a:spcBef>
+                        <a:spcAft>
+                          <a:spcPts val="0"/>
+                        </a:spcAft>
+                      </a:pPr>
+                      <a:r>
+                        <a:rPr lang="en-US" sz="800" dirty="0">
+                          <a:solidFill>
+                            <a:srgbClr val="000000"/>
+                          </a:solidFill>
+                          <a:effectLst/>
+                          <a:latin typeface="+mj-ea"/>
+                          <a:ea typeface="+mj-ea"/>
+                        </a:rPr>
+                        <a:t>7000</a:t>
+                      </a:r>
+                    </a:p>
+                  </a:txBody>
+                  <a:tcPr marL="48578" marR="48578" marT="13430" marB="13430" anchor="ctr">
+                    <a:lnL w="3556" cap="flat" cmpd="sng" algn="ctr">
+                      <a:solidFill>
+                        <a:srgbClr val="000000"/>
+                      </a:solidFill>
+                      <a:prstDash val="solid"/>
+                      <a:round/>
+                      <a:headEnd type="none" w="med" len="med"/>
+                      <a:tailEnd type="none" w="med" len="med"/>
+                    </a:lnL>
+                    <a:lnR w="3556" cap="flat" cmpd="sng" algn="ctr">
+                      <a:solidFill>
+                        <a:srgbClr val="000000"/>
+                      </a:solidFill>
+                      <a:prstDash val="solid"/>
+                      <a:round/>
+                      <a:headEnd type="none" w="med" len="med"/>
+                      <a:tailEnd type="none" w="med" len="med"/>
+                    </a:lnR>
+                    <a:lnT w="3556" cap="flat" cmpd="sng" algn="ctr">
+                      <a:solidFill>
+                        <a:srgbClr val="000000"/>
+                      </a:solidFill>
+                      <a:prstDash val="solid"/>
+                      <a:round/>
+                      <a:headEnd type="none" w="med" len="med"/>
+                      <a:tailEnd type="none" w="med" len="med"/>
+                    </a:lnT>
+                    <a:lnB w="3556" cap="flat" cmpd="sng" algn="ctr">
+                      <a:solidFill>
+                        <a:srgbClr val="000000"/>
+                      </a:solidFill>
+                      <a:prstDash val="solid"/>
+                      <a:round/>
+                      <a:headEnd type="none" w="med" len="med"/>
+                      <a:tailEnd type="none" w="med" len="med"/>
+                    </a:lnB>
+                  </a:tcPr>
+                </a:tc>
+                <a:extLst>
+                  <a:ext uri="{0D108BD9-81ED-4DB2-BD59-A6C34878D82A}">
+                    <a16:rowId xmlns:a16="http://schemas.microsoft.com/office/drawing/2014/main" val="10001"/>
+                  </a:ext>
+                </a:extLst>
+              </a:tr>
+              <a:tr h="209741">
+                <a:tc>
+                  <a:txBody>
+                    <a:bodyPr/>
+                    <a:lstStyle/>
+                    <a:p>
+                      <a:pPr marL="0" marR="0" algn="ctr">
+                        <a:lnSpc>
+                          <a:spcPct val="160000"/>
+                        </a:lnSpc>
+                        <a:spcBef>
+                          <a:spcPts val="0"/>
+                        </a:spcBef>
+                        <a:spcAft>
+                          <a:spcPts val="0"/>
+                        </a:spcAft>
+                      </a:pPr>
+                      <a:r>
+                        <a:rPr lang="en-US" sz="800" dirty="0">
+                          <a:solidFill>
+                            <a:srgbClr val="000000"/>
+                          </a:solidFill>
+                          <a:effectLst/>
+                          <a:latin typeface="+mj-ea"/>
+                          <a:ea typeface="+mj-ea"/>
+                        </a:rPr>
+                        <a:t>2</a:t>
+                      </a:r>
+                    </a:p>
+                  </a:txBody>
+                  <a:tcPr marL="48578" marR="48578" marT="13430" marB="13430" anchor="ctr">
+                    <a:lnL w="3556" cap="flat" cmpd="sng" algn="ctr">
+                      <a:solidFill>
+                        <a:srgbClr val="000000"/>
+                      </a:solidFill>
+                      <a:prstDash val="solid"/>
+                      <a:round/>
+                      <a:headEnd type="none" w="med" len="med"/>
+                      <a:tailEnd type="none" w="med" len="med"/>
+                    </a:lnL>
+                    <a:lnR w="3556" cap="flat" cmpd="sng" algn="ctr">
+                      <a:solidFill>
+                        <a:srgbClr val="000000"/>
+                      </a:solidFill>
+                      <a:prstDash val="solid"/>
+                      <a:round/>
+                      <a:headEnd type="none" w="med" len="med"/>
+                      <a:tailEnd type="none" w="med" len="med"/>
+                    </a:lnR>
+                    <a:lnT w="3556" cap="flat" cmpd="sng" algn="ctr">
+                      <a:solidFill>
+                        <a:srgbClr val="000000"/>
+                      </a:solidFill>
+                      <a:prstDash val="solid"/>
+                      <a:round/>
+                      <a:headEnd type="none" w="med" len="med"/>
+                      <a:tailEnd type="none" w="med" len="med"/>
+                    </a:lnT>
+                    <a:lnB w="3556" cap="flat" cmpd="sng" algn="ctr">
+                      <a:solidFill>
+                        <a:srgbClr val="000000"/>
+                      </a:solidFill>
+                      <a:prstDash val="solid"/>
+                      <a:round/>
+                      <a:headEnd type="none" w="med" len="med"/>
+                      <a:tailEnd type="none" w="med" len="med"/>
+                    </a:lnB>
+                  </a:tcPr>
+                </a:tc>
+                <a:tc>
+                  <a:txBody>
+                    <a:bodyPr/>
+                    <a:lstStyle/>
+                    <a:p>
+                      <a:pPr marL="0" marR="0" algn="l">
+                        <a:lnSpc>
+                          <a:spcPct val="160000"/>
+                        </a:lnSpc>
+                        <a:spcBef>
+                          <a:spcPts val="0"/>
+                        </a:spcBef>
+                        <a:spcAft>
+                          <a:spcPts val="0"/>
+                        </a:spcAft>
+                      </a:pPr>
+                      <a:r>
+                        <a:rPr lang="ko-KR" altLang="en-US" sz="800" dirty="0" err="1" smtClean="0">
+                          <a:solidFill>
+                            <a:srgbClr val="000000"/>
+                          </a:solidFill>
+                          <a:effectLst/>
+                          <a:latin typeface="+mj-ea"/>
+                          <a:ea typeface="+mj-ea"/>
+                        </a:rPr>
+                        <a:t>축구아는</a:t>
+                      </a:r>
+                      <a:r>
+                        <a:rPr lang="ko-KR" altLang="en-US" sz="800" dirty="0" smtClean="0">
+                          <a:solidFill>
+                            <a:srgbClr val="000000"/>
+                          </a:solidFill>
+                          <a:effectLst/>
+                          <a:latin typeface="+mj-ea"/>
+                          <a:ea typeface="+mj-ea"/>
+                        </a:rPr>
+                        <a:t> </a:t>
+                      </a:r>
+                      <a:r>
+                        <a:rPr lang="ko-KR" altLang="en-US" sz="800" dirty="0">
+                          <a:solidFill>
+                            <a:srgbClr val="000000"/>
+                          </a:solidFill>
+                          <a:effectLst/>
+                          <a:latin typeface="+mj-ea"/>
+                          <a:ea typeface="+mj-ea"/>
+                        </a:rPr>
+                        <a:t>여자</a:t>
+                      </a:r>
+                    </a:p>
+                  </a:txBody>
+                  <a:tcPr marL="48578" marR="48578" marT="13430" marB="13430" anchor="ctr">
+                    <a:lnL w="3556" cap="flat" cmpd="sng" algn="ctr">
+                      <a:solidFill>
+                        <a:srgbClr val="000000"/>
+                      </a:solidFill>
+                      <a:prstDash val="solid"/>
+                      <a:round/>
+                      <a:headEnd type="none" w="med" len="med"/>
+                      <a:tailEnd type="none" w="med" len="med"/>
+                    </a:lnL>
+                    <a:lnR w="3556" cap="flat" cmpd="sng" algn="ctr">
+                      <a:solidFill>
+                        <a:srgbClr val="000000"/>
+                      </a:solidFill>
+                      <a:prstDash val="solid"/>
+                      <a:round/>
+                      <a:headEnd type="none" w="med" len="med"/>
+                      <a:tailEnd type="none" w="med" len="med"/>
+                    </a:lnR>
+                    <a:lnT w="3556" cap="flat" cmpd="sng" algn="ctr">
+                      <a:solidFill>
+                        <a:srgbClr val="000000"/>
+                      </a:solidFill>
+                      <a:prstDash val="solid"/>
+                      <a:round/>
+                      <a:headEnd type="none" w="med" len="med"/>
+                      <a:tailEnd type="none" w="med" len="med"/>
+                    </a:lnT>
+                    <a:lnB w="3556" cap="flat" cmpd="sng" algn="ctr">
+                      <a:solidFill>
+                        <a:srgbClr val="000000"/>
+                      </a:solidFill>
+                      <a:prstDash val="solid"/>
+                      <a:round/>
+                      <a:headEnd type="none" w="med" len="med"/>
+                      <a:tailEnd type="none" w="med" len="med"/>
+                    </a:lnB>
+                  </a:tcPr>
+                </a:tc>
+                <a:tc>
+                  <a:txBody>
+                    <a:bodyPr/>
+                    <a:lstStyle/>
+                    <a:p>
+                      <a:pPr marL="0" marR="0" algn="l">
+                        <a:lnSpc>
+                          <a:spcPct val="160000"/>
+                        </a:lnSpc>
+                        <a:spcBef>
+                          <a:spcPts val="0"/>
+                        </a:spcBef>
+                        <a:spcAft>
+                          <a:spcPts val="0"/>
+                        </a:spcAft>
+                      </a:pPr>
+                      <a:r>
+                        <a:rPr lang="ko-KR" altLang="en-US" sz="800" dirty="0" err="1">
+                          <a:solidFill>
+                            <a:srgbClr val="000000"/>
+                          </a:solidFill>
+                          <a:effectLst/>
+                          <a:latin typeface="+mj-ea"/>
+                          <a:ea typeface="+mj-ea"/>
+                        </a:rPr>
+                        <a:t>나무수</a:t>
+                      </a:r>
+                      <a:endParaRPr lang="ko-KR" altLang="en-US" sz="800" dirty="0">
+                        <a:solidFill>
+                          <a:srgbClr val="000000"/>
+                        </a:solidFill>
+                        <a:effectLst/>
+                        <a:latin typeface="+mj-ea"/>
+                        <a:ea typeface="+mj-ea"/>
+                      </a:endParaRPr>
+                    </a:p>
+                  </a:txBody>
+                  <a:tcPr marL="48578" marR="48578" marT="13430" marB="13430" anchor="ctr">
+                    <a:lnL w="3556" cap="flat" cmpd="sng" algn="ctr">
+                      <a:solidFill>
+                        <a:srgbClr val="000000"/>
+                      </a:solidFill>
+                      <a:prstDash val="solid"/>
+                      <a:round/>
+                      <a:headEnd type="none" w="med" len="med"/>
+                      <a:tailEnd type="none" w="med" len="med"/>
+                    </a:lnL>
+                    <a:lnR w="3556" cap="flat" cmpd="sng" algn="ctr">
+                      <a:solidFill>
+                        <a:srgbClr val="000000"/>
+                      </a:solidFill>
+                      <a:prstDash val="solid"/>
+                      <a:round/>
+                      <a:headEnd type="none" w="med" len="med"/>
+                      <a:tailEnd type="none" w="med" len="med"/>
+                    </a:lnR>
+                    <a:lnT w="3556" cap="flat" cmpd="sng" algn="ctr">
+                      <a:solidFill>
+                        <a:srgbClr val="000000"/>
+                      </a:solidFill>
+                      <a:prstDash val="solid"/>
+                      <a:round/>
+                      <a:headEnd type="none" w="med" len="med"/>
+                      <a:tailEnd type="none" w="med" len="med"/>
+                    </a:lnT>
+                    <a:lnB w="3556" cap="flat" cmpd="sng" algn="ctr">
+                      <a:solidFill>
+                        <a:srgbClr val="000000"/>
+                      </a:solidFill>
+                      <a:prstDash val="solid"/>
+                      <a:round/>
+                      <a:headEnd type="none" w="med" len="med"/>
+                      <a:tailEnd type="none" w="med" len="med"/>
+                    </a:lnB>
+                  </a:tcPr>
+                </a:tc>
+                <a:tc>
+                  <a:txBody>
+                    <a:bodyPr/>
+                    <a:lstStyle/>
+                    <a:p>
+                      <a:pPr marL="0" marR="0" algn="r">
+                        <a:lnSpc>
+                          <a:spcPct val="160000"/>
+                        </a:lnSpc>
+                        <a:spcBef>
+                          <a:spcPts val="0"/>
+                        </a:spcBef>
+                        <a:spcAft>
+                          <a:spcPts val="0"/>
+                        </a:spcAft>
+                      </a:pPr>
+                      <a:r>
+                        <a:rPr lang="en-US" sz="800" dirty="0">
+                          <a:solidFill>
+                            <a:srgbClr val="000000"/>
+                          </a:solidFill>
+                          <a:effectLst/>
+                          <a:latin typeface="+mj-ea"/>
+                          <a:ea typeface="+mj-ea"/>
+                        </a:rPr>
+                        <a:t>13000</a:t>
+                      </a:r>
+                    </a:p>
+                  </a:txBody>
+                  <a:tcPr marL="48578" marR="48578" marT="13430" marB="13430" anchor="ctr">
+                    <a:lnL w="3556" cap="flat" cmpd="sng" algn="ctr">
+                      <a:solidFill>
+                        <a:srgbClr val="000000"/>
+                      </a:solidFill>
+                      <a:prstDash val="solid"/>
+                      <a:round/>
+                      <a:headEnd type="none" w="med" len="med"/>
+                      <a:tailEnd type="none" w="med" len="med"/>
+                    </a:lnL>
+                    <a:lnR w="3556" cap="flat" cmpd="sng" algn="ctr">
+                      <a:solidFill>
+                        <a:srgbClr val="000000"/>
+                      </a:solidFill>
+                      <a:prstDash val="solid"/>
+                      <a:round/>
+                      <a:headEnd type="none" w="med" len="med"/>
+                      <a:tailEnd type="none" w="med" len="med"/>
+                    </a:lnR>
+                    <a:lnT w="3556" cap="flat" cmpd="sng" algn="ctr">
+                      <a:solidFill>
+                        <a:srgbClr val="000000"/>
+                      </a:solidFill>
+                      <a:prstDash val="solid"/>
+                      <a:round/>
+                      <a:headEnd type="none" w="med" len="med"/>
+                      <a:tailEnd type="none" w="med" len="med"/>
+                    </a:lnT>
+                    <a:lnB w="3556" cap="flat" cmpd="sng" algn="ctr">
+                      <a:solidFill>
+                        <a:srgbClr val="000000"/>
+                      </a:solidFill>
+                      <a:prstDash val="solid"/>
+                      <a:round/>
+                      <a:headEnd type="none" w="med" len="med"/>
+                      <a:tailEnd type="none" w="med" len="med"/>
+                    </a:lnB>
+                  </a:tcPr>
+                </a:tc>
+                <a:extLst>
+                  <a:ext uri="{0D108BD9-81ED-4DB2-BD59-A6C34878D82A}">
+                    <a16:rowId xmlns:a16="http://schemas.microsoft.com/office/drawing/2014/main" val="10002"/>
+                  </a:ext>
+                </a:extLst>
+              </a:tr>
+              <a:tr h="209741">
+                <a:tc>
+                  <a:txBody>
+                    <a:bodyPr/>
+                    <a:lstStyle/>
+                    <a:p>
+                      <a:pPr marL="0" marR="0" algn="ctr">
+                        <a:lnSpc>
+                          <a:spcPct val="160000"/>
+                        </a:lnSpc>
+                        <a:spcBef>
+                          <a:spcPts val="0"/>
+                        </a:spcBef>
+                        <a:spcAft>
+                          <a:spcPts val="0"/>
+                        </a:spcAft>
+                      </a:pPr>
+                      <a:r>
+                        <a:rPr lang="en-US" sz="800" dirty="0">
+                          <a:solidFill>
+                            <a:srgbClr val="000000"/>
+                          </a:solidFill>
+                          <a:effectLst/>
+                          <a:latin typeface="+mj-ea"/>
+                          <a:ea typeface="+mj-ea"/>
+                        </a:rPr>
+                        <a:t>3</a:t>
+                      </a:r>
+                    </a:p>
+                  </a:txBody>
+                  <a:tcPr marL="48578" marR="48578" marT="13430" marB="13430" anchor="ctr">
+                    <a:lnL w="3556" cap="flat" cmpd="sng" algn="ctr">
+                      <a:solidFill>
+                        <a:srgbClr val="000000"/>
+                      </a:solidFill>
+                      <a:prstDash val="solid"/>
+                      <a:round/>
+                      <a:headEnd type="none" w="med" len="med"/>
+                      <a:tailEnd type="none" w="med" len="med"/>
+                    </a:lnL>
+                    <a:lnR w="3556" cap="flat" cmpd="sng" algn="ctr">
+                      <a:solidFill>
+                        <a:srgbClr val="000000"/>
+                      </a:solidFill>
+                      <a:prstDash val="solid"/>
+                      <a:round/>
+                      <a:headEnd type="none" w="med" len="med"/>
+                      <a:tailEnd type="none" w="med" len="med"/>
+                    </a:lnR>
+                    <a:lnT w="3556" cap="flat" cmpd="sng" algn="ctr">
+                      <a:solidFill>
+                        <a:srgbClr val="000000"/>
+                      </a:solidFill>
+                      <a:prstDash val="solid"/>
+                      <a:round/>
+                      <a:headEnd type="none" w="med" len="med"/>
+                      <a:tailEnd type="none" w="med" len="med"/>
+                    </a:lnT>
+                    <a:lnB w="3556" cap="flat" cmpd="sng" algn="ctr">
+                      <a:solidFill>
+                        <a:srgbClr val="000000"/>
+                      </a:solidFill>
+                      <a:prstDash val="solid"/>
+                      <a:round/>
+                      <a:headEnd type="none" w="med" len="med"/>
+                      <a:tailEnd type="none" w="med" len="med"/>
+                    </a:lnB>
+                  </a:tcPr>
+                </a:tc>
+                <a:tc>
+                  <a:txBody>
+                    <a:bodyPr/>
+                    <a:lstStyle/>
+                    <a:p>
+                      <a:pPr marL="0" marR="0" algn="l">
+                        <a:lnSpc>
+                          <a:spcPct val="160000"/>
+                        </a:lnSpc>
+                        <a:spcBef>
+                          <a:spcPts val="0"/>
+                        </a:spcBef>
+                        <a:spcAft>
+                          <a:spcPts val="0"/>
+                        </a:spcAft>
+                      </a:pPr>
+                      <a:r>
+                        <a:rPr lang="ko-KR" altLang="en-US" sz="800">
+                          <a:solidFill>
+                            <a:srgbClr val="000000"/>
+                          </a:solidFill>
+                          <a:effectLst/>
+                          <a:latin typeface="+mj-ea"/>
+                          <a:ea typeface="+mj-ea"/>
+                        </a:rPr>
+                        <a:t>축구의 이해</a:t>
+                      </a:r>
+                    </a:p>
+                  </a:txBody>
+                  <a:tcPr marL="48578" marR="48578" marT="13430" marB="13430" anchor="ctr">
+                    <a:lnL w="3556" cap="flat" cmpd="sng" algn="ctr">
+                      <a:solidFill>
+                        <a:srgbClr val="000000"/>
+                      </a:solidFill>
+                      <a:prstDash val="solid"/>
+                      <a:round/>
+                      <a:headEnd type="none" w="med" len="med"/>
+                      <a:tailEnd type="none" w="med" len="med"/>
+                    </a:lnL>
+                    <a:lnR w="3556" cap="flat" cmpd="sng" algn="ctr">
+                      <a:solidFill>
+                        <a:srgbClr val="000000"/>
+                      </a:solidFill>
+                      <a:prstDash val="solid"/>
+                      <a:round/>
+                      <a:headEnd type="none" w="med" len="med"/>
+                      <a:tailEnd type="none" w="med" len="med"/>
+                    </a:lnR>
+                    <a:lnT w="3556" cap="flat" cmpd="sng" algn="ctr">
+                      <a:solidFill>
+                        <a:srgbClr val="000000"/>
+                      </a:solidFill>
+                      <a:prstDash val="solid"/>
+                      <a:round/>
+                      <a:headEnd type="none" w="med" len="med"/>
+                      <a:tailEnd type="none" w="med" len="med"/>
+                    </a:lnT>
+                    <a:lnB w="3556" cap="flat" cmpd="sng" algn="ctr">
+                      <a:solidFill>
+                        <a:srgbClr val="000000"/>
+                      </a:solidFill>
+                      <a:prstDash val="solid"/>
+                      <a:round/>
+                      <a:headEnd type="none" w="med" len="med"/>
+                      <a:tailEnd type="none" w="med" len="med"/>
+                    </a:lnB>
+                  </a:tcPr>
+                </a:tc>
+                <a:tc>
+                  <a:txBody>
+                    <a:bodyPr/>
+                    <a:lstStyle/>
+                    <a:p>
+                      <a:pPr marL="0" marR="0" algn="l">
+                        <a:lnSpc>
+                          <a:spcPct val="160000"/>
+                        </a:lnSpc>
+                        <a:spcBef>
+                          <a:spcPts val="0"/>
+                        </a:spcBef>
+                        <a:spcAft>
+                          <a:spcPts val="0"/>
+                        </a:spcAft>
+                      </a:pPr>
+                      <a:r>
+                        <a:rPr lang="ko-KR" altLang="en-US" sz="800" dirty="0">
+                          <a:solidFill>
+                            <a:srgbClr val="000000"/>
+                          </a:solidFill>
+                          <a:effectLst/>
+                          <a:latin typeface="+mj-ea"/>
+                          <a:ea typeface="+mj-ea"/>
+                        </a:rPr>
+                        <a:t>대한미디어</a:t>
+                      </a:r>
+                    </a:p>
+                  </a:txBody>
+                  <a:tcPr marL="48578" marR="48578" marT="13430" marB="13430" anchor="ctr">
+                    <a:lnL w="3556" cap="flat" cmpd="sng" algn="ctr">
+                      <a:solidFill>
+                        <a:srgbClr val="000000"/>
+                      </a:solidFill>
+                      <a:prstDash val="solid"/>
+                      <a:round/>
+                      <a:headEnd type="none" w="med" len="med"/>
+                      <a:tailEnd type="none" w="med" len="med"/>
+                    </a:lnL>
+                    <a:lnR w="3556" cap="flat" cmpd="sng" algn="ctr">
+                      <a:solidFill>
+                        <a:srgbClr val="000000"/>
+                      </a:solidFill>
+                      <a:prstDash val="solid"/>
+                      <a:round/>
+                      <a:headEnd type="none" w="med" len="med"/>
+                      <a:tailEnd type="none" w="med" len="med"/>
+                    </a:lnR>
+                    <a:lnT w="3556" cap="flat" cmpd="sng" algn="ctr">
+                      <a:solidFill>
+                        <a:srgbClr val="000000"/>
+                      </a:solidFill>
+                      <a:prstDash val="solid"/>
+                      <a:round/>
+                      <a:headEnd type="none" w="med" len="med"/>
+                      <a:tailEnd type="none" w="med" len="med"/>
+                    </a:lnT>
+                    <a:lnB w="3556" cap="flat" cmpd="sng" algn="ctr">
+                      <a:solidFill>
+                        <a:srgbClr val="000000"/>
+                      </a:solidFill>
+                      <a:prstDash val="solid"/>
+                      <a:round/>
+                      <a:headEnd type="none" w="med" len="med"/>
+                      <a:tailEnd type="none" w="med" len="med"/>
+                    </a:lnB>
+                  </a:tcPr>
+                </a:tc>
+                <a:tc>
+                  <a:txBody>
+                    <a:bodyPr/>
+                    <a:lstStyle/>
+                    <a:p>
+                      <a:pPr marL="0" marR="0" algn="r">
+                        <a:lnSpc>
+                          <a:spcPct val="160000"/>
+                        </a:lnSpc>
+                        <a:spcBef>
+                          <a:spcPts val="0"/>
+                        </a:spcBef>
+                        <a:spcAft>
+                          <a:spcPts val="0"/>
+                        </a:spcAft>
+                      </a:pPr>
+                      <a:r>
+                        <a:rPr lang="en-US" sz="800" dirty="0">
+                          <a:solidFill>
+                            <a:srgbClr val="000000"/>
+                          </a:solidFill>
+                          <a:effectLst/>
+                          <a:latin typeface="+mj-ea"/>
+                          <a:ea typeface="+mj-ea"/>
+                        </a:rPr>
+                        <a:t>22000</a:t>
+                      </a:r>
+                    </a:p>
+                  </a:txBody>
+                  <a:tcPr marL="48578" marR="48578" marT="13430" marB="13430" anchor="ctr">
+                    <a:lnL w="3556" cap="flat" cmpd="sng" algn="ctr">
+                      <a:solidFill>
+                        <a:srgbClr val="000000"/>
+                      </a:solidFill>
+                      <a:prstDash val="solid"/>
+                      <a:round/>
+                      <a:headEnd type="none" w="med" len="med"/>
+                      <a:tailEnd type="none" w="med" len="med"/>
+                    </a:lnL>
+                    <a:lnR w="3556" cap="flat" cmpd="sng" algn="ctr">
+                      <a:solidFill>
+                        <a:srgbClr val="000000"/>
+                      </a:solidFill>
+                      <a:prstDash val="solid"/>
+                      <a:round/>
+                      <a:headEnd type="none" w="med" len="med"/>
+                      <a:tailEnd type="none" w="med" len="med"/>
+                    </a:lnR>
+                    <a:lnT w="3556" cap="flat" cmpd="sng" algn="ctr">
+                      <a:solidFill>
+                        <a:srgbClr val="000000"/>
+                      </a:solidFill>
+                      <a:prstDash val="solid"/>
+                      <a:round/>
+                      <a:headEnd type="none" w="med" len="med"/>
+                      <a:tailEnd type="none" w="med" len="med"/>
+                    </a:lnT>
+                    <a:lnB w="3556" cap="flat" cmpd="sng" algn="ctr">
+                      <a:solidFill>
+                        <a:srgbClr val="000000"/>
+                      </a:solidFill>
+                      <a:prstDash val="solid"/>
+                      <a:round/>
+                      <a:headEnd type="none" w="med" len="med"/>
+                      <a:tailEnd type="none" w="med" len="med"/>
+                    </a:lnB>
+                  </a:tcPr>
+                </a:tc>
+                <a:extLst>
+                  <a:ext uri="{0D108BD9-81ED-4DB2-BD59-A6C34878D82A}">
+                    <a16:rowId xmlns:a16="http://schemas.microsoft.com/office/drawing/2014/main" val="10003"/>
+                  </a:ext>
+                </a:extLst>
+              </a:tr>
+              <a:tr h="209741">
+                <a:tc>
+                  <a:txBody>
+                    <a:bodyPr/>
+                    <a:lstStyle/>
+                    <a:p>
+                      <a:pPr marL="0" marR="0" algn="ctr">
+                        <a:lnSpc>
+                          <a:spcPct val="160000"/>
+                        </a:lnSpc>
+                        <a:spcBef>
+                          <a:spcPts val="0"/>
+                        </a:spcBef>
+                        <a:spcAft>
+                          <a:spcPts val="0"/>
+                        </a:spcAft>
+                      </a:pPr>
+                      <a:r>
+                        <a:rPr lang="en-US" sz="800" dirty="0">
+                          <a:solidFill>
+                            <a:srgbClr val="000000"/>
+                          </a:solidFill>
+                          <a:effectLst/>
+                          <a:latin typeface="+mj-ea"/>
+                          <a:ea typeface="+mj-ea"/>
+                        </a:rPr>
+                        <a:t>4</a:t>
+                      </a:r>
+                    </a:p>
+                  </a:txBody>
+                  <a:tcPr marL="48578" marR="48578" marT="13430" marB="13430" anchor="ctr">
+                    <a:lnL w="3556" cap="flat" cmpd="sng" algn="ctr">
+                      <a:solidFill>
+                        <a:srgbClr val="000000"/>
+                      </a:solidFill>
+                      <a:prstDash val="solid"/>
+                      <a:round/>
+                      <a:headEnd type="none" w="med" len="med"/>
+                      <a:tailEnd type="none" w="med" len="med"/>
+                    </a:lnL>
+                    <a:lnR w="3556" cap="flat" cmpd="sng" algn="ctr">
+                      <a:solidFill>
+                        <a:srgbClr val="000000"/>
+                      </a:solidFill>
+                      <a:prstDash val="solid"/>
+                      <a:round/>
+                      <a:headEnd type="none" w="med" len="med"/>
+                      <a:tailEnd type="none" w="med" len="med"/>
+                    </a:lnR>
+                    <a:lnT w="3556" cap="flat" cmpd="sng" algn="ctr">
+                      <a:solidFill>
+                        <a:srgbClr val="000000"/>
+                      </a:solidFill>
+                      <a:prstDash val="solid"/>
+                      <a:round/>
+                      <a:headEnd type="none" w="med" len="med"/>
+                      <a:tailEnd type="none" w="med" len="med"/>
+                    </a:lnT>
+                    <a:lnB w="3556" cap="flat" cmpd="sng" algn="ctr">
+                      <a:solidFill>
+                        <a:srgbClr val="000000"/>
+                      </a:solidFill>
+                      <a:prstDash val="solid"/>
+                      <a:round/>
+                      <a:headEnd type="none" w="med" len="med"/>
+                      <a:tailEnd type="none" w="med" len="med"/>
+                    </a:lnB>
+                  </a:tcPr>
+                </a:tc>
+                <a:tc>
+                  <a:txBody>
+                    <a:bodyPr/>
+                    <a:lstStyle/>
+                    <a:p>
+                      <a:pPr marL="0" marR="0" algn="l">
+                        <a:lnSpc>
+                          <a:spcPct val="160000"/>
+                        </a:lnSpc>
+                        <a:spcBef>
+                          <a:spcPts val="0"/>
+                        </a:spcBef>
+                        <a:spcAft>
+                          <a:spcPts val="0"/>
+                        </a:spcAft>
+                      </a:pPr>
+                      <a:r>
+                        <a:rPr lang="ko-KR" altLang="en-US" sz="800" dirty="0">
+                          <a:solidFill>
+                            <a:srgbClr val="000000"/>
+                          </a:solidFill>
+                          <a:effectLst/>
+                          <a:latin typeface="+mj-ea"/>
+                          <a:ea typeface="+mj-ea"/>
+                        </a:rPr>
+                        <a:t>골프 바이블</a:t>
+                      </a:r>
+                    </a:p>
+                  </a:txBody>
+                  <a:tcPr marL="48578" marR="48578" marT="13430" marB="13430" anchor="ctr">
+                    <a:lnL w="3556" cap="flat" cmpd="sng" algn="ctr">
+                      <a:solidFill>
+                        <a:srgbClr val="000000"/>
+                      </a:solidFill>
+                      <a:prstDash val="solid"/>
+                      <a:round/>
+                      <a:headEnd type="none" w="med" len="med"/>
+                      <a:tailEnd type="none" w="med" len="med"/>
+                    </a:lnL>
+                    <a:lnR w="3556" cap="flat" cmpd="sng" algn="ctr">
+                      <a:solidFill>
+                        <a:srgbClr val="000000"/>
+                      </a:solidFill>
+                      <a:prstDash val="solid"/>
+                      <a:round/>
+                      <a:headEnd type="none" w="med" len="med"/>
+                      <a:tailEnd type="none" w="med" len="med"/>
+                    </a:lnR>
+                    <a:lnT w="3556" cap="flat" cmpd="sng" algn="ctr">
+                      <a:solidFill>
+                        <a:srgbClr val="000000"/>
+                      </a:solidFill>
+                      <a:prstDash val="solid"/>
+                      <a:round/>
+                      <a:headEnd type="none" w="med" len="med"/>
+                      <a:tailEnd type="none" w="med" len="med"/>
+                    </a:lnT>
+                    <a:lnB w="3556" cap="flat" cmpd="sng" algn="ctr">
+                      <a:solidFill>
+                        <a:srgbClr val="000000"/>
+                      </a:solidFill>
+                      <a:prstDash val="solid"/>
+                      <a:round/>
+                      <a:headEnd type="none" w="med" len="med"/>
+                      <a:tailEnd type="none" w="med" len="med"/>
+                    </a:lnB>
+                  </a:tcPr>
+                </a:tc>
+                <a:tc>
+                  <a:txBody>
+                    <a:bodyPr/>
+                    <a:lstStyle/>
+                    <a:p>
+                      <a:pPr marL="0" marR="0" algn="l">
+                        <a:lnSpc>
+                          <a:spcPct val="160000"/>
+                        </a:lnSpc>
+                        <a:spcBef>
+                          <a:spcPts val="0"/>
+                        </a:spcBef>
+                        <a:spcAft>
+                          <a:spcPts val="0"/>
+                        </a:spcAft>
+                      </a:pPr>
+                      <a:r>
+                        <a:rPr lang="ko-KR" altLang="en-US" sz="800" dirty="0">
+                          <a:solidFill>
+                            <a:srgbClr val="000000"/>
+                          </a:solidFill>
+                          <a:effectLst/>
+                          <a:latin typeface="+mj-ea"/>
+                          <a:ea typeface="+mj-ea"/>
+                        </a:rPr>
+                        <a:t>대한미디어</a:t>
+                      </a:r>
+                    </a:p>
+                  </a:txBody>
+                  <a:tcPr marL="48578" marR="48578" marT="13430" marB="13430" anchor="ctr">
+                    <a:lnL w="3556" cap="flat" cmpd="sng" algn="ctr">
+                      <a:solidFill>
+                        <a:srgbClr val="000000"/>
+                      </a:solidFill>
+                      <a:prstDash val="solid"/>
+                      <a:round/>
+                      <a:headEnd type="none" w="med" len="med"/>
+                      <a:tailEnd type="none" w="med" len="med"/>
+                    </a:lnL>
+                    <a:lnR w="3556" cap="flat" cmpd="sng" algn="ctr">
+                      <a:solidFill>
+                        <a:srgbClr val="000000"/>
+                      </a:solidFill>
+                      <a:prstDash val="solid"/>
+                      <a:round/>
+                      <a:headEnd type="none" w="med" len="med"/>
+                      <a:tailEnd type="none" w="med" len="med"/>
+                    </a:lnR>
+                    <a:lnT w="3556" cap="flat" cmpd="sng" algn="ctr">
+                      <a:solidFill>
+                        <a:srgbClr val="000000"/>
+                      </a:solidFill>
+                      <a:prstDash val="solid"/>
+                      <a:round/>
+                      <a:headEnd type="none" w="med" len="med"/>
+                      <a:tailEnd type="none" w="med" len="med"/>
+                    </a:lnT>
+                    <a:lnB w="3556" cap="flat" cmpd="sng" algn="ctr">
+                      <a:solidFill>
+                        <a:srgbClr val="000000"/>
+                      </a:solidFill>
+                      <a:prstDash val="solid"/>
+                      <a:round/>
+                      <a:headEnd type="none" w="med" len="med"/>
+                      <a:tailEnd type="none" w="med" len="med"/>
+                    </a:lnB>
+                  </a:tcPr>
+                </a:tc>
+                <a:tc>
+                  <a:txBody>
+                    <a:bodyPr/>
+                    <a:lstStyle/>
+                    <a:p>
+                      <a:pPr marL="0" marR="0" algn="r">
+                        <a:lnSpc>
+                          <a:spcPct val="160000"/>
+                        </a:lnSpc>
+                        <a:spcBef>
+                          <a:spcPts val="0"/>
+                        </a:spcBef>
+                        <a:spcAft>
+                          <a:spcPts val="0"/>
+                        </a:spcAft>
+                      </a:pPr>
+                      <a:r>
+                        <a:rPr lang="en-US" sz="800" dirty="0">
+                          <a:solidFill>
+                            <a:srgbClr val="000000"/>
+                          </a:solidFill>
+                          <a:effectLst/>
+                          <a:latin typeface="+mj-ea"/>
+                          <a:ea typeface="+mj-ea"/>
+                        </a:rPr>
+                        <a:t>35000</a:t>
+                      </a:r>
+                    </a:p>
+                  </a:txBody>
+                  <a:tcPr marL="48578" marR="48578" marT="13430" marB="13430" anchor="ctr">
+                    <a:lnL w="3556" cap="flat" cmpd="sng" algn="ctr">
+                      <a:solidFill>
+                        <a:srgbClr val="000000"/>
+                      </a:solidFill>
+                      <a:prstDash val="solid"/>
+                      <a:round/>
+                      <a:headEnd type="none" w="med" len="med"/>
+                      <a:tailEnd type="none" w="med" len="med"/>
+                    </a:lnL>
+                    <a:lnR w="3556" cap="flat" cmpd="sng" algn="ctr">
+                      <a:solidFill>
+                        <a:srgbClr val="000000"/>
+                      </a:solidFill>
+                      <a:prstDash val="solid"/>
+                      <a:round/>
+                      <a:headEnd type="none" w="med" len="med"/>
+                      <a:tailEnd type="none" w="med" len="med"/>
+                    </a:lnR>
+                    <a:lnT w="3556" cap="flat" cmpd="sng" algn="ctr">
+                      <a:solidFill>
+                        <a:srgbClr val="000000"/>
+                      </a:solidFill>
+                      <a:prstDash val="solid"/>
+                      <a:round/>
+                      <a:headEnd type="none" w="med" len="med"/>
+                      <a:tailEnd type="none" w="med" len="med"/>
+                    </a:lnT>
+                    <a:lnB w="3556" cap="flat" cmpd="sng" algn="ctr">
+                      <a:solidFill>
+                        <a:srgbClr val="000000"/>
+                      </a:solidFill>
+                      <a:prstDash val="solid"/>
+                      <a:round/>
+                      <a:headEnd type="none" w="med" len="med"/>
+                      <a:tailEnd type="none" w="med" len="med"/>
+                    </a:lnB>
+                  </a:tcPr>
+                </a:tc>
+                <a:extLst>
+                  <a:ext uri="{0D108BD9-81ED-4DB2-BD59-A6C34878D82A}">
+                    <a16:rowId xmlns:a16="http://schemas.microsoft.com/office/drawing/2014/main" val="10004"/>
+                  </a:ext>
+                </a:extLst>
+              </a:tr>
+              <a:tr h="209741">
+                <a:tc>
+                  <a:txBody>
+                    <a:bodyPr/>
+                    <a:lstStyle/>
+                    <a:p>
+                      <a:pPr marL="0" marR="0" algn="ctr">
+                        <a:lnSpc>
+                          <a:spcPct val="160000"/>
+                        </a:lnSpc>
+                        <a:spcBef>
+                          <a:spcPts val="0"/>
+                        </a:spcBef>
+                        <a:spcAft>
+                          <a:spcPts val="0"/>
+                        </a:spcAft>
+                      </a:pPr>
+                      <a:r>
+                        <a:rPr lang="en-US" sz="800" dirty="0">
+                          <a:solidFill>
+                            <a:srgbClr val="000000"/>
+                          </a:solidFill>
+                          <a:effectLst/>
+                          <a:latin typeface="+mj-ea"/>
+                          <a:ea typeface="+mj-ea"/>
+                        </a:rPr>
+                        <a:t>5</a:t>
+                      </a:r>
+                    </a:p>
+                  </a:txBody>
+                  <a:tcPr marL="48578" marR="48578" marT="13430" marB="13430" anchor="ctr">
+                    <a:lnL w="3556" cap="flat" cmpd="sng" algn="ctr">
+                      <a:solidFill>
+                        <a:srgbClr val="000000"/>
+                      </a:solidFill>
+                      <a:prstDash val="solid"/>
+                      <a:round/>
+                      <a:headEnd type="none" w="med" len="med"/>
+                      <a:tailEnd type="none" w="med" len="med"/>
+                    </a:lnL>
+                    <a:lnR w="3556" cap="flat" cmpd="sng" algn="ctr">
+                      <a:solidFill>
+                        <a:srgbClr val="000000"/>
+                      </a:solidFill>
+                      <a:prstDash val="solid"/>
+                      <a:round/>
+                      <a:headEnd type="none" w="med" len="med"/>
+                      <a:tailEnd type="none" w="med" len="med"/>
+                    </a:lnR>
+                    <a:lnT w="3556" cap="flat" cmpd="sng" algn="ctr">
+                      <a:solidFill>
+                        <a:srgbClr val="000000"/>
+                      </a:solidFill>
+                      <a:prstDash val="solid"/>
+                      <a:round/>
+                      <a:headEnd type="none" w="med" len="med"/>
+                      <a:tailEnd type="none" w="med" len="med"/>
+                    </a:lnT>
+                    <a:lnB w="3556" cap="flat" cmpd="sng" algn="ctr">
+                      <a:solidFill>
+                        <a:srgbClr val="000000"/>
+                      </a:solidFill>
+                      <a:prstDash val="solid"/>
+                      <a:round/>
+                      <a:headEnd type="none" w="med" len="med"/>
+                      <a:tailEnd type="none" w="med" len="med"/>
+                    </a:lnB>
+                  </a:tcPr>
+                </a:tc>
+                <a:tc>
+                  <a:txBody>
+                    <a:bodyPr/>
+                    <a:lstStyle/>
+                    <a:p>
+                      <a:pPr marL="0" marR="0" algn="l">
+                        <a:lnSpc>
+                          <a:spcPct val="160000"/>
+                        </a:lnSpc>
+                        <a:spcBef>
+                          <a:spcPts val="0"/>
+                        </a:spcBef>
+                        <a:spcAft>
+                          <a:spcPts val="0"/>
+                        </a:spcAft>
+                      </a:pPr>
+                      <a:r>
+                        <a:rPr lang="ko-KR" altLang="en-US" sz="800">
+                          <a:solidFill>
+                            <a:srgbClr val="000000"/>
+                          </a:solidFill>
+                          <a:effectLst/>
+                          <a:latin typeface="+mj-ea"/>
+                          <a:ea typeface="+mj-ea"/>
+                        </a:rPr>
+                        <a:t>피겨 교본</a:t>
+                      </a:r>
+                    </a:p>
+                  </a:txBody>
+                  <a:tcPr marL="48578" marR="48578" marT="13430" marB="13430" anchor="ctr">
+                    <a:lnL w="3556" cap="flat" cmpd="sng" algn="ctr">
+                      <a:solidFill>
+                        <a:srgbClr val="000000"/>
+                      </a:solidFill>
+                      <a:prstDash val="solid"/>
+                      <a:round/>
+                      <a:headEnd type="none" w="med" len="med"/>
+                      <a:tailEnd type="none" w="med" len="med"/>
+                    </a:lnL>
+                    <a:lnR w="3556" cap="flat" cmpd="sng" algn="ctr">
+                      <a:solidFill>
+                        <a:srgbClr val="000000"/>
+                      </a:solidFill>
+                      <a:prstDash val="solid"/>
+                      <a:round/>
+                      <a:headEnd type="none" w="med" len="med"/>
+                      <a:tailEnd type="none" w="med" len="med"/>
+                    </a:lnR>
+                    <a:lnT w="3556" cap="flat" cmpd="sng" algn="ctr">
+                      <a:solidFill>
+                        <a:srgbClr val="000000"/>
+                      </a:solidFill>
+                      <a:prstDash val="solid"/>
+                      <a:round/>
+                      <a:headEnd type="none" w="med" len="med"/>
+                      <a:tailEnd type="none" w="med" len="med"/>
+                    </a:lnT>
+                    <a:lnB w="3556" cap="flat" cmpd="sng" algn="ctr">
+                      <a:solidFill>
+                        <a:srgbClr val="000000"/>
+                      </a:solidFill>
+                      <a:prstDash val="solid"/>
+                      <a:round/>
+                      <a:headEnd type="none" w="med" len="med"/>
+                      <a:tailEnd type="none" w="med" len="med"/>
+                    </a:lnB>
+                  </a:tcPr>
+                </a:tc>
+                <a:tc>
+                  <a:txBody>
+                    <a:bodyPr/>
+                    <a:lstStyle/>
+                    <a:p>
+                      <a:pPr marL="0" marR="0" algn="l">
+                        <a:lnSpc>
+                          <a:spcPct val="160000"/>
+                        </a:lnSpc>
+                        <a:spcBef>
+                          <a:spcPts val="0"/>
+                        </a:spcBef>
+                        <a:spcAft>
+                          <a:spcPts val="0"/>
+                        </a:spcAft>
+                      </a:pPr>
+                      <a:r>
+                        <a:rPr lang="ko-KR" altLang="en-US" sz="800" dirty="0" err="1">
+                          <a:solidFill>
+                            <a:srgbClr val="000000"/>
+                          </a:solidFill>
+                          <a:effectLst/>
+                          <a:latin typeface="+mj-ea"/>
+                          <a:ea typeface="+mj-ea"/>
+                        </a:rPr>
+                        <a:t>굿스포츠</a:t>
+                      </a:r>
+                      <a:endParaRPr lang="ko-KR" altLang="en-US" sz="800" dirty="0">
+                        <a:solidFill>
+                          <a:srgbClr val="000000"/>
+                        </a:solidFill>
+                        <a:effectLst/>
+                        <a:latin typeface="+mj-ea"/>
+                        <a:ea typeface="+mj-ea"/>
+                      </a:endParaRPr>
+                    </a:p>
+                  </a:txBody>
+                  <a:tcPr marL="48578" marR="48578" marT="13430" marB="13430" anchor="ctr">
+                    <a:lnL w="3556" cap="flat" cmpd="sng" algn="ctr">
+                      <a:solidFill>
+                        <a:srgbClr val="000000"/>
+                      </a:solidFill>
+                      <a:prstDash val="solid"/>
+                      <a:round/>
+                      <a:headEnd type="none" w="med" len="med"/>
+                      <a:tailEnd type="none" w="med" len="med"/>
+                    </a:lnL>
+                    <a:lnR w="3556" cap="flat" cmpd="sng" algn="ctr">
+                      <a:solidFill>
+                        <a:srgbClr val="000000"/>
+                      </a:solidFill>
+                      <a:prstDash val="solid"/>
+                      <a:round/>
+                      <a:headEnd type="none" w="med" len="med"/>
+                      <a:tailEnd type="none" w="med" len="med"/>
+                    </a:lnR>
+                    <a:lnT w="3556" cap="flat" cmpd="sng" algn="ctr">
+                      <a:solidFill>
+                        <a:srgbClr val="000000"/>
+                      </a:solidFill>
+                      <a:prstDash val="solid"/>
+                      <a:round/>
+                      <a:headEnd type="none" w="med" len="med"/>
+                      <a:tailEnd type="none" w="med" len="med"/>
+                    </a:lnT>
+                    <a:lnB w="3556" cap="flat" cmpd="sng" algn="ctr">
+                      <a:solidFill>
+                        <a:srgbClr val="000000"/>
+                      </a:solidFill>
+                      <a:prstDash val="solid"/>
+                      <a:round/>
+                      <a:headEnd type="none" w="med" len="med"/>
+                      <a:tailEnd type="none" w="med" len="med"/>
+                    </a:lnB>
+                  </a:tcPr>
+                </a:tc>
+                <a:tc>
+                  <a:txBody>
+                    <a:bodyPr/>
+                    <a:lstStyle/>
+                    <a:p>
+                      <a:pPr marL="0" marR="0" algn="r">
+                        <a:lnSpc>
+                          <a:spcPct val="160000"/>
+                        </a:lnSpc>
+                        <a:spcBef>
+                          <a:spcPts val="0"/>
+                        </a:spcBef>
+                        <a:spcAft>
+                          <a:spcPts val="0"/>
+                        </a:spcAft>
+                      </a:pPr>
+                      <a:r>
+                        <a:rPr lang="en-US" sz="800" dirty="0">
+                          <a:solidFill>
+                            <a:srgbClr val="000000"/>
+                          </a:solidFill>
+                          <a:effectLst/>
+                          <a:latin typeface="+mj-ea"/>
+                          <a:ea typeface="+mj-ea"/>
+                        </a:rPr>
+                        <a:t>8000</a:t>
+                      </a:r>
+                    </a:p>
+                  </a:txBody>
+                  <a:tcPr marL="48578" marR="48578" marT="13430" marB="13430" anchor="ctr">
+                    <a:lnL w="3556" cap="flat" cmpd="sng" algn="ctr">
+                      <a:solidFill>
+                        <a:srgbClr val="000000"/>
+                      </a:solidFill>
+                      <a:prstDash val="solid"/>
+                      <a:round/>
+                      <a:headEnd type="none" w="med" len="med"/>
+                      <a:tailEnd type="none" w="med" len="med"/>
+                    </a:lnL>
+                    <a:lnR w="3556" cap="flat" cmpd="sng" algn="ctr">
+                      <a:solidFill>
+                        <a:srgbClr val="000000"/>
+                      </a:solidFill>
+                      <a:prstDash val="solid"/>
+                      <a:round/>
+                      <a:headEnd type="none" w="med" len="med"/>
+                      <a:tailEnd type="none" w="med" len="med"/>
+                    </a:lnR>
+                    <a:lnT w="3556" cap="flat" cmpd="sng" algn="ctr">
+                      <a:solidFill>
+                        <a:srgbClr val="000000"/>
+                      </a:solidFill>
+                      <a:prstDash val="solid"/>
+                      <a:round/>
+                      <a:headEnd type="none" w="med" len="med"/>
+                      <a:tailEnd type="none" w="med" len="med"/>
+                    </a:lnT>
+                    <a:lnB w="3556" cap="flat" cmpd="sng" algn="ctr">
+                      <a:solidFill>
+                        <a:srgbClr val="000000"/>
+                      </a:solidFill>
+                      <a:prstDash val="solid"/>
+                      <a:round/>
+                      <a:headEnd type="none" w="med" len="med"/>
+                      <a:tailEnd type="none" w="med" len="med"/>
+                    </a:lnB>
+                  </a:tcPr>
+                </a:tc>
+                <a:extLst>
+                  <a:ext uri="{0D108BD9-81ED-4DB2-BD59-A6C34878D82A}">
+                    <a16:rowId xmlns:a16="http://schemas.microsoft.com/office/drawing/2014/main" val="10005"/>
+                  </a:ext>
+                </a:extLst>
+              </a:tr>
+              <a:tr h="209741">
+                <a:tc>
+                  <a:txBody>
+                    <a:bodyPr/>
+                    <a:lstStyle/>
+                    <a:p>
+                      <a:pPr marL="0" marR="0" algn="ctr">
+                        <a:lnSpc>
+                          <a:spcPct val="160000"/>
+                        </a:lnSpc>
+                        <a:spcBef>
+                          <a:spcPts val="0"/>
+                        </a:spcBef>
+                        <a:spcAft>
+                          <a:spcPts val="0"/>
+                        </a:spcAft>
+                      </a:pPr>
+                      <a:r>
+                        <a:rPr lang="en-US" sz="800" dirty="0">
+                          <a:solidFill>
+                            <a:srgbClr val="000000"/>
+                          </a:solidFill>
+                          <a:effectLst/>
+                          <a:latin typeface="+mj-ea"/>
+                          <a:ea typeface="+mj-ea"/>
+                        </a:rPr>
+                        <a:t>6</a:t>
+                      </a:r>
+                    </a:p>
+                  </a:txBody>
+                  <a:tcPr marL="48578" marR="48578" marT="13430" marB="13430" anchor="ctr">
+                    <a:lnL w="3556" cap="flat" cmpd="sng" algn="ctr">
+                      <a:solidFill>
+                        <a:srgbClr val="000000"/>
+                      </a:solidFill>
+                      <a:prstDash val="solid"/>
+                      <a:round/>
+                      <a:headEnd type="none" w="med" len="med"/>
+                      <a:tailEnd type="none" w="med" len="med"/>
+                    </a:lnL>
+                    <a:lnR w="3556" cap="flat" cmpd="sng" algn="ctr">
+                      <a:solidFill>
+                        <a:srgbClr val="000000"/>
+                      </a:solidFill>
+                      <a:prstDash val="solid"/>
+                      <a:round/>
+                      <a:headEnd type="none" w="med" len="med"/>
+                      <a:tailEnd type="none" w="med" len="med"/>
+                    </a:lnR>
+                    <a:lnT w="3556" cap="flat" cmpd="sng" algn="ctr">
+                      <a:solidFill>
+                        <a:srgbClr val="000000"/>
+                      </a:solidFill>
+                      <a:prstDash val="solid"/>
+                      <a:round/>
+                      <a:headEnd type="none" w="med" len="med"/>
+                      <a:tailEnd type="none" w="med" len="med"/>
+                    </a:lnT>
+                    <a:lnB w="3556" cap="flat" cmpd="sng" algn="ctr">
+                      <a:solidFill>
+                        <a:srgbClr val="000000"/>
+                      </a:solidFill>
+                      <a:prstDash val="solid"/>
+                      <a:round/>
+                      <a:headEnd type="none" w="med" len="med"/>
+                      <a:tailEnd type="none" w="med" len="med"/>
+                    </a:lnB>
+                  </a:tcPr>
+                </a:tc>
+                <a:tc>
+                  <a:txBody>
+                    <a:bodyPr/>
+                    <a:lstStyle/>
+                    <a:p>
+                      <a:pPr marL="0" marR="0" algn="l">
+                        <a:lnSpc>
+                          <a:spcPct val="160000"/>
+                        </a:lnSpc>
+                        <a:spcBef>
+                          <a:spcPts val="0"/>
+                        </a:spcBef>
+                        <a:spcAft>
+                          <a:spcPts val="0"/>
+                        </a:spcAft>
+                      </a:pPr>
+                      <a:r>
+                        <a:rPr lang="ko-KR" altLang="en-US" sz="800" dirty="0">
+                          <a:solidFill>
+                            <a:srgbClr val="000000"/>
+                          </a:solidFill>
+                          <a:effectLst/>
+                          <a:latin typeface="+mj-ea"/>
+                          <a:ea typeface="+mj-ea"/>
+                        </a:rPr>
+                        <a:t>역도 단계별기술</a:t>
+                      </a:r>
+                    </a:p>
+                  </a:txBody>
+                  <a:tcPr marL="48578" marR="48578" marT="13430" marB="13430" anchor="ctr">
+                    <a:lnL w="3556" cap="flat" cmpd="sng" algn="ctr">
+                      <a:solidFill>
+                        <a:srgbClr val="000000"/>
+                      </a:solidFill>
+                      <a:prstDash val="solid"/>
+                      <a:round/>
+                      <a:headEnd type="none" w="med" len="med"/>
+                      <a:tailEnd type="none" w="med" len="med"/>
+                    </a:lnL>
+                    <a:lnR w="3556" cap="flat" cmpd="sng" algn="ctr">
+                      <a:solidFill>
+                        <a:srgbClr val="000000"/>
+                      </a:solidFill>
+                      <a:prstDash val="solid"/>
+                      <a:round/>
+                      <a:headEnd type="none" w="med" len="med"/>
+                      <a:tailEnd type="none" w="med" len="med"/>
+                    </a:lnR>
+                    <a:lnT w="3556" cap="flat" cmpd="sng" algn="ctr">
+                      <a:solidFill>
+                        <a:srgbClr val="000000"/>
+                      </a:solidFill>
+                      <a:prstDash val="solid"/>
+                      <a:round/>
+                      <a:headEnd type="none" w="med" len="med"/>
+                      <a:tailEnd type="none" w="med" len="med"/>
+                    </a:lnT>
+                    <a:lnB w="3556" cap="flat" cmpd="sng" algn="ctr">
+                      <a:solidFill>
+                        <a:srgbClr val="000000"/>
+                      </a:solidFill>
+                      <a:prstDash val="solid"/>
+                      <a:round/>
+                      <a:headEnd type="none" w="med" len="med"/>
+                      <a:tailEnd type="none" w="med" len="med"/>
+                    </a:lnB>
+                  </a:tcPr>
+                </a:tc>
+                <a:tc>
+                  <a:txBody>
+                    <a:bodyPr/>
+                    <a:lstStyle/>
+                    <a:p>
+                      <a:pPr marL="0" marR="0" algn="l">
+                        <a:lnSpc>
+                          <a:spcPct val="160000"/>
+                        </a:lnSpc>
+                        <a:spcBef>
+                          <a:spcPts val="0"/>
+                        </a:spcBef>
+                        <a:spcAft>
+                          <a:spcPts val="0"/>
+                        </a:spcAft>
+                      </a:pPr>
+                      <a:r>
+                        <a:rPr lang="ko-KR" altLang="en-US" sz="800" dirty="0" err="1">
+                          <a:solidFill>
+                            <a:srgbClr val="000000"/>
+                          </a:solidFill>
+                          <a:effectLst/>
+                          <a:latin typeface="+mj-ea"/>
+                          <a:ea typeface="+mj-ea"/>
+                        </a:rPr>
+                        <a:t>굿스포츠</a:t>
+                      </a:r>
+                      <a:endParaRPr lang="ko-KR" altLang="en-US" sz="800" dirty="0">
+                        <a:solidFill>
+                          <a:srgbClr val="000000"/>
+                        </a:solidFill>
+                        <a:effectLst/>
+                        <a:latin typeface="+mj-ea"/>
+                        <a:ea typeface="+mj-ea"/>
+                      </a:endParaRPr>
+                    </a:p>
+                  </a:txBody>
+                  <a:tcPr marL="48578" marR="48578" marT="13430" marB="13430" anchor="ctr">
+                    <a:lnL w="3556" cap="flat" cmpd="sng" algn="ctr">
+                      <a:solidFill>
+                        <a:srgbClr val="000000"/>
+                      </a:solidFill>
+                      <a:prstDash val="solid"/>
+                      <a:round/>
+                      <a:headEnd type="none" w="med" len="med"/>
+                      <a:tailEnd type="none" w="med" len="med"/>
+                    </a:lnL>
+                    <a:lnR w="3556" cap="flat" cmpd="sng" algn="ctr">
+                      <a:solidFill>
+                        <a:srgbClr val="000000"/>
+                      </a:solidFill>
+                      <a:prstDash val="solid"/>
+                      <a:round/>
+                      <a:headEnd type="none" w="med" len="med"/>
+                      <a:tailEnd type="none" w="med" len="med"/>
+                    </a:lnR>
+                    <a:lnT w="3556" cap="flat" cmpd="sng" algn="ctr">
+                      <a:solidFill>
+                        <a:srgbClr val="000000"/>
+                      </a:solidFill>
+                      <a:prstDash val="solid"/>
+                      <a:round/>
+                      <a:headEnd type="none" w="med" len="med"/>
+                      <a:tailEnd type="none" w="med" len="med"/>
+                    </a:lnT>
+                    <a:lnB w="3556" cap="flat" cmpd="sng" algn="ctr">
+                      <a:solidFill>
+                        <a:srgbClr val="000000"/>
+                      </a:solidFill>
+                      <a:prstDash val="solid"/>
+                      <a:round/>
+                      <a:headEnd type="none" w="med" len="med"/>
+                      <a:tailEnd type="none" w="med" len="med"/>
+                    </a:lnB>
+                  </a:tcPr>
+                </a:tc>
+                <a:tc>
+                  <a:txBody>
+                    <a:bodyPr/>
+                    <a:lstStyle/>
+                    <a:p>
+                      <a:pPr marL="0" marR="0" algn="r">
+                        <a:lnSpc>
+                          <a:spcPct val="160000"/>
+                        </a:lnSpc>
+                        <a:spcBef>
+                          <a:spcPts val="0"/>
+                        </a:spcBef>
+                        <a:spcAft>
+                          <a:spcPts val="0"/>
+                        </a:spcAft>
+                      </a:pPr>
+                      <a:r>
+                        <a:rPr lang="en-US" sz="800" dirty="0">
+                          <a:solidFill>
+                            <a:srgbClr val="000000"/>
+                          </a:solidFill>
+                          <a:effectLst/>
+                          <a:latin typeface="+mj-ea"/>
+                          <a:ea typeface="+mj-ea"/>
+                        </a:rPr>
+                        <a:t>6000</a:t>
+                      </a:r>
+                    </a:p>
+                  </a:txBody>
+                  <a:tcPr marL="48578" marR="48578" marT="13430" marB="13430" anchor="ctr">
+                    <a:lnL w="3556" cap="flat" cmpd="sng" algn="ctr">
+                      <a:solidFill>
+                        <a:srgbClr val="000000"/>
+                      </a:solidFill>
+                      <a:prstDash val="solid"/>
+                      <a:round/>
+                      <a:headEnd type="none" w="med" len="med"/>
+                      <a:tailEnd type="none" w="med" len="med"/>
+                    </a:lnL>
+                    <a:lnR w="3556" cap="flat" cmpd="sng" algn="ctr">
+                      <a:solidFill>
+                        <a:srgbClr val="000000"/>
+                      </a:solidFill>
+                      <a:prstDash val="solid"/>
+                      <a:round/>
+                      <a:headEnd type="none" w="med" len="med"/>
+                      <a:tailEnd type="none" w="med" len="med"/>
+                    </a:lnR>
+                    <a:lnT w="3556" cap="flat" cmpd="sng" algn="ctr">
+                      <a:solidFill>
+                        <a:srgbClr val="000000"/>
+                      </a:solidFill>
+                      <a:prstDash val="solid"/>
+                      <a:round/>
+                      <a:headEnd type="none" w="med" len="med"/>
+                      <a:tailEnd type="none" w="med" len="med"/>
+                    </a:lnT>
+                    <a:lnB w="3556" cap="flat" cmpd="sng" algn="ctr">
+                      <a:solidFill>
+                        <a:srgbClr val="000000"/>
+                      </a:solidFill>
+                      <a:prstDash val="solid"/>
+                      <a:round/>
+                      <a:headEnd type="none" w="med" len="med"/>
+                      <a:tailEnd type="none" w="med" len="med"/>
+                    </a:lnB>
+                  </a:tcPr>
+                </a:tc>
+                <a:extLst>
+                  <a:ext uri="{0D108BD9-81ED-4DB2-BD59-A6C34878D82A}">
+                    <a16:rowId xmlns:a16="http://schemas.microsoft.com/office/drawing/2014/main" val="10006"/>
+                  </a:ext>
+                </a:extLst>
+              </a:tr>
+              <a:tr h="209741">
+                <a:tc>
+                  <a:txBody>
+                    <a:bodyPr/>
+                    <a:lstStyle/>
+                    <a:p>
+                      <a:pPr marL="0" marR="0" algn="ctr">
+                        <a:lnSpc>
+                          <a:spcPct val="160000"/>
+                        </a:lnSpc>
+                        <a:spcBef>
+                          <a:spcPts val="0"/>
+                        </a:spcBef>
+                        <a:spcAft>
+                          <a:spcPts val="0"/>
+                        </a:spcAft>
+                      </a:pPr>
+                      <a:r>
+                        <a:rPr lang="en-US" sz="800" dirty="0">
+                          <a:solidFill>
+                            <a:srgbClr val="000000"/>
+                          </a:solidFill>
+                          <a:effectLst/>
+                          <a:latin typeface="+mj-ea"/>
+                          <a:ea typeface="+mj-ea"/>
+                        </a:rPr>
+                        <a:t>7</a:t>
+                      </a:r>
+                    </a:p>
+                  </a:txBody>
+                  <a:tcPr marL="48578" marR="48578" marT="13430" marB="13430" anchor="ctr">
+                    <a:lnL w="3556" cap="flat" cmpd="sng" algn="ctr">
+                      <a:solidFill>
+                        <a:srgbClr val="000000"/>
+                      </a:solidFill>
+                      <a:prstDash val="solid"/>
+                      <a:round/>
+                      <a:headEnd type="none" w="med" len="med"/>
+                      <a:tailEnd type="none" w="med" len="med"/>
+                    </a:lnL>
+                    <a:lnR w="3556" cap="flat" cmpd="sng" algn="ctr">
+                      <a:solidFill>
+                        <a:srgbClr val="000000"/>
+                      </a:solidFill>
+                      <a:prstDash val="solid"/>
+                      <a:round/>
+                      <a:headEnd type="none" w="med" len="med"/>
+                      <a:tailEnd type="none" w="med" len="med"/>
+                    </a:lnR>
+                    <a:lnT w="3556" cap="flat" cmpd="sng" algn="ctr">
+                      <a:solidFill>
+                        <a:srgbClr val="000000"/>
+                      </a:solidFill>
+                      <a:prstDash val="solid"/>
+                      <a:round/>
+                      <a:headEnd type="none" w="med" len="med"/>
+                      <a:tailEnd type="none" w="med" len="med"/>
+                    </a:lnT>
+                    <a:lnB w="3556" cap="flat" cmpd="sng" algn="ctr">
+                      <a:solidFill>
+                        <a:srgbClr val="000000"/>
+                      </a:solidFill>
+                      <a:prstDash val="solid"/>
+                      <a:round/>
+                      <a:headEnd type="none" w="med" len="med"/>
+                      <a:tailEnd type="none" w="med" len="med"/>
+                    </a:lnB>
+                  </a:tcPr>
+                </a:tc>
+                <a:tc>
+                  <a:txBody>
+                    <a:bodyPr/>
+                    <a:lstStyle/>
+                    <a:p>
+                      <a:pPr marL="0" marR="0" algn="l">
+                        <a:lnSpc>
+                          <a:spcPct val="160000"/>
+                        </a:lnSpc>
+                        <a:spcBef>
+                          <a:spcPts val="0"/>
+                        </a:spcBef>
+                        <a:spcAft>
+                          <a:spcPts val="0"/>
+                        </a:spcAft>
+                      </a:pPr>
+                      <a:r>
+                        <a:rPr lang="ko-KR" altLang="en-US" sz="800" dirty="0">
+                          <a:solidFill>
+                            <a:srgbClr val="000000"/>
+                          </a:solidFill>
+                          <a:effectLst/>
+                          <a:latin typeface="+mj-ea"/>
+                          <a:ea typeface="+mj-ea"/>
+                        </a:rPr>
+                        <a:t>야구의 추억</a:t>
+                      </a:r>
+                    </a:p>
+                  </a:txBody>
+                  <a:tcPr marL="48578" marR="48578" marT="13430" marB="13430" anchor="ctr">
+                    <a:lnL w="3556" cap="flat" cmpd="sng" algn="ctr">
+                      <a:solidFill>
+                        <a:srgbClr val="000000"/>
+                      </a:solidFill>
+                      <a:prstDash val="solid"/>
+                      <a:round/>
+                      <a:headEnd type="none" w="med" len="med"/>
+                      <a:tailEnd type="none" w="med" len="med"/>
+                    </a:lnL>
+                    <a:lnR w="3556" cap="flat" cmpd="sng" algn="ctr">
+                      <a:solidFill>
+                        <a:srgbClr val="000000"/>
+                      </a:solidFill>
+                      <a:prstDash val="solid"/>
+                      <a:round/>
+                      <a:headEnd type="none" w="med" len="med"/>
+                      <a:tailEnd type="none" w="med" len="med"/>
+                    </a:lnR>
+                    <a:lnT w="3556" cap="flat" cmpd="sng" algn="ctr">
+                      <a:solidFill>
+                        <a:srgbClr val="000000"/>
+                      </a:solidFill>
+                      <a:prstDash val="solid"/>
+                      <a:round/>
+                      <a:headEnd type="none" w="med" len="med"/>
+                      <a:tailEnd type="none" w="med" len="med"/>
+                    </a:lnT>
+                    <a:lnB w="3556" cap="flat" cmpd="sng" algn="ctr">
+                      <a:solidFill>
+                        <a:srgbClr val="000000"/>
+                      </a:solidFill>
+                      <a:prstDash val="solid"/>
+                      <a:round/>
+                      <a:headEnd type="none" w="med" len="med"/>
+                      <a:tailEnd type="none" w="med" len="med"/>
+                    </a:lnB>
+                  </a:tcPr>
+                </a:tc>
+                <a:tc>
+                  <a:txBody>
+                    <a:bodyPr/>
+                    <a:lstStyle/>
+                    <a:p>
+                      <a:pPr marL="0" marR="0" algn="l">
+                        <a:lnSpc>
+                          <a:spcPct val="160000"/>
+                        </a:lnSpc>
+                        <a:spcBef>
+                          <a:spcPts val="0"/>
+                        </a:spcBef>
+                        <a:spcAft>
+                          <a:spcPts val="0"/>
+                        </a:spcAft>
+                      </a:pPr>
+                      <a:r>
+                        <a:rPr lang="ko-KR" altLang="en-US" sz="800" dirty="0">
+                          <a:solidFill>
+                            <a:srgbClr val="000000"/>
+                          </a:solidFill>
+                          <a:effectLst/>
+                          <a:latin typeface="+mj-ea"/>
+                          <a:ea typeface="+mj-ea"/>
+                        </a:rPr>
+                        <a:t>이상미디어</a:t>
+                      </a:r>
+                    </a:p>
+                  </a:txBody>
+                  <a:tcPr marL="48578" marR="48578" marT="13430" marB="13430" anchor="ctr">
+                    <a:lnL w="3556" cap="flat" cmpd="sng" algn="ctr">
+                      <a:solidFill>
+                        <a:srgbClr val="000000"/>
+                      </a:solidFill>
+                      <a:prstDash val="solid"/>
+                      <a:round/>
+                      <a:headEnd type="none" w="med" len="med"/>
+                      <a:tailEnd type="none" w="med" len="med"/>
+                    </a:lnL>
+                    <a:lnR w="3556" cap="flat" cmpd="sng" algn="ctr">
+                      <a:solidFill>
+                        <a:srgbClr val="000000"/>
+                      </a:solidFill>
+                      <a:prstDash val="solid"/>
+                      <a:round/>
+                      <a:headEnd type="none" w="med" len="med"/>
+                      <a:tailEnd type="none" w="med" len="med"/>
+                    </a:lnR>
+                    <a:lnT w="3556" cap="flat" cmpd="sng" algn="ctr">
+                      <a:solidFill>
+                        <a:srgbClr val="000000"/>
+                      </a:solidFill>
+                      <a:prstDash val="solid"/>
+                      <a:round/>
+                      <a:headEnd type="none" w="med" len="med"/>
+                      <a:tailEnd type="none" w="med" len="med"/>
+                    </a:lnT>
+                    <a:lnB w="3556" cap="flat" cmpd="sng" algn="ctr">
+                      <a:solidFill>
+                        <a:srgbClr val="000000"/>
+                      </a:solidFill>
+                      <a:prstDash val="solid"/>
+                      <a:round/>
+                      <a:headEnd type="none" w="med" len="med"/>
+                      <a:tailEnd type="none" w="med" len="med"/>
+                    </a:lnB>
+                  </a:tcPr>
+                </a:tc>
+                <a:tc>
+                  <a:txBody>
+                    <a:bodyPr/>
+                    <a:lstStyle/>
+                    <a:p>
+                      <a:pPr marL="0" marR="0" algn="r">
+                        <a:lnSpc>
+                          <a:spcPct val="160000"/>
+                        </a:lnSpc>
+                        <a:spcBef>
+                          <a:spcPts val="0"/>
+                        </a:spcBef>
+                        <a:spcAft>
+                          <a:spcPts val="0"/>
+                        </a:spcAft>
+                      </a:pPr>
+                      <a:r>
+                        <a:rPr lang="en-US" sz="800" dirty="0">
+                          <a:solidFill>
+                            <a:srgbClr val="000000"/>
+                          </a:solidFill>
+                          <a:effectLst/>
+                          <a:latin typeface="+mj-ea"/>
+                          <a:ea typeface="+mj-ea"/>
+                        </a:rPr>
+                        <a:t>20000</a:t>
+                      </a:r>
+                    </a:p>
+                  </a:txBody>
+                  <a:tcPr marL="48578" marR="48578" marT="13430" marB="13430" anchor="ctr">
+                    <a:lnL w="3556" cap="flat" cmpd="sng" algn="ctr">
+                      <a:solidFill>
+                        <a:srgbClr val="000000"/>
+                      </a:solidFill>
+                      <a:prstDash val="solid"/>
+                      <a:round/>
+                      <a:headEnd type="none" w="med" len="med"/>
+                      <a:tailEnd type="none" w="med" len="med"/>
+                    </a:lnL>
+                    <a:lnR w="3556" cap="flat" cmpd="sng" algn="ctr">
+                      <a:solidFill>
+                        <a:srgbClr val="000000"/>
+                      </a:solidFill>
+                      <a:prstDash val="solid"/>
+                      <a:round/>
+                      <a:headEnd type="none" w="med" len="med"/>
+                      <a:tailEnd type="none" w="med" len="med"/>
+                    </a:lnR>
+                    <a:lnT w="3556" cap="flat" cmpd="sng" algn="ctr">
+                      <a:solidFill>
+                        <a:srgbClr val="000000"/>
+                      </a:solidFill>
+                      <a:prstDash val="solid"/>
+                      <a:round/>
+                      <a:headEnd type="none" w="med" len="med"/>
+                      <a:tailEnd type="none" w="med" len="med"/>
+                    </a:lnT>
+                    <a:lnB w="3556" cap="flat" cmpd="sng" algn="ctr">
+                      <a:solidFill>
+                        <a:srgbClr val="000000"/>
+                      </a:solidFill>
+                      <a:prstDash val="solid"/>
+                      <a:round/>
+                      <a:headEnd type="none" w="med" len="med"/>
+                      <a:tailEnd type="none" w="med" len="med"/>
+                    </a:lnB>
+                  </a:tcPr>
+                </a:tc>
+                <a:extLst>
+                  <a:ext uri="{0D108BD9-81ED-4DB2-BD59-A6C34878D82A}">
+                    <a16:rowId xmlns:a16="http://schemas.microsoft.com/office/drawing/2014/main" val="10007"/>
+                  </a:ext>
+                </a:extLst>
+              </a:tr>
+              <a:tr h="209741">
+                <a:tc>
+                  <a:txBody>
+                    <a:bodyPr/>
+                    <a:lstStyle/>
+                    <a:p>
+                      <a:pPr marL="0" marR="0" algn="ctr">
+                        <a:lnSpc>
+                          <a:spcPct val="160000"/>
+                        </a:lnSpc>
+                        <a:spcBef>
+                          <a:spcPts val="0"/>
+                        </a:spcBef>
+                        <a:spcAft>
+                          <a:spcPts val="0"/>
+                        </a:spcAft>
+                      </a:pPr>
+                      <a:r>
+                        <a:rPr lang="en-US" sz="800" dirty="0">
+                          <a:solidFill>
+                            <a:srgbClr val="000000"/>
+                          </a:solidFill>
+                          <a:effectLst/>
+                          <a:latin typeface="+mj-ea"/>
+                          <a:ea typeface="+mj-ea"/>
+                        </a:rPr>
+                        <a:t>8</a:t>
+                      </a:r>
+                    </a:p>
+                  </a:txBody>
+                  <a:tcPr marL="48578" marR="48578" marT="13430" marB="13430" anchor="ctr">
+                    <a:lnL w="3556" cap="flat" cmpd="sng" algn="ctr">
+                      <a:solidFill>
+                        <a:srgbClr val="000000"/>
+                      </a:solidFill>
+                      <a:prstDash val="solid"/>
+                      <a:round/>
+                      <a:headEnd type="none" w="med" len="med"/>
+                      <a:tailEnd type="none" w="med" len="med"/>
+                    </a:lnL>
+                    <a:lnR w="3556" cap="flat" cmpd="sng" algn="ctr">
+                      <a:solidFill>
+                        <a:srgbClr val="000000"/>
+                      </a:solidFill>
+                      <a:prstDash val="solid"/>
+                      <a:round/>
+                      <a:headEnd type="none" w="med" len="med"/>
+                      <a:tailEnd type="none" w="med" len="med"/>
+                    </a:lnR>
+                    <a:lnT w="3556" cap="flat" cmpd="sng" algn="ctr">
+                      <a:solidFill>
+                        <a:srgbClr val="000000"/>
+                      </a:solidFill>
+                      <a:prstDash val="solid"/>
+                      <a:round/>
+                      <a:headEnd type="none" w="med" len="med"/>
+                      <a:tailEnd type="none" w="med" len="med"/>
+                    </a:lnT>
+                    <a:lnB w="3556" cap="flat" cmpd="sng" algn="ctr">
+                      <a:solidFill>
+                        <a:srgbClr val="000000"/>
+                      </a:solidFill>
+                      <a:prstDash val="solid"/>
+                      <a:round/>
+                      <a:headEnd type="none" w="med" len="med"/>
+                      <a:tailEnd type="none" w="med" len="med"/>
+                    </a:lnB>
+                  </a:tcPr>
+                </a:tc>
+                <a:tc>
+                  <a:txBody>
+                    <a:bodyPr/>
+                    <a:lstStyle/>
+                    <a:p>
+                      <a:pPr marL="0" marR="0" algn="l">
+                        <a:lnSpc>
+                          <a:spcPct val="160000"/>
+                        </a:lnSpc>
+                        <a:spcBef>
+                          <a:spcPts val="0"/>
+                        </a:spcBef>
+                        <a:spcAft>
+                          <a:spcPts val="0"/>
+                        </a:spcAft>
+                      </a:pPr>
+                      <a:r>
+                        <a:rPr lang="ko-KR" altLang="en-US" sz="800">
+                          <a:solidFill>
+                            <a:srgbClr val="000000"/>
+                          </a:solidFill>
+                          <a:effectLst/>
+                          <a:latin typeface="+mj-ea"/>
+                          <a:ea typeface="+mj-ea"/>
+                        </a:rPr>
+                        <a:t>야구를 부탁해</a:t>
+                      </a:r>
+                    </a:p>
+                  </a:txBody>
+                  <a:tcPr marL="48578" marR="48578" marT="13430" marB="13430" anchor="ctr">
+                    <a:lnL w="3556" cap="flat" cmpd="sng" algn="ctr">
+                      <a:solidFill>
+                        <a:srgbClr val="000000"/>
+                      </a:solidFill>
+                      <a:prstDash val="solid"/>
+                      <a:round/>
+                      <a:headEnd type="none" w="med" len="med"/>
+                      <a:tailEnd type="none" w="med" len="med"/>
+                    </a:lnL>
+                    <a:lnR w="3556" cap="flat" cmpd="sng" algn="ctr">
+                      <a:solidFill>
+                        <a:srgbClr val="000000"/>
+                      </a:solidFill>
+                      <a:prstDash val="solid"/>
+                      <a:round/>
+                      <a:headEnd type="none" w="med" len="med"/>
+                      <a:tailEnd type="none" w="med" len="med"/>
+                    </a:lnR>
+                    <a:lnT w="3556" cap="flat" cmpd="sng" algn="ctr">
+                      <a:solidFill>
+                        <a:srgbClr val="000000"/>
+                      </a:solidFill>
+                      <a:prstDash val="solid"/>
+                      <a:round/>
+                      <a:headEnd type="none" w="med" len="med"/>
+                      <a:tailEnd type="none" w="med" len="med"/>
+                    </a:lnT>
+                    <a:lnB w="3556" cap="flat" cmpd="sng" algn="ctr">
+                      <a:solidFill>
+                        <a:srgbClr val="000000"/>
+                      </a:solidFill>
+                      <a:prstDash val="solid"/>
+                      <a:round/>
+                      <a:headEnd type="none" w="med" len="med"/>
+                      <a:tailEnd type="none" w="med" len="med"/>
+                    </a:lnB>
+                  </a:tcPr>
+                </a:tc>
+                <a:tc>
+                  <a:txBody>
+                    <a:bodyPr/>
+                    <a:lstStyle/>
+                    <a:p>
+                      <a:pPr marL="0" marR="0" algn="l">
+                        <a:lnSpc>
+                          <a:spcPct val="160000"/>
+                        </a:lnSpc>
+                        <a:spcBef>
+                          <a:spcPts val="0"/>
+                        </a:spcBef>
+                        <a:spcAft>
+                          <a:spcPts val="0"/>
+                        </a:spcAft>
+                      </a:pPr>
+                      <a:r>
+                        <a:rPr lang="ko-KR" altLang="en-US" sz="800" dirty="0">
+                          <a:solidFill>
+                            <a:srgbClr val="000000"/>
+                          </a:solidFill>
+                          <a:effectLst/>
+                          <a:latin typeface="+mj-ea"/>
+                          <a:ea typeface="+mj-ea"/>
+                        </a:rPr>
+                        <a:t>이상미디어</a:t>
+                      </a:r>
+                    </a:p>
+                  </a:txBody>
+                  <a:tcPr marL="48578" marR="48578" marT="13430" marB="13430" anchor="ctr">
+                    <a:lnL w="3556" cap="flat" cmpd="sng" algn="ctr">
+                      <a:solidFill>
+                        <a:srgbClr val="000000"/>
+                      </a:solidFill>
+                      <a:prstDash val="solid"/>
+                      <a:round/>
+                      <a:headEnd type="none" w="med" len="med"/>
+                      <a:tailEnd type="none" w="med" len="med"/>
+                    </a:lnL>
+                    <a:lnR w="3556" cap="flat" cmpd="sng" algn="ctr">
+                      <a:solidFill>
+                        <a:srgbClr val="000000"/>
+                      </a:solidFill>
+                      <a:prstDash val="solid"/>
+                      <a:round/>
+                      <a:headEnd type="none" w="med" len="med"/>
+                      <a:tailEnd type="none" w="med" len="med"/>
+                    </a:lnR>
+                    <a:lnT w="3556" cap="flat" cmpd="sng" algn="ctr">
+                      <a:solidFill>
+                        <a:srgbClr val="000000"/>
+                      </a:solidFill>
+                      <a:prstDash val="solid"/>
+                      <a:round/>
+                      <a:headEnd type="none" w="med" len="med"/>
+                      <a:tailEnd type="none" w="med" len="med"/>
+                    </a:lnT>
+                    <a:lnB w="3556" cap="flat" cmpd="sng" algn="ctr">
+                      <a:solidFill>
+                        <a:srgbClr val="000000"/>
+                      </a:solidFill>
+                      <a:prstDash val="solid"/>
+                      <a:round/>
+                      <a:headEnd type="none" w="med" len="med"/>
+                      <a:tailEnd type="none" w="med" len="med"/>
+                    </a:lnB>
+                  </a:tcPr>
+                </a:tc>
+                <a:tc>
+                  <a:txBody>
+                    <a:bodyPr/>
+                    <a:lstStyle/>
+                    <a:p>
+                      <a:pPr marL="0" marR="0" algn="r">
+                        <a:lnSpc>
+                          <a:spcPct val="160000"/>
+                        </a:lnSpc>
+                        <a:spcBef>
+                          <a:spcPts val="0"/>
+                        </a:spcBef>
+                        <a:spcAft>
+                          <a:spcPts val="0"/>
+                        </a:spcAft>
+                      </a:pPr>
+                      <a:r>
+                        <a:rPr lang="en-US" sz="800" dirty="0">
+                          <a:solidFill>
+                            <a:srgbClr val="000000"/>
+                          </a:solidFill>
+                          <a:effectLst/>
+                          <a:latin typeface="+mj-ea"/>
+                          <a:ea typeface="+mj-ea"/>
+                        </a:rPr>
+                        <a:t>13000</a:t>
+                      </a:r>
+                    </a:p>
+                  </a:txBody>
+                  <a:tcPr marL="48578" marR="48578" marT="13430" marB="13430" anchor="ctr">
+                    <a:lnL w="3556" cap="flat" cmpd="sng" algn="ctr">
+                      <a:solidFill>
+                        <a:srgbClr val="000000"/>
+                      </a:solidFill>
+                      <a:prstDash val="solid"/>
+                      <a:round/>
+                      <a:headEnd type="none" w="med" len="med"/>
+                      <a:tailEnd type="none" w="med" len="med"/>
+                    </a:lnL>
+                    <a:lnR w="3556" cap="flat" cmpd="sng" algn="ctr">
+                      <a:solidFill>
+                        <a:srgbClr val="000000"/>
+                      </a:solidFill>
+                      <a:prstDash val="solid"/>
+                      <a:round/>
+                      <a:headEnd type="none" w="med" len="med"/>
+                      <a:tailEnd type="none" w="med" len="med"/>
+                    </a:lnR>
+                    <a:lnT w="3556" cap="flat" cmpd="sng" algn="ctr">
+                      <a:solidFill>
+                        <a:srgbClr val="000000"/>
+                      </a:solidFill>
+                      <a:prstDash val="solid"/>
+                      <a:round/>
+                      <a:headEnd type="none" w="med" len="med"/>
+                      <a:tailEnd type="none" w="med" len="med"/>
+                    </a:lnT>
+                    <a:lnB w="3556" cap="flat" cmpd="sng" algn="ctr">
+                      <a:solidFill>
+                        <a:srgbClr val="000000"/>
+                      </a:solidFill>
+                      <a:prstDash val="solid"/>
+                      <a:round/>
+                      <a:headEnd type="none" w="med" len="med"/>
+                      <a:tailEnd type="none" w="med" len="med"/>
+                    </a:lnB>
+                  </a:tcPr>
+                </a:tc>
+                <a:extLst>
+                  <a:ext uri="{0D108BD9-81ED-4DB2-BD59-A6C34878D82A}">
+                    <a16:rowId xmlns:a16="http://schemas.microsoft.com/office/drawing/2014/main" val="10008"/>
+                  </a:ext>
+                </a:extLst>
+              </a:tr>
+              <a:tr h="209741">
+                <a:tc>
+                  <a:txBody>
+                    <a:bodyPr/>
+                    <a:lstStyle/>
+                    <a:p>
+                      <a:pPr marL="0" marR="0" algn="ctr">
+                        <a:lnSpc>
+                          <a:spcPct val="160000"/>
+                        </a:lnSpc>
+                        <a:spcBef>
+                          <a:spcPts val="0"/>
+                        </a:spcBef>
+                        <a:spcAft>
+                          <a:spcPts val="0"/>
+                        </a:spcAft>
+                      </a:pPr>
+                      <a:r>
+                        <a:rPr lang="en-US" sz="800" dirty="0">
+                          <a:solidFill>
+                            <a:srgbClr val="000000"/>
+                          </a:solidFill>
+                          <a:effectLst/>
+                          <a:latin typeface="+mj-ea"/>
+                          <a:ea typeface="+mj-ea"/>
+                        </a:rPr>
+                        <a:t>9</a:t>
+                      </a:r>
+                    </a:p>
+                  </a:txBody>
+                  <a:tcPr marL="48578" marR="48578" marT="13430" marB="13430" anchor="ctr">
+                    <a:lnL w="3556" cap="flat" cmpd="sng" algn="ctr">
+                      <a:solidFill>
+                        <a:srgbClr val="000000"/>
+                      </a:solidFill>
+                      <a:prstDash val="solid"/>
+                      <a:round/>
+                      <a:headEnd type="none" w="med" len="med"/>
+                      <a:tailEnd type="none" w="med" len="med"/>
+                    </a:lnL>
+                    <a:lnR w="3556" cap="flat" cmpd="sng" algn="ctr">
+                      <a:solidFill>
+                        <a:srgbClr val="000000"/>
+                      </a:solidFill>
+                      <a:prstDash val="solid"/>
+                      <a:round/>
+                      <a:headEnd type="none" w="med" len="med"/>
+                      <a:tailEnd type="none" w="med" len="med"/>
+                    </a:lnR>
+                    <a:lnT w="3556" cap="flat" cmpd="sng" algn="ctr">
+                      <a:solidFill>
+                        <a:srgbClr val="000000"/>
+                      </a:solidFill>
+                      <a:prstDash val="solid"/>
+                      <a:round/>
+                      <a:headEnd type="none" w="med" len="med"/>
+                      <a:tailEnd type="none" w="med" len="med"/>
+                    </a:lnT>
+                    <a:lnB w="3556" cap="flat" cmpd="sng" algn="ctr">
+                      <a:solidFill>
+                        <a:srgbClr val="000000"/>
+                      </a:solidFill>
+                      <a:prstDash val="solid"/>
+                      <a:round/>
+                      <a:headEnd type="none" w="med" len="med"/>
+                      <a:tailEnd type="none" w="med" len="med"/>
+                    </a:lnB>
+                  </a:tcPr>
+                </a:tc>
+                <a:tc>
+                  <a:txBody>
+                    <a:bodyPr/>
+                    <a:lstStyle/>
+                    <a:p>
+                      <a:pPr marL="0" marR="0" algn="l">
+                        <a:lnSpc>
+                          <a:spcPct val="160000"/>
+                        </a:lnSpc>
+                        <a:spcBef>
+                          <a:spcPts val="0"/>
+                        </a:spcBef>
+                        <a:spcAft>
+                          <a:spcPts val="0"/>
+                        </a:spcAft>
+                      </a:pPr>
+                      <a:r>
+                        <a:rPr lang="ko-KR" altLang="en-US" sz="800" dirty="0">
+                          <a:solidFill>
+                            <a:srgbClr val="000000"/>
+                          </a:solidFill>
+                          <a:effectLst/>
+                          <a:latin typeface="+mj-ea"/>
+                          <a:ea typeface="+mj-ea"/>
+                        </a:rPr>
+                        <a:t>올림픽 이야기</a:t>
+                      </a:r>
+                    </a:p>
+                  </a:txBody>
+                  <a:tcPr marL="48578" marR="48578" marT="13430" marB="13430" anchor="ctr">
+                    <a:lnL w="3556" cap="flat" cmpd="sng" algn="ctr">
+                      <a:solidFill>
+                        <a:srgbClr val="000000"/>
+                      </a:solidFill>
+                      <a:prstDash val="solid"/>
+                      <a:round/>
+                      <a:headEnd type="none" w="med" len="med"/>
+                      <a:tailEnd type="none" w="med" len="med"/>
+                    </a:lnL>
+                    <a:lnR w="3556" cap="flat" cmpd="sng" algn="ctr">
+                      <a:solidFill>
+                        <a:srgbClr val="000000"/>
+                      </a:solidFill>
+                      <a:prstDash val="solid"/>
+                      <a:round/>
+                      <a:headEnd type="none" w="med" len="med"/>
+                      <a:tailEnd type="none" w="med" len="med"/>
+                    </a:lnR>
+                    <a:lnT w="3556" cap="flat" cmpd="sng" algn="ctr">
+                      <a:solidFill>
+                        <a:srgbClr val="000000"/>
+                      </a:solidFill>
+                      <a:prstDash val="solid"/>
+                      <a:round/>
+                      <a:headEnd type="none" w="med" len="med"/>
+                      <a:tailEnd type="none" w="med" len="med"/>
+                    </a:lnT>
+                    <a:lnB w="3556" cap="flat" cmpd="sng" algn="ctr">
+                      <a:solidFill>
+                        <a:srgbClr val="000000"/>
+                      </a:solidFill>
+                      <a:prstDash val="solid"/>
+                      <a:round/>
+                      <a:headEnd type="none" w="med" len="med"/>
+                      <a:tailEnd type="none" w="med" len="med"/>
+                    </a:lnB>
+                  </a:tcPr>
+                </a:tc>
+                <a:tc>
+                  <a:txBody>
+                    <a:bodyPr/>
+                    <a:lstStyle/>
+                    <a:p>
+                      <a:pPr marL="0" marR="0" algn="l">
+                        <a:lnSpc>
+                          <a:spcPct val="160000"/>
+                        </a:lnSpc>
+                        <a:spcBef>
+                          <a:spcPts val="0"/>
+                        </a:spcBef>
+                        <a:spcAft>
+                          <a:spcPts val="0"/>
+                        </a:spcAft>
+                      </a:pPr>
+                      <a:r>
+                        <a:rPr lang="ko-KR" altLang="en-US" sz="800" dirty="0">
+                          <a:solidFill>
+                            <a:srgbClr val="000000"/>
+                          </a:solidFill>
+                          <a:effectLst/>
+                          <a:latin typeface="+mj-ea"/>
+                          <a:ea typeface="+mj-ea"/>
+                        </a:rPr>
+                        <a:t>삼성당</a:t>
+                      </a:r>
+                    </a:p>
+                  </a:txBody>
+                  <a:tcPr marL="48578" marR="48578" marT="13430" marB="13430" anchor="ctr">
+                    <a:lnL w="3556" cap="flat" cmpd="sng" algn="ctr">
+                      <a:solidFill>
+                        <a:srgbClr val="000000"/>
+                      </a:solidFill>
+                      <a:prstDash val="solid"/>
+                      <a:round/>
+                      <a:headEnd type="none" w="med" len="med"/>
+                      <a:tailEnd type="none" w="med" len="med"/>
+                    </a:lnL>
+                    <a:lnR w="3556" cap="flat" cmpd="sng" algn="ctr">
+                      <a:solidFill>
+                        <a:srgbClr val="000000"/>
+                      </a:solidFill>
+                      <a:prstDash val="solid"/>
+                      <a:round/>
+                      <a:headEnd type="none" w="med" len="med"/>
+                      <a:tailEnd type="none" w="med" len="med"/>
+                    </a:lnR>
+                    <a:lnT w="3556" cap="flat" cmpd="sng" algn="ctr">
+                      <a:solidFill>
+                        <a:srgbClr val="000000"/>
+                      </a:solidFill>
+                      <a:prstDash val="solid"/>
+                      <a:round/>
+                      <a:headEnd type="none" w="med" len="med"/>
+                      <a:tailEnd type="none" w="med" len="med"/>
+                    </a:lnT>
+                    <a:lnB w="3556" cap="flat" cmpd="sng" algn="ctr">
+                      <a:solidFill>
+                        <a:srgbClr val="000000"/>
+                      </a:solidFill>
+                      <a:prstDash val="solid"/>
+                      <a:round/>
+                      <a:headEnd type="none" w="med" len="med"/>
+                      <a:tailEnd type="none" w="med" len="med"/>
+                    </a:lnB>
+                  </a:tcPr>
+                </a:tc>
+                <a:tc>
+                  <a:txBody>
+                    <a:bodyPr/>
+                    <a:lstStyle/>
+                    <a:p>
+                      <a:pPr marL="0" marR="0" algn="r">
+                        <a:lnSpc>
+                          <a:spcPct val="160000"/>
+                        </a:lnSpc>
+                        <a:spcBef>
+                          <a:spcPts val="0"/>
+                        </a:spcBef>
+                        <a:spcAft>
+                          <a:spcPts val="0"/>
+                        </a:spcAft>
+                      </a:pPr>
+                      <a:r>
+                        <a:rPr lang="en-US" sz="800" dirty="0">
+                          <a:solidFill>
+                            <a:srgbClr val="000000"/>
+                          </a:solidFill>
+                          <a:effectLst/>
+                          <a:latin typeface="+mj-ea"/>
+                          <a:ea typeface="+mj-ea"/>
+                        </a:rPr>
+                        <a:t>7500</a:t>
+                      </a:r>
+                    </a:p>
+                  </a:txBody>
+                  <a:tcPr marL="48578" marR="48578" marT="13430" marB="13430" anchor="ctr">
+                    <a:lnL w="3556" cap="flat" cmpd="sng" algn="ctr">
+                      <a:solidFill>
+                        <a:srgbClr val="000000"/>
+                      </a:solidFill>
+                      <a:prstDash val="solid"/>
+                      <a:round/>
+                      <a:headEnd type="none" w="med" len="med"/>
+                      <a:tailEnd type="none" w="med" len="med"/>
+                    </a:lnL>
+                    <a:lnR w="3556" cap="flat" cmpd="sng" algn="ctr">
+                      <a:solidFill>
+                        <a:srgbClr val="000000"/>
+                      </a:solidFill>
+                      <a:prstDash val="solid"/>
+                      <a:round/>
+                      <a:headEnd type="none" w="med" len="med"/>
+                      <a:tailEnd type="none" w="med" len="med"/>
+                    </a:lnR>
+                    <a:lnT w="3556" cap="flat" cmpd="sng" algn="ctr">
+                      <a:solidFill>
+                        <a:srgbClr val="000000"/>
+                      </a:solidFill>
+                      <a:prstDash val="solid"/>
+                      <a:round/>
+                      <a:headEnd type="none" w="med" len="med"/>
+                      <a:tailEnd type="none" w="med" len="med"/>
+                    </a:lnT>
+                    <a:lnB w="3556" cap="flat" cmpd="sng" algn="ctr">
+                      <a:solidFill>
+                        <a:srgbClr val="000000"/>
+                      </a:solidFill>
+                      <a:prstDash val="solid"/>
+                      <a:round/>
+                      <a:headEnd type="none" w="med" len="med"/>
+                      <a:tailEnd type="none" w="med" len="med"/>
+                    </a:lnB>
+                  </a:tcPr>
+                </a:tc>
+                <a:extLst>
+                  <a:ext uri="{0D108BD9-81ED-4DB2-BD59-A6C34878D82A}">
+                    <a16:rowId xmlns:a16="http://schemas.microsoft.com/office/drawing/2014/main" val="10009"/>
+                  </a:ext>
+                </a:extLst>
+              </a:tr>
+              <a:tr h="209741">
+                <a:tc>
+                  <a:txBody>
+                    <a:bodyPr/>
+                    <a:lstStyle/>
+                    <a:p>
+                      <a:pPr marL="0" marR="0" algn="ctr">
+                        <a:lnSpc>
+                          <a:spcPct val="160000"/>
+                        </a:lnSpc>
+                        <a:spcBef>
+                          <a:spcPts val="0"/>
+                        </a:spcBef>
+                        <a:spcAft>
+                          <a:spcPts val="0"/>
+                        </a:spcAft>
+                      </a:pPr>
+                      <a:r>
+                        <a:rPr lang="en-US" sz="800" dirty="0">
+                          <a:solidFill>
+                            <a:srgbClr val="000000"/>
+                          </a:solidFill>
+                          <a:effectLst/>
+                          <a:latin typeface="+mj-ea"/>
+                          <a:ea typeface="+mj-ea"/>
+                        </a:rPr>
+                        <a:t>10</a:t>
+                      </a:r>
+                    </a:p>
+                  </a:txBody>
+                  <a:tcPr marL="48578" marR="48578" marT="13430" marB="13430" anchor="ctr">
+                    <a:lnL w="3556" cap="flat" cmpd="sng" algn="ctr">
+                      <a:solidFill>
+                        <a:srgbClr val="000000"/>
+                      </a:solidFill>
+                      <a:prstDash val="solid"/>
+                      <a:round/>
+                      <a:headEnd type="none" w="med" len="med"/>
+                      <a:tailEnd type="none" w="med" len="med"/>
+                    </a:lnL>
+                    <a:lnR w="3556" cap="flat" cmpd="sng" algn="ctr">
+                      <a:solidFill>
+                        <a:srgbClr val="000000"/>
+                      </a:solidFill>
+                      <a:prstDash val="solid"/>
+                      <a:round/>
+                      <a:headEnd type="none" w="med" len="med"/>
+                      <a:tailEnd type="none" w="med" len="med"/>
+                    </a:lnR>
+                    <a:lnT w="3556" cap="flat" cmpd="sng" algn="ctr">
+                      <a:solidFill>
+                        <a:srgbClr val="000000"/>
+                      </a:solidFill>
+                      <a:prstDash val="solid"/>
+                      <a:round/>
+                      <a:headEnd type="none" w="med" len="med"/>
+                      <a:tailEnd type="none" w="med" len="med"/>
+                    </a:lnT>
+                    <a:lnB w="3556" cap="flat" cmpd="sng" algn="ctr">
+                      <a:solidFill>
+                        <a:srgbClr val="000000"/>
+                      </a:solidFill>
+                      <a:prstDash val="solid"/>
+                      <a:round/>
+                      <a:headEnd type="none" w="med" len="med"/>
+                      <a:tailEnd type="none" w="med" len="med"/>
+                    </a:lnB>
+                  </a:tcPr>
+                </a:tc>
+                <a:tc>
+                  <a:txBody>
+                    <a:bodyPr/>
+                    <a:lstStyle/>
+                    <a:p>
+                      <a:pPr marL="0" marR="0" algn="l">
+                        <a:lnSpc>
+                          <a:spcPct val="160000"/>
+                        </a:lnSpc>
+                        <a:spcBef>
+                          <a:spcPts val="0"/>
+                        </a:spcBef>
+                        <a:spcAft>
+                          <a:spcPts val="0"/>
+                        </a:spcAft>
+                      </a:pPr>
+                      <a:r>
+                        <a:rPr lang="en-US" sz="800" dirty="0">
+                          <a:solidFill>
+                            <a:srgbClr val="000000"/>
+                          </a:solidFill>
+                          <a:effectLst/>
+                          <a:latin typeface="+mj-ea"/>
+                          <a:ea typeface="+mj-ea"/>
+                        </a:rPr>
+                        <a:t>Olympic Champions</a:t>
+                      </a:r>
+                    </a:p>
+                  </a:txBody>
+                  <a:tcPr marL="48578" marR="48578" marT="13430" marB="13430" anchor="ctr">
+                    <a:lnL w="3556" cap="flat" cmpd="sng" algn="ctr">
+                      <a:solidFill>
+                        <a:srgbClr val="000000"/>
+                      </a:solidFill>
+                      <a:prstDash val="solid"/>
+                      <a:round/>
+                      <a:headEnd type="none" w="med" len="med"/>
+                      <a:tailEnd type="none" w="med" len="med"/>
+                    </a:lnL>
+                    <a:lnR w="3556" cap="flat" cmpd="sng" algn="ctr">
+                      <a:solidFill>
+                        <a:srgbClr val="000000"/>
+                      </a:solidFill>
+                      <a:prstDash val="solid"/>
+                      <a:round/>
+                      <a:headEnd type="none" w="med" len="med"/>
+                      <a:tailEnd type="none" w="med" len="med"/>
+                    </a:lnR>
+                    <a:lnT w="3556" cap="flat" cmpd="sng" algn="ctr">
+                      <a:solidFill>
+                        <a:srgbClr val="000000"/>
+                      </a:solidFill>
+                      <a:prstDash val="solid"/>
+                      <a:round/>
+                      <a:headEnd type="none" w="med" len="med"/>
+                      <a:tailEnd type="none" w="med" len="med"/>
+                    </a:lnT>
+                    <a:lnB w="3556" cap="flat" cmpd="sng" algn="ctr">
+                      <a:solidFill>
+                        <a:srgbClr val="000000"/>
+                      </a:solidFill>
+                      <a:prstDash val="solid"/>
+                      <a:round/>
+                      <a:headEnd type="none" w="med" len="med"/>
+                      <a:tailEnd type="none" w="med" len="med"/>
+                    </a:lnB>
+                  </a:tcPr>
+                </a:tc>
+                <a:tc>
+                  <a:txBody>
+                    <a:bodyPr/>
+                    <a:lstStyle/>
+                    <a:p>
+                      <a:pPr marL="0" marR="0" algn="l">
+                        <a:lnSpc>
+                          <a:spcPct val="160000"/>
+                        </a:lnSpc>
+                        <a:spcBef>
+                          <a:spcPts val="0"/>
+                        </a:spcBef>
+                        <a:spcAft>
+                          <a:spcPts val="0"/>
+                        </a:spcAft>
+                      </a:pPr>
+                      <a:r>
+                        <a:rPr lang="en-US" sz="800" dirty="0">
+                          <a:solidFill>
+                            <a:srgbClr val="000000"/>
+                          </a:solidFill>
+                          <a:effectLst/>
+                          <a:latin typeface="+mj-ea"/>
+                          <a:ea typeface="+mj-ea"/>
+                        </a:rPr>
+                        <a:t>Pearson</a:t>
+                      </a:r>
+                    </a:p>
+                  </a:txBody>
+                  <a:tcPr marL="48578" marR="48578" marT="13430" marB="13430" anchor="ctr">
+                    <a:lnL w="3556" cap="flat" cmpd="sng" algn="ctr">
+                      <a:solidFill>
+                        <a:srgbClr val="000000"/>
+                      </a:solidFill>
+                      <a:prstDash val="solid"/>
+                      <a:round/>
+                      <a:headEnd type="none" w="med" len="med"/>
+                      <a:tailEnd type="none" w="med" len="med"/>
+                    </a:lnL>
+                    <a:lnR w="3556" cap="flat" cmpd="sng" algn="ctr">
+                      <a:solidFill>
+                        <a:srgbClr val="000000"/>
+                      </a:solidFill>
+                      <a:prstDash val="solid"/>
+                      <a:round/>
+                      <a:headEnd type="none" w="med" len="med"/>
+                      <a:tailEnd type="none" w="med" len="med"/>
+                    </a:lnR>
+                    <a:lnT w="3556" cap="flat" cmpd="sng" algn="ctr">
+                      <a:solidFill>
+                        <a:srgbClr val="000000"/>
+                      </a:solidFill>
+                      <a:prstDash val="solid"/>
+                      <a:round/>
+                      <a:headEnd type="none" w="med" len="med"/>
+                      <a:tailEnd type="none" w="med" len="med"/>
+                    </a:lnT>
+                    <a:lnB w="3556" cap="flat" cmpd="sng" algn="ctr">
+                      <a:solidFill>
+                        <a:srgbClr val="000000"/>
+                      </a:solidFill>
+                      <a:prstDash val="solid"/>
+                      <a:round/>
+                      <a:headEnd type="none" w="med" len="med"/>
+                      <a:tailEnd type="none" w="med" len="med"/>
+                    </a:lnB>
+                  </a:tcPr>
+                </a:tc>
+                <a:tc>
+                  <a:txBody>
+                    <a:bodyPr/>
+                    <a:lstStyle/>
+                    <a:p>
+                      <a:pPr marL="0" marR="0" algn="r">
+                        <a:lnSpc>
+                          <a:spcPct val="160000"/>
+                        </a:lnSpc>
+                        <a:spcBef>
+                          <a:spcPts val="0"/>
+                        </a:spcBef>
+                        <a:spcAft>
+                          <a:spcPts val="0"/>
+                        </a:spcAft>
+                      </a:pPr>
+                      <a:r>
+                        <a:rPr lang="en-US" sz="800" dirty="0">
+                          <a:solidFill>
+                            <a:srgbClr val="000000"/>
+                          </a:solidFill>
+                          <a:effectLst/>
+                          <a:latin typeface="+mj-ea"/>
+                          <a:ea typeface="+mj-ea"/>
+                        </a:rPr>
+                        <a:t>13000</a:t>
+                      </a:r>
+                    </a:p>
+                  </a:txBody>
+                  <a:tcPr marL="48578" marR="48578" marT="13430" marB="13430" anchor="ctr">
+                    <a:lnL w="3556" cap="flat" cmpd="sng" algn="ctr">
+                      <a:solidFill>
+                        <a:srgbClr val="000000"/>
+                      </a:solidFill>
+                      <a:prstDash val="solid"/>
+                      <a:round/>
+                      <a:headEnd type="none" w="med" len="med"/>
+                      <a:tailEnd type="none" w="med" len="med"/>
+                    </a:lnL>
+                    <a:lnR w="3556" cap="flat" cmpd="sng" algn="ctr">
+                      <a:solidFill>
+                        <a:srgbClr val="000000"/>
+                      </a:solidFill>
+                      <a:prstDash val="solid"/>
+                      <a:round/>
+                      <a:headEnd type="none" w="med" len="med"/>
+                      <a:tailEnd type="none" w="med" len="med"/>
+                    </a:lnR>
+                    <a:lnT w="3556" cap="flat" cmpd="sng" algn="ctr">
+                      <a:solidFill>
+                        <a:srgbClr val="000000"/>
+                      </a:solidFill>
+                      <a:prstDash val="solid"/>
+                      <a:round/>
+                      <a:headEnd type="none" w="med" len="med"/>
+                      <a:tailEnd type="none" w="med" len="med"/>
+                    </a:lnT>
+                    <a:lnB w="3556" cap="flat" cmpd="sng" algn="ctr">
+                      <a:solidFill>
+                        <a:srgbClr val="000000"/>
+                      </a:solidFill>
+                      <a:prstDash val="solid"/>
+                      <a:round/>
+                      <a:headEnd type="none" w="med" len="med"/>
+                      <a:tailEnd type="none" w="med" len="med"/>
+                    </a:lnB>
+                  </a:tcPr>
+                </a:tc>
+                <a:extLst>
+                  <a:ext uri="{0D108BD9-81ED-4DB2-BD59-A6C34878D82A}">
+                    <a16:rowId xmlns:a16="http://schemas.microsoft.com/office/drawing/2014/main" val="10010"/>
+                  </a:ext>
+                </a:extLst>
+              </a:tr>
+            </a:tbl>
+          </a:graphicData>
+        </a:graphic>
+      </p:graphicFrame>
+      <p:graphicFrame>
+        <p:nvGraphicFramePr>
+          <p:cNvPr id="11" name="표 10"/>
+          <p:cNvGraphicFramePr>
+            <a:graphicFrameLocks noGrp="1"/>
+          </p:cNvGraphicFramePr>
+          <p:nvPr>
+            <p:extLst/>
+          </p:nvPr>
+        </p:nvGraphicFramePr>
+        <p:xfrm>
+          <a:off x="750085" y="4013195"/>
+          <a:ext cx="2773133" cy="1295019"/>
+        </p:xfrm>
+        <a:graphic>
+          <a:graphicData uri="http://schemas.openxmlformats.org/drawingml/2006/table">
+            <a:tbl>
+              <a:tblPr/>
+              <a:tblGrid>
+                <a:gridCol w="450875">
+                  <a:extLst>
+                    <a:ext uri="{9D8B030D-6E8A-4147-A177-3AD203B41FA5}">
+                      <a16:colId xmlns:a16="http://schemas.microsoft.com/office/drawing/2014/main" val="20000"/>
+                    </a:ext>
+                  </a:extLst>
+                </a:gridCol>
+                <a:gridCol w="486054">
+                  <a:extLst>
+                    <a:ext uri="{9D8B030D-6E8A-4147-A177-3AD203B41FA5}">
+                      <a16:colId xmlns:a16="http://schemas.microsoft.com/office/drawing/2014/main" val="20001"/>
+                    </a:ext>
+                  </a:extLst>
+                </a:gridCol>
+                <a:gridCol w="918102">
+                  <a:extLst>
+                    <a:ext uri="{9D8B030D-6E8A-4147-A177-3AD203B41FA5}">
+                      <a16:colId xmlns:a16="http://schemas.microsoft.com/office/drawing/2014/main" val="20002"/>
+                    </a:ext>
+                  </a:extLst>
+                </a:gridCol>
+                <a:gridCol w="918102">
+                  <a:extLst>
+                    <a:ext uri="{9D8B030D-6E8A-4147-A177-3AD203B41FA5}">
+                      <a16:colId xmlns:a16="http://schemas.microsoft.com/office/drawing/2014/main" val="20003"/>
+                    </a:ext>
+                  </a:extLst>
+                </a:gridCol>
+              </a:tblGrid>
+              <a:tr h="246317">
+                <a:tc>
+                  <a:txBody>
+                    <a:bodyPr/>
+                    <a:lstStyle/>
+                    <a:p>
+                      <a:pPr marL="0" marR="0" algn="ctr">
+                        <a:lnSpc>
+                          <a:spcPct val="160000"/>
+                        </a:lnSpc>
+                        <a:spcBef>
+                          <a:spcPts val="0"/>
+                        </a:spcBef>
+                        <a:spcAft>
+                          <a:spcPts val="0"/>
+                        </a:spcAft>
+                      </a:pPr>
+                      <a:r>
+                        <a:rPr lang="en-US" sz="900" b="1" dirty="0" err="1">
+                          <a:solidFill>
+                            <a:srgbClr val="000000"/>
+                          </a:solidFill>
+                          <a:effectLst/>
+                          <a:latin typeface="+mn-ea"/>
+                          <a:ea typeface="+mn-ea"/>
+                        </a:rPr>
+                        <a:t>custid</a:t>
+                      </a:r>
+                      <a:endParaRPr lang="en-US" sz="900" b="1" dirty="0">
+                        <a:solidFill>
+                          <a:srgbClr val="000000"/>
+                        </a:solidFill>
+                        <a:effectLst/>
+                        <a:latin typeface="+mn-ea"/>
+                        <a:ea typeface="+mn-ea"/>
+                      </a:endParaRPr>
+                    </a:p>
+                  </a:txBody>
+                  <a:tcPr marL="48578" marR="48578" marT="13430" marB="13430" anchor="ctr">
+                    <a:lnL w="3556" cap="flat" cmpd="sng" algn="ctr">
+                      <a:solidFill>
+                        <a:srgbClr val="000000"/>
+                      </a:solidFill>
+                      <a:prstDash val="solid"/>
+                      <a:round/>
+                      <a:headEnd type="none" w="med" len="med"/>
+                      <a:tailEnd type="none" w="med" len="med"/>
+                    </a:lnL>
+                    <a:lnR w="3556" cap="flat" cmpd="sng" algn="ctr">
+                      <a:solidFill>
+                        <a:srgbClr val="000000"/>
+                      </a:solidFill>
+                      <a:prstDash val="solid"/>
+                      <a:round/>
+                      <a:headEnd type="none" w="med" len="med"/>
+                      <a:tailEnd type="none" w="med" len="med"/>
+                    </a:lnR>
+                    <a:lnT w="3556" cap="flat" cmpd="sng" algn="ctr">
+                      <a:solidFill>
+                        <a:srgbClr val="000000"/>
+                      </a:solidFill>
+                      <a:prstDash val="solid"/>
+                      <a:round/>
+                      <a:headEnd type="none" w="med" len="med"/>
+                      <a:tailEnd type="none" w="med" len="med"/>
+                    </a:lnT>
+                    <a:lnB w="3556" cap="flat" cmpd="sng" algn="ctr">
+                      <a:solidFill>
+                        <a:srgbClr val="000000"/>
+                      </a:solidFill>
+                      <a:prstDash val="solid"/>
+                      <a:round/>
+                      <a:headEnd type="none" w="med" len="med"/>
+                      <a:tailEnd type="none" w="med" len="med"/>
+                    </a:lnB>
+                    <a:solidFill>
+                      <a:schemeClr val="tx2">
+                        <a:lumMod val="20000"/>
+                        <a:lumOff val="80000"/>
+                      </a:schemeClr>
+                    </a:solidFill>
+                  </a:tcPr>
+                </a:tc>
+                <a:tc>
+                  <a:txBody>
+                    <a:bodyPr/>
+                    <a:lstStyle/>
+                    <a:p>
+                      <a:pPr marL="0" marR="0" algn="ctr">
+                        <a:lnSpc>
+                          <a:spcPct val="160000"/>
+                        </a:lnSpc>
+                        <a:spcBef>
+                          <a:spcPts val="0"/>
+                        </a:spcBef>
+                        <a:spcAft>
+                          <a:spcPts val="0"/>
+                        </a:spcAft>
+                      </a:pPr>
+                      <a:r>
+                        <a:rPr lang="en-US" sz="900" b="1" dirty="0">
+                          <a:solidFill>
+                            <a:srgbClr val="000000"/>
+                          </a:solidFill>
+                          <a:effectLst/>
+                          <a:latin typeface="+mn-ea"/>
+                          <a:ea typeface="+mn-ea"/>
+                        </a:rPr>
+                        <a:t>name</a:t>
+                      </a:r>
+                    </a:p>
+                  </a:txBody>
+                  <a:tcPr marL="48578" marR="48578" marT="13430" marB="13430" anchor="ctr">
+                    <a:lnL w="3556" cap="flat" cmpd="sng" algn="ctr">
+                      <a:solidFill>
+                        <a:srgbClr val="000000"/>
+                      </a:solidFill>
+                      <a:prstDash val="solid"/>
+                      <a:round/>
+                      <a:headEnd type="none" w="med" len="med"/>
+                      <a:tailEnd type="none" w="med" len="med"/>
+                    </a:lnL>
+                    <a:lnR w="3556" cap="flat" cmpd="sng" algn="ctr">
+                      <a:solidFill>
+                        <a:srgbClr val="000000"/>
+                      </a:solidFill>
+                      <a:prstDash val="solid"/>
+                      <a:round/>
+                      <a:headEnd type="none" w="med" len="med"/>
+                      <a:tailEnd type="none" w="med" len="med"/>
+                    </a:lnR>
+                    <a:lnT w="3556" cap="flat" cmpd="sng" algn="ctr">
+                      <a:solidFill>
+                        <a:srgbClr val="000000"/>
+                      </a:solidFill>
+                      <a:prstDash val="solid"/>
+                      <a:round/>
+                      <a:headEnd type="none" w="med" len="med"/>
+                      <a:tailEnd type="none" w="med" len="med"/>
+                    </a:lnT>
+                    <a:lnB w="3556" cap="flat" cmpd="sng" algn="ctr">
+                      <a:solidFill>
+                        <a:srgbClr val="000000"/>
+                      </a:solidFill>
+                      <a:prstDash val="solid"/>
+                      <a:round/>
+                      <a:headEnd type="none" w="med" len="med"/>
+                      <a:tailEnd type="none" w="med" len="med"/>
+                    </a:lnB>
+                    <a:solidFill>
+                      <a:schemeClr val="tx2">
+                        <a:lumMod val="20000"/>
+                        <a:lumOff val="80000"/>
+                      </a:schemeClr>
+                    </a:solidFill>
+                  </a:tcPr>
+                </a:tc>
+                <a:tc>
+                  <a:txBody>
+                    <a:bodyPr/>
+                    <a:lstStyle/>
+                    <a:p>
+                      <a:pPr marL="0" marR="0" algn="ctr">
+                        <a:lnSpc>
+                          <a:spcPct val="160000"/>
+                        </a:lnSpc>
+                        <a:spcBef>
+                          <a:spcPts val="0"/>
+                        </a:spcBef>
+                        <a:spcAft>
+                          <a:spcPts val="0"/>
+                        </a:spcAft>
+                      </a:pPr>
+                      <a:r>
+                        <a:rPr lang="en-US" sz="900" b="1" dirty="0">
+                          <a:solidFill>
+                            <a:srgbClr val="000000"/>
+                          </a:solidFill>
+                          <a:effectLst/>
+                          <a:latin typeface="+mn-ea"/>
+                          <a:ea typeface="+mn-ea"/>
+                        </a:rPr>
+                        <a:t>address</a:t>
+                      </a:r>
+                    </a:p>
+                  </a:txBody>
+                  <a:tcPr marL="48578" marR="48578" marT="13430" marB="13430" anchor="ctr">
+                    <a:lnL w="3556" cap="flat" cmpd="sng" algn="ctr">
+                      <a:solidFill>
+                        <a:srgbClr val="000000"/>
+                      </a:solidFill>
+                      <a:prstDash val="solid"/>
+                      <a:round/>
+                      <a:headEnd type="none" w="med" len="med"/>
+                      <a:tailEnd type="none" w="med" len="med"/>
+                    </a:lnL>
+                    <a:lnR w="3556" cap="flat" cmpd="sng" algn="ctr">
+                      <a:solidFill>
+                        <a:srgbClr val="000000"/>
+                      </a:solidFill>
+                      <a:prstDash val="solid"/>
+                      <a:round/>
+                      <a:headEnd type="none" w="med" len="med"/>
+                      <a:tailEnd type="none" w="med" len="med"/>
+                    </a:lnR>
+                    <a:lnT w="3556" cap="flat" cmpd="sng" algn="ctr">
+                      <a:solidFill>
+                        <a:srgbClr val="000000"/>
+                      </a:solidFill>
+                      <a:prstDash val="solid"/>
+                      <a:round/>
+                      <a:headEnd type="none" w="med" len="med"/>
+                      <a:tailEnd type="none" w="med" len="med"/>
+                    </a:lnT>
+                    <a:lnB w="3556" cap="flat" cmpd="sng" algn="ctr">
+                      <a:solidFill>
+                        <a:srgbClr val="000000"/>
+                      </a:solidFill>
+                      <a:prstDash val="solid"/>
+                      <a:round/>
+                      <a:headEnd type="none" w="med" len="med"/>
+                      <a:tailEnd type="none" w="med" len="med"/>
+                    </a:lnB>
+                    <a:solidFill>
+                      <a:schemeClr val="tx2">
+                        <a:lumMod val="20000"/>
+                        <a:lumOff val="80000"/>
+                      </a:schemeClr>
+                    </a:solidFill>
+                  </a:tcPr>
+                </a:tc>
+                <a:tc>
+                  <a:txBody>
+                    <a:bodyPr/>
+                    <a:lstStyle/>
+                    <a:p>
+                      <a:pPr marL="0" marR="0" algn="ctr">
+                        <a:lnSpc>
+                          <a:spcPct val="160000"/>
+                        </a:lnSpc>
+                        <a:spcBef>
+                          <a:spcPts val="0"/>
+                        </a:spcBef>
+                        <a:spcAft>
+                          <a:spcPts val="0"/>
+                        </a:spcAft>
+                      </a:pPr>
+                      <a:r>
+                        <a:rPr lang="en-US" sz="900" b="1" dirty="0">
+                          <a:solidFill>
+                            <a:srgbClr val="000000"/>
+                          </a:solidFill>
+                          <a:effectLst/>
+                          <a:latin typeface="+mn-ea"/>
+                          <a:ea typeface="+mn-ea"/>
+                        </a:rPr>
+                        <a:t>phone</a:t>
+                      </a:r>
+                    </a:p>
+                  </a:txBody>
+                  <a:tcPr marL="48578" marR="48578" marT="13430" marB="13430" anchor="ctr">
+                    <a:lnL w="3556" cap="flat" cmpd="sng" algn="ctr">
+                      <a:solidFill>
+                        <a:srgbClr val="000000"/>
+                      </a:solidFill>
+                      <a:prstDash val="solid"/>
+                      <a:round/>
+                      <a:headEnd type="none" w="med" len="med"/>
+                      <a:tailEnd type="none" w="med" len="med"/>
+                    </a:lnL>
+                    <a:lnR w="3556" cap="flat" cmpd="sng" algn="ctr">
+                      <a:solidFill>
+                        <a:srgbClr val="000000"/>
+                      </a:solidFill>
+                      <a:prstDash val="solid"/>
+                      <a:round/>
+                      <a:headEnd type="none" w="med" len="med"/>
+                      <a:tailEnd type="none" w="med" len="med"/>
+                    </a:lnR>
+                    <a:lnT w="3556" cap="flat" cmpd="sng" algn="ctr">
+                      <a:solidFill>
+                        <a:srgbClr val="000000"/>
+                      </a:solidFill>
+                      <a:prstDash val="solid"/>
+                      <a:round/>
+                      <a:headEnd type="none" w="med" len="med"/>
+                      <a:tailEnd type="none" w="med" len="med"/>
+                    </a:lnT>
+                    <a:lnB w="3556" cap="flat" cmpd="sng" algn="ctr">
+                      <a:solidFill>
+                        <a:srgbClr val="000000"/>
+                      </a:solidFill>
+                      <a:prstDash val="solid"/>
+                      <a:round/>
+                      <a:headEnd type="none" w="med" len="med"/>
+                      <a:tailEnd type="none" w="med" len="med"/>
+                    </a:lnB>
+                    <a:solidFill>
+                      <a:schemeClr val="tx2">
+                        <a:lumMod val="20000"/>
+                        <a:lumOff val="80000"/>
+                      </a:schemeClr>
+                    </a:solidFill>
+                  </a:tcPr>
+                </a:tc>
+                <a:extLst>
+                  <a:ext uri="{0D108BD9-81ED-4DB2-BD59-A6C34878D82A}">
+                    <a16:rowId xmlns:a16="http://schemas.microsoft.com/office/drawing/2014/main" val="10000"/>
+                  </a:ext>
+                </a:extLst>
+              </a:tr>
+              <a:tr h="209741">
+                <a:tc>
+                  <a:txBody>
+                    <a:bodyPr/>
+                    <a:lstStyle/>
+                    <a:p>
+                      <a:pPr marL="0" marR="0" algn="ctr">
+                        <a:lnSpc>
+                          <a:spcPct val="160000"/>
+                        </a:lnSpc>
+                        <a:spcBef>
+                          <a:spcPts val="0"/>
+                        </a:spcBef>
+                        <a:spcAft>
+                          <a:spcPts val="0"/>
+                        </a:spcAft>
+                      </a:pPr>
+                      <a:r>
+                        <a:rPr lang="en-US" sz="800" dirty="0">
+                          <a:solidFill>
+                            <a:srgbClr val="000000"/>
+                          </a:solidFill>
+                          <a:effectLst/>
+                          <a:latin typeface="+mn-ea"/>
+                          <a:ea typeface="+mn-ea"/>
+                        </a:rPr>
+                        <a:t>1</a:t>
+                      </a:r>
+                    </a:p>
+                  </a:txBody>
+                  <a:tcPr marL="48578" marR="48578" marT="13430" marB="13430" anchor="ctr">
+                    <a:lnL w="3556" cap="flat" cmpd="sng" algn="ctr">
+                      <a:solidFill>
+                        <a:srgbClr val="000000"/>
+                      </a:solidFill>
+                      <a:prstDash val="solid"/>
+                      <a:round/>
+                      <a:headEnd type="none" w="med" len="med"/>
+                      <a:tailEnd type="none" w="med" len="med"/>
+                    </a:lnL>
+                    <a:lnR w="3556" cap="flat" cmpd="sng" algn="ctr">
+                      <a:solidFill>
+                        <a:srgbClr val="000000"/>
+                      </a:solidFill>
+                      <a:prstDash val="solid"/>
+                      <a:round/>
+                      <a:headEnd type="none" w="med" len="med"/>
+                      <a:tailEnd type="none" w="med" len="med"/>
+                    </a:lnR>
+                    <a:lnT w="3556" cap="flat" cmpd="sng" algn="ctr">
+                      <a:solidFill>
+                        <a:srgbClr val="000000"/>
+                      </a:solidFill>
+                      <a:prstDash val="solid"/>
+                      <a:round/>
+                      <a:headEnd type="none" w="med" len="med"/>
+                      <a:tailEnd type="none" w="med" len="med"/>
+                    </a:lnT>
+                    <a:lnB w="3556" cap="flat" cmpd="sng" algn="ctr">
+                      <a:solidFill>
+                        <a:srgbClr val="000000"/>
+                      </a:solidFill>
+                      <a:prstDash val="solid"/>
+                      <a:round/>
+                      <a:headEnd type="none" w="med" len="med"/>
+                      <a:tailEnd type="none" w="med" len="med"/>
+                    </a:lnB>
+                  </a:tcPr>
+                </a:tc>
+                <a:tc>
+                  <a:txBody>
+                    <a:bodyPr/>
+                    <a:lstStyle/>
+                    <a:p>
+                      <a:pPr marL="0" marR="0" algn="l">
+                        <a:lnSpc>
+                          <a:spcPct val="160000"/>
+                        </a:lnSpc>
+                        <a:spcBef>
+                          <a:spcPts val="0"/>
+                        </a:spcBef>
+                        <a:spcAft>
+                          <a:spcPts val="0"/>
+                        </a:spcAft>
+                      </a:pPr>
+                      <a:r>
+                        <a:rPr lang="ko-KR" altLang="en-US" sz="800" dirty="0">
+                          <a:solidFill>
+                            <a:srgbClr val="000000"/>
+                          </a:solidFill>
+                          <a:effectLst/>
+                          <a:latin typeface="+mn-ea"/>
+                          <a:ea typeface="+mn-ea"/>
+                        </a:rPr>
+                        <a:t>박지성</a:t>
+                      </a:r>
+                    </a:p>
+                  </a:txBody>
+                  <a:tcPr marL="48578" marR="48578" marT="13430" marB="13430" anchor="ctr">
+                    <a:lnL w="3556" cap="flat" cmpd="sng" algn="ctr">
+                      <a:solidFill>
+                        <a:srgbClr val="000000"/>
+                      </a:solidFill>
+                      <a:prstDash val="solid"/>
+                      <a:round/>
+                      <a:headEnd type="none" w="med" len="med"/>
+                      <a:tailEnd type="none" w="med" len="med"/>
+                    </a:lnL>
+                    <a:lnR w="3556" cap="flat" cmpd="sng" algn="ctr">
+                      <a:solidFill>
+                        <a:srgbClr val="000000"/>
+                      </a:solidFill>
+                      <a:prstDash val="solid"/>
+                      <a:round/>
+                      <a:headEnd type="none" w="med" len="med"/>
+                      <a:tailEnd type="none" w="med" len="med"/>
+                    </a:lnR>
+                    <a:lnT w="3556" cap="flat" cmpd="sng" algn="ctr">
+                      <a:solidFill>
+                        <a:srgbClr val="000000"/>
+                      </a:solidFill>
+                      <a:prstDash val="solid"/>
+                      <a:round/>
+                      <a:headEnd type="none" w="med" len="med"/>
+                      <a:tailEnd type="none" w="med" len="med"/>
+                    </a:lnT>
+                    <a:lnB w="3556" cap="flat" cmpd="sng" algn="ctr">
+                      <a:solidFill>
+                        <a:srgbClr val="000000"/>
+                      </a:solidFill>
+                      <a:prstDash val="solid"/>
+                      <a:round/>
+                      <a:headEnd type="none" w="med" len="med"/>
+                      <a:tailEnd type="none" w="med" len="med"/>
+                    </a:lnB>
+                  </a:tcPr>
+                </a:tc>
+                <a:tc>
+                  <a:txBody>
+                    <a:bodyPr/>
+                    <a:lstStyle/>
+                    <a:p>
+                      <a:pPr marL="0" marR="0" algn="l">
+                        <a:lnSpc>
+                          <a:spcPct val="160000"/>
+                        </a:lnSpc>
+                        <a:spcBef>
+                          <a:spcPts val="0"/>
+                        </a:spcBef>
+                        <a:spcAft>
+                          <a:spcPts val="0"/>
+                        </a:spcAft>
+                      </a:pPr>
+                      <a:r>
+                        <a:rPr lang="ko-KR" altLang="en-US" sz="800" dirty="0">
+                          <a:solidFill>
+                            <a:srgbClr val="000000"/>
+                          </a:solidFill>
+                          <a:effectLst/>
+                          <a:latin typeface="+mn-ea"/>
+                          <a:ea typeface="+mn-ea"/>
+                        </a:rPr>
+                        <a:t>영국 </a:t>
+                      </a:r>
+                      <a:r>
+                        <a:rPr lang="ko-KR" altLang="en-US" sz="800" dirty="0" err="1">
+                          <a:solidFill>
+                            <a:srgbClr val="000000"/>
+                          </a:solidFill>
+                          <a:effectLst/>
+                          <a:latin typeface="+mn-ea"/>
+                          <a:ea typeface="+mn-ea"/>
+                        </a:rPr>
+                        <a:t>맨체스타</a:t>
+                      </a:r>
+                      <a:endParaRPr lang="ko-KR" altLang="en-US" sz="800" dirty="0">
+                        <a:solidFill>
+                          <a:srgbClr val="000000"/>
+                        </a:solidFill>
+                        <a:effectLst/>
+                        <a:latin typeface="+mn-ea"/>
+                        <a:ea typeface="+mn-ea"/>
+                      </a:endParaRPr>
+                    </a:p>
+                  </a:txBody>
+                  <a:tcPr marL="48578" marR="48578" marT="13430" marB="13430" anchor="ctr">
+                    <a:lnL w="3556" cap="flat" cmpd="sng" algn="ctr">
+                      <a:solidFill>
+                        <a:srgbClr val="000000"/>
+                      </a:solidFill>
+                      <a:prstDash val="solid"/>
+                      <a:round/>
+                      <a:headEnd type="none" w="med" len="med"/>
+                      <a:tailEnd type="none" w="med" len="med"/>
+                    </a:lnL>
+                    <a:lnR w="3556" cap="flat" cmpd="sng" algn="ctr">
+                      <a:solidFill>
+                        <a:srgbClr val="000000"/>
+                      </a:solidFill>
+                      <a:prstDash val="solid"/>
+                      <a:round/>
+                      <a:headEnd type="none" w="med" len="med"/>
+                      <a:tailEnd type="none" w="med" len="med"/>
+                    </a:lnR>
+                    <a:lnT w="3556" cap="flat" cmpd="sng" algn="ctr">
+                      <a:solidFill>
+                        <a:srgbClr val="000000"/>
+                      </a:solidFill>
+                      <a:prstDash val="solid"/>
+                      <a:round/>
+                      <a:headEnd type="none" w="med" len="med"/>
+                      <a:tailEnd type="none" w="med" len="med"/>
+                    </a:lnT>
+                    <a:lnB w="3556" cap="flat" cmpd="sng" algn="ctr">
+                      <a:solidFill>
+                        <a:srgbClr val="000000"/>
+                      </a:solidFill>
+                      <a:prstDash val="solid"/>
+                      <a:round/>
+                      <a:headEnd type="none" w="med" len="med"/>
+                      <a:tailEnd type="none" w="med" len="med"/>
+                    </a:lnB>
+                  </a:tcPr>
+                </a:tc>
+                <a:tc>
+                  <a:txBody>
+                    <a:bodyPr/>
+                    <a:lstStyle/>
+                    <a:p>
+                      <a:pPr marL="0" marR="0" algn="l">
+                        <a:lnSpc>
+                          <a:spcPct val="160000"/>
+                        </a:lnSpc>
+                        <a:spcBef>
+                          <a:spcPts val="0"/>
+                        </a:spcBef>
+                        <a:spcAft>
+                          <a:spcPts val="0"/>
+                        </a:spcAft>
+                      </a:pPr>
+                      <a:r>
+                        <a:rPr lang="en-US" sz="800" dirty="0" smtClean="0">
+                          <a:solidFill>
+                            <a:srgbClr val="000000"/>
+                          </a:solidFill>
+                          <a:effectLst/>
+                          <a:latin typeface="+mn-ea"/>
+                          <a:ea typeface="+mn-ea"/>
+                        </a:rPr>
+                        <a:t>000-5000-0001</a:t>
+                      </a:r>
+                      <a:endParaRPr lang="en-US" sz="800" dirty="0">
+                        <a:solidFill>
+                          <a:srgbClr val="000000"/>
+                        </a:solidFill>
+                        <a:effectLst/>
+                        <a:latin typeface="+mn-ea"/>
+                        <a:ea typeface="+mn-ea"/>
+                      </a:endParaRPr>
+                    </a:p>
+                  </a:txBody>
+                  <a:tcPr marL="48578" marR="48578" marT="13430" marB="13430" anchor="ctr">
+                    <a:lnL w="3556" cap="flat" cmpd="sng" algn="ctr">
+                      <a:solidFill>
+                        <a:srgbClr val="000000"/>
+                      </a:solidFill>
+                      <a:prstDash val="solid"/>
+                      <a:round/>
+                      <a:headEnd type="none" w="med" len="med"/>
+                      <a:tailEnd type="none" w="med" len="med"/>
+                    </a:lnL>
+                    <a:lnR w="3556" cap="flat" cmpd="sng" algn="ctr">
+                      <a:solidFill>
+                        <a:srgbClr val="000000"/>
+                      </a:solidFill>
+                      <a:prstDash val="solid"/>
+                      <a:round/>
+                      <a:headEnd type="none" w="med" len="med"/>
+                      <a:tailEnd type="none" w="med" len="med"/>
+                    </a:lnR>
+                    <a:lnT w="3556" cap="flat" cmpd="sng" algn="ctr">
+                      <a:solidFill>
+                        <a:srgbClr val="000000"/>
+                      </a:solidFill>
+                      <a:prstDash val="solid"/>
+                      <a:round/>
+                      <a:headEnd type="none" w="med" len="med"/>
+                      <a:tailEnd type="none" w="med" len="med"/>
+                    </a:lnT>
+                    <a:lnB w="3556" cap="flat" cmpd="sng" algn="ctr">
+                      <a:solidFill>
+                        <a:srgbClr val="000000"/>
+                      </a:solidFill>
+                      <a:prstDash val="solid"/>
+                      <a:round/>
+                      <a:headEnd type="none" w="med" len="med"/>
+                      <a:tailEnd type="none" w="med" len="med"/>
+                    </a:lnB>
+                  </a:tcPr>
+                </a:tc>
+                <a:extLst>
+                  <a:ext uri="{0D108BD9-81ED-4DB2-BD59-A6C34878D82A}">
+                    <a16:rowId xmlns:a16="http://schemas.microsoft.com/office/drawing/2014/main" val="10001"/>
+                  </a:ext>
+                </a:extLst>
+              </a:tr>
+              <a:tr h="209741">
+                <a:tc>
+                  <a:txBody>
+                    <a:bodyPr/>
+                    <a:lstStyle/>
+                    <a:p>
+                      <a:pPr marL="0" marR="0" algn="ctr">
+                        <a:lnSpc>
+                          <a:spcPct val="160000"/>
+                        </a:lnSpc>
+                        <a:spcBef>
+                          <a:spcPts val="0"/>
+                        </a:spcBef>
+                        <a:spcAft>
+                          <a:spcPts val="0"/>
+                        </a:spcAft>
+                      </a:pPr>
+                      <a:r>
+                        <a:rPr lang="en-US" sz="800" dirty="0">
+                          <a:solidFill>
+                            <a:srgbClr val="000000"/>
+                          </a:solidFill>
+                          <a:effectLst/>
+                          <a:latin typeface="+mn-ea"/>
+                          <a:ea typeface="+mn-ea"/>
+                        </a:rPr>
+                        <a:t>2</a:t>
+                      </a:r>
+                    </a:p>
+                  </a:txBody>
+                  <a:tcPr marL="48578" marR="48578" marT="13430" marB="13430" anchor="ctr">
+                    <a:lnL w="3556" cap="flat" cmpd="sng" algn="ctr">
+                      <a:solidFill>
+                        <a:srgbClr val="000000"/>
+                      </a:solidFill>
+                      <a:prstDash val="solid"/>
+                      <a:round/>
+                      <a:headEnd type="none" w="med" len="med"/>
+                      <a:tailEnd type="none" w="med" len="med"/>
+                    </a:lnL>
+                    <a:lnR w="3556" cap="flat" cmpd="sng" algn="ctr">
+                      <a:solidFill>
+                        <a:srgbClr val="000000"/>
+                      </a:solidFill>
+                      <a:prstDash val="solid"/>
+                      <a:round/>
+                      <a:headEnd type="none" w="med" len="med"/>
+                      <a:tailEnd type="none" w="med" len="med"/>
+                    </a:lnR>
+                    <a:lnT w="3556" cap="flat" cmpd="sng" algn="ctr">
+                      <a:solidFill>
+                        <a:srgbClr val="000000"/>
+                      </a:solidFill>
+                      <a:prstDash val="solid"/>
+                      <a:round/>
+                      <a:headEnd type="none" w="med" len="med"/>
+                      <a:tailEnd type="none" w="med" len="med"/>
+                    </a:lnT>
+                    <a:lnB w="3556" cap="flat" cmpd="sng" algn="ctr">
+                      <a:solidFill>
+                        <a:srgbClr val="000000"/>
+                      </a:solidFill>
+                      <a:prstDash val="solid"/>
+                      <a:round/>
+                      <a:headEnd type="none" w="med" len="med"/>
+                      <a:tailEnd type="none" w="med" len="med"/>
+                    </a:lnB>
+                  </a:tcPr>
+                </a:tc>
+                <a:tc>
+                  <a:txBody>
+                    <a:bodyPr/>
+                    <a:lstStyle/>
+                    <a:p>
+                      <a:pPr marL="0" marR="0" algn="l">
+                        <a:lnSpc>
+                          <a:spcPct val="160000"/>
+                        </a:lnSpc>
+                        <a:spcBef>
+                          <a:spcPts val="0"/>
+                        </a:spcBef>
+                        <a:spcAft>
+                          <a:spcPts val="0"/>
+                        </a:spcAft>
+                      </a:pPr>
+                      <a:r>
+                        <a:rPr lang="ko-KR" altLang="en-US" sz="800">
+                          <a:solidFill>
+                            <a:srgbClr val="000000"/>
+                          </a:solidFill>
+                          <a:effectLst/>
+                          <a:latin typeface="+mn-ea"/>
+                          <a:ea typeface="+mn-ea"/>
+                        </a:rPr>
+                        <a:t>김연아</a:t>
+                      </a:r>
+                    </a:p>
+                  </a:txBody>
+                  <a:tcPr marL="48578" marR="48578" marT="13430" marB="13430" anchor="ctr">
+                    <a:lnL w="3556" cap="flat" cmpd="sng" algn="ctr">
+                      <a:solidFill>
+                        <a:srgbClr val="000000"/>
+                      </a:solidFill>
+                      <a:prstDash val="solid"/>
+                      <a:round/>
+                      <a:headEnd type="none" w="med" len="med"/>
+                      <a:tailEnd type="none" w="med" len="med"/>
+                    </a:lnL>
+                    <a:lnR w="3556" cap="flat" cmpd="sng" algn="ctr">
+                      <a:solidFill>
+                        <a:srgbClr val="000000"/>
+                      </a:solidFill>
+                      <a:prstDash val="solid"/>
+                      <a:round/>
+                      <a:headEnd type="none" w="med" len="med"/>
+                      <a:tailEnd type="none" w="med" len="med"/>
+                    </a:lnR>
+                    <a:lnT w="3556" cap="flat" cmpd="sng" algn="ctr">
+                      <a:solidFill>
+                        <a:srgbClr val="000000"/>
+                      </a:solidFill>
+                      <a:prstDash val="solid"/>
+                      <a:round/>
+                      <a:headEnd type="none" w="med" len="med"/>
+                      <a:tailEnd type="none" w="med" len="med"/>
+                    </a:lnT>
+                    <a:lnB w="3556" cap="flat" cmpd="sng" algn="ctr">
+                      <a:solidFill>
+                        <a:srgbClr val="000000"/>
+                      </a:solidFill>
+                      <a:prstDash val="solid"/>
+                      <a:round/>
+                      <a:headEnd type="none" w="med" len="med"/>
+                      <a:tailEnd type="none" w="med" len="med"/>
+                    </a:lnB>
+                  </a:tcPr>
+                </a:tc>
+                <a:tc>
+                  <a:txBody>
+                    <a:bodyPr/>
+                    <a:lstStyle/>
+                    <a:p>
+                      <a:pPr marL="0" marR="0" algn="l">
+                        <a:lnSpc>
+                          <a:spcPct val="160000"/>
+                        </a:lnSpc>
+                        <a:spcBef>
+                          <a:spcPts val="0"/>
+                        </a:spcBef>
+                        <a:spcAft>
+                          <a:spcPts val="0"/>
+                        </a:spcAft>
+                      </a:pPr>
+                      <a:r>
+                        <a:rPr lang="ko-KR" altLang="en-US" sz="800" dirty="0">
+                          <a:solidFill>
+                            <a:srgbClr val="000000"/>
+                          </a:solidFill>
+                          <a:effectLst/>
+                          <a:latin typeface="+mn-ea"/>
+                          <a:ea typeface="+mn-ea"/>
+                        </a:rPr>
+                        <a:t>대한민국 서울</a:t>
+                      </a:r>
+                    </a:p>
+                  </a:txBody>
+                  <a:tcPr marL="48578" marR="48578" marT="13430" marB="13430" anchor="ctr">
+                    <a:lnL w="3556" cap="flat" cmpd="sng" algn="ctr">
+                      <a:solidFill>
+                        <a:srgbClr val="000000"/>
+                      </a:solidFill>
+                      <a:prstDash val="solid"/>
+                      <a:round/>
+                      <a:headEnd type="none" w="med" len="med"/>
+                      <a:tailEnd type="none" w="med" len="med"/>
+                    </a:lnL>
+                    <a:lnR w="3556" cap="flat" cmpd="sng" algn="ctr">
+                      <a:solidFill>
+                        <a:srgbClr val="000000"/>
+                      </a:solidFill>
+                      <a:prstDash val="solid"/>
+                      <a:round/>
+                      <a:headEnd type="none" w="med" len="med"/>
+                      <a:tailEnd type="none" w="med" len="med"/>
+                    </a:lnR>
+                    <a:lnT w="3556" cap="flat" cmpd="sng" algn="ctr">
+                      <a:solidFill>
+                        <a:srgbClr val="000000"/>
+                      </a:solidFill>
+                      <a:prstDash val="solid"/>
+                      <a:round/>
+                      <a:headEnd type="none" w="med" len="med"/>
+                      <a:tailEnd type="none" w="med" len="med"/>
+                    </a:lnT>
+                    <a:lnB w="3556" cap="flat" cmpd="sng" algn="ctr">
+                      <a:solidFill>
+                        <a:srgbClr val="000000"/>
+                      </a:solidFill>
+                      <a:prstDash val="solid"/>
+                      <a:round/>
+                      <a:headEnd type="none" w="med" len="med"/>
+                      <a:tailEnd type="none" w="med" len="med"/>
+                    </a:lnB>
+                  </a:tcPr>
+                </a:tc>
+                <a:tc>
+                  <a:txBody>
+                    <a:bodyPr/>
+                    <a:lstStyle/>
+                    <a:p>
+                      <a:pPr marL="0" marR="0" algn="l">
+                        <a:lnSpc>
+                          <a:spcPct val="160000"/>
+                        </a:lnSpc>
+                        <a:spcBef>
+                          <a:spcPts val="0"/>
+                        </a:spcBef>
+                        <a:spcAft>
+                          <a:spcPts val="0"/>
+                        </a:spcAft>
+                      </a:pPr>
+                      <a:r>
+                        <a:rPr lang="en-US" sz="800" dirty="0" smtClean="0">
+                          <a:solidFill>
+                            <a:srgbClr val="000000"/>
+                          </a:solidFill>
+                          <a:effectLst/>
+                          <a:latin typeface="+mn-ea"/>
+                          <a:ea typeface="+mn-ea"/>
+                        </a:rPr>
+                        <a:t>000-6000-0001</a:t>
+                      </a:r>
+                      <a:endParaRPr lang="en-US" sz="800" dirty="0">
+                        <a:solidFill>
+                          <a:srgbClr val="000000"/>
+                        </a:solidFill>
+                        <a:effectLst/>
+                        <a:latin typeface="+mn-ea"/>
+                        <a:ea typeface="+mn-ea"/>
+                      </a:endParaRPr>
+                    </a:p>
+                  </a:txBody>
+                  <a:tcPr marL="48578" marR="48578" marT="13430" marB="13430" anchor="ctr">
+                    <a:lnL w="3556" cap="flat" cmpd="sng" algn="ctr">
+                      <a:solidFill>
+                        <a:srgbClr val="000000"/>
+                      </a:solidFill>
+                      <a:prstDash val="solid"/>
+                      <a:round/>
+                      <a:headEnd type="none" w="med" len="med"/>
+                      <a:tailEnd type="none" w="med" len="med"/>
+                    </a:lnL>
+                    <a:lnR w="3556" cap="flat" cmpd="sng" algn="ctr">
+                      <a:solidFill>
+                        <a:srgbClr val="000000"/>
+                      </a:solidFill>
+                      <a:prstDash val="solid"/>
+                      <a:round/>
+                      <a:headEnd type="none" w="med" len="med"/>
+                      <a:tailEnd type="none" w="med" len="med"/>
+                    </a:lnR>
+                    <a:lnT w="3556" cap="flat" cmpd="sng" algn="ctr">
+                      <a:solidFill>
+                        <a:srgbClr val="000000"/>
+                      </a:solidFill>
+                      <a:prstDash val="solid"/>
+                      <a:round/>
+                      <a:headEnd type="none" w="med" len="med"/>
+                      <a:tailEnd type="none" w="med" len="med"/>
+                    </a:lnT>
+                    <a:lnB w="3556" cap="flat" cmpd="sng" algn="ctr">
+                      <a:solidFill>
+                        <a:srgbClr val="000000"/>
+                      </a:solidFill>
+                      <a:prstDash val="solid"/>
+                      <a:round/>
+                      <a:headEnd type="none" w="med" len="med"/>
+                      <a:tailEnd type="none" w="med" len="med"/>
+                    </a:lnB>
+                  </a:tcPr>
+                </a:tc>
+                <a:extLst>
+                  <a:ext uri="{0D108BD9-81ED-4DB2-BD59-A6C34878D82A}">
+                    <a16:rowId xmlns:a16="http://schemas.microsoft.com/office/drawing/2014/main" val="10002"/>
+                  </a:ext>
+                </a:extLst>
+              </a:tr>
+              <a:tr h="209741">
+                <a:tc>
+                  <a:txBody>
+                    <a:bodyPr/>
+                    <a:lstStyle/>
+                    <a:p>
+                      <a:pPr marL="0" marR="0" algn="ctr">
+                        <a:lnSpc>
+                          <a:spcPct val="160000"/>
+                        </a:lnSpc>
+                        <a:spcBef>
+                          <a:spcPts val="0"/>
+                        </a:spcBef>
+                        <a:spcAft>
+                          <a:spcPts val="0"/>
+                        </a:spcAft>
+                      </a:pPr>
+                      <a:r>
+                        <a:rPr lang="en-US" sz="800" dirty="0">
+                          <a:solidFill>
+                            <a:srgbClr val="000000"/>
+                          </a:solidFill>
+                          <a:effectLst/>
+                          <a:latin typeface="+mn-ea"/>
+                          <a:ea typeface="+mn-ea"/>
+                        </a:rPr>
+                        <a:t>3</a:t>
+                      </a:r>
+                    </a:p>
+                  </a:txBody>
+                  <a:tcPr marL="48578" marR="48578" marT="13430" marB="13430" anchor="ctr">
+                    <a:lnL w="3556" cap="flat" cmpd="sng" algn="ctr">
+                      <a:solidFill>
+                        <a:srgbClr val="000000"/>
+                      </a:solidFill>
+                      <a:prstDash val="solid"/>
+                      <a:round/>
+                      <a:headEnd type="none" w="med" len="med"/>
+                      <a:tailEnd type="none" w="med" len="med"/>
+                    </a:lnL>
+                    <a:lnR w="3556" cap="flat" cmpd="sng" algn="ctr">
+                      <a:solidFill>
+                        <a:srgbClr val="000000"/>
+                      </a:solidFill>
+                      <a:prstDash val="solid"/>
+                      <a:round/>
+                      <a:headEnd type="none" w="med" len="med"/>
+                      <a:tailEnd type="none" w="med" len="med"/>
+                    </a:lnR>
+                    <a:lnT w="3556" cap="flat" cmpd="sng" algn="ctr">
+                      <a:solidFill>
+                        <a:srgbClr val="000000"/>
+                      </a:solidFill>
+                      <a:prstDash val="solid"/>
+                      <a:round/>
+                      <a:headEnd type="none" w="med" len="med"/>
+                      <a:tailEnd type="none" w="med" len="med"/>
+                    </a:lnT>
+                    <a:lnB w="3556" cap="flat" cmpd="sng" algn="ctr">
+                      <a:solidFill>
+                        <a:srgbClr val="000000"/>
+                      </a:solidFill>
+                      <a:prstDash val="solid"/>
+                      <a:round/>
+                      <a:headEnd type="none" w="med" len="med"/>
+                      <a:tailEnd type="none" w="med" len="med"/>
+                    </a:lnB>
+                  </a:tcPr>
+                </a:tc>
+                <a:tc>
+                  <a:txBody>
+                    <a:bodyPr/>
+                    <a:lstStyle/>
+                    <a:p>
+                      <a:pPr marL="0" marR="0" algn="l">
+                        <a:lnSpc>
+                          <a:spcPct val="160000"/>
+                        </a:lnSpc>
+                        <a:spcBef>
+                          <a:spcPts val="0"/>
+                        </a:spcBef>
+                        <a:spcAft>
+                          <a:spcPts val="0"/>
+                        </a:spcAft>
+                      </a:pPr>
+                      <a:r>
+                        <a:rPr lang="ko-KR" altLang="en-US" sz="800">
+                          <a:solidFill>
+                            <a:srgbClr val="000000"/>
+                          </a:solidFill>
+                          <a:effectLst/>
+                          <a:latin typeface="+mn-ea"/>
+                          <a:ea typeface="+mn-ea"/>
+                        </a:rPr>
+                        <a:t>장미란</a:t>
+                      </a:r>
+                    </a:p>
+                  </a:txBody>
+                  <a:tcPr marL="48578" marR="48578" marT="13430" marB="13430" anchor="ctr">
+                    <a:lnL w="3556" cap="flat" cmpd="sng" algn="ctr">
+                      <a:solidFill>
+                        <a:srgbClr val="000000"/>
+                      </a:solidFill>
+                      <a:prstDash val="solid"/>
+                      <a:round/>
+                      <a:headEnd type="none" w="med" len="med"/>
+                      <a:tailEnd type="none" w="med" len="med"/>
+                    </a:lnL>
+                    <a:lnR w="3556" cap="flat" cmpd="sng" algn="ctr">
+                      <a:solidFill>
+                        <a:srgbClr val="000000"/>
+                      </a:solidFill>
+                      <a:prstDash val="solid"/>
+                      <a:round/>
+                      <a:headEnd type="none" w="med" len="med"/>
+                      <a:tailEnd type="none" w="med" len="med"/>
+                    </a:lnR>
+                    <a:lnT w="3556" cap="flat" cmpd="sng" algn="ctr">
+                      <a:solidFill>
+                        <a:srgbClr val="000000"/>
+                      </a:solidFill>
+                      <a:prstDash val="solid"/>
+                      <a:round/>
+                      <a:headEnd type="none" w="med" len="med"/>
+                      <a:tailEnd type="none" w="med" len="med"/>
+                    </a:lnT>
+                    <a:lnB w="3556" cap="flat" cmpd="sng" algn="ctr">
+                      <a:solidFill>
+                        <a:srgbClr val="000000"/>
+                      </a:solidFill>
+                      <a:prstDash val="solid"/>
+                      <a:round/>
+                      <a:headEnd type="none" w="med" len="med"/>
+                      <a:tailEnd type="none" w="med" len="med"/>
+                    </a:lnB>
+                  </a:tcPr>
+                </a:tc>
+                <a:tc>
+                  <a:txBody>
+                    <a:bodyPr/>
+                    <a:lstStyle/>
+                    <a:p>
+                      <a:pPr marL="0" marR="0" algn="l">
+                        <a:lnSpc>
+                          <a:spcPct val="160000"/>
+                        </a:lnSpc>
+                        <a:spcBef>
+                          <a:spcPts val="0"/>
+                        </a:spcBef>
+                        <a:spcAft>
+                          <a:spcPts val="0"/>
+                        </a:spcAft>
+                      </a:pPr>
+                      <a:r>
+                        <a:rPr lang="ko-KR" altLang="en-US" sz="800" dirty="0">
+                          <a:solidFill>
+                            <a:srgbClr val="000000"/>
+                          </a:solidFill>
+                          <a:effectLst/>
+                          <a:latin typeface="+mn-ea"/>
+                          <a:ea typeface="+mn-ea"/>
+                        </a:rPr>
+                        <a:t>대한민국 강원도</a:t>
+                      </a:r>
+                    </a:p>
+                  </a:txBody>
+                  <a:tcPr marL="48578" marR="48578" marT="13430" marB="13430" anchor="ctr">
+                    <a:lnL w="3556" cap="flat" cmpd="sng" algn="ctr">
+                      <a:solidFill>
+                        <a:srgbClr val="000000"/>
+                      </a:solidFill>
+                      <a:prstDash val="solid"/>
+                      <a:round/>
+                      <a:headEnd type="none" w="med" len="med"/>
+                      <a:tailEnd type="none" w="med" len="med"/>
+                    </a:lnL>
+                    <a:lnR w="3556" cap="flat" cmpd="sng" algn="ctr">
+                      <a:solidFill>
+                        <a:srgbClr val="000000"/>
+                      </a:solidFill>
+                      <a:prstDash val="solid"/>
+                      <a:round/>
+                      <a:headEnd type="none" w="med" len="med"/>
+                      <a:tailEnd type="none" w="med" len="med"/>
+                    </a:lnR>
+                    <a:lnT w="3556" cap="flat" cmpd="sng" algn="ctr">
+                      <a:solidFill>
+                        <a:srgbClr val="000000"/>
+                      </a:solidFill>
+                      <a:prstDash val="solid"/>
+                      <a:round/>
+                      <a:headEnd type="none" w="med" len="med"/>
+                      <a:tailEnd type="none" w="med" len="med"/>
+                    </a:lnT>
+                    <a:lnB w="3556" cap="flat" cmpd="sng" algn="ctr">
+                      <a:solidFill>
+                        <a:srgbClr val="000000"/>
+                      </a:solidFill>
+                      <a:prstDash val="solid"/>
+                      <a:round/>
+                      <a:headEnd type="none" w="med" len="med"/>
+                      <a:tailEnd type="none" w="med" len="med"/>
+                    </a:lnB>
+                  </a:tcPr>
+                </a:tc>
+                <a:tc>
+                  <a:txBody>
+                    <a:bodyPr/>
+                    <a:lstStyle/>
+                    <a:p>
+                      <a:pPr marL="0" marR="0" algn="l">
+                        <a:lnSpc>
+                          <a:spcPct val="160000"/>
+                        </a:lnSpc>
+                        <a:spcBef>
+                          <a:spcPts val="0"/>
+                        </a:spcBef>
+                        <a:spcAft>
+                          <a:spcPts val="0"/>
+                        </a:spcAft>
+                      </a:pPr>
+                      <a:r>
+                        <a:rPr lang="en-US" sz="800" dirty="0" smtClean="0">
+                          <a:solidFill>
+                            <a:srgbClr val="000000"/>
+                          </a:solidFill>
+                          <a:effectLst/>
+                          <a:latin typeface="+mn-ea"/>
+                          <a:ea typeface="+mn-ea"/>
+                        </a:rPr>
+                        <a:t>000-7000-0001</a:t>
+                      </a:r>
+                      <a:endParaRPr lang="en-US" sz="800" dirty="0">
+                        <a:solidFill>
+                          <a:srgbClr val="000000"/>
+                        </a:solidFill>
+                        <a:effectLst/>
+                        <a:latin typeface="+mn-ea"/>
+                        <a:ea typeface="+mn-ea"/>
+                      </a:endParaRPr>
+                    </a:p>
+                  </a:txBody>
+                  <a:tcPr marL="48578" marR="48578" marT="13430" marB="13430" anchor="ctr">
+                    <a:lnL w="3556" cap="flat" cmpd="sng" algn="ctr">
+                      <a:solidFill>
+                        <a:srgbClr val="000000"/>
+                      </a:solidFill>
+                      <a:prstDash val="solid"/>
+                      <a:round/>
+                      <a:headEnd type="none" w="med" len="med"/>
+                      <a:tailEnd type="none" w="med" len="med"/>
+                    </a:lnL>
+                    <a:lnR w="3556" cap="flat" cmpd="sng" algn="ctr">
+                      <a:solidFill>
+                        <a:srgbClr val="000000"/>
+                      </a:solidFill>
+                      <a:prstDash val="solid"/>
+                      <a:round/>
+                      <a:headEnd type="none" w="med" len="med"/>
+                      <a:tailEnd type="none" w="med" len="med"/>
+                    </a:lnR>
+                    <a:lnT w="3556" cap="flat" cmpd="sng" algn="ctr">
+                      <a:solidFill>
+                        <a:srgbClr val="000000"/>
+                      </a:solidFill>
+                      <a:prstDash val="solid"/>
+                      <a:round/>
+                      <a:headEnd type="none" w="med" len="med"/>
+                      <a:tailEnd type="none" w="med" len="med"/>
+                    </a:lnT>
+                    <a:lnB w="3556" cap="flat" cmpd="sng" algn="ctr">
+                      <a:solidFill>
+                        <a:srgbClr val="000000"/>
+                      </a:solidFill>
+                      <a:prstDash val="solid"/>
+                      <a:round/>
+                      <a:headEnd type="none" w="med" len="med"/>
+                      <a:tailEnd type="none" w="med" len="med"/>
+                    </a:lnB>
+                  </a:tcPr>
+                </a:tc>
+                <a:extLst>
+                  <a:ext uri="{0D108BD9-81ED-4DB2-BD59-A6C34878D82A}">
+                    <a16:rowId xmlns:a16="http://schemas.microsoft.com/office/drawing/2014/main" val="10003"/>
+                  </a:ext>
+                </a:extLst>
+              </a:tr>
+              <a:tr h="209741">
+                <a:tc>
+                  <a:txBody>
+                    <a:bodyPr/>
+                    <a:lstStyle/>
+                    <a:p>
+                      <a:pPr marL="0" marR="0" algn="ctr">
+                        <a:lnSpc>
+                          <a:spcPct val="160000"/>
+                        </a:lnSpc>
+                        <a:spcBef>
+                          <a:spcPts val="0"/>
+                        </a:spcBef>
+                        <a:spcAft>
+                          <a:spcPts val="0"/>
+                        </a:spcAft>
+                      </a:pPr>
+                      <a:r>
+                        <a:rPr lang="en-US" sz="800" dirty="0">
+                          <a:solidFill>
+                            <a:srgbClr val="000000"/>
+                          </a:solidFill>
+                          <a:effectLst/>
+                          <a:latin typeface="+mn-ea"/>
+                          <a:ea typeface="+mn-ea"/>
+                        </a:rPr>
+                        <a:t>4</a:t>
+                      </a:r>
+                    </a:p>
+                  </a:txBody>
+                  <a:tcPr marL="48578" marR="48578" marT="13430" marB="13430" anchor="ctr">
+                    <a:lnL w="3556" cap="flat" cmpd="sng" algn="ctr">
+                      <a:solidFill>
+                        <a:srgbClr val="000000"/>
+                      </a:solidFill>
+                      <a:prstDash val="solid"/>
+                      <a:round/>
+                      <a:headEnd type="none" w="med" len="med"/>
+                      <a:tailEnd type="none" w="med" len="med"/>
+                    </a:lnL>
+                    <a:lnR w="3556" cap="flat" cmpd="sng" algn="ctr">
+                      <a:solidFill>
+                        <a:srgbClr val="000000"/>
+                      </a:solidFill>
+                      <a:prstDash val="solid"/>
+                      <a:round/>
+                      <a:headEnd type="none" w="med" len="med"/>
+                      <a:tailEnd type="none" w="med" len="med"/>
+                    </a:lnR>
+                    <a:lnT w="3556" cap="flat" cmpd="sng" algn="ctr">
+                      <a:solidFill>
+                        <a:srgbClr val="000000"/>
+                      </a:solidFill>
+                      <a:prstDash val="solid"/>
+                      <a:round/>
+                      <a:headEnd type="none" w="med" len="med"/>
+                      <a:tailEnd type="none" w="med" len="med"/>
+                    </a:lnT>
+                    <a:lnB w="3556" cap="flat" cmpd="sng" algn="ctr">
+                      <a:solidFill>
+                        <a:srgbClr val="000000"/>
+                      </a:solidFill>
+                      <a:prstDash val="solid"/>
+                      <a:round/>
+                      <a:headEnd type="none" w="med" len="med"/>
+                      <a:tailEnd type="none" w="med" len="med"/>
+                    </a:lnB>
+                  </a:tcPr>
+                </a:tc>
+                <a:tc>
+                  <a:txBody>
+                    <a:bodyPr/>
+                    <a:lstStyle/>
+                    <a:p>
+                      <a:pPr marL="0" marR="0" algn="l">
+                        <a:lnSpc>
+                          <a:spcPct val="160000"/>
+                        </a:lnSpc>
+                        <a:spcBef>
+                          <a:spcPts val="0"/>
+                        </a:spcBef>
+                        <a:spcAft>
+                          <a:spcPts val="0"/>
+                        </a:spcAft>
+                      </a:pPr>
+                      <a:r>
+                        <a:rPr lang="ko-KR" altLang="en-US" sz="800">
+                          <a:solidFill>
+                            <a:srgbClr val="000000"/>
+                          </a:solidFill>
+                          <a:effectLst/>
+                          <a:latin typeface="+mn-ea"/>
+                          <a:ea typeface="+mn-ea"/>
+                        </a:rPr>
+                        <a:t>추신수</a:t>
+                      </a:r>
+                    </a:p>
+                  </a:txBody>
+                  <a:tcPr marL="48578" marR="48578" marT="13430" marB="13430" anchor="ctr">
+                    <a:lnL w="3556" cap="flat" cmpd="sng" algn="ctr">
+                      <a:solidFill>
+                        <a:srgbClr val="000000"/>
+                      </a:solidFill>
+                      <a:prstDash val="solid"/>
+                      <a:round/>
+                      <a:headEnd type="none" w="med" len="med"/>
+                      <a:tailEnd type="none" w="med" len="med"/>
+                    </a:lnL>
+                    <a:lnR w="3556" cap="flat" cmpd="sng" algn="ctr">
+                      <a:solidFill>
+                        <a:srgbClr val="000000"/>
+                      </a:solidFill>
+                      <a:prstDash val="solid"/>
+                      <a:round/>
+                      <a:headEnd type="none" w="med" len="med"/>
+                      <a:tailEnd type="none" w="med" len="med"/>
+                    </a:lnR>
+                    <a:lnT w="3556" cap="flat" cmpd="sng" algn="ctr">
+                      <a:solidFill>
+                        <a:srgbClr val="000000"/>
+                      </a:solidFill>
+                      <a:prstDash val="solid"/>
+                      <a:round/>
+                      <a:headEnd type="none" w="med" len="med"/>
+                      <a:tailEnd type="none" w="med" len="med"/>
+                    </a:lnT>
+                    <a:lnB w="3556" cap="flat" cmpd="sng" algn="ctr">
+                      <a:solidFill>
+                        <a:srgbClr val="000000"/>
+                      </a:solidFill>
+                      <a:prstDash val="solid"/>
+                      <a:round/>
+                      <a:headEnd type="none" w="med" len="med"/>
+                      <a:tailEnd type="none" w="med" len="med"/>
+                    </a:lnB>
+                  </a:tcPr>
+                </a:tc>
+                <a:tc>
+                  <a:txBody>
+                    <a:bodyPr/>
+                    <a:lstStyle/>
+                    <a:p>
+                      <a:pPr marL="0" marR="0" algn="l">
+                        <a:lnSpc>
+                          <a:spcPct val="160000"/>
+                        </a:lnSpc>
+                        <a:spcBef>
+                          <a:spcPts val="0"/>
+                        </a:spcBef>
+                        <a:spcAft>
+                          <a:spcPts val="0"/>
+                        </a:spcAft>
+                      </a:pPr>
+                      <a:r>
+                        <a:rPr lang="ko-KR" altLang="en-US" sz="800">
+                          <a:solidFill>
+                            <a:srgbClr val="000000"/>
+                          </a:solidFill>
+                          <a:effectLst/>
+                          <a:latin typeface="+mn-ea"/>
+                          <a:ea typeface="+mn-ea"/>
+                        </a:rPr>
+                        <a:t>미국 클리블랜드</a:t>
+                      </a:r>
+                    </a:p>
+                  </a:txBody>
+                  <a:tcPr marL="48578" marR="48578" marT="13430" marB="13430" anchor="ctr">
+                    <a:lnL w="3556" cap="flat" cmpd="sng" algn="ctr">
+                      <a:solidFill>
+                        <a:srgbClr val="000000"/>
+                      </a:solidFill>
+                      <a:prstDash val="solid"/>
+                      <a:round/>
+                      <a:headEnd type="none" w="med" len="med"/>
+                      <a:tailEnd type="none" w="med" len="med"/>
+                    </a:lnL>
+                    <a:lnR w="3556" cap="flat" cmpd="sng" algn="ctr">
+                      <a:solidFill>
+                        <a:srgbClr val="000000"/>
+                      </a:solidFill>
+                      <a:prstDash val="solid"/>
+                      <a:round/>
+                      <a:headEnd type="none" w="med" len="med"/>
+                      <a:tailEnd type="none" w="med" len="med"/>
+                    </a:lnR>
+                    <a:lnT w="3556" cap="flat" cmpd="sng" algn="ctr">
+                      <a:solidFill>
+                        <a:srgbClr val="000000"/>
+                      </a:solidFill>
+                      <a:prstDash val="solid"/>
+                      <a:round/>
+                      <a:headEnd type="none" w="med" len="med"/>
+                      <a:tailEnd type="none" w="med" len="med"/>
+                    </a:lnT>
+                    <a:lnB w="3556" cap="flat" cmpd="sng" algn="ctr">
+                      <a:solidFill>
+                        <a:srgbClr val="000000"/>
+                      </a:solidFill>
+                      <a:prstDash val="solid"/>
+                      <a:round/>
+                      <a:headEnd type="none" w="med" len="med"/>
+                      <a:tailEnd type="none" w="med" len="med"/>
+                    </a:lnB>
+                  </a:tcPr>
+                </a:tc>
+                <a:tc>
+                  <a:txBody>
+                    <a:bodyPr/>
+                    <a:lstStyle/>
+                    <a:p>
+                      <a:pPr marL="0" marR="0" algn="l">
+                        <a:lnSpc>
+                          <a:spcPct val="160000"/>
+                        </a:lnSpc>
+                        <a:spcBef>
+                          <a:spcPts val="0"/>
+                        </a:spcBef>
+                        <a:spcAft>
+                          <a:spcPts val="0"/>
+                        </a:spcAft>
+                      </a:pPr>
+                      <a:r>
+                        <a:rPr lang="en-US" sz="800" dirty="0" smtClean="0">
+                          <a:solidFill>
+                            <a:srgbClr val="000000"/>
+                          </a:solidFill>
+                          <a:effectLst/>
+                          <a:latin typeface="+mn-ea"/>
+                          <a:ea typeface="+mn-ea"/>
+                        </a:rPr>
+                        <a:t>000-8000-0001</a:t>
+                      </a:r>
+                      <a:endParaRPr lang="en-US" sz="800" dirty="0">
+                        <a:solidFill>
+                          <a:srgbClr val="000000"/>
+                        </a:solidFill>
+                        <a:effectLst/>
+                        <a:latin typeface="+mn-ea"/>
+                        <a:ea typeface="+mn-ea"/>
+                      </a:endParaRPr>
+                    </a:p>
+                  </a:txBody>
+                  <a:tcPr marL="48578" marR="48578" marT="13430" marB="13430" anchor="ctr">
+                    <a:lnL w="3556" cap="flat" cmpd="sng" algn="ctr">
+                      <a:solidFill>
+                        <a:srgbClr val="000000"/>
+                      </a:solidFill>
+                      <a:prstDash val="solid"/>
+                      <a:round/>
+                      <a:headEnd type="none" w="med" len="med"/>
+                      <a:tailEnd type="none" w="med" len="med"/>
+                    </a:lnL>
+                    <a:lnR w="3556" cap="flat" cmpd="sng" algn="ctr">
+                      <a:solidFill>
+                        <a:srgbClr val="000000"/>
+                      </a:solidFill>
+                      <a:prstDash val="solid"/>
+                      <a:round/>
+                      <a:headEnd type="none" w="med" len="med"/>
+                      <a:tailEnd type="none" w="med" len="med"/>
+                    </a:lnR>
+                    <a:lnT w="3556" cap="flat" cmpd="sng" algn="ctr">
+                      <a:solidFill>
+                        <a:srgbClr val="000000"/>
+                      </a:solidFill>
+                      <a:prstDash val="solid"/>
+                      <a:round/>
+                      <a:headEnd type="none" w="med" len="med"/>
+                      <a:tailEnd type="none" w="med" len="med"/>
+                    </a:lnT>
+                    <a:lnB w="3556" cap="flat" cmpd="sng" algn="ctr">
+                      <a:solidFill>
+                        <a:srgbClr val="000000"/>
+                      </a:solidFill>
+                      <a:prstDash val="solid"/>
+                      <a:round/>
+                      <a:headEnd type="none" w="med" len="med"/>
+                      <a:tailEnd type="none" w="med" len="med"/>
+                    </a:lnB>
+                  </a:tcPr>
+                </a:tc>
+                <a:extLst>
+                  <a:ext uri="{0D108BD9-81ED-4DB2-BD59-A6C34878D82A}">
+                    <a16:rowId xmlns:a16="http://schemas.microsoft.com/office/drawing/2014/main" val="10004"/>
+                  </a:ext>
+                </a:extLst>
+              </a:tr>
+              <a:tr h="209741">
+                <a:tc>
+                  <a:txBody>
+                    <a:bodyPr/>
+                    <a:lstStyle/>
+                    <a:p>
+                      <a:pPr marL="0" marR="0" algn="ctr">
+                        <a:lnSpc>
+                          <a:spcPct val="160000"/>
+                        </a:lnSpc>
+                        <a:spcBef>
+                          <a:spcPts val="0"/>
+                        </a:spcBef>
+                        <a:spcAft>
+                          <a:spcPts val="0"/>
+                        </a:spcAft>
+                      </a:pPr>
+                      <a:r>
+                        <a:rPr lang="en-US" sz="800" dirty="0">
+                          <a:solidFill>
+                            <a:srgbClr val="000000"/>
+                          </a:solidFill>
+                          <a:effectLst/>
+                          <a:latin typeface="+mn-ea"/>
+                          <a:ea typeface="+mn-ea"/>
+                        </a:rPr>
+                        <a:t>5</a:t>
+                      </a:r>
+                    </a:p>
+                  </a:txBody>
+                  <a:tcPr marL="48578" marR="48578" marT="13430" marB="13430" anchor="ctr">
+                    <a:lnL w="3556" cap="flat" cmpd="sng" algn="ctr">
+                      <a:solidFill>
+                        <a:srgbClr val="000000"/>
+                      </a:solidFill>
+                      <a:prstDash val="solid"/>
+                      <a:round/>
+                      <a:headEnd type="none" w="med" len="med"/>
+                      <a:tailEnd type="none" w="med" len="med"/>
+                    </a:lnL>
+                    <a:lnR w="3556" cap="flat" cmpd="sng" algn="ctr">
+                      <a:solidFill>
+                        <a:srgbClr val="000000"/>
+                      </a:solidFill>
+                      <a:prstDash val="solid"/>
+                      <a:round/>
+                      <a:headEnd type="none" w="med" len="med"/>
+                      <a:tailEnd type="none" w="med" len="med"/>
+                    </a:lnR>
+                    <a:lnT w="3556" cap="flat" cmpd="sng" algn="ctr">
+                      <a:solidFill>
+                        <a:srgbClr val="000000"/>
+                      </a:solidFill>
+                      <a:prstDash val="solid"/>
+                      <a:round/>
+                      <a:headEnd type="none" w="med" len="med"/>
+                      <a:tailEnd type="none" w="med" len="med"/>
+                    </a:lnT>
+                    <a:lnB w="3556" cap="flat" cmpd="sng" algn="ctr">
+                      <a:solidFill>
+                        <a:srgbClr val="000000"/>
+                      </a:solidFill>
+                      <a:prstDash val="solid"/>
+                      <a:round/>
+                      <a:headEnd type="none" w="med" len="med"/>
+                      <a:tailEnd type="none" w="med" len="med"/>
+                    </a:lnB>
+                  </a:tcPr>
+                </a:tc>
+                <a:tc>
+                  <a:txBody>
+                    <a:bodyPr/>
+                    <a:lstStyle/>
+                    <a:p>
+                      <a:pPr marL="0" marR="0" algn="l">
+                        <a:lnSpc>
+                          <a:spcPct val="160000"/>
+                        </a:lnSpc>
+                        <a:spcBef>
+                          <a:spcPts val="0"/>
+                        </a:spcBef>
+                        <a:spcAft>
+                          <a:spcPts val="0"/>
+                        </a:spcAft>
+                      </a:pPr>
+                      <a:r>
+                        <a:rPr lang="ko-KR" altLang="en-US" sz="800" dirty="0">
+                          <a:solidFill>
+                            <a:srgbClr val="000000"/>
+                          </a:solidFill>
+                          <a:effectLst/>
+                          <a:latin typeface="+mn-ea"/>
+                          <a:ea typeface="+mn-ea"/>
+                        </a:rPr>
+                        <a:t>박세리</a:t>
+                      </a:r>
+                    </a:p>
+                  </a:txBody>
+                  <a:tcPr marL="48578" marR="48578" marT="13430" marB="13430" anchor="ctr">
+                    <a:lnL w="3556" cap="flat" cmpd="sng" algn="ctr">
+                      <a:solidFill>
+                        <a:srgbClr val="000000"/>
+                      </a:solidFill>
+                      <a:prstDash val="solid"/>
+                      <a:round/>
+                      <a:headEnd type="none" w="med" len="med"/>
+                      <a:tailEnd type="none" w="med" len="med"/>
+                    </a:lnL>
+                    <a:lnR w="3556" cap="flat" cmpd="sng" algn="ctr">
+                      <a:solidFill>
+                        <a:srgbClr val="000000"/>
+                      </a:solidFill>
+                      <a:prstDash val="solid"/>
+                      <a:round/>
+                      <a:headEnd type="none" w="med" len="med"/>
+                      <a:tailEnd type="none" w="med" len="med"/>
+                    </a:lnR>
+                    <a:lnT w="3556" cap="flat" cmpd="sng" algn="ctr">
+                      <a:solidFill>
+                        <a:srgbClr val="000000"/>
+                      </a:solidFill>
+                      <a:prstDash val="solid"/>
+                      <a:round/>
+                      <a:headEnd type="none" w="med" len="med"/>
+                      <a:tailEnd type="none" w="med" len="med"/>
+                    </a:lnT>
+                    <a:lnB w="3556" cap="flat" cmpd="sng" algn="ctr">
+                      <a:solidFill>
+                        <a:srgbClr val="000000"/>
+                      </a:solidFill>
+                      <a:prstDash val="solid"/>
+                      <a:round/>
+                      <a:headEnd type="none" w="med" len="med"/>
+                      <a:tailEnd type="none" w="med" len="med"/>
+                    </a:lnB>
+                  </a:tcPr>
+                </a:tc>
+                <a:tc>
+                  <a:txBody>
+                    <a:bodyPr/>
+                    <a:lstStyle/>
+                    <a:p>
+                      <a:pPr marL="0" marR="0" algn="l">
+                        <a:lnSpc>
+                          <a:spcPct val="160000"/>
+                        </a:lnSpc>
+                        <a:spcBef>
+                          <a:spcPts val="0"/>
+                        </a:spcBef>
+                        <a:spcAft>
+                          <a:spcPts val="0"/>
+                        </a:spcAft>
+                      </a:pPr>
+                      <a:r>
+                        <a:rPr lang="ko-KR" altLang="en-US" sz="800" dirty="0">
+                          <a:solidFill>
+                            <a:srgbClr val="000000"/>
+                          </a:solidFill>
+                          <a:effectLst/>
+                          <a:latin typeface="+mn-ea"/>
+                          <a:ea typeface="+mn-ea"/>
+                        </a:rPr>
+                        <a:t>대한민국 대전</a:t>
+                      </a:r>
+                    </a:p>
+                  </a:txBody>
+                  <a:tcPr marL="48578" marR="48578" marT="13430" marB="13430" anchor="ctr">
+                    <a:lnL w="3556" cap="flat" cmpd="sng" algn="ctr">
+                      <a:solidFill>
+                        <a:srgbClr val="000000"/>
+                      </a:solidFill>
+                      <a:prstDash val="solid"/>
+                      <a:round/>
+                      <a:headEnd type="none" w="med" len="med"/>
+                      <a:tailEnd type="none" w="med" len="med"/>
+                    </a:lnL>
+                    <a:lnR w="3556" cap="flat" cmpd="sng" algn="ctr">
+                      <a:solidFill>
+                        <a:srgbClr val="000000"/>
+                      </a:solidFill>
+                      <a:prstDash val="solid"/>
+                      <a:round/>
+                      <a:headEnd type="none" w="med" len="med"/>
+                      <a:tailEnd type="none" w="med" len="med"/>
+                    </a:lnR>
+                    <a:lnT w="3556" cap="flat" cmpd="sng" algn="ctr">
+                      <a:solidFill>
+                        <a:srgbClr val="000000"/>
+                      </a:solidFill>
+                      <a:prstDash val="solid"/>
+                      <a:round/>
+                      <a:headEnd type="none" w="med" len="med"/>
+                      <a:tailEnd type="none" w="med" len="med"/>
+                    </a:lnT>
+                    <a:lnB w="3556" cap="flat" cmpd="sng" algn="ctr">
+                      <a:solidFill>
+                        <a:srgbClr val="000000"/>
+                      </a:solidFill>
+                      <a:prstDash val="solid"/>
+                      <a:round/>
+                      <a:headEnd type="none" w="med" len="med"/>
+                      <a:tailEnd type="none" w="med" len="med"/>
+                    </a:lnB>
+                  </a:tcPr>
+                </a:tc>
+                <a:tc>
+                  <a:txBody>
+                    <a:bodyPr/>
+                    <a:lstStyle/>
+                    <a:p>
+                      <a:pPr marL="0" marR="0" algn="l">
+                        <a:lnSpc>
+                          <a:spcPct val="160000"/>
+                        </a:lnSpc>
+                        <a:spcBef>
+                          <a:spcPts val="0"/>
+                        </a:spcBef>
+                        <a:spcAft>
+                          <a:spcPts val="0"/>
+                        </a:spcAft>
+                      </a:pPr>
+                      <a:r>
+                        <a:rPr lang="en-US" sz="800" dirty="0">
+                          <a:solidFill>
+                            <a:srgbClr val="000000"/>
+                          </a:solidFill>
+                          <a:effectLst/>
+                          <a:latin typeface="+mn-ea"/>
+                          <a:ea typeface="+mn-ea"/>
+                        </a:rPr>
+                        <a:t>NULL</a:t>
+                      </a:r>
+                    </a:p>
+                  </a:txBody>
+                  <a:tcPr marL="48578" marR="48578" marT="13430" marB="13430" anchor="ctr">
+                    <a:lnL w="3556" cap="flat" cmpd="sng" algn="ctr">
+                      <a:solidFill>
+                        <a:srgbClr val="000000"/>
+                      </a:solidFill>
+                      <a:prstDash val="solid"/>
+                      <a:round/>
+                      <a:headEnd type="none" w="med" len="med"/>
+                      <a:tailEnd type="none" w="med" len="med"/>
+                    </a:lnL>
+                    <a:lnR w="3556" cap="flat" cmpd="sng" algn="ctr">
+                      <a:solidFill>
+                        <a:srgbClr val="000000"/>
+                      </a:solidFill>
+                      <a:prstDash val="solid"/>
+                      <a:round/>
+                      <a:headEnd type="none" w="med" len="med"/>
+                      <a:tailEnd type="none" w="med" len="med"/>
+                    </a:lnR>
+                    <a:lnT w="3556" cap="flat" cmpd="sng" algn="ctr">
+                      <a:solidFill>
+                        <a:srgbClr val="000000"/>
+                      </a:solidFill>
+                      <a:prstDash val="solid"/>
+                      <a:round/>
+                      <a:headEnd type="none" w="med" len="med"/>
+                      <a:tailEnd type="none" w="med" len="med"/>
+                    </a:lnT>
+                    <a:lnB w="3556" cap="flat" cmpd="sng" algn="ctr">
+                      <a:solidFill>
+                        <a:srgbClr val="000000"/>
+                      </a:solidFill>
+                      <a:prstDash val="solid"/>
+                      <a:round/>
+                      <a:headEnd type="none" w="med" len="med"/>
+                      <a:tailEnd type="none" w="med" len="med"/>
+                    </a:lnB>
+                  </a:tcPr>
+                </a:tc>
+                <a:extLst>
+                  <a:ext uri="{0D108BD9-81ED-4DB2-BD59-A6C34878D82A}">
+                    <a16:rowId xmlns:a16="http://schemas.microsoft.com/office/drawing/2014/main" val="10005"/>
+                  </a:ext>
+                </a:extLst>
+              </a:tr>
+            </a:tbl>
+          </a:graphicData>
+        </a:graphic>
+      </p:graphicFrame>
+      <p:sp>
+        <p:nvSpPr>
+          <p:cNvPr id="13" name="TextBox 12"/>
+          <p:cNvSpPr txBox="1"/>
+          <p:nvPr/>
+        </p:nvSpPr>
+        <p:spPr>
+          <a:xfrm>
+            <a:off x="687426" y="3622981"/>
+            <a:ext cx="1404156" cy="216024"/>
+          </a:xfrm>
+          <a:prstGeom prst="rect">
+            <a:avLst/>
+          </a:prstGeom>
+        </p:spPr>
+        <p:txBody>
+          <a:bodyPr vert="horz" wrap="none" lIns="68580" tIns="34290" rIns="68580" bIns="34290" rtlCol="0" anchor="ctr">
+            <a:noAutofit/>
+          </a:bodyPr>
+          <a:lstStyle/>
+          <a:p>
+            <a:r>
+              <a:rPr lang="en-US" altLang="ko-KR" sz="1050" b="1">
+                <a:ea typeface="맑은 고딕" panose="020B0503020000020004" pitchFamily="50" charset="-127"/>
+              </a:rPr>
+              <a:t>Book </a:t>
+            </a:r>
+            <a:r>
+              <a:rPr lang="ko-KR" altLang="en-US" sz="1050" b="1" dirty="0">
+                <a:ea typeface="맑은 고딕" panose="020B0503020000020004" pitchFamily="50" charset="-127"/>
+              </a:rPr>
+              <a:t>테이블</a:t>
+            </a:r>
+            <a:endParaRPr lang="ko-KR" altLang="en-US" sz="1050" b="1" dirty="0">
+              <a:ea typeface="맑은 고딕" panose="020B0503020000020004" pitchFamily="50" charset="-127"/>
+            </a:endParaRPr>
+          </a:p>
+        </p:txBody>
+      </p:sp>
+      <p:sp>
+        <p:nvSpPr>
+          <p:cNvPr id="14" name="TextBox 13"/>
+          <p:cNvSpPr txBox="1"/>
+          <p:nvPr/>
+        </p:nvSpPr>
+        <p:spPr>
+          <a:xfrm>
+            <a:off x="687426" y="5308214"/>
+            <a:ext cx="1404156" cy="216024"/>
+          </a:xfrm>
+          <a:prstGeom prst="rect">
+            <a:avLst/>
+          </a:prstGeom>
+        </p:spPr>
+        <p:txBody>
+          <a:bodyPr vert="horz" wrap="none" lIns="68580" tIns="34290" rIns="68580" bIns="34290" rtlCol="0" anchor="ctr">
+            <a:noAutofit/>
+          </a:bodyPr>
+          <a:lstStyle/>
+          <a:p>
+            <a:r>
+              <a:rPr lang="en-US" altLang="ko-KR" sz="1050" b="1">
+                <a:ea typeface="맑은 고딕" panose="020B0503020000020004" pitchFamily="50" charset="-127"/>
+              </a:rPr>
+              <a:t>Customer </a:t>
+            </a:r>
+            <a:r>
+              <a:rPr lang="ko-KR" altLang="en-US" sz="1050" b="1" dirty="0">
+                <a:ea typeface="맑은 고딕" panose="020B0503020000020004" pitchFamily="50" charset="-127"/>
+              </a:rPr>
+              <a:t>테이블</a:t>
+            </a:r>
+            <a:endParaRPr lang="ko-KR" altLang="en-US" sz="1050" b="1" dirty="0">
+              <a:ea typeface="맑은 고딕" panose="020B0503020000020004" pitchFamily="50" charset="-127"/>
+            </a:endParaRPr>
+          </a:p>
+        </p:txBody>
+      </p:sp>
+    </p:spTree>
+    <p:extLst>
+      <p:ext uri="{BB962C8B-B14F-4D97-AF65-F5344CB8AC3E}">
+        <p14:creationId xmlns:p14="http://schemas.microsoft.com/office/powerpoint/2010/main" val="1822393880"/>
+      </p:ext>
+    </p:extLst>
+  </p:cSld>
+  <p:clrMapOvr>
+    <a:masterClrMapping/>
+  </p:clrMapOvr>
+  <p:timing>
+    <p:tnLst>
+      <p:par>
+        <p:cTn id="1" dur="indefinite" restart="never" nodeType="tmRoot"/>
+      </p:par>
+    </p:tnLst>
+  </p:timing>
+</p:sld>
+</file>
+
+<file path=ppt/slides/slide5.xml><?xml version="1.0" encoding="utf-8"?>
+<p:sld xmlns:a="http://schemas.openxmlformats.org/drawingml/2006/main" xmlns:r="http://schemas.openxmlformats.org/officeDocument/2006/relationships" xmlns:p="http://schemas.openxmlformats.org/presentationml/2006/main">
+  <p:cSld>
+    <p:spTree>
+      <p:nvGrpSpPr>
+        <p:cNvPr id="1" name=""/>
+        <p:cNvGrpSpPr/>
+        <p:nvPr/>
+      </p:nvGrpSpPr>
+      <p:grpSpPr>
+        <a:xfrm>
+          <a:off x="0" y="0"/>
+          <a:ext cx="0" cy="0"/>
+          <a:chOff x="0" y="0"/>
+          <a:chExt cx="0" cy="0"/>
+        </a:xfrm>
+      </p:grpSpPr>
+      <p:graphicFrame>
+        <p:nvGraphicFramePr>
+          <p:cNvPr id="4" name="표 3"/>
+          <p:cNvGraphicFramePr>
+            <a:graphicFrameLocks noGrp="1"/>
+          </p:cNvGraphicFramePr>
+          <p:nvPr>
+            <p:extLst/>
+          </p:nvPr>
+        </p:nvGraphicFramePr>
+        <p:xfrm>
+          <a:off x="628650" y="2283632"/>
+          <a:ext cx="3078343" cy="2465637"/>
+        </p:xfrm>
+        <a:graphic>
+          <a:graphicData uri="http://schemas.openxmlformats.org/drawingml/2006/table">
+            <a:tbl>
+              <a:tblPr/>
+              <a:tblGrid>
+                <a:gridCol w="511681">
+                  <a:extLst>
+                    <a:ext uri="{9D8B030D-6E8A-4147-A177-3AD203B41FA5}">
+                      <a16:colId xmlns:a16="http://schemas.microsoft.com/office/drawing/2014/main" val="20000"/>
+                    </a:ext>
+                  </a:extLst>
+                </a:gridCol>
+                <a:gridCol w="511681">
+                  <a:extLst>
+                    <a:ext uri="{9D8B030D-6E8A-4147-A177-3AD203B41FA5}">
+                      <a16:colId xmlns:a16="http://schemas.microsoft.com/office/drawing/2014/main" val="20001"/>
+                    </a:ext>
+                  </a:extLst>
+                </a:gridCol>
+                <a:gridCol w="511681">
+                  <a:extLst>
+                    <a:ext uri="{9D8B030D-6E8A-4147-A177-3AD203B41FA5}">
+                      <a16:colId xmlns:a16="http://schemas.microsoft.com/office/drawing/2014/main" val="20002"/>
+                    </a:ext>
+                  </a:extLst>
+                </a:gridCol>
+                <a:gridCol w="606250">
+                  <a:extLst>
+                    <a:ext uri="{9D8B030D-6E8A-4147-A177-3AD203B41FA5}">
+                      <a16:colId xmlns:a16="http://schemas.microsoft.com/office/drawing/2014/main" val="20003"/>
+                    </a:ext>
+                  </a:extLst>
+                </a:gridCol>
+                <a:gridCol w="937050">
+                  <a:extLst>
+                    <a:ext uri="{9D8B030D-6E8A-4147-A177-3AD203B41FA5}">
+                      <a16:colId xmlns:a16="http://schemas.microsoft.com/office/drawing/2014/main" val="20004"/>
+                    </a:ext>
+                  </a:extLst>
+                </a:gridCol>
+              </a:tblGrid>
+              <a:tr h="246317">
+                <a:tc>
+                  <a:txBody>
+                    <a:bodyPr/>
+                    <a:lstStyle/>
+                    <a:p>
+                      <a:pPr marL="0" marR="0" algn="ctr">
+                        <a:lnSpc>
+                          <a:spcPct val="160000"/>
+                        </a:lnSpc>
+                        <a:spcBef>
+                          <a:spcPts val="0"/>
+                        </a:spcBef>
+                        <a:spcAft>
+                          <a:spcPts val="0"/>
+                        </a:spcAft>
+                      </a:pPr>
+                      <a:r>
+                        <a:rPr lang="en-US" sz="900" b="1" dirty="0" err="1">
+                          <a:solidFill>
+                            <a:srgbClr val="000000"/>
+                          </a:solidFill>
+                          <a:effectLst/>
+                          <a:latin typeface="+mn-ea"/>
+                          <a:ea typeface="+mn-ea"/>
+                        </a:rPr>
+                        <a:t>orderid</a:t>
+                      </a:r>
+                      <a:endParaRPr lang="en-US" sz="900" b="1" dirty="0">
+                        <a:solidFill>
+                          <a:srgbClr val="000000"/>
+                        </a:solidFill>
+                        <a:effectLst/>
+                        <a:latin typeface="+mn-ea"/>
+                        <a:ea typeface="+mn-ea"/>
+                      </a:endParaRPr>
+                    </a:p>
+                  </a:txBody>
+                  <a:tcPr marL="48578" marR="48578" marT="13430" marB="13430" anchor="ctr">
+                    <a:lnL w="3556" cap="flat" cmpd="sng" algn="ctr">
+                      <a:solidFill>
+                        <a:srgbClr val="000000"/>
+                      </a:solidFill>
+                      <a:prstDash val="solid"/>
+                      <a:round/>
+                      <a:headEnd type="none" w="med" len="med"/>
+                      <a:tailEnd type="none" w="med" len="med"/>
+                    </a:lnL>
+                    <a:lnR w="3556" cap="flat" cmpd="sng" algn="ctr">
+                      <a:solidFill>
+                        <a:srgbClr val="000000"/>
+                      </a:solidFill>
+                      <a:prstDash val="solid"/>
+                      <a:round/>
+                      <a:headEnd type="none" w="med" len="med"/>
+                      <a:tailEnd type="none" w="med" len="med"/>
+                    </a:lnR>
+                    <a:lnT w="3556" cap="flat" cmpd="sng" algn="ctr">
+                      <a:solidFill>
+                        <a:srgbClr val="000000"/>
+                      </a:solidFill>
+                      <a:prstDash val="solid"/>
+                      <a:round/>
+                      <a:headEnd type="none" w="med" len="med"/>
+                      <a:tailEnd type="none" w="med" len="med"/>
+                    </a:lnT>
+                    <a:lnB w="3556" cap="flat" cmpd="sng" algn="ctr">
+                      <a:solidFill>
+                        <a:srgbClr val="000000"/>
+                      </a:solidFill>
+                      <a:prstDash val="solid"/>
+                      <a:round/>
+                      <a:headEnd type="none" w="med" len="med"/>
+                      <a:tailEnd type="none" w="med" len="med"/>
+                    </a:lnB>
+                    <a:solidFill>
+                      <a:schemeClr val="tx2">
+                        <a:lumMod val="20000"/>
+                        <a:lumOff val="80000"/>
+                      </a:schemeClr>
+                    </a:solidFill>
+                  </a:tcPr>
+                </a:tc>
+                <a:tc>
+                  <a:txBody>
+                    <a:bodyPr/>
+                    <a:lstStyle/>
+                    <a:p>
+                      <a:pPr marL="0" marR="0" algn="ctr">
+                        <a:lnSpc>
+                          <a:spcPct val="160000"/>
+                        </a:lnSpc>
+                        <a:spcBef>
+                          <a:spcPts val="0"/>
+                        </a:spcBef>
+                        <a:spcAft>
+                          <a:spcPts val="0"/>
+                        </a:spcAft>
+                      </a:pPr>
+                      <a:r>
+                        <a:rPr lang="en-US" sz="900" b="1" dirty="0" err="1">
+                          <a:solidFill>
+                            <a:srgbClr val="000000"/>
+                          </a:solidFill>
+                          <a:effectLst/>
+                          <a:latin typeface="+mn-ea"/>
+                          <a:ea typeface="+mn-ea"/>
+                        </a:rPr>
+                        <a:t>custid</a:t>
+                      </a:r>
+                      <a:endParaRPr lang="en-US" sz="900" b="1" dirty="0">
+                        <a:solidFill>
+                          <a:srgbClr val="000000"/>
+                        </a:solidFill>
+                        <a:effectLst/>
+                        <a:latin typeface="+mn-ea"/>
+                        <a:ea typeface="+mn-ea"/>
+                      </a:endParaRPr>
+                    </a:p>
+                  </a:txBody>
+                  <a:tcPr marL="48578" marR="48578" marT="13430" marB="13430" anchor="ctr">
+                    <a:lnL w="3556" cap="flat" cmpd="sng" algn="ctr">
+                      <a:solidFill>
+                        <a:srgbClr val="000000"/>
+                      </a:solidFill>
+                      <a:prstDash val="solid"/>
+                      <a:round/>
+                      <a:headEnd type="none" w="med" len="med"/>
+                      <a:tailEnd type="none" w="med" len="med"/>
+                    </a:lnL>
+                    <a:lnR w="3556" cap="flat" cmpd="sng" algn="ctr">
+                      <a:solidFill>
+                        <a:srgbClr val="000000"/>
+                      </a:solidFill>
+                      <a:prstDash val="solid"/>
+                      <a:round/>
+                      <a:headEnd type="none" w="med" len="med"/>
+                      <a:tailEnd type="none" w="med" len="med"/>
+                    </a:lnR>
+                    <a:lnT w="3556" cap="flat" cmpd="sng" algn="ctr">
+                      <a:solidFill>
+                        <a:srgbClr val="000000"/>
+                      </a:solidFill>
+                      <a:prstDash val="solid"/>
+                      <a:round/>
+                      <a:headEnd type="none" w="med" len="med"/>
+                      <a:tailEnd type="none" w="med" len="med"/>
+                    </a:lnT>
+                    <a:lnB w="3556" cap="flat" cmpd="sng" algn="ctr">
+                      <a:solidFill>
+                        <a:srgbClr val="000000"/>
+                      </a:solidFill>
+                      <a:prstDash val="solid"/>
+                      <a:round/>
+                      <a:headEnd type="none" w="med" len="med"/>
+                      <a:tailEnd type="none" w="med" len="med"/>
+                    </a:lnB>
+                    <a:solidFill>
+                      <a:schemeClr val="tx2">
+                        <a:lumMod val="20000"/>
+                        <a:lumOff val="80000"/>
+                      </a:schemeClr>
+                    </a:solidFill>
+                  </a:tcPr>
+                </a:tc>
+                <a:tc>
+                  <a:txBody>
+                    <a:bodyPr/>
+                    <a:lstStyle/>
+                    <a:p>
+                      <a:pPr marL="0" marR="0" algn="ctr">
+                        <a:lnSpc>
+                          <a:spcPct val="160000"/>
+                        </a:lnSpc>
+                        <a:spcBef>
+                          <a:spcPts val="0"/>
+                        </a:spcBef>
+                        <a:spcAft>
+                          <a:spcPts val="0"/>
+                        </a:spcAft>
+                      </a:pPr>
+                      <a:r>
+                        <a:rPr lang="en-US" sz="900" b="1" dirty="0" err="1">
+                          <a:solidFill>
+                            <a:srgbClr val="000000"/>
+                          </a:solidFill>
+                          <a:effectLst/>
+                          <a:latin typeface="+mn-ea"/>
+                          <a:ea typeface="+mn-ea"/>
+                        </a:rPr>
+                        <a:t>bookid</a:t>
+                      </a:r>
+                      <a:endParaRPr lang="en-US" sz="900" b="1" dirty="0">
+                        <a:solidFill>
+                          <a:srgbClr val="000000"/>
+                        </a:solidFill>
+                        <a:effectLst/>
+                        <a:latin typeface="+mn-ea"/>
+                        <a:ea typeface="+mn-ea"/>
+                      </a:endParaRPr>
+                    </a:p>
+                  </a:txBody>
+                  <a:tcPr marL="48578" marR="48578" marT="13430" marB="13430" anchor="ctr">
+                    <a:lnL w="3556" cap="flat" cmpd="sng" algn="ctr">
+                      <a:solidFill>
+                        <a:srgbClr val="000000"/>
+                      </a:solidFill>
+                      <a:prstDash val="solid"/>
+                      <a:round/>
+                      <a:headEnd type="none" w="med" len="med"/>
+                      <a:tailEnd type="none" w="med" len="med"/>
+                    </a:lnL>
+                    <a:lnR w="3556" cap="flat" cmpd="sng" algn="ctr">
+                      <a:solidFill>
+                        <a:srgbClr val="000000"/>
+                      </a:solidFill>
+                      <a:prstDash val="solid"/>
+                      <a:round/>
+                      <a:headEnd type="none" w="med" len="med"/>
+                      <a:tailEnd type="none" w="med" len="med"/>
+                    </a:lnR>
+                    <a:lnT w="3556" cap="flat" cmpd="sng" algn="ctr">
+                      <a:solidFill>
+                        <a:srgbClr val="000000"/>
+                      </a:solidFill>
+                      <a:prstDash val="solid"/>
+                      <a:round/>
+                      <a:headEnd type="none" w="med" len="med"/>
+                      <a:tailEnd type="none" w="med" len="med"/>
+                    </a:lnT>
+                    <a:lnB w="3556" cap="flat" cmpd="sng" algn="ctr">
+                      <a:solidFill>
+                        <a:srgbClr val="000000"/>
+                      </a:solidFill>
+                      <a:prstDash val="solid"/>
+                      <a:round/>
+                      <a:headEnd type="none" w="med" len="med"/>
+                      <a:tailEnd type="none" w="med" len="med"/>
+                    </a:lnB>
+                    <a:solidFill>
+                      <a:schemeClr val="tx2">
+                        <a:lumMod val="20000"/>
+                        <a:lumOff val="80000"/>
+                      </a:schemeClr>
+                    </a:solidFill>
+                  </a:tcPr>
+                </a:tc>
+                <a:tc>
+                  <a:txBody>
+                    <a:bodyPr/>
+                    <a:lstStyle/>
+                    <a:p>
+                      <a:pPr marL="0" marR="0" algn="ctr">
+                        <a:lnSpc>
+                          <a:spcPct val="160000"/>
+                        </a:lnSpc>
+                        <a:spcBef>
+                          <a:spcPts val="0"/>
+                        </a:spcBef>
+                        <a:spcAft>
+                          <a:spcPts val="0"/>
+                        </a:spcAft>
+                      </a:pPr>
+                      <a:r>
+                        <a:rPr lang="en-US" sz="900" b="1" dirty="0" err="1">
+                          <a:solidFill>
+                            <a:srgbClr val="000000"/>
+                          </a:solidFill>
+                          <a:effectLst/>
+                          <a:latin typeface="+mn-ea"/>
+                          <a:ea typeface="+mn-ea"/>
+                        </a:rPr>
+                        <a:t>saleprice</a:t>
+                      </a:r>
+                      <a:endParaRPr lang="en-US" sz="900" b="1" dirty="0">
+                        <a:solidFill>
+                          <a:srgbClr val="000000"/>
+                        </a:solidFill>
+                        <a:effectLst/>
+                        <a:latin typeface="+mn-ea"/>
+                        <a:ea typeface="+mn-ea"/>
+                      </a:endParaRPr>
+                    </a:p>
+                  </a:txBody>
+                  <a:tcPr marL="48578" marR="48578" marT="13430" marB="13430" anchor="ctr">
+                    <a:lnL w="3556" cap="flat" cmpd="sng" algn="ctr">
+                      <a:solidFill>
+                        <a:srgbClr val="000000"/>
+                      </a:solidFill>
+                      <a:prstDash val="solid"/>
+                      <a:round/>
+                      <a:headEnd type="none" w="med" len="med"/>
+                      <a:tailEnd type="none" w="med" len="med"/>
+                    </a:lnL>
+                    <a:lnR w="3556" cap="flat" cmpd="sng" algn="ctr">
+                      <a:solidFill>
+                        <a:srgbClr val="000000"/>
+                      </a:solidFill>
+                      <a:prstDash val="solid"/>
+                      <a:round/>
+                      <a:headEnd type="none" w="med" len="med"/>
+                      <a:tailEnd type="none" w="med" len="med"/>
+                    </a:lnR>
+                    <a:lnT w="3556" cap="flat" cmpd="sng" algn="ctr">
+                      <a:solidFill>
+                        <a:srgbClr val="000000"/>
+                      </a:solidFill>
+                      <a:prstDash val="solid"/>
+                      <a:round/>
+                      <a:headEnd type="none" w="med" len="med"/>
+                      <a:tailEnd type="none" w="med" len="med"/>
+                    </a:lnT>
+                    <a:lnB w="3556" cap="flat" cmpd="sng" algn="ctr">
+                      <a:solidFill>
+                        <a:srgbClr val="000000"/>
+                      </a:solidFill>
+                      <a:prstDash val="solid"/>
+                      <a:round/>
+                      <a:headEnd type="none" w="med" len="med"/>
+                      <a:tailEnd type="none" w="med" len="med"/>
+                    </a:lnB>
+                    <a:solidFill>
+                      <a:schemeClr val="tx2">
+                        <a:lumMod val="20000"/>
+                        <a:lumOff val="80000"/>
+                      </a:schemeClr>
+                    </a:solidFill>
+                  </a:tcPr>
+                </a:tc>
+                <a:tc>
+                  <a:txBody>
+                    <a:bodyPr/>
+                    <a:lstStyle/>
+                    <a:p>
+                      <a:pPr marL="0" marR="0" algn="ctr">
+                        <a:lnSpc>
+                          <a:spcPct val="160000"/>
+                        </a:lnSpc>
+                        <a:spcBef>
+                          <a:spcPts val="0"/>
+                        </a:spcBef>
+                        <a:spcAft>
+                          <a:spcPts val="0"/>
+                        </a:spcAft>
+                      </a:pPr>
+                      <a:r>
+                        <a:rPr lang="en-US" sz="900" b="1" dirty="0" err="1">
+                          <a:solidFill>
+                            <a:srgbClr val="000000"/>
+                          </a:solidFill>
+                          <a:effectLst/>
+                          <a:latin typeface="+mn-ea"/>
+                          <a:ea typeface="+mn-ea"/>
+                        </a:rPr>
+                        <a:t>orderdate</a:t>
+                      </a:r>
+                      <a:endParaRPr lang="en-US" sz="900" b="1" dirty="0">
+                        <a:solidFill>
+                          <a:srgbClr val="000000"/>
+                        </a:solidFill>
+                        <a:effectLst/>
+                        <a:latin typeface="+mn-ea"/>
+                        <a:ea typeface="+mn-ea"/>
+                      </a:endParaRPr>
+                    </a:p>
+                  </a:txBody>
+                  <a:tcPr marL="48578" marR="48578" marT="13430" marB="13430" anchor="ctr">
+                    <a:lnL w="3556" cap="flat" cmpd="sng" algn="ctr">
+                      <a:solidFill>
+                        <a:srgbClr val="000000"/>
+                      </a:solidFill>
+                      <a:prstDash val="solid"/>
+                      <a:round/>
+                      <a:headEnd type="none" w="med" len="med"/>
+                      <a:tailEnd type="none" w="med" len="med"/>
+                    </a:lnL>
+                    <a:lnR w="3556" cap="flat" cmpd="sng" algn="ctr">
+                      <a:solidFill>
+                        <a:srgbClr val="000000"/>
+                      </a:solidFill>
+                      <a:prstDash val="solid"/>
+                      <a:round/>
+                      <a:headEnd type="none" w="med" len="med"/>
+                      <a:tailEnd type="none" w="med" len="med"/>
+                    </a:lnR>
+                    <a:lnT w="3556" cap="flat" cmpd="sng" algn="ctr">
+                      <a:solidFill>
+                        <a:srgbClr val="000000"/>
+                      </a:solidFill>
+                      <a:prstDash val="solid"/>
+                      <a:round/>
+                      <a:headEnd type="none" w="med" len="med"/>
+                      <a:tailEnd type="none" w="med" len="med"/>
+                    </a:lnT>
+                    <a:lnB w="3556" cap="flat" cmpd="sng" algn="ctr">
+                      <a:solidFill>
+                        <a:srgbClr val="000000"/>
+                      </a:solidFill>
+                      <a:prstDash val="solid"/>
+                      <a:round/>
+                      <a:headEnd type="none" w="med" len="med"/>
+                      <a:tailEnd type="none" w="med" len="med"/>
+                    </a:lnB>
+                    <a:solidFill>
+                      <a:schemeClr val="tx2">
+                        <a:lumMod val="20000"/>
+                        <a:lumOff val="80000"/>
+                      </a:schemeClr>
+                    </a:solidFill>
+                  </a:tcPr>
+                </a:tc>
+                <a:extLst>
+                  <a:ext uri="{0D108BD9-81ED-4DB2-BD59-A6C34878D82A}">
+                    <a16:rowId xmlns:a16="http://schemas.microsoft.com/office/drawing/2014/main" val="10000"/>
+                  </a:ext>
+                </a:extLst>
+              </a:tr>
+              <a:tr h="209741">
+                <a:tc>
+                  <a:txBody>
+                    <a:bodyPr/>
+                    <a:lstStyle/>
+                    <a:p>
+                      <a:pPr marL="0" marR="13970" algn="ctr">
+                        <a:lnSpc>
+                          <a:spcPct val="160000"/>
+                        </a:lnSpc>
+                        <a:spcBef>
+                          <a:spcPts val="0"/>
+                        </a:spcBef>
+                        <a:spcAft>
+                          <a:spcPts val="0"/>
+                        </a:spcAft>
+                      </a:pPr>
+                      <a:r>
+                        <a:rPr lang="en-US" sz="800">
+                          <a:solidFill>
+                            <a:srgbClr val="000000"/>
+                          </a:solidFill>
+                          <a:effectLst/>
+                          <a:latin typeface="+mn-ea"/>
+                          <a:ea typeface="+mn-ea"/>
+                        </a:rPr>
+                        <a:t>1</a:t>
+                      </a:r>
+                    </a:p>
+                  </a:txBody>
+                  <a:tcPr marL="48578" marR="48578" marT="13430" marB="13430" anchor="ctr">
+                    <a:lnL w="3556" cap="flat" cmpd="sng" algn="ctr">
+                      <a:solidFill>
+                        <a:srgbClr val="000000"/>
+                      </a:solidFill>
+                      <a:prstDash val="solid"/>
+                      <a:round/>
+                      <a:headEnd type="none" w="med" len="med"/>
+                      <a:tailEnd type="none" w="med" len="med"/>
+                    </a:lnL>
+                    <a:lnR w="3556" cap="flat" cmpd="sng" algn="ctr">
+                      <a:solidFill>
+                        <a:srgbClr val="000000"/>
+                      </a:solidFill>
+                      <a:prstDash val="solid"/>
+                      <a:round/>
+                      <a:headEnd type="none" w="med" len="med"/>
+                      <a:tailEnd type="none" w="med" len="med"/>
+                    </a:lnR>
+                    <a:lnT w="3556" cap="flat" cmpd="sng" algn="ctr">
+                      <a:solidFill>
+                        <a:srgbClr val="000000"/>
+                      </a:solidFill>
+                      <a:prstDash val="solid"/>
+                      <a:round/>
+                      <a:headEnd type="none" w="med" len="med"/>
+                      <a:tailEnd type="none" w="med" len="med"/>
+                    </a:lnT>
+                    <a:lnB w="3556" cap="flat" cmpd="sng" algn="ctr">
+                      <a:solidFill>
+                        <a:srgbClr val="000000"/>
+                      </a:solidFill>
+                      <a:prstDash val="solid"/>
+                      <a:round/>
+                      <a:headEnd type="none" w="med" len="med"/>
+                      <a:tailEnd type="none" w="med" len="med"/>
+                    </a:lnB>
+                  </a:tcPr>
+                </a:tc>
+                <a:tc>
+                  <a:txBody>
+                    <a:bodyPr/>
+                    <a:lstStyle/>
+                    <a:p>
+                      <a:pPr marL="0" marR="13970" algn="ctr">
+                        <a:lnSpc>
+                          <a:spcPct val="160000"/>
+                        </a:lnSpc>
+                        <a:spcBef>
+                          <a:spcPts val="0"/>
+                        </a:spcBef>
+                        <a:spcAft>
+                          <a:spcPts val="0"/>
+                        </a:spcAft>
+                      </a:pPr>
+                      <a:r>
+                        <a:rPr lang="en-US" sz="800" dirty="0">
+                          <a:solidFill>
+                            <a:srgbClr val="000000"/>
+                          </a:solidFill>
+                          <a:effectLst/>
+                          <a:latin typeface="+mn-ea"/>
+                          <a:ea typeface="+mn-ea"/>
+                        </a:rPr>
+                        <a:t>1</a:t>
+                      </a:r>
+                    </a:p>
+                  </a:txBody>
+                  <a:tcPr marL="48578" marR="48578" marT="13430" marB="13430" anchor="ctr">
+                    <a:lnL w="3556" cap="flat" cmpd="sng" algn="ctr">
+                      <a:solidFill>
+                        <a:srgbClr val="000000"/>
+                      </a:solidFill>
+                      <a:prstDash val="solid"/>
+                      <a:round/>
+                      <a:headEnd type="none" w="med" len="med"/>
+                      <a:tailEnd type="none" w="med" len="med"/>
+                    </a:lnL>
+                    <a:lnR w="3556" cap="flat" cmpd="sng" algn="ctr">
+                      <a:solidFill>
+                        <a:srgbClr val="000000"/>
+                      </a:solidFill>
+                      <a:prstDash val="solid"/>
+                      <a:round/>
+                      <a:headEnd type="none" w="med" len="med"/>
+                      <a:tailEnd type="none" w="med" len="med"/>
+                    </a:lnR>
+                    <a:lnT w="3556" cap="flat" cmpd="sng" algn="ctr">
+                      <a:solidFill>
+                        <a:srgbClr val="000000"/>
+                      </a:solidFill>
+                      <a:prstDash val="solid"/>
+                      <a:round/>
+                      <a:headEnd type="none" w="med" len="med"/>
+                      <a:tailEnd type="none" w="med" len="med"/>
+                    </a:lnT>
+                    <a:lnB w="3556" cap="flat" cmpd="sng" algn="ctr">
+                      <a:solidFill>
+                        <a:srgbClr val="000000"/>
+                      </a:solidFill>
+                      <a:prstDash val="solid"/>
+                      <a:round/>
+                      <a:headEnd type="none" w="med" len="med"/>
+                      <a:tailEnd type="none" w="med" len="med"/>
+                    </a:lnB>
+                  </a:tcPr>
+                </a:tc>
+                <a:tc>
+                  <a:txBody>
+                    <a:bodyPr/>
+                    <a:lstStyle/>
+                    <a:p>
+                      <a:pPr marL="0" marR="13970" algn="ctr">
+                        <a:lnSpc>
+                          <a:spcPct val="160000"/>
+                        </a:lnSpc>
+                        <a:spcBef>
+                          <a:spcPts val="0"/>
+                        </a:spcBef>
+                        <a:spcAft>
+                          <a:spcPts val="0"/>
+                        </a:spcAft>
+                      </a:pPr>
+                      <a:r>
+                        <a:rPr lang="en-US" sz="800" dirty="0">
+                          <a:solidFill>
+                            <a:srgbClr val="000000"/>
+                          </a:solidFill>
+                          <a:effectLst/>
+                          <a:latin typeface="+mn-ea"/>
+                          <a:ea typeface="+mn-ea"/>
+                        </a:rPr>
+                        <a:t>1</a:t>
+                      </a:r>
+                    </a:p>
+                  </a:txBody>
+                  <a:tcPr marL="48578" marR="48578" marT="13430" marB="13430" anchor="ctr">
+                    <a:lnL w="3556" cap="flat" cmpd="sng" algn="ctr">
+                      <a:solidFill>
+                        <a:srgbClr val="000000"/>
+                      </a:solidFill>
+                      <a:prstDash val="solid"/>
+                      <a:round/>
+                      <a:headEnd type="none" w="med" len="med"/>
+                      <a:tailEnd type="none" w="med" len="med"/>
+                    </a:lnL>
+                    <a:lnR w="3556" cap="flat" cmpd="sng" algn="ctr">
+                      <a:solidFill>
+                        <a:srgbClr val="000000"/>
+                      </a:solidFill>
+                      <a:prstDash val="solid"/>
+                      <a:round/>
+                      <a:headEnd type="none" w="med" len="med"/>
+                      <a:tailEnd type="none" w="med" len="med"/>
+                    </a:lnR>
+                    <a:lnT w="3556" cap="flat" cmpd="sng" algn="ctr">
+                      <a:solidFill>
+                        <a:srgbClr val="000000"/>
+                      </a:solidFill>
+                      <a:prstDash val="solid"/>
+                      <a:round/>
+                      <a:headEnd type="none" w="med" len="med"/>
+                      <a:tailEnd type="none" w="med" len="med"/>
+                    </a:lnT>
+                    <a:lnB w="3556" cap="flat" cmpd="sng" algn="ctr">
+                      <a:solidFill>
+                        <a:srgbClr val="000000"/>
+                      </a:solidFill>
+                      <a:prstDash val="solid"/>
+                      <a:round/>
+                      <a:headEnd type="none" w="med" len="med"/>
+                      <a:tailEnd type="none" w="med" len="med"/>
+                    </a:lnB>
+                  </a:tcPr>
+                </a:tc>
+                <a:tc>
+                  <a:txBody>
+                    <a:bodyPr/>
+                    <a:lstStyle/>
+                    <a:p>
+                      <a:pPr marL="0" marR="13970" algn="r">
+                        <a:lnSpc>
+                          <a:spcPct val="160000"/>
+                        </a:lnSpc>
+                        <a:spcBef>
+                          <a:spcPts val="0"/>
+                        </a:spcBef>
+                        <a:spcAft>
+                          <a:spcPts val="0"/>
+                        </a:spcAft>
+                      </a:pPr>
+                      <a:r>
+                        <a:rPr lang="en-US" sz="800" dirty="0">
+                          <a:solidFill>
+                            <a:srgbClr val="000000"/>
+                          </a:solidFill>
+                          <a:effectLst/>
+                          <a:latin typeface="+mn-ea"/>
+                          <a:ea typeface="+mn-ea"/>
+                        </a:rPr>
+                        <a:t>6000</a:t>
+                      </a:r>
+                    </a:p>
+                  </a:txBody>
+                  <a:tcPr marL="48578" marR="48578" marT="13430" marB="13430" anchor="ctr">
+                    <a:lnL w="3556" cap="flat" cmpd="sng" algn="ctr">
+                      <a:solidFill>
+                        <a:srgbClr val="000000"/>
+                      </a:solidFill>
+                      <a:prstDash val="solid"/>
+                      <a:round/>
+                      <a:headEnd type="none" w="med" len="med"/>
+                      <a:tailEnd type="none" w="med" len="med"/>
+                    </a:lnL>
+                    <a:lnR w="3556" cap="flat" cmpd="sng" algn="ctr">
+                      <a:solidFill>
+                        <a:srgbClr val="000000"/>
+                      </a:solidFill>
+                      <a:prstDash val="solid"/>
+                      <a:round/>
+                      <a:headEnd type="none" w="med" len="med"/>
+                      <a:tailEnd type="none" w="med" len="med"/>
+                    </a:lnR>
+                    <a:lnT w="3556" cap="flat" cmpd="sng" algn="ctr">
+                      <a:solidFill>
+                        <a:srgbClr val="000000"/>
+                      </a:solidFill>
+                      <a:prstDash val="solid"/>
+                      <a:round/>
+                      <a:headEnd type="none" w="med" len="med"/>
+                      <a:tailEnd type="none" w="med" len="med"/>
+                    </a:lnT>
+                    <a:lnB w="3556" cap="flat" cmpd="sng" algn="ctr">
+                      <a:solidFill>
+                        <a:srgbClr val="000000"/>
+                      </a:solidFill>
+                      <a:prstDash val="solid"/>
+                      <a:round/>
+                      <a:headEnd type="none" w="med" len="med"/>
+                      <a:tailEnd type="none" w="med" len="med"/>
+                    </a:lnB>
+                  </a:tcPr>
+                </a:tc>
+                <a:tc>
+                  <a:txBody>
+                    <a:bodyPr/>
+                    <a:lstStyle/>
+                    <a:p>
+                      <a:pPr marL="0" marR="13970" algn="ctr">
+                        <a:lnSpc>
+                          <a:spcPct val="160000"/>
+                        </a:lnSpc>
+                        <a:spcBef>
+                          <a:spcPts val="0"/>
+                        </a:spcBef>
+                        <a:spcAft>
+                          <a:spcPts val="0"/>
+                        </a:spcAft>
+                      </a:pPr>
+                      <a:r>
+                        <a:rPr lang="en-US" sz="800" dirty="0" smtClean="0">
+                          <a:solidFill>
+                            <a:srgbClr val="000000"/>
+                          </a:solidFill>
+                          <a:effectLst/>
+                          <a:latin typeface="+mn-ea"/>
+                          <a:ea typeface="+mn-ea"/>
+                        </a:rPr>
+                        <a:t>2014-07-01</a:t>
+                      </a:r>
+                      <a:endParaRPr lang="en-US" sz="800" dirty="0">
+                        <a:solidFill>
+                          <a:srgbClr val="000000"/>
+                        </a:solidFill>
+                        <a:effectLst/>
+                        <a:latin typeface="+mn-ea"/>
+                        <a:ea typeface="+mn-ea"/>
+                      </a:endParaRPr>
+                    </a:p>
+                  </a:txBody>
+                  <a:tcPr marL="48578" marR="48578" marT="13430" marB="13430" anchor="ctr">
+                    <a:lnL w="3556" cap="flat" cmpd="sng" algn="ctr">
+                      <a:solidFill>
+                        <a:srgbClr val="000000"/>
+                      </a:solidFill>
+                      <a:prstDash val="solid"/>
+                      <a:round/>
+                      <a:headEnd type="none" w="med" len="med"/>
+                      <a:tailEnd type="none" w="med" len="med"/>
+                    </a:lnL>
+                    <a:lnR w="3556" cap="flat" cmpd="sng" algn="ctr">
+                      <a:solidFill>
+                        <a:srgbClr val="000000"/>
+                      </a:solidFill>
+                      <a:prstDash val="solid"/>
+                      <a:round/>
+                      <a:headEnd type="none" w="med" len="med"/>
+                      <a:tailEnd type="none" w="med" len="med"/>
+                    </a:lnR>
+                    <a:lnT w="3556" cap="flat" cmpd="sng" algn="ctr">
+                      <a:solidFill>
+                        <a:srgbClr val="000000"/>
+                      </a:solidFill>
+                      <a:prstDash val="solid"/>
+                      <a:round/>
+                      <a:headEnd type="none" w="med" len="med"/>
+                      <a:tailEnd type="none" w="med" len="med"/>
+                    </a:lnT>
+                    <a:lnB w="3556" cap="flat" cmpd="sng" algn="ctr">
+                      <a:solidFill>
+                        <a:srgbClr val="000000"/>
+                      </a:solidFill>
+                      <a:prstDash val="solid"/>
+                      <a:round/>
+                      <a:headEnd type="none" w="med" len="med"/>
+                      <a:tailEnd type="none" w="med" len="med"/>
+                    </a:lnB>
+                  </a:tcPr>
+                </a:tc>
+                <a:extLst>
+                  <a:ext uri="{0D108BD9-81ED-4DB2-BD59-A6C34878D82A}">
+                    <a16:rowId xmlns:a16="http://schemas.microsoft.com/office/drawing/2014/main" val="10001"/>
+                  </a:ext>
+                </a:extLst>
+              </a:tr>
+              <a:tr h="209741">
+                <a:tc>
+                  <a:txBody>
+                    <a:bodyPr/>
+                    <a:lstStyle/>
+                    <a:p>
+                      <a:pPr marL="0" marR="13970" algn="ctr">
+                        <a:lnSpc>
+                          <a:spcPct val="160000"/>
+                        </a:lnSpc>
+                        <a:spcBef>
+                          <a:spcPts val="0"/>
+                        </a:spcBef>
+                        <a:spcAft>
+                          <a:spcPts val="0"/>
+                        </a:spcAft>
+                      </a:pPr>
+                      <a:r>
+                        <a:rPr lang="en-US" sz="800">
+                          <a:solidFill>
+                            <a:srgbClr val="000000"/>
+                          </a:solidFill>
+                          <a:effectLst/>
+                          <a:latin typeface="+mn-ea"/>
+                          <a:ea typeface="+mn-ea"/>
+                        </a:rPr>
+                        <a:t>2</a:t>
+                      </a:r>
+                    </a:p>
+                  </a:txBody>
+                  <a:tcPr marL="48578" marR="48578" marT="13430" marB="13430" anchor="ctr">
+                    <a:lnL w="3556" cap="flat" cmpd="sng" algn="ctr">
+                      <a:solidFill>
+                        <a:srgbClr val="000000"/>
+                      </a:solidFill>
+                      <a:prstDash val="solid"/>
+                      <a:round/>
+                      <a:headEnd type="none" w="med" len="med"/>
+                      <a:tailEnd type="none" w="med" len="med"/>
+                    </a:lnL>
+                    <a:lnR w="3556" cap="flat" cmpd="sng" algn="ctr">
+                      <a:solidFill>
+                        <a:srgbClr val="000000"/>
+                      </a:solidFill>
+                      <a:prstDash val="solid"/>
+                      <a:round/>
+                      <a:headEnd type="none" w="med" len="med"/>
+                      <a:tailEnd type="none" w="med" len="med"/>
+                    </a:lnR>
+                    <a:lnT w="3556" cap="flat" cmpd="sng" algn="ctr">
+                      <a:solidFill>
+                        <a:srgbClr val="000000"/>
+                      </a:solidFill>
+                      <a:prstDash val="solid"/>
+                      <a:round/>
+                      <a:headEnd type="none" w="med" len="med"/>
+                      <a:tailEnd type="none" w="med" len="med"/>
+                    </a:lnT>
+                    <a:lnB w="3556" cap="flat" cmpd="sng" algn="ctr">
+                      <a:solidFill>
+                        <a:srgbClr val="000000"/>
+                      </a:solidFill>
+                      <a:prstDash val="solid"/>
+                      <a:round/>
+                      <a:headEnd type="none" w="med" len="med"/>
+                      <a:tailEnd type="none" w="med" len="med"/>
+                    </a:lnB>
+                  </a:tcPr>
+                </a:tc>
+                <a:tc>
+                  <a:txBody>
+                    <a:bodyPr/>
+                    <a:lstStyle/>
+                    <a:p>
+                      <a:pPr marL="0" marR="13970" algn="ctr">
+                        <a:lnSpc>
+                          <a:spcPct val="160000"/>
+                        </a:lnSpc>
+                        <a:spcBef>
+                          <a:spcPts val="0"/>
+                        </a:spcBef>
+                        <a:spcAft>
+                          <a:spcPts val="0"/>
+                        </a:spcAft>
+                      </a:pPr>
+                      <a:r>
+                        <a:rPr lang="en-US" sz="800">
+                          <a:solidFill>
+                            <a:srgbClr val="000000"/>
+                          </a:solidFill>
+                          <a:effectLst/>
+                          <a:latin typeface="+mn-ea"/>
+                          <a:ea typeface="+mn-ea"/>
+                        </a:rPr>
+                        <a:t>1</a:t>
+                      </a:r>
+                    </a:p>
+                  </a:txBody>
+                  <a:tcPr marL="48578" marR="48578" marT="13430" marB="13430" anchor="ctr">
+                    <a:lnL w="3556" cap="flat" cmpd="sng" algn="ctr">
+                      <a:solidFill>
+                        <a:srgbClr val="000000"/>
+                      </a:solidFill>
+                      <a:prstDash val="solid"/>
+                      <a:round/>
+                      <a:headEnd type="none" w="med" len="med"/>
+                      <a:tailEnd type="none" w="med" len="med"/>
+                    </a:lnL>
+                    <a:lnR w="3556" cap="flat" cmpd="sng" algn="ctr">
+                      <a:solidFill>
+                        <a:srgbClr val="000000"/>
+                      </a:solidFill>
+                      <a:prstDash val="solid"/>
+                      <a:round/>
+                      <a:headEnd type="none" w="med" len="med"/>
+                      <a:tailEnd type="none" w="med" len="med"/>
+                    </a:lnR>
+                    <a:lnT w="3556" cap="flat" cmpd="sng" algn="ctr">
+                      <a:solidFill>
+                        <a:srgbClr val="000000"/>
+                      </a:solidFill>
+                      <a:prstDash val="solid"/>
+                      <a:round/>
+                      <a:headEnd type="none" w="med" len="med"/>
+                      <a:tailEnd type="none" w="med" len="med"/>
+                    </a:lnT>
+                    <a:lnB w="3556" cap="flat" cmpd="sng" algn="ctr">
+                      <a:solidFill>
+                        <a:srgbClr val="000000"/>
+                      </a:solidFill>
+                      <a:prstDash val="solid"/>
+                      <a:round/>
+                      <a:headEnd type="none" w="med" len="med"/>
+                      <a:tailEnd type="none" w="med" len="med"/>
+                    </a:lnB>
+                  </a:tcPr>
+                </a:tc>
+                <a:tc>
+                  <a:txBody>
+                    <a:bodyPr/>
+                    <a:lstStyle/>
+                    <a:p>
+                      <a:pPr marL="0" marR="13970" algn="ctr">
+                        <a:lnSpc>
+                          <a:spcPct val="160000"/>
+                        </a:lnSpc>
+                        <a:spcBef>
+                          <a:spcPts val="0"/>
+                        </a:spcBef>
+                        <a:spcAft>
+                          <a:spcPts val="0"/>
+                        </a:spcAft>
+                      </a:pPr>
+                      <a:r>
+                        <a:rPr lang="en-US" sz="800" dirty="0">
+                          <a:solidFill>
+                            <a:srgbClr val="000000"/>
+                          </a:solidFill>
+                          <a:effectLst/>
+                          <a:latin typeface="+mn-ea"/>
+                          <a:ea typeface="+mn-ea"/>
+                        </a:rPr>
+                        <a:t>3</a:t>
+                      </a:r>
+                    </a:p>
+                  </a:txBody>
+                  <a:tcPr marL="48578" marR="48578" marT="13430" marB="13430" anchor="ctr">
+                    <a:lnL w="3556" cap="flat" cmpd="sng" algn="ctr">
+                      <a:solidFill>
+                        <a:srgbClr val="000000"/>
+                      </a:solidFill>
+                      <a:prstDash val="solid"/>
+                      <a:round/>
+                      <a:headEnd type="none" w="med" len="med"/>
+                      <a:tailEnd type="none" w="med" len="med"/>
+                    </a:lnL>
+                    <a:lnR w="3556" cap="flat" cmpd="sng" algn="ctr">
+                      <a:solidFill>
+                        <a:srgbClr val="000000"/>
+                      </a:solidFill>
+                      <a:prstDash val="solid"/>
+                      <a:round/>
+                      <a:headEnd type="none" w="med" len="med"/>
+                      <a:tailEnd type="none" w="med" len="med"/>
+                    </a:lnR>
+                    <a:lnT w="3556" cap="flat" cmpd="sng" algn="ctr">
+                      <a:solidFill>
+                        <a:srgbClr val="000000"/>
+                      </a:solidFill>
+                      <a:prstDash val="solid"/>
+                      <a:round/>
+                      <a:headEnd type="none" w="med" len="med"/>
+                      <a:tailEnd type="none" w="med" len="med"/>
+                    </a:lnT>
+                    <a:lnB w="3556" cap="flat" cmpd="sng" algn="ctr">
+                      <a:solidFill>
+                        <a:srgbClr val="000000"/>
+                      </a:solidFill>
+                      <a:prstDash val="solid"/>
+                      <a:round/>
+                      <a:headEnd type="none" w="med" len="med"/>
+                      <a:tailEnd type="none" w="med" len="med"/>
+                    </a:lnB>
+                  </a:tcPr>
+                </a:tc>
+                <a:tc>
+                  <a:txBody>
+                    <a:bodyPr/>
+                    <a:lstStyle/>
+                    <a:p>
+                      <a:pPr marL="0" marR="13970" algn="r">
+                        <a:lnSpc>
+                          <a:spcPct val="160000"/>
+                        </a:lnSpc>
+                        <a:spcBef>
+                          <a:spcPts val="0"/>
+                        </a:spcBef>
+                        <a:spcAft>
+                          <a:spcPts val="0"/>
+                        </a:spcAft>
+                      </a:pPr>
+                      <a:r>
+                        <a:rPr lang="en-US" sz="800" dirty="0">
+                          <a:solidFill>
+                            <a:srgbClr val="000000"/>
+                          </a:solidFill>
+                          <a:effectLst/>
+                          <a:latin typeface="+mn-ea"/>
+                          <a:ea typeface="+mn-ea"/>
+                        </a:rPr>
+                        <a:t>21000</a:t>
+                      </a:r>
+                    </a:p>
+                  </a:txBody>
+                  <a:tcPr marL="48578" marR="48578" marT="13430" marB="13430" anchor="ctr">
+                    <a:lnL w="3556" cap="flat" cmpd="sng" algn="ctr">
+                      <a:solidFill>
+                        <a:srgbClr val="000000"/>
+                      </a:solidFill>
+                      <a:prstDash val="solid"/>
+                      <a:round/>
+                      <a:headEnd type="none" w="med" len="med"/>
+                      <a:tailEnd type="none" w="med" len="med"/>
+                    </a:lnL>
+                    <a:lnR w="3556" cap="flat" cmpd="sng" algn="ctr">
+                      <a:solidFill>
+                        <a:srgbClr val="000000"/>
+                      </a:solidFill>
+                      <a:prstDash val="solid"/>
+                      <a:round/>
+                      <a:headEnd type="none" w="med" len="med"/>
+                      <a:tailEnd type="none" w="med" len="med"/>
+                    </a:lnR>
+                    <a:lnT w="3556" cap="flat" cmpd="sng" algn="ctr">
+                      <a:solidFill>
+                        <a:srgbClr val="000000"/>
+                      </a:solidFill>
+                      <a:prstDash val="solid"/>
+                      <a:round/>
+                      <a:headEnd type="none" w="med" len="med"/>
+                      <a:tailEnd type="none" w="med" len="med"/>
+                    </a:lnT>
+                    <a:lnB w="3556" cap="flat" cmpd="sng" algn="ctr">
+                      <a:solidFill>
+                        <a:srgbClr val="000000"/>
+                      </a:solidFill>
+                      <a:prstDash val="solid"/>
+                      <a:round/>
+                      <a:headEnd type="none" w="med" len="med"/>
+                      <a:tailEnd type="none" w="med" len="med"/>
+                    </a:lnB>
+                  </a:tcPr>
+                </a:tc>
+                <a:tc>
+                  <a:txBody>
+                    <a:bodyPr/>
+                    <a:lstStyle/>
+                    <a:p>
+                      <a:pPr marL="0" marR="13970" algn="ctr">
+                        <a:lnSpc>
+                          <a:spcPct val="160000"/>
+                        </a:lnSpc>
+                        <a:spcBef>
+                          <a:spcPts val="0"/>
+                        </a:spcBef>
+                        <a:spcAft>
+                          <a:spcPts val="0"/>
+                        </a:spcAft>
+                      </a:pPr>
+                      <a:r>
+                        <a:rPr lang="en-US" sz="800" dirty="0" smtClean="0">
+                          <a:solidFill>
+                            <a:srgbClr val="000000"/>
+                          </a:solidFill>
+                          <a:effectLst/>
+                          <a:latin typeface="+mn-ea"/>
+                          <a:ea typeface="+mn-ea"/>
+                        </a:rPr>
+                        <a:t>2014-07-03</a:t>
+                      </a:r>
+                      <a:endParaRPr lang="en-US" sz="800" dirty="0">
+                        <a:solidFill>
+                          <a:srgbClr val="000000"/>
+                        </a:solidFill>
+                        <a:effectLst/>
+                        <a:latin typeface="+mn-ea"/>
+                        <a:ea typeface="+mn-ea"/>
+                      </a:endParaRPr>
+                    </a:p>
+                  </a:txBody>
+                  <a:tcPr marL="48578" marR="48578" marT="13430" marB="13430" anchor="ctr">
+                    <a:lnL w="3556" cap="flat" cmpd="sng" algn="ctr">
+                      <a:solidFill>
+                        <a:srgbClr val="000000"/>
+                      </a:solidFill>
+                      <a:prstDash val="solid"/>
+                      <a:round/>
+                      <a:headEnd type="none" w="med" len="med"/>
+                      <a:tailEnd type="none" w="med" len="med"/>
+                    </a:lnL>
+                    <a:lnR w="3556" cap="flat" cmpd="sng" algn="ctr">
+                      <a:solidFill>
+                        <a:srgbClr val="000000"/>
+                      </a:solidFill>
+                      <a:prstDash val="solid"/>
+                      <a:round/>
+                      <a:headEnd type="none" w="med" len="med"/>
+                      <a:tailEnd type="none" w="med" len="med"/>
+                    </a:lnR>
+                    <a:lnT w="3556" cap="flat" cmpd="sng" algn="ctr">
+                      <a:solidFill>
+                        <a:srgbClr val="000000"/>
+                      </a:solidFill>
+                      <a:prstDash val="solid"/>
+                      <a:round/>
+                      <a:headEnd type="none" w="med" len="med"/>
+                      <a:tailEnd type="none" w="med" len="med"/>
+                    </a:lnT>
+                    <a:lnB w="3556" cap="flat" cmpd="sng" algn="ctr">
+                      <a:solidFill>
+                        <a:srgbClr val="000000"/>
+                      </a:solidFill>
+                      <a:prstDash val="solid"/>
+                      <a:round/>
+                      <a:headEnd type="none" w="med" len="med"/>
+                      <a:tailEnd type="none" w="med" len="med"/>
+                    </a:lnB>
+                  </a:tcPr>
+                </a:tc>
+                <a:extLst>
+                  <a:ext uri="{0D108BD9-81ED-4DB2-BD59-A6C34878D82A}">
+                    <a16:rowId xmlns:a16="http://schemas.microsoft.com/office/drawing/2014/main" val="10002"/>
+                  </a:ext>
+                </a:extLst>
+              </a:tr>
+              <a:tr h="209741">
+                <a:tc>
+                  <a:txBody>
+                    <a:bodyPr/>
+                    <a:lstStyle/>
+                    <a:p>
+                      <a:pPr marL="0" marR="13970" algn="ctr">
+                        <a:lnSpc>
+                          <a:spcPct val="160000"/>
+                        </a:lnSpc>
+                        <a:spcBef>
+                          <a:spcPts val="0"/>
+                        </a:spcBef>
+                        <a:spcAft>
+                          <a:spcPts val="0"/>
+                        </a:spcAft>
+                      </a:pPr>
+                      <a:r>
+                        <a:rPr lang="en-US" sz="800">
+                          <a:solidFill>
+                            <a:srgbClr val="000000"/>
+                          </a:solidFill>
+                          <a:effectLst/>
+                          <a:latin typeface="+mn-ea"/>
+                          <a:ea typeface="+mn-ea"/>
+                        </a:rPr>
+                        <a:t>3</a:t>
+                      </a:r>
+                    </a:p>
+                  </a:txBody>
+                  <a:tcPr marL="48578" marR="48578" marT="13430" marB="13430" anchor="ctr">
+                    <a:lnL w="3556" cap="flat" cmpd="sng" algn="ctr">
+                      <a:solidFill>
+                        <a:srgbClr val="000000"/>
+                      </a:solidFill>
+                      <a:prstDash val="solid"/>
+                      <a:round/>
+                      <a:headEnd type="none" w="med" len="med"/>
+                      <a:tailEnd type="none" w="med" len="med"/>
+                    </a:lnL>
+                    <a:lnR w="3556" cap="flat" cmpd="sng" algn="ctr">
+                      <a:solidFill>
+                        <a:srgbClr val="000000"/>
+                      </a:solidFill>
+                      <a:prstDash val="solid"/>
+                      <a:round/>
+                      <a:headEnd type="none" w="med" len="med"/>
+                      <a:tailEnd type="none" w="med" len="med"/>
+                    </a:lnR>
+                    <a:lnT w="3556" cap="flat" cmpd="sng" algn="ctr">
+                      <a:solidFill>
+                        <a:srgbClr val="000000"/>
+                      </a:solidFill>
+                      <a:prstDash val="solid"/>
+                      <a:round/>
+                      <a:headEnd type="none" w="med" len="med"/>
+                      <a:tailEnd type="none" w="med" len="med"/>
+                    </a:lnT>
+                    <a:lnB w="3556" cap="flat" cmpd="sng" algn="ctr">
+                      <a:solidFill>
+                        <a:srgbClr val="000000"/>
+                      </a:solidFill>
+                      <a:prstDash val="solid"/>
+                      <a:round/>
+                      <a:headEnd type="none" w="med" len="med"/>
+                      <a:tailEnd type="none" w="med" len="med"/>
+                    </a:lnB>
+                  </a:tcPr>
+                </a:tc>
+                <a:tc>
+                  <a:txBody>
+                    <a:bodyPr/>
+                    <a:lstStyle/>
+                    <a:p>
+                      <a:pPr marL="0" marR="13970" algn="ctr">
+                        <a:lnSpc>
+                          <a:spcPct val="160000"/>
+                        </a:lnSpc>
+                        <a:spcBef>
+                          <a:spcPts val="0"/>
+                        </a:spcBef>
+                        <a:spcAft>
+                          <a:spcPts val="0"/>
+                        </a:spcAft>
+                      </a:pPr>
+                      <a:r>
+                        <a:rPr lang="en-US" sz="800">
+                          <a:solidFill>
+                            <a:srgbClr val="000000"/>
+                          </a:solidFill>
+                          <a:effectLst/>
+                          <a:latin typeface="+mn-ea"/>
+                          <a:ea typeface="+mn-ea"/>
+                        </a:rPr>
+                        <a:t>2</a:t>
+                      </a:r>
+                    </a:p>
+                  </a:txBody>
+                  <a:tcPr marL="48578" marR="48578" marT="13430" marB="13430" anchor="ctr">
+                    <a:lnL w="3556" cap="flat" cmpd="sng" algn="ctr">
+                      <a:solidFill>
+                        <a:srgbClr val="000000"/>
+                      </a:solidFill>
+                      <a:prstDash val="solid"/>
+                      <a:round/>
+                      <a:headEnd type="none" w="med" len="med"/>
+                      <a:tailEnd type="none" w="med" len="med"/>
+                    </a:lnL>
+                    <a:lnR w="3556" cap="flat" cmpd="sng" algn="ctr">
+                      <a:solidFill>
+                        <a:srgbClr val="000000"/>
+                      </a:solidFill>
+                      <a:prstDash val="solid"/>
+                      <a:round/>
+                      <a:headEnd type="none" w="med" len="med"/>
+                      <a:tailEnd type="none" w="med" len="med"/>
+                    </a:lnR>
+                    <a:lnT w="3556" cap="flat" cmpd="sng" algn="ctr">
+                      <a:solidFill>
+                        <a:srgbClr val="000000"/>
+                      </a:solidFill>
+                      <a:prstDash val="solid"/>
+                      <a:round/>
+                      <a:headEnd type="none" w="med" len="med"/>
+                      <a:tailEnd type="none" w="med" len="med"/>
+                    </a:lnT>
+                    <a:lnB w="3556" cap="flat" cmpd="sng" algn="ctr">
+                      <a:solidFill>
+                        <a:srgbClr val="000000"/>
+                      </a:solidFill>
+                      <a:prstDash val="solid"/>
+                      <a:round/>
+                      <a:headEnd type="none" w="med" len="med"/>
+                      <a:tailEnd type="none" w="med" len="med"/>
+                    </a:lnB>
+                  </a:tcPr>
+                </a:tc>
+                <a:tc>
+                  <a:txBody>
+                    <a:bodyPr/>
+                    <a:lstStyle/>
+                    <a:p>
+                      <a:pPr marL="0" marR="13970" algn="ctr">
+                        <a:lnSpc>
+                          <a:spcPct val="160000"/>
+                        </a:lnSpc>
+                        <a:spcBef>
+                          <a:spcPts val="0"/>
+                        </a:spcBef>
+                        <a:spcAft>
+                          <a:spcPts val="0"/>
+                        </a:spcAft>
+                      </a:pPr>
+                      <a:r>
+                        <a:rPr lang="en-US" sz="800" dirty="0">
+                          <a:solidFill>
+                            <a:srgbClr val="000000"/>
+                          </a:solidFill>
+                          <a:effectLst/>
+                          <a:latin typeface="+mn-ea"/>
+                          <a:ea typeface="+mn-ea"/>
+                        </a:rPr>
+                        <a:t>5</a:t>
+                      </a:r>
+                    </a:p>
+                  </a:txBody>
+                  <a:tcPr marL="48578" marR="48578" marT="13430" marB="13430" anchor="ctr">
+                    <a:lnL w="3556" cap="flat" cmpd="sng" algn="ctr">
+                      <a:solidFill>
+                        <a:srgbClr val="000000"/>
+                      </a:solidFill>
+                      <a:prstDash val="solid"/>
+                      <a:round/>
+                      <a:headEnd type="none" w="med" len="med"/>
+                      <a:tailEnd type="none" w="med" len="med"/>
+                    </a:lnL>
+                    <a:lnR w="3556" cap="flat" cmpd="sng" algn="ctr">
+                      <a:solidFill>
+                        <a:srgbClr val="000000"/>
+                      </a:solidFill>
+                      <a:prstDash val="solid"/>
+                      <a:round/>
+                      <a:headEnd type="none" w="med" len="med"/>
+                      <a:tailEnd type="none" w="med" len="med"/>
+                    </a:lnR>
+                    <a:lnT w="3556" cap="flat" cmpd="sng" algn="ctr">
+                      <a:solidFill>
+                        <a:srgbClr val="000000"/>
+                      </a:solidFill>
+                      <a:prstDash val="solid"/>
+                      <a:round/>
+                      <a:headEnd type="none" w="med" len="med"/>
+                      <a:tailEnd type="none" w="med" len="med"/>
+                    </a:lnT>
+                    <a:lnB w="3556" cap="flat" cmpd="sng" algn="ctr">
+                      <a:solidFill>
+                        <a:srgbClr val="000000"/>
+                      </a:solidFill>
+                      <a:prstDash val="solid"/>
+                      <a:round/>
+                      <a:headEnd type="none" w="med" len="med"/>
+                      <a:tailEnd type="none" w="med" len="med"/>
+                    </a:lnB>
+                  </a:tcPr>
+                </a:tc>
+                <a:tc>
+                  <a:txBody>
+                    <a:bodyPr/>
+                    <a:lstStyle/>
+                    <a:p>
+                      <a:pPr marL="0" marR="13970" algn="r">
+                        <a:lnSpc>
+                          <a:spcPct val="160000"/>
+                        </a:lnSpc>
+                        <a:spcBef>
+                          <a:spcPts val="0"/>
+                        </a:spcBef>
+                        <a:spcAft>
+                          <a:spcPts val="0"/>
+                        </a:spcAft>
+                      </a:pPr>
+                      <a:r>
+                        <a:rPr lang="en-US" sz="800" dirty="0">
+                          <a:solidFill>
+                            <a:srgbClr val="000000"/>
+                          </a:solidFill>
+                          <a:effectLst/>
+                          <a:latin typeface="+mn-ea"/>
+                          <a:ea typeface="+mn-ea"/>
+                        </a:rPr>
+                        <a:t>8000</a:t>
+                      </a:r>
+                    </a:p>
+                  </a:txBody>
+                  <a:tcPr marL="48578" marR="48578" marT="13430" marB="13430" anchor="ctr">
+                    <a:lnL w="3556" cap="flat" cmpd="sng" algn="ctr">
+                      <a:solidFill>
+                        <a:srgbClr val="000000"/>
+                      </a:solidFill>
+                      <a:prstDash val="solid"/>
+                      <a:round/>
+                      <a:headEnd type="none" w="med" len="med"/>
+                      <a:tailEnd type="none" w="med" len="med"/>
+                    </a:lnL>
+                    <a:lnR w="3556" cap="flat" cmpd="sng" algn="ctr">
+                      <a:solidFill>
+                        <a:srgbClr val="000000"/>
+                      </a:solidFill>
+                      <a:prstDash val="solid"/>
+                      <a:round/>
+                      <a:headEnd type="none" w="med" len="med"/>
+                      <a:tailEnd type="none" w="med" len="med"/>
+                    </a:lnR>
+                    <a:lnT w="3556" cap="flat" cmpd="sng" algn="ctr">
+                      <a:solidFill>
+                        <a:srgbClr val="000000"/>
+                      </a:solidFill>
+                      <a:prstDash val="solid"/>
+                      <a:round/>
+                      <a:headEnd type="none" w="med" len="med"/>
+                      <a:tailEnd type="none" w="med" len="med"/>
+                    </a:lnT>
+                    <a:lnB w="3556" cap="flat" cmpd="sng" algn="ctr">
+                      <a:solidFill>
+                        <a:srgbClr val="000000"/>
+                      </a:solidFill>
+                      <a:prstDash val="solid"/>
+                      <a:round/>
+                      <a:headEnd type="none" w="med" len="med"/>
+                      <a:tailEnd type="none" w="med" len="med"/>
+                    </a:lnB>
+                  </a:tcPr>
+                </a:tc>
+                <a:tc>
+                  <a:txBody>
+                    <a:bodyPr/>
+                    <a:lstStyle/>
+                    <a:p>
+                      <a:pPr marL="0" marR="13970" algn="ctr">
+                        <a:lnSpc>
+                          <a:spcPct val="160000"/>
+                        </a:lnSpc>
+                        <a:spcBef>
+                          <a:spcPts val="0"/>
+                        </a:spcBef>
+                        <a:spcAft>
+                          <a:spcPts val="0"/>
+                        </a:spcAft>
+                      </a:pPr>
+                      <a:r>
+                        <a:rPr lang="en-US" sz="800" dirty="0" smtClean="0">
+                          <a:solidFill>
+                            <a:srgbClr val="000000"/>
+                          </a:solidFill>
+                          <a:effectLst/>
+                          <a:latin typeface="+mn-ea"/>
+                          <a:ea typeface="+mn-ea"/>
+                        </a:rPr>
+                        <a:t>2014-07-03</a:t>
+                      </a:r>
+                      <a:endParaRPr lang="en-US" sz="800" dirty="0">
+                        <a:solidFill>
+                          <a:srgbClr val="000000"/>
+                        </a:solidFill>
+                        <a:effectLst/>
+                        <a:latin typeface="+mn-ea"/>
+                        <a:ea typeface="+mn-ea"/>
+                      </a:endParaRPr>
+                    </a:p>
+                  </a:txBody>
+                  <a:tcPr marL="48578" marR="48578" marT="13430" marB="13430" anchor="ctr">
+                    <a:lnL w="3556" cap="flat" cmpd="sng" algn="ctr">
+                      <a:solidFill>
+                        <a:srgbClr val="000000"/>
+                      </a:solidFill>
+                      <a:prstDash val="solid"/>
+                      <a:round/>
+                      <a:headEnd type="none" w="med" len="med"/>
+                      <a:tailEnd type="none" w="med" len="med"/>
+                    </a:lnL>
+                    <a:lnR w="3556" cap="flat" cmpd="sng" algn="ctr">
+                      <a:solidFill>
+                        <a:srgbClr val="000000"/>
+                      </a:solidFill>
+                      <a:prstDash val="solid"/>
+                      <a:round/>
+                      <a:headEnd type="none" w="med" len="med"/>
+                      <a:tailEnd type="none" w="med" len="med"/>
+                    </a:lnR>
+                    <a:lnT w="3556" cap="flat" cmpd="sng" algn="ctr">
+                      <a:solidFill>
+                        <a:srgbClr val="000000"/>
+                      </a:solidFill>
+                      <a:prstDash val="solid"/>
+                      <a:round/>
+                      <a:headEnd type="none" w="med" len="med"/>
+                      <a:tailEnd type="none" w="med" len="med"/>
+                    </a:lnT>
+                    <a:lnB w="3556" cap="flat" cmpd="sng" algn="ctr">
+                      <a:solidFill>
+                        <a:srgbClr val="000000"/>
+                      </a:solidFill>
+                      <a:prstDash val="solid"/>
+                      <a:round/>
+                      <a:headEnd type="none" w="med" len="med"/>
+                      <a:tailEnd type="none" w="med" len="med"/>
+                    </a:lnB>
+                  </a:tcPr>
+                </a:tc>
+                <a:extLst>
+                  <a:ext uri="{0D108BD9-81ED-4DB2-BD59-A6C34878D82A}">
+                    <a16:rowId xmlns:a16="http://schemas.microsoft.com/office/drawing/2014/main" val="10003"/>
+                  </a:ext>
+                </a:extLst>
+              </a:tr>
+              <a:tr h="209741">
+                <a:tc>
+                  <a:txBody>
+                    <a:bodyPr/>
+                    <a:lstStyle/>
+                    <a:p>
+                      <a:pPr marL="0" marR="13970" algn="ctr">
+                        <a:lnSpc>
+                          <a:spcPct val="160000"/>
+                        </a:lnSpc>
+                        <a:spcBef>
+                          <a:spcPts val="0"/>
+                        </a:spcBef>
+                        <a:spcAft>
+                          <a:spcPts val="0"/>
+                        </a:spcAft>
+                      </a:pPr>
+                      <a:r>
+                        <a:rPr lang="en-US" sz="800" dirty="0">
+                          <a:solidFill>
+                            <a:srgbClr val="000000"/>
+                          </a:solidFill>
+                          <a:effectLst/>
+                          <a:latin typeface="+mn-ea"/>
+                          <a:ea typeface="+mn-ea"/>
+                        </a:rPr>
+                        <a:t>4</a:t>
+                      </a:r>
+                    </a:p>
+                  </a:txBody>
+                  <a:tcPr marL="48578" marR="48578" marT="13430" marB="13430" anchor="ctr">
+                    <a:lnL w="3556" cap="flat" cmpd="sng" algn="ctr">
+                      <a:solidFill>
+                        <a:srgbClr val="000000"/>
+                      </a:solidFill>
+                      <a:prstDash val="solid"/>
+                      <a:round/>
+                      <a:headEnd type="none" w="med" len="med"/>
+                      <a:tailEnd type="none" w="med" len="med"/>
+                    </a:lnL>
+                    <a:lnR w="3556" cap="flat" cmpd="sng" algn="ctr">
+                      <a:solidFill>
+                        <a:srgbClr val="000000"/>
+                      </a:solidFill>
+                      <a:prstDash val="solid"/>
+                      <a:round/>
+                      <a:headEnd type="none" w="med" len="med"/>
+                      <a:tailEnd type="none" w="med" len="med"/>
+                    </a:lnR>
+                    <a:lnT w="3556" cap="flat" cmpd="sng" algn="ctr">
+                      <a:solidFill>
+                        <a:srgbClr val="000000"/>
+                      </a:solidFill>
+                      <a:prstDash val="solid"/>
+                      <a:round/>
+                      <a:headEnd type="none" w="med" len="med"/>
+                      <a:tailEnd type="none" w="med" len="med"/>
+                    </a:lnT>
+                    <a:lnB w="3556" cap="flat" cmpd="sng" algn="ctr">
+                      <a:solidFill>
+                        <a:srgbClr val="000000"/>
+                      </a:solidFill>
+                      <a:prstDash val="solid"/>
+                      <a:round/>
+                      <a:headEnd type="none" w="med" len="med"/>
+                      <a:tailEnd type="none" w="med" len="med"/>
+                    </a:lnB>
+                  </a:tcPr>
+                </a:tc>
+                <a:tc>
+                  <a:txBody>
+                    <a:bodyPr/>
+                    <a:lstStyle/>
+                    <a:p>
+                      <a:pPr marL="0" marR="13970" algn="ctr">
+                        <a:lnSpc>
+                          <a:spcPct val="160000"/>
+                        </a:lnSpc>
+                        <a:spcBef>
+                          <a:spcPts val="0"/>
+                        </a:spcBef>
+                        <a:spcAft>
+                          <a:spcPts val="0"/>
+                        </a:spcAft>
+                      </a:pPr>
+                      <a:r>
+                        <a:rPr lang="en-US" sz="800">
+                          <a:solidFill>
+                            <a:srgbClr val="000000"/>
+                          </a:solidFill>
+                          <a:effectLst/>
+                          <a:latin typeface="+mn-ea"/>
+                          <a:ea typeface="+mn-ea"/>
+                        </a:rPr>
+                        <a:t>3</a:t>
+                      </a:r>
+                    </a:p>
+                  </a:txBody>
+                  <a:tcPr marL="48578" marR="48578" marT="13430" marB="13430" anchor="ctr">
+                    <a:lnL w="3556" cap="flat" cmpd="sng" algn="ctr">
+                      <a:solidFill>
+                        <a:srgbClr val="000000"/>
+                      </a:solidFill>
+                      <a:prstDash val="solid"/>
+                      <a:round/>
+                      <a:headEnd type="none" w="med" len="med"/>
+                      <a:tailEnd type="none" w="med" len="med"/>
+                    </a:lnL>
+                    <a:lnR w="3556" cap="flat" cmpd="sng" algn="ctr">
+                      <a:solidFill>
+                        <a:srgbClr val="000000"/>
+                      </a:solidFill>
+                      <a:prstDash val="solid"/>
+                      <a:round/>
+                      <a:headEnd type="none" w="med" len="med"/>
+                      <a:tailEnd type="none" w="med" len="med"/>
+                    </a:lnR>
+                    <a:lnT w="3556" cap="flat" cmpd="sng" algn="ctr">
+                      <a:solidFill>
+                        <a:srgbClr val="000000"/>
+                      </a:solidFill>
+                      <a:prstDash val="solid"/>
+                      <a:round/>
+                      <a:headEnd type="none" w="med" len="med"/>
+                      <a:tailEnd type="none" w="med" len="med"/>
+                    </a:lnT>
+                    <a:lnB w="3556" cap="flat" cmpd="sng" algn="ctr">
+                      <a:solidFill>
+                        <a:srgbClr val="000000"/>
+                      </a:solidFill>
+                      <a:prstDash val="solid"/>
+                      <a:round/>
+                      <a:headEnd type="none" w="med" len="med"/>
+                      <a:tailEnd type="none" w="med" len="med"/>
+                    </a:lnB>
+                  </a:tcPr>
+                </a:tc>
+                <a:tc>
+                  <a:txBody>
+                    <a:bodyPr/>
+                    <a:lstStyle/>
+                    <a:p>
+                      <a:pPr marL="0" marR="13970" algn="ctr">
+                        <a:lnSpc>
+                          <a:spcPct val="160000"/>
+                        </a:lnSpc>
+                        <a:spcBef>
+                          <a:spcPts val="0"/>
+                        </a:spcBef>
+                        <a:spcAft>
+                          <a:spcPts val="0"/>
+                        </a:spcAft>
+                      </a:pPr>
+                      <a:r>
+                        <a:rPr lang="en-US" sz="800" dirty="0">
+                          <a:solidFill>
+                            <a:srgbClr val="000000"/>
+                          </a:solidFill>
+                          <a:effectLst/>
+                          <a:latin typeface="+mn-ea"/>
+                          <a:ea typeface="+mn-ea"/>
+                        </a:rPr>
+                        <a:t>6</a:t>
+                      </a:r>
+                    </a:p>
+                  </a:txBody>
+                  <a:tcPr marL="48578" marR="48578" marT="13430" marB="13430" anchor="ctr">
+                    <a:lnL w="3556" cap="flat" cmpd="sng" algn="ctr">
+                      <a:solidFill>
+                        <a:srgbClr val="000000"/>
+                      </a:solidFill>
+                      <a:prstDash val="solid"/>
+                      <a:round/>
+                      <a:headEnd type="none" w="med" len="med"/>
+                      <a:tailEnd type="none" w="med" len="med"/>
+                    </a:lnL>
+                    <a:lnR w="3556" cap="flat" cmpd="sng" algn="ctr">
+                      <a:solidFill>
+                        <a:srgbClr val="000000"/>
+                      </a:solidFill>
+                      <a:prstDash val="solid"/>
+                      <a:round/>
+                      <a:headEnd type="none" w="med" len="med"/>
+                      <a:tailEnd type="none" w="med" len="med"/>
+                    </a:lnR>
+                    <a:lnT w="3556" cap="flat" cmpd="sng" algn="ctr">
+                      <a:solidFill>
+                        <a:srgbClr val="000000"/>
+                      </a:solidFill>
+                      <a:prstDash val="solid"/>
+                      <a:round/>
+                      <a:headEnd type="none" w="med" len="med"/>
+                      <a:tailEnd type="none" w="med" len="med"/>
+                    </a:lnT>
+                    <a:lnB w="3556" cap="flat" cmpd="sng" algn="ctr">
+                      <a:solidFill>
+                        <a:srgbClr val="000000"/>
+                      </a:solidFill>
+                      <a:prstDash val="solid"/>
+                      <a:round/>
+                      <a:headEnd type="none" w="med" len="med"/>
+                      <a:tailEnd type="none" w="med" len="med"/>
+                    </a:lnB>
+                  </a:tcPr>
+                </a:tc>
+                <a:tc>
+                  <a:txBody>
+                    <a:bodyPr/>
+                    <a:lstStyle/>
+                    <a:p>
+                      <a:pPr marL="0" marR="13970" algn="r">
+                        <a:lnSpc>
+                          <a:spcPct val="160000"/>
+                        </a:lnSpc>
+                        <a:spcBef>
+                          <a:spcPts val="0"/>
+                        </a:spcBef>
+                        <a:spcAft>
+                          <a:spcPts val="0"/>
+                        </a:spcAft>
+                      </a:pPr>
+                      <a:r>
+                        <a:rPr lang="en-US" sz="800" dirty="0">
+                          <a:solidFill>
+                            <a:srgbClr val="000000"/>
+                          </a:solidFill>
+                          <a:effectLst/>
+                          <a:latin typeface="+mn-ea"/>
+                          <a:ea typeface="+mn-ea"/>
+                        </a:rPr>
+                        <a:t>6000</a:t>
+                      </a:r>
+                    </a:p>
+                  </a:txBody>
+                  <a:tcPr marL="48578" marR="48578" marT="13430" marB="13430" anchor="ctr">
+                    <a:lnL w="3556" cap="flat" cmpd="sng" algn="ctr">
+                      <a:solidFill>
+                        <a:srgbClr val="000000"/>
+                      </a:solidFill>
+                      <a:prstDash val="solid"/>
+                      <a:round/>
+                      <a:headEnd type="none" w="med" len="med"/>
+                      <a:tailEnd type="none" w="med" len="med"/>
+                    </a:lnL>
+                    <a:lnR w="3556" cap="flat" cmpd="sng" algn="ctr">
+                      <a:solidFill>
+                        <a:srgbClr val="000000"/>
+                      </a:solidFill>
+                      <a:prstDash val="solid"/>
+                      <a:round/>
+                      <a:headEnd type="none" w="med" len="med"/>
+                      <a:tailEnd type="none" w="med" len="med"/>
+                    </a:lnR>
+                    <a:lnT w="3556" cap="flat" cmpd="sng" algn="ctr">
+                      <a:solidFill>
+                        <a:srgbClr val="000000"/>
+                      </a:solidFill>
+                      <a:prstDash val="solid"/>
+                      <a:round/>
+                      <a:headEnd type="none" w="med" len="med"/>
+                      <a:tailEnd type="none" w="med" len="med"/>
+                    </a:lnT>
+                    <a:lnB w="3556" cap="flat" cmpd="sng" algn="ctr">
+                      <a:solidFill>
+                        <a:srgbClr val="000000"/>
+                      </a:solidFill>
+                      <a:prstDash val="solid"/>
+                      <a:round/>
+                      <a:headEnd type="none" w="med" len="med"/>
+                      <a:tailEnd type="none" w="med" len="med"/>
+                    </a:lnB>
+                  </a:tcPr>
+                </a:tc>
+                <a:tc>
+                  <a:txBody>
+                    <a:bodyPr/>
+                    <a:lstStyle/>
+                    <a:p>
+                      <a:pPr marL="0" marR="13970" algn="ctr">
+                        <a:lnSpc>
+                          <a:spcPct val="160000"/>
+                        </a:lnSpc>
+                        <a:spcBef>
+                          <a:spcPts val="0"/>
+                        </a:spcBef>
+                        <a:spcAft>
+                          <a:spcPts val="0"/>
+                        </a:spcAft>
+                      </a:pPr>
+                      <a:r>
+                        <a:rPr lang="en-US" sz="800" dirty="0" smtClean="0">
+                          <a:solidFill>
+                            <a:srgbClr val="000000"/>
+                          </a:solidFill>
+                          <a:effectLst/>
+                          <a:latin typeface="+mn-ea"/>
+                          <a:ea typeface="+mn-ea"/>
+                        </a:rPr>
+                        <a:t>2014-07-04</a:t>
+                      </a:r>
+                      <a:endParaRPr lang="en-US" sz="800" dirty="0">
+                        <a:solidFill>
+                          <a:srgbClr val="000000"/>
+                        </a:solidFill>
+                        <a:effectLst/>
+                        <a:latin typeface="+mn-ea"/>
+                        <a:ea typeface="+mn-ea"/>
+                      </a:endParaRPr>
+                    </a:p>
+                  </a:txBody>
+                  <a:tcPr marL="48578" marR="48578" marT="13430" marB="13430" anchor="ctr">
+                    <a:lnL w="3556" cap="flat" cmpd="sng" algn="ctr">
+                      <a:solidFill>
+                        <a:srgbClr val="000000"/>
+                      </a:solidFill>
+                      <a:prstDash val="solid"/>
+                      <a:round/>
+                      <a:headEnd type="none" w="med" len="med"/>
+                      <a:tailEnd type="none" w="med" len="med"/>
+                    </a:lnL>
+                    <a:lnR w="3556" cap="flat" cmpd="sng" algn="ctr">
+                      <a:solidFill>
+                        <a:srgbClr val="000000"/>
+                      </a:solidFill>
+                      <a:prstDash val="solid"/>
+                      <a:round/>
+                      <a:headEnd type="none" w="med" len="med"/>
+                      <a:tailEnd type="none" w="med" len="med"/>
+                    </a:lnR>
+                    <a:lnT w="3556" cap="flat" cmpd="sng" algn="ctr">
+                      <a:solidFill>
+                        <a:srgbClr val="000000"/>
+                      </a:solidFill>
+                      <a:prstDash val="solid"/>
+                      <a:round/>
+                      <a:headEnd type="none" w="med" len="med"/>
+                      <a:tailEnd type="none" w="med" len="med"/>
+                    </a:lnT>
+                    <a:lnB w="3556" cap="flat" cmpd="sng" algn="ctr">
+                      <a:solidFill>
+                        <a:srgbClr val="000000"/>
+                      </a:solidFill>
+                      <a:prstDash val="solid"/>
+                      <a:round/>
+                      <a:headEnd type="none" w="med" len="med"/>
+                      <a:tailEnd type="none" w="med" len="med"/>
+                    </a:lnB>
+                  </a:tcPr>
+                </a:tc>
+                <a:extLst>
+                  <a:ext uri="{0D108BD9-81ED-4DB2-BD59-A6C34878D82A}">
+                    <a16:rowId xmlns:a16="http://schemas.microsoft.com/office/drawing/2014/main" val="10004"/>
+                  </a:ext>
+                </a:extLst>
+              </a:tr>
+              <a:tr h="209741">
+                <a:tc>
+                  <a:txBody>
+                    <a:bodyPr/>
+                    <a:lstStyle/>
+                    <a:p>
+                      <a:pPr marL="0" marR="13970" algn="ctr">
+                        <a:lnSpc>
+                          <a:spcPct val="160000"/>
+                        </a:lnSpc>
+                        <a:spcBef>
+                          <a:spcPts val="0"/>
+                        </a:spcBef>
+                        <a:spcAft>
+                          <a:spcPts val="0"/>
+                        </a:spcAft>
+                      </a:pPr>
+                      <a:r>
+                        <a:rPr lang="en-US" sz="800">
+                          <a:solidFill>
+                            <a:srgbClr val="000000"/>
+                          </a:solidFill>
+                          <a:effectLst/>
+                          <a:latin typeface="+mn-ea"/>
+                          <a:ea typeface="+mn-ea"/>
+                        </a:rPr>
+                        <a:t>5</a:t>
+                      </a:r>
+                    </a:p>
+                  </a:txBody>
+                  <a:tcPr marL="48578" marR="48578" marT="13430" marB="13430" anchor="ctr">
+                    <a:lnL w="3556" cap="flat" cmpd="sng" algn="ctr">
+                      <a:solidFill>
+                        <a:srgbClr val="000000"/>
+                      </a:solidFill>
+                      <a:prstDash val="solid"/>
+                      <a:round/>
+                      <a:headEnd type="none" w="med" len="med"/>
+                      <a:tailEnd type="none" w="med" len="med"/>
+                    </a:lnL>
+                    <a:lnR w="3556" cap="flat" cmpd="sng" algn="ctr">
+                      <a:solidFill>
+                        <a:srgbClr val="000000"/>
+                      </a:solidFill>
+                      <a:prstDash val="solid"/>
+                      <a:round/>
+                      <a:headEnd type="none" w="med" len="med"/>
+                      <a:tailEnd type="none" w="med" len="med"/>
+                    </a:lnR>
+                    <a:lnT w="3556" cap="flat" cmpd="sng" algn="ctr">
+                      <a:solidFill>
+                        <a:srgbClr val="000000"/>
+                      </a:solidFill>
+                      <a:prstDash val="solid"/>
+                      <a:round/>
+                      <a:headEnd type="none" w="med" len="med"/>
+                      <a:tailEnd type="none" w="med" len="med"/>
+                    </a:lnT>
+                    <a:lnB w="3556" cap="flat" cmpd="sng" algn="ctr">
+                      <a:solidFill>
+                        <a:srgbClr val="000000"/>
+                      </a:solidFill>
+                      <a:prstDash val="solid"/>
+                      <a:round/>
+                      <a:headEnd type="none" w="med" len="med"/>
+                      <a:tailEnd type="none" w="med" len="med"/>
+                    </a:lnB>
+                  </a:tcPr>
+                </a:tc>
+                <a:tc>
+                  <a:txBody>
+                    <a:bodyPr/>
+                    <a:lstStyle/>
+                    <a:p>
+                      <a:pPr marL="0" marR="13970" algn="ctr">
+                        <a:lnSpc>
+                          <a:spcPct val="160000"/>
+                        </a:lnSpc>
+                        <a:spcBef>
+                          <a:spcPts val="0"/>
+                        </a:spcBef>
+                        <a:spcAft>
+                          <a:spcPts val="0"/>
+                        </a:spcAft>
+                      </a:pPr>
+                      <a:r>
+                        <a:rPr lang="en-US" sz="800">
+                          <a:solidFill>
+                            <a:srgbClr val="000000"/>
+                          </a:solidFill>
+                          <a:effectLst/>
+                          <a:latin typeface="+mn-ea"/>
+                          <a:ea typeface="+mn-ea"/>
+                        </a:rPr>
+                        <a:t>4</a:t>
+                      </a:r>
+                    </a:p>
+                  </a:txBody>
+                  <a:tcPr marL="48578" marR="48578" marT="13430" marB="13430" anchor="ctr">
+                    <a:lnL w="3556" cap="flat" cmpd="sng" algn="ctr">
+                      <a:solidFill>
+                        <a:srgbClr val="000000"/>
+                      </a:solidFill>
+                      <a:prstDash val="solid"/>
+                      <a:round/>
+                      <a:headEnd type="none" w="med" len="med"/>
+                      <a:tailEnd type="none" w="med" len="med"/>
+                    </a:lnL>
+                    <a:lnR w="3556" cap="flat" cmpd="sng" algn="ctr">
+                      <a:solidFill>
+                        <a:srgbClr val="000000"/>
+                      </a:solidFill>
+                      <a:prstDash val="solid"/>
+                      <a:round/>
+                      <a:headEnd type="none" w="med" len="med"/>
+                      <a:tailEnd type="none" w="med" len="med"/>
+                    </a:lnR>
+                    <a:lnT w="3556" cap="flat" cmpd="sng" algn="ctr">
+                      <a:solidFill>
+                        <a:srgbClr val="000000"/>
+                      </a:solidFill>
+                      <a:prstDash val="solid"/>
+                      <a:round/>
+                      <a:headEnd type="none" w="med" len="med"/>
+                      <a:tailEnd type="none" w="med" len="med"/>
+                    </a:lnT>
+                    <a:lnB w="3556" cap="flat" cmpd="sng" algn="ctr">
+                      <a:solidFill>
+                        <a:srgbClr val="000000"/>
+                      </a:solidFill>
+                      <a:prstDash val="solid"/>
+                      <a:round/>
+                      <a:headEnd type="none" w="med" len="med"/>
+                      <a:tailEnd type="none" w="med" len="med"/>
+                    </a:lnB>
+                  </a:tcPr>
+                </a:tc>
+                <a:tc>
+                  <a:txBody>
+                    <a:bodyPr/>
+                    <a:lstStyle/>
+                    <a:p>
+                      <a:pPr marL="0" marR="13970" algn="ctr">
+                        <a:lnSpc>
+                          <a:spcPct val="160000"/>
+                        </a:lnSpc>
+                        <a:spcBef>
+                          <a:spcPts val="0"/>
+                        </a:spcBef>
+                        <a:spcAft>
+                          <a:spcPts val="0"/>
+                        </a:spcAft>
+                      </a:pPr>
+                      <a:r>
+                        <a:rPr lang="en-US" sz="800" dirty="0">
+                          <a:solidFill>
+                            <a:srgbClr val="000000"/>
+                          </a:solidFill>
+                          <a:effectLst/>
+                          <a:latin typeface="+mn-ea"/>
+                          <a:ea typeface="+mn-ea"/>
+                        </a:rPr>
+                        <a:t>7</a:t>
+                      </a:r>
+                    </a:p>
+                  </a:txBody>
+                  <a:tcPr marL="48578" marR="48578" marT="13430" marB="13430" anchor="ctr">
+                    <a:lnL w="3556" cap="flat" cmpd="sng" algn="ctr">
+                      <a:solidFill>
+                        <a:srgbClr val="000000"/>
+                      </a:solidFill>
+                      <a:prstDash val="solid"/>
+                      <a:round/>
+                      <a:headEnd type="none" w="med" len="med"/>
+                      <a:tailEnd type="none" w="med" len="med"/>
+                    </a:lnL>
+                    <a:lnR w="3556" cap="flat" cmpd="sng" algn="ctr">
+                      <a:solidFill>
+                        <a:srgbClr val="000000"/>
+                      </a:solidFill>
+                      <a:prstDash val="solid"/>
+                      <a:round/>
+                      <a:headEnd type="none" w="med" len="med"/>
+                      <a:tailEnd type="none" w="med" len="med"/>
+                    </a:lnR>
+                    <a:lnT w="3556" cap="flat" cmpd="sng" algn="ctr">
+                      <a:solidFill>
+                        <a:srgbClr val="000000"/>
+                      </a:solidFill>
+                      <a:prstDash val="solid"/>
+                      <a:round/>
+                      <a:headEnd type="none" w="med" len="med"/>
+                      <a:tailEnd type="none" w="med" len="med"/>
+                    </a:lnT>
+                    <a:lnB w="3556" cap="flat" cmpd="sng" algn="ctr">
+                      <a:solidFill>
+                        <a:srgbClr val="000000"/>
+                      </a:solidFill>
+                      <a:prstDash val="solid"/>
+                      <a:round/>
+                      <a:headEnd type="none" w="med" len="med"/>
+                      <a:tailEnd type="none" w="med" len="med"/>
+                    </a:lnB>
+                  </a:tcPr>
+                </a:tc>
+                <a:tc>
+                  <a:txBody>
+                    <a:bodyPr/>
+                    <a:lstStyle/>
+                    <a:p>
+                      <a:pPr marL="0" marR="13970" algn="r">
+                        <a:lnSpc>
+                          <a:spcPct val="160000"/>
+                        </a:lnSpc>
+                        <a:spcBef>
+                          <a:spcPts val="0"/>
+                        </a:spcBef>
+                        <a:spcAft>
+                          <a:spcPts val="0"/>
+                        </a:spcAft>
+                      </a:pPr>
+                      <a:r>
+                        <a:rPr lang="en-US" sz="800" dirty="0">
+                          <a:solidFill>
+                            <a:srgbClr val="000000"/>
+                          </a:solidFill>
+                          <a:effectLst/>
+                          <a:latin typeface="+mn-ea"/>
+                          <a:ea typeface="+mn-ea"/>
+                        </a:rPr>
+                        <a:t>20000</a:t>
+                      </a:r>
+                    </a:p>
+                  </a:txBody>
+                  <a:tcPr marL="48578" marR="48578" marT="13430" marB="13430" anchor="ctr">
+                    <a:lnL w="3556" cap="flat" cmpd="sng" algn="ctr">
+                      <a:solidFill>
+                        <a:srgbClr val="000000"/>
+                      </a:solidFill>
+                      <a:prstDash val="solid"/>
+                      <a:round/>
+                      <a:headEnd type="none" w="med" len="med"/>
+                      <a:tailEnd type="none" w="med" len="med"/>
+                    </a:lnL>
+                    <a:lnR w="3556" cap="flat" cmpd="sng" algn="ctr">
+                      <a:solidFill>
+                        <a:srgbClr val="000000"/>
+                      </a:solidFill>
+                      <a:prstDash val="solid"/>
+                      <a:round/>
+                      <a:headEnd type="none" w="med" len="med"/>
+                      <a:tailEnd type="none" w="med" len="med"/>
+                    </a:lnR>
+                    <a:lnT w="3556" cap="flat" cmpd="sng" algn="ctr">
+                      <a:solidFill>
+                        <a:srgbClr val="000000"/>
+                      </a:solidFill>
+                      <a:prstDash val="solid"/>
+                      <a:round/>
+                      <a:headEnd type="none" w="med" len="med"/>
+                      <a:tailEnd type="none" w="med" len="med"/>
+                    </a:lnT>
+                    <a:lnB w="3556" cap="flat" cmpd="sng" algn="ctr">
+                      <a:solidFill>
+                        <a:srgbClr val="000000"/>
+                      </a:solidFill>
+                      <a:prstDash val="solid"/>
+                      <a:round/>
+                      <a:headEnd type="none" w="med" len="med"/>
+                      <a:tailEnd type="none" w="med" len="med"/>
+                    </a:lnB>
+                  </a:tcPr>
+                </a:tc>
+                <a:tc>
+                  <a:txBody>
+                    <a:bodyPr/>
+                    <a:lstStyle/>
+                    <a:p>
+                      <a:pPr marL="0" marR="13970" algn="ctr">
+                        <a:lnSpc>
+                          <a:spcPct val="160000"/>
+                        </a:lnSpc>
+                        <a:spcBef>
+                          <a:spcPts val="0"/>
+                        </a:spcBef>
+                        <a:spcAft>
+                          <a:spcPts val="0"/>
+                        </a:spcAft>
+                      </a:pPr>
+                      <a:r>
+                        <a:rPr lang="en-US" sz="800" dirty="0" smtClean="0">
+                          <a:solidFill>
+                            <a:srgbClr val="000000"/>
+                          </a:solidFill>
+                          <a:effectLst/>
+                          <a:latin typeface="+mn-ea"/>
+                          <a:ea typeface="+mn-ea"/>
+                        </a:rPr>
+                        <a:t>2014-07-05</a:t>
+                      </a:r>
+                      <a:endParaRPr lang="en-US" sz="800" dirty="0">
+                        <a:solidFill>
+                          <a:srgbClr val="000000"/>
+                        </a:solidFill>
+                        <a:effectLst/>
+                        <a:latin typeface="+mn-ea"/>
+                        <a:ea typeface="+mn-ea"/>
+                      </a:endParaRPr>
+                    </a:p>
+                  </a:txBody>
+                  <a:tcPr marL="48578" marR="48578" marT="13430" marB="13430" anchor="ctr">
+                    <a:lnL w="3556" cap="flat" cmpd="sng" algn="ctr">
+                      <a:solidFill>
+                        <a:srgbClr val="000000"/>
+                      </a:solidFill>
+                      <a:prstDash val="solid"/>
+                      <a:round/>
+                      <a:headEnd type="none" w="med" len="med"/>
+                      <a:tailEnd type="none" w="med" len="med"/>
+                    </a:lnL>
+                    <a:lnR w="3556" cap="flat" cmpd="sng" algn="ctr">
+                      <a:solidFill>
+                        <a:srgbClr val="000000"/>
+                      </a:solidFill>
+                      <a:prstDash val="solid"/>
+                      <a:round/>
+                      <a:headEnd type="none" w="med" len="med"/>
+                      <a:tailEnd type="none" w="med" len="med"/>
+                    </a:lnR>
+                    <a:lnT w="3556" cap="flat" cmpd="sng" algn="ctr">
+                      <a:solidFill>
+                        <a:srgbClr val="000000"/>
+                      </a:solidFill>
+                      <a:prstDash val="solid"/>
+                      <a:round/>
+                      <a:headEnd type="none" w="med" len="med"/>
+                      <a:tailEnd type="none" w="med" len="med"/>
+                    </a:lnT>
+                    <a:lnB w="3556" cap="flat" cmpd="sng" algn="ctr">
+                      <a:solidFill>
+                        <a:srgbClr val="000000"/>
+                      </a:solidFill>
+                      <a:prstDash val="solid"/>
+                      <a:round/>
+                      <a:headEnd type="none" w="med" len="med"/>
+                      <a:tailEnd type="none" w="med" len="med"/>
+                    </a:lnB>
+                  </a:tcPr>
+                </a:tc>
+                <a:extLst>
+                  <a:ext uri="{0D108BD9-81ED-4DB2-BD59-A6C34878D82A}">
+                    <a16:rowId xmlns:a16="http://schemas.microsoft.com/office/drawing/2014/main" val="10005"/>
+                  </a:ext>
+                </a:extLst>
+              </a:tr>
+              <a:tr h="209741">
+                <a:tc>
+                  <a:txBody>
+                    <a:bodyPr/>
+                    <a:lstStyle/>
+                    <a:p>
+                      <a:pPr marL="0" marR="13970" algn="ctr">
+                        <a:lnSpc>
+                          <a:spcPct val="160000"/>
+                        </a:lnSpc>
+                        <a:spcBef>
+                          <a:spcPts val="0"/>
+                        </a:spcBef>
+                        <a:spcAft>
+                          <a:spcPts val="0"/>
+                        </a:spcAft>
+                      </a:pPr>
+                      <a:r>
+                        <a:rPr lang="en-US" sz="800">
+                          <a:solidFill>
+                            <a:srgbClr val="000000"/>
+                          </a:solidFill>
+                          <a:effectLst/>
+                          <a:latin typeface="+mn-ea"/>
+                          <a:ea typeface="+mn-ea"/>
+                        </a:rPr>
+                        <a:t>6</a:t>
+                      </a:r>
+                    </a:p>
+                  </a:txBody>
+                  <a:tcPr marL="48578" marR="48578" marT="13430" marB="13430" anchor="ctr">
+                    <a:lnL w="3556" cap="flat" cmpd="sng" algn="ctr">
+                      <a:solidFill>
+                        <a:srgbClr val="000000"/>
+                      </a:solidFill>
+                      <a:prstDash val="solid"/>
+                      <a:round/>
+                      <a:headEnd type="none" w="med" len="med"/>
+                      <a:tailEnd type="none" w="med" len="med"/>
+                    </a:lnL>
+                    <a:lnR w="3556" cap="flat" cmpd="sng" algn="ctr">
+                      <a:solidFill>
+                        <a:srgbClr val="000000"/>
+                      </a:solidFill>
+                      <a:prstDash val="solid"/>
+                      <a:round/>
+                      <a:headEnd type="none" w="med" len="med"/>
+                      <a:tailEnd type="none" w="med" len="med"/>
+                    </a:lnR>
+                    <a:lnT w="3556" cap="flat" cmpd="sng" algn="ctr">
+                      <a:solidFill>
+                        <a:srgbClr val="000000"/>
+                      </a:solidFill>
+                      <a:prstDash val="solid"/>
+                      <a:round/>
+                      <a:headEnd type="none" w="med" len="med"/>
+                      <a:tailEnd type="none" w="med" len="med"/>
+                    </a:lnT>
+                    <a:lnB w="3556" cap="flat" cmpd="sng" algn="ctr">
+                      <a:solidFill>
+                        <a:srgbClr val="000000"/>
+                      </a:solidFill>
+                      <a:prstDash val="solid"/>
+                      <a:round/>
+                      <a:headEnd type="none" w="med" len="med"/>
+                      <a:tailEnd type="none" w="med" len="med"/>
+                    </a:lnB>
+                  </a:tcPr>
+                </a:tc>
+                <a:tc>
+                  <a:txBody>
+                    <a:bodyPr/>
+                    <a:lstStyle/>
+                    <a:p>
+                      <a:pPr marL="0" marR="13970" algn="ctr">
+                        <a:lnSpc>
+                          <a:spcPct val="160000"/>
+                        </a:lnSpc>
+                        <a:spcBef>
+                          <a:spcPts val="0"/>
+                        </a:spcBef>
+                        <a:spcAft>
+                          <a:spcPts val="0"/>
+                        </a:spcAft>
+                      </a:pPr>
+                      <a:r>
+                        <a:rPr lang="en-US" sz="800">
+                          <a:solidFill>
+                            <a:srgbClr val="000000"/>
+                          </a:solidFill>
+                          <a:effectLst/>
+                          <a:latin typeface="+mn-ea"/>
+                          <a:ea typeface="+mn-ea"/>
+                        </a:rPr>
+                        <a:t>1</a:t>
+                      </a:r>
+                    </a:p>
+                  </a:txBody>
+                  <a:tcPr marL="48578" marR="48578" marT="13430" marB="13430" anchor="ctr">
+                    <a:lnL w="3556" cap="flat" cmpd="sng" algn="ctr">
+                      <a:solidFill>
+                        <a:srgbClr val="000000"/>
+                      </a:solidFill>
+                      <a:prstDash val="solid"/>
+                      <a:round/>
+                      <a:headEnd type="none" w="med" len="med"/>
+                      <a:tailEnd type="none" w="med" len="med"/>
+                    </a:lnL>
+                    <a:lnR w="3556" cap="flat" cmpd="sng" algn="ctr">
+                      <a:solidFill>
+                        <a:srgbClr val="000000"/>
+                      </a:solidFill>
+                      <a:prstDash val="solid"/>
+                      <a:round/>
+                      <a:headEnd type="none" w="med" len="med"/>
+                      <a:tailEnd type="none" w="med" len="med"/>
+                    </a:lnR>
+                    <a:lnT w="3556" cap="flat" cmpd="sng" algn="ctr">
+                      <a:solidFill>
+                        <a:srgbClr val="000000"/>
+                      </a:solidFill>
+                      <a:prstDash val="solid"/>
+                      <a:round/>
+                      <a:headEnd type="none" w="med" len="med"/>
+                      <a:tailEnd type="none" w="med" len="med"/>
+                    </a:lnT>
+                    <a:lnB w="3556" cap="flat" cmpd="sng" algn="ctr">
+                      <a:solidFill>
+                        <a:srgbClr val="000000"/>
+                      </a:solidFill>
+                      <a:prstDash val="solid"/>
+                      <a:round/>
+                      <a:headEnd type="none" w="med" len="med"/>
+                      <a:tailEnd type="none" w="med" len="med"/>
+                    </a:lnB>
+                  </a:tcPr>
+                </a:tc>
+                <a:tc>
+                  <a:txBody>
+                    <a:bodyPr/>
+                    <a:lstStyle/>
+                    <a:p>
+                      <a:pPr marL="0" marR="13970" algn="ctr">
+                        <a:lnSpc>
+                          <a:spcPct val="160000"/>
+                        </a:lnSpc>
+                        <a:spcBef>
+                          <a:spcPts val="0"/>
+                        </a:spcBef>
+                        <a:spcAft>
+                          <a:spcPts val="0"/>
+                        </a:spcAft>
+                      </a:pPr>
+                      <a:r>
+                        <a:rPr lang="en-US" sz="800">
+                          <a:solidFill>
+                            <a:srgbClr val="000000"/>
+                          </a:solidFill>
+                          <a:effectLst/>
+                          <a:latin typeface="+mn-ea"/>
+                          <a:ea typeface="+mn-ea"/>
+                        </a:rPr>
+                        <a:t>2</a:t>
+                      </a:r>
+                    </a:p>
+                  </a:txBody>
+                  <a:tcPr marL="48578" marR="48578" marT="13430" marB="13430" anchor="ctr">
+                    <a:lnL w="3556" cap="flat" cmpd="sng" algn="ctr">
+                      <a:solidFill>
+                        <a:srgbClr val="000000"/>
+                      </a:solidFill>
+                      <a:prstDash val="solid"/>
+                      <a:round/>
+                      <a:headEnd type="none" w="med" len="med"/>
+                      <a:tailEnd type="none" w="med" len="med"/>
+                    </a:lnL>
+                    <a:lnR w="3556" cap="flat" cmpd="sng" algn="ctr">
+                      <a:solidFill>
+                        <a:srgbClr val="000000"/>
+                      </a:solidFill>
+                      <a:prstDash val="solid"/>
+                      <a:round/>
+                      <a:headEnd type="none" w="med" len="med"/>
+                      <a:tailEnd type="none" w="med" len="med"/>
+                    </a:lnR>
+                    <a:lnT w="3556" cap="flat" cmpd="sng" algn="ctr">
+                      <a:solidFill>
+                        <a:srgbClr val="000000"/>
+                      </a:solidFill>
+                      <a:prstDash val="solid"/>
+                      <a:round/>
+                      <a:headEnd type="none" w="med" len="med"/>
+                      <a:tailEnd type="none" w="med" len="med"/>
+                    </a:lnT>
+                    <a:lnB w="3556" cap="flat" cmpd="sng" algn="ctr">
+                      <a:solidFill>
+                        <a:srgbClr val="000000"/>
+                      </a:solidFill>
+                      <a:prstDash val="solid"/>
+                      <a:round/>
+                      <a:headEnd type="none" w="med" len="med"/>
+                      <a:tailEnd type="none" w="med" len="med"/>
+                    </a:lnB>
+                  </a:tcPr>
+                </a:tc>
+                <a:tc>
+                  <a:txBody>
+                    <a:bodyPr/>
+                    <a:lstStyle/>
+                    <a:p>
+                      <a:pPr marL="0" marR="13970" algn="r">
+                        <a:lnSpc>
+                          <a:spcPct val="160000"/>
+                        </a:lnSpc>
+                        <a:spcBef>
+                          <a:spcPts val="0"/>
+                        </a:spcBef>
+                        <a:spcAft>
+                          <a:spcPts val="0"/>
+                        </a:spcAft>
+                      </a:pPr>
+                      <a:r>
+                        <a:rPr lang="en-US" sz="800">
+                          <a:solidFill>
+                            <a:srgbClr val="000000"/>
+                          </a:solidFill>
+                          <a:effectLst/>
+                          <a:latin typeface="+mn-ea"/>
+                          <a:ea typeface="+mn-ea"/>
+                        </a:rPr>
+                        <a:t>12000</a:t>
+                      </a:r>
+                    </a:p>
+                  </a:txBody>
+                  <a:tcPr marL="48578" marR="48578" marT="13430" marB="13430" anchor="ctr">
+                    <a:lnL w="3556" cap="flat" cmpd="sng" algn="ctr">
+                      <a:solidFill>
+                        <a:srgbClr val="000000"/>
+                      </a:solidFill>
+                      <a:prstDash val="solid"/>
+                      <a:round/>
+                      <a:headEnd type="none" w="med" len="med"/>
+                      <a:tailEnd type="none" w="med" len="med"/>
+                    </a:lnL>
+                    <a:lnR w="3556" cap="flat" cmpd="sng" algn="ctr">
+                      <a:solidFill>
+                        <a:srgbClr val="000000"/>
+                      </a:solidFill>
+                      <a:prstDash val="solid"/>
+                      <a:round/>
+                      <a:headEnd type="none" w="med" len="med"/>
+                      <a:tailEnd type="none" w="med" len="med"/>
+                    </a:lnR>
+                    <a:lnT w="3556" cap="flat" cmpd="sng" algn="ctr">
+                      <a:solidFill>
+                        <a:srgbClr val="000000"/>
+                      </a:solidFill>
+                      <a:prstDash val="solid"/>
+                      <a:round/>
+                      <a:headEnd type="none" w="med" len="med"/>
+                      <a:tailEnd type="none" w="med" len="med"/>
+                    </a:lnT>
+                    <a:lnB w="3556" cap="flat" cmpd="sng" algn="ctr">
+                      <a:solidFill>
+                        <a:srgbClr val="000000"/>
+                      </a:solidFill>
+                      <a:prstDash val="solid"/>
+                      <a:round/>
+                      <a:headEnd type="none" w="med" len="med"/>
+                      <a:tailEnd type="none" w="med" len="med"/>
+                    </a:lnB>
+                  </a:tcPr>
+                </a:tc>
+                <a:tc>
+                  <a:txBody>
+                    <a:bodyPr/>
+                    <a:lstStyle/>
+                    <a:p>
+                      <a:pPr marL="0" marR="13970" algn="ctr">
+                        <a:lnSpc>
+                          <a:spcPct val="160000"/>
+                        </a:lnSpc>
+                        <a:spcBef>
+                          <a:spcPts val="0"/>
+                        </a:spcBef>
+                        <a:spcAft>
+                          <a:spcPts val="0"/>
+                        </a:spcAft>
+                      </a:pPr>
+                      <a:r>
+                        <a:rPr lang="en-US" sz="800" dirty="0" smtClean="0">
+                          <a:solidFill>
+                            <a:srgbClr val="000000"/>
+                          </a:solidFill>
+                          <a:effectLst/>
+                          <a:latin typeface="+mn-ea"/>
+                          <a:ea typeface="+mn-ea"/>
+                        </a:rPr>
+                        <a:t>2014-07-07</a:t>
+                      </a:r>
+                      <a:endParaRPr lang="en-US" sz="800" dirty="0">
+                        <a:solidFill>
+                          <a:srgbClr val="000000"/>
+                        </a:solidFill>
+                        <a:effectLst/>
+                        <a:latin typeface="+mn-ea"/>
+                        <a:ea typeface="+mn-ea"/>
+                      </a:endParaRPr>
+                    </a:p>
+                  </a:txBody>
+                  <a:tcPr marL="48578" marR="48578" marT="13430" marB="13430" anchor="ctr">
+                    <a:lnL w="3556" cap="flat" cmpd="sng" algn="ctr">
+                      <a:solidFill>
+                        <a:srgbClr val="000000"/>
+                      </a:solidFill>
+                      <a:prstDash val="solid"/>
+                      <a:round/>
+                      <a:headEnd type="none" w="med" len="med"/>
+                      <a:tailEnd type="none" w="med" len="med"/>
+                    </a:lnL>
+                    <a:lnR w="3556" cap="flat" cmpd="sng" algn="ctr">
+                      <a:solidFill>
+                        <a:srgbClr val="000000"/>
+                      </a:solidFill>
+                      <a:prstDash val="solid"/>
+                      <a:round/>
+                      <a:headEnd type="none" w="med" len="med"/>
+                      <a:tailEnd type="none" w="med" len="med"/>
+                    </a:lnR>
+                    <a:lnT w="3556" cap="flat" cmpd="sng" algn="ctr">
+                      <a:solidFill>
+                        <a:srgbClr val="000000"/>
+                      </a:solidFill>
+                      <a:prstDash val="solid"/>
+                      <a:round/>
+                      <a:headEnd type="none" w="med" len="med"/>
+                      <a:tailEnd type="none" w="med" len="med"/>
+                    </a:lnT>
+                    <a:lnB w="3556" cap="flat" cmpd="sng" algn="ctr">
+                      <a:solidFill>
+                        <a:srgbClr val="000000"/>
+                      </a:solidFill>
+                      <a:prstDash val="solid"/>
+                      <a:round/>
+                      <a:headEnd type="none" w="med" len="med"/>
+                      <a:tailEnd type="none" w="med" len="med"/>
+                    </a:lnB>
+                  </a:tcPr>
+                </a:tc>
+                <a:extLst>
+                  <a:ext uri="{0D108BD9-81ED-4DB2-BD59-A6C34878D82A}">
+                    <a16:rowId xmlns:a16="http://schemas.microsoft.com/office/drawing/2014/main" val="10006"/>
+                  </a:ext>
+                </a:extLst>
+              </a:tr>
+              <a:tr h="209741">
+                <a:tc>
+                  <a:txBody>
+                    <a:bodyPr/>
+                    <a:lstStyle/>
+                    <a:p>
+                      <a:pPr marL="0" marR="13970" algn="ctr">
+                        <a:lnSpc>
+                          <a:spcPct val="160000"/>
+                        </a:lnSpc>
+                        <a:spcBef>
+                          <a:spcPts val="0"/>
+                        </a:spcBef>
+                        <a:spcAft>
+                          <a:spcPts val="0"/>
+                        </a:spcAft>
+                      </a:pPr>
+                      <a:r>
+                        <a:rPr lang="en-US" sz="800">
+                          <a:solidFill>
+                            <a:srgbClr val="000000"/>
+                          </a:solidFill>
+                          <a:effectLst/>
+                          <a:latin typeface="+mn-ea"/>
+                          <a:ea typeface="+mn-ea"/>
+                        </a:rPr>
+                        <a:t>7</a:t>
+                      </a:r>
+                    </a:p>
+                  </a:txBody>
+                  <a:tcPr marL="48578" marR="48578" marT="13430" marB="13430" anchor="ctr">
+                    <a:lnL w="3556" cap="flat" cmpd="sng" algn="ctr">
+                      <a:solidFill>
+                        <a:srgbClr val="000000"/>
+                      </a:solidFill>
+                      <a:prstDash val="solid"/>
+                      <a:round/>
+                      <a:headEnd type="none" w="med" len="med"/>
+                      <a:tailEnd type="none" w="med" len="med"/>
+                    </a:lnL>
+                    <a:lnR w="3556" cap="flat" cmpd="sng" algn="ctr">
+                      <a:solidFill>
+                        <a:srgbClr val="000000"/>
+                      </a:solidFill>
+                      <a:prstDash val="solid"/>
+                      <a:round/>
+                      <a:headEnd type="none" w="med" len="med"/>
+                      <a:tailEnd type="none" w="med" len="med"/>
+                    </a:lnR>
+                    <a:lnT w="3556" cap="flat" cmpd="sng" algn="ctr">
+                      <a:solidFill>
+                        <a:srgbClr val="000000"/>
+                      </a:solidFill>
+                      <a:prstDash val="solid"/>
+                      <a:round/>
+                      <a:headEnd type="none" w="med" len="med"/>
+                      <a:tailEnd type="none" w="med" len="med"/>
+                    </a:lnT>
+                    <a:lnB w="3556" cap="flat" cmpd="sng" algn="ctr">
+                      <a:solidFill>
+                        <a:srgbClr val="000000"/>
+                      </a:solidFill>
+                      <a:prstDash val="solid"/>
+                      <a:round/>
+                      <a:headEnd type="none" w="med" len="med"/>
+                      <a:tailEnd type="none" w="med" len="med"/>
+                    </a:lnB>
+                  </a:tcPr>
+                </a:tc>
+                <a:tc>
+                  <a:txBody>
+                    <a:bodyPr/>
+                    <a:lstStyle/>
+                    <a:p>
+                      <a:pPr marL="0" marR="13970" algn="ctr">
+                        <a:lnSpc>
+                          <a:spcPct val="160000"/>
+                        </a:lnSpc>
+                        <a:spcBef>
+                          <a:spcPts val="0"/>
+                        </a:spcBef>
+                        <a:spcAft>
+                          <a:spcPts val="0"/>
+                        </a:spcAft>
+                      </a:pPr>
+                      <a:r>
+                        <a:rPr lang="en-US" sz="800">
+                          <a:solidFill>
+                            <a:srgbClr val="000000"/>
+                          </a:solidFill>
+                          <a:effectLst/>
+                          <a:latin typeface="+mn-ea"/>
+                          <a:ea typeface="+mn-ea"/>
+                        </a:rPr>
+                        <a:t>4</a:t>
+                      </a:r>
+                    </a:p>
+                  </a:txBody>
+                  <a:tcPr marL="48578" marR="48578" marT="13430" marB="13430" anchor="ctr">
+                    <a:lnL w="3556" cap="flat" cmpd="sng" algn="ctr">
+                      <a:solidFill>
+                        <a:srgbClr val="000000"/>
+                      </a:solidFill>
+                      <a:prstDash val="solid"/>
+                      <a:round/>
+                      <a:headEnd type="none" w="med" len="med"/>
+                      <a:tailEnd type="none" w="med" len="med"/>
+                    </a:lnL>
+                    <a:lnR w="3556" cap="flat" cmpd="sng" algn="ctr">
+                      <a:solidFill>
+                        <a:srgbClr val="000000"/>
+                      </a:solidFill>
+                      <a:prstDash val="solid"/>
+                      <a:round/>
+                      <a:headEnd type="none" w="med" len="med"/>
+                      <a:tailEnd type="none" w="med" len="med"/>
+                    </a:lnR>
+                    <a:lnT w="3556" cap="flat" cmpd="sng" algn="ctr">
+                      <a:solidFill>
+                        <a:srgbClr val="000000"/>
+                      </a:solidFill>
+                      <a:prstDash val="solid"/>
+                      <a:round/>
+                      <a:headEnd type="none" w="med" len="med"/>
+                      <a:tailEnd type="none" w="med" len="med"/>
+                    </a:lnT>
+                    <a:lnB w="3556" cap="flat" cmpd="sng" algn="ctr">
+                      <a:solidFill>
+                        <a:srgbClr val="000000"/>
+                      </a:solidFill>
+                      <a:prstDash val="solid"/>
+                      <a:round/>
+                      <a:headEnd type="none" w="med" len="med"/>
+                      <a:tailEnd type="none" w="med" len="med"/>
+                    </a:lnB>
+                  </a:tcPr>
+                </a:tc>
+                <a:tc>
+                  <a:txBody>
+                    <a:bodyPr/>
+                    <a:lstStyle/>
+                    <a:p>
+                      <a:pPr marL="0" marR="13970" algn="ctr">
+                        <a:lnSpc>
+                          <a:spcPct val="160000"/>
+                        </a:lnSpc>
+                        <a:spcBef>
+                          <a:spcPts val="0"/>
+                        </a:spcBef>
+                        <a:spcAft>
+                          <a:spcPts val="0"/>
+                        </a:spcAft>
+                      </a:pPr>
+                      <a:r>
+                        <a:rPr lang="en-US" sz="800">
+                          <a:solidFill>
+                            <a:srgbClr val="000000"/>
+                          </a:solidFill>
+                          <a:effectLst/>
+                          <a:latin typeface="+mn-ea"/>
+                          <a:ea typeface="+mn-ea"/>
+                        </a:rPr>
+                        <a:t>8</a:t>
+                      </a:r>
+                    </a:p>
+                  </a:txBody>
+                  <a:tcPr marL="48578" marR="48578" marT="13430" marB="13430" anchor="ctr">
+                    <a:lnL w="3556" cap="flat" cmpd="sng" algn="ctr">
+                      <a:solidFill>
+                        <a:srgbClr val="000000"/>
+                      </a:solidFill>
+                      <a:prstDash val="solid"/>
+                      <a:round/>
+                      <a:headEnd type="none" w="med" len="med"/>
+                      <a:tailEnd type="none" w="med" len="med"/>
+                    </a:lnL>
+                    <a:lnR w="3556" cap="flat" cmpd="sng" algn="ctr">
+                      <a:solidFill>
+                        <a:srgbClr val="000000"/>
+                      </a:solidFill>
+                      <a:prstDash val="solid"/>
+                      <a:round/>
+                      <a:headEnd type="none" w="med" len="med"/>
+                      <a:tailEnd type="none" w="med" len="med"/>
+                    </a:lnR>
+                    <a:lnT w="3556" cap="flat" cmpd="sng" algn="ctr">
+                      <a:solidFill>
+                        <a:srgbClr val="000000"/>
+                      </a:solidFill>
+                      <a:prstDash val="solid"/>
+                      <a:round/>
+                      <a:headEnd type="none" w="med" len="med"/>
+                      <a:tailEnd type="none" w="med" len="med"/>
+                    </a:lnT>
+                    <a:lnB w="3556" cap="flat" cmpd="sng" algn="ctr">
+                      <a:solidFill>
+                        <a:srgbClr val="000000"/>
+                      </a:solidFill>
+                      <a:prstDash val="solid"/>
+                      <a:round/>
+                      <a:headEnd type="none" w="med" len="med"/>
+                      <a:tailEnd type="none" w="med" len="med"/>
+                    </a:lnB>
+                  </a:tcPr>
+                </a:tc>
+                <a:tc>
+                  <a:txBody>
+                    <a:bodyPr/>
+                    <a:lstStyle/>
+                    <a:p>
+                      <a:pPr marL="0" marR="13970" algn="r">
+                        <a:lnSpc>
+                          <a:spcPct val="160000"/>
+                        </a:lnSpc>
+                        <a:spcBef>
+                          <a:spcPts val="0"/>
+                        </a:spcBef>
+                        <a:spcAft>
+                          <a:spcPts val="0"/>
+                        </a:spcAft>
+                      </a:pPr>
+                      <a:r>
+                        <a:rPr lang="en-US" sz="800">
+                          <a:solidFill>
+                            <a:srgbClr val="000000"/>
+                          </a:solidFill>
+                          <a:effectLst/>
+                          <a:latin typeface="+mn-ea"/>
+                          <a:ea typeface="+mn-ea"/>
+                        </a:rPr>
+                        <a:t>13000</a:t>
+                      </a:r>
+                    </a:p>
+                  </a:txBody>
+                  <a:tcPr marL="48578" marR="48578" marT="13430" marB="13430" anchor="ctr">
+                    <a:lnL w="3556" cap="flat" cmpd="sng" algn="ctr">
+                      <a:solidFill>
+                        <a:srgbClr val="000000"/>
+                      </a:solidFill>
+                      <a:prstDash val="solid"/>
+                      <a:round/>
+                      <a:headEnd type="none" w="med" len="med"/>
+                      <a:tailEnd type="none" w="med" len="med"/>
+                    </a:lnL>
+                    <a:lnR w="3556" cap="flat" cmpd="sng" algn="ctr">
+                      <a:solidFill>
+                        <a:srgbClr val="000000"/>
+                      </a:solidFill>
+                      <a:prstDash val="solid"/>
+                      <a:round/>
+                      <a:headEnd type="none" w="med" len="med"/>
+                      <a:tailEnd type="none" w="med" len="med"/>
+                    </a:lnR>
+                    <a:lnT w="3556" cap="flat" cmpd="sng" algn="ctr">
+                      <a:solidFill>
+                        <a:srgbClr val="000000"/>
+                      </a:solidFill>
+                      <a:prstDash val="solid"/>
+                      <a:round/>
+                      <a:headEnd type="none" w="med" len="med"/>
+                      <a:tailEnd type="none" w="med" len="med"/>
+                    </a:lnT>
+                    <a:lnB w="3556" cap="flat" cmpd="sng" algn="ctr">
+                      <a:solidFill>
+                        <a:srgbClr val="000000"/>
+                      </a:solidFill>
+                      <a:prstDash val="solid"/>
+                      <a:round/>
+                      <a:headEnd type="none" w="med" len="med"/>
+                      <a:tailEnd type="none" w="med" len="med"/>
+                    </a:lnB>
+                  </a:tcPr>
+                </a:tc>
+                <a:tc>
+                  <a:txBody>
+                    <a:bodyPr/>
+                    <a:lstStyle/>
+                    <a:p>
+                      <a:pPr marL="0" marR="13970" algn="ctr">
+                        <a:lnSpc>
+                          <a:spcPct val="160000"/>
+                        </a:lnSpc>
+                        <a:spcBef>
+                          <a:spcPts val="0"/>
+                        </a:spcBef>
+                        <a:spcAft>
+                          <a:spcPts val="0"/>
+                        </a:spcAft>
+                      </a:pPr>
+                      <a:r>
+                        <a:rPr lang="en-US" sz="800" dirty="0" smtClean="0">
+                          <a:solidFill>
+                            <a:srgbClr val="000000"/>
+                          </a:solidFill>
+                          <a:effectLst/>
+                          <a:latin typeface="+mn-ea"/>
+                          <a:ea typeface="+mn-ea"/>
+                        </a:rPr>
+                        <a:t>2014-07-07</a:t>
+                      </a:r>
+                      <a:endParaRPr lang="en-US" sz="800" dirty="0">
+                        <a:solidFill>
+                          <a:srgbClr val="000000"/>
+                        </a:solidFill>
+                        <a:effectLst/>
+                        <a:latin typeface="+mn-ea"/>
+                        <a:ea typeface="+mn-ea"/>
+                      </a:endParaRPr>
+                    </a:p>
+                  </a:txBody>
+                  <a:tcPr marL="48578" marR="48578" marT="13430" marB="13430" anchor="ctr">
+                    <a:lnL w="3556" cap="flat" cmpd="sng" algn="ctr">
+                      <a:solidFill>
+                        <a:srgbClr val="000000"/>
+                      </a:solidFill>
+                      <a:prstDash val="solid"/>
+                      <a:round/>
+                      <a:headEnd type="none" w="med" len="med"/>
+                      <a:tailEnd type="none" w="med" len="med"/>
+                    </a:lnL>
+                    <a:lnR w="3556" cap="flat" cmpd="sng" algn="ctr">
+                      <a:solidFill>
+                        <a:srgbClr val="000000"/>
+                      </a:solidFill>
+                      <a:prstDash val="solid"/>
+                      <a:round/>
+                      <a:headEnd type="none" w="med" len="med"/>
+                      <a:tailEnd type="none" w="med" len="med"/>
+                    </a:lnR>
+                    <a:lnT w="3556" cap="flat" cmpd="sng" algn="ctr">
+                      <a:solidFill>
+                        <a:srgbClr val="000000"/>
+                      </a:solidFill>
+                      <a:prstDash val="solid"/>
+                      <a:round/>
+                      <a:headEnd type="none" w="med" len="med"/>
+                      <a:tailEnd type="none" w="med" len="med"/>
+                    </a:lnT>
+                    <a:lnB w="3556" cap="flat" cmpd="sng" algn="ctr">
+                      <a:solidFill>
+                        <a:srgbClr val="000000"/>
+                      </a:solidFill>
+                      <a:prstDash val="solid"/>
+                      <a:round/>
+                      <a:headEnd type="none" w="med" len="med"/>
+                      <a:tailEnd type="none" w="med" len="med"/>
+                    </a:lnB>
+                  </a:tcPr>
+                </a:tc>
+                <a:extLst>
+                  <a:ext uri="{0D108BD9-81ED-4DB2-BD59-A6C34878D82A}">
+                    <a16:rowId xmlns:a16="http://schemas.microsoft.com/office/drawing/2014/main" val="10007"/>
+                  </a:ext>
+                </a:extLst>
+              </a:tr>
+              <a:tr h="209741">
+                <a:tc>
+                  <a:txBody>
+                    <a:bodyPr/>
+                    <a:lstStyle/>
+                    <a:p>
+                      <a:pPr marL="0" marR="13970" algn="ctr">
+                        <a:lnSpc>
+                          <a:spcPct val="160000"/>
+                        </a:lnSpc>
+                        <a:spcBef>
+                          <a:spcPts val="0"/>
+                        </a:spcBef>
+                        <a:spcAft>
+                          <a:spcPts val="0"/>
+                        </a:spcAft>
+                      </a:pPr>
+                      <a:r>
+                        <a:rPr lang="en-US" sz="800">
+                          <a:solidFill>
+                            <a:srgbClr val="000000"/>
+                          </a:solidFill>
+                          <a:effectLst/>
+                          <a:latin typeface="+mn-ea"/>
+                          <a:ea typeface="+mn-ea"/>
+                        </a:rPr>
+                        <a:t>8</a:t>
+                      </a:r>
+                    </a:p>
+                  </a:txBody>
+                  <a:tcPr marL="48578" marR="48578" marT="13430" marB="13430" anchor="ctr">
+                    <a:lnL w="3556" cap="flat" cmpd="sng" algn="ctr">
+                      <a:solidFill>
+                        <a:srgbClr val="000000"/>
+                      </a:solidFill>
+                      <a:prstDash val="solid"/>
+                      <a:round/>
+                      <a:headEnd type="none" w="med" len="med"/>
+                      <a:tailEnd type="none" w="med" len="med"/>
+                    </a:lnL>
+                    <a:lnR w="3556" cap="flat" cmpd="sng" algn="ctr">
+                      <a:solidFill>
+                        <a:srgbClr val="000000"/>
+                      </a:solidFill>
+                      <a:prstDash val="solid"/>
+                      <a:round/>
+                      <a:headEnd type="none" w="med" len="med"/>
+                      <a:tailEnd type="none" w="med" len="med"/>
+                    </a:lnR>
+                    <a:lnT w="3556" cap="flat" cmpd="sng" algn="ctr">
+                      <a:solidFill>
+                        <a:srgbClr val="000000"/>
+                      </a:solidFill>
+                      <a:prstDash val="solid"/>
+                      <a:round/>
+                      <a:headEnd type="none" w="med" len="med"/>
+                      <a:tailEnd type="none" w="med" len="med"/>
+                    </a:lnT>
+                    <a:lnB w="3556" cap="flat" cmpd="sng" algn="ctr">
+                      <a:solidFill>
+                        <a:srgbClr val="000000"/>
+                      </a:solidFill>
+                      <a:prstDash val="solid"/>
+                      <a:round/>
+                      <a:headEnd type="none" w="med" len="med"/>
+                      <a:tailEnd type="none" w="med" len="med"/>
+                    </a:lnB>
+                  </a:tcPr>
+                </a:tc>
+                <a:tc>
+                  <a:txBody>
+                    <a:bodyPr/>
+                    <a:lstStyle/>
+                    <a:p>
+                      <a:pPr marL="0" marR="13970" algn="ctr">
+                        <a:lnSpc>
+                          <a:spcPct val="160000"/>
+                        </a:lnSpc>
+                        <a:spcBef>
+                          <a:spcPts val="0"/>
+                        </a:spcBef>
+                        <a:spcAft>
+                          <a:spcPts val="0"/>
+                        </a:spcAft>
+                      </a:pPr>
+                      <a:r>
+                        <a:rPr lang="en-US" sz="800">
+                          <a:solidFill>
+                            <a:srgbClr val="000000"/>
+                          </a:solidFill>
+                          <a:effectLst/>
+                          <a:latin typeface="+mn-ea"/>
+                          <a:ea typeface="+mn-ea"/>
+                        </a:rPr>
+                        <a:t>3</a:t>
+                      </a:r>
+                    </a:p>
+                  </a:txBody>
+                  <a:tcPr marL="48578" marR="48578" marT="13430" marB="13430" anchor="ctr">
+                    <a:lnL w="3556" cap="flat" cmpd="sng" algn="ctr">
+                      <a:solidFill>
+                        <a:srgbClr val="000000"/>
+                      </a:solidFill>
+                      <a:prstDash val="solid"/>
+                      <a:round/>
+                      <a:headEnd type="none" w="med" len="med"/>
+                      <a:tailEnd type="none" w="med" len="med"/>
+                    </a:lnL>
+                    <a:lnR w="3556" cap="flat" cmpd="sng" algn="ctr">
+                      <a:solidFill>
+                        <a:srgbClr val="000000"/>
+                      </a:solidFill>
+                      <a:prstDash val="solid"/>
+                      <a:round/>
+                      <a:headEnd type="none" w="med" len="med"/>
+                      <a:tailEnd type="none" w="med" len="med"/>
+                    </a:lnR>
+                    <a:lnT w="3556" cap="flat" cmpd="sng" algn="ctr">
+                      <a:solidFill>
+                        <a:srgbClr val="000000"/>
+                      </a:solidFill>
+                      <a:prstDash val="solid"/>
+                      <a:round/>
+                      <a:headEnd type="none" w="med" len="med"/>
+                      <a:tailEnd type="none" w="med" len="med"/>
+                    </a:lnT>
+                    <a:lnB w="3556" cap="flat" cmpd="sng" algn="ctr">
+                      <a:solidFill>
+                        <a:srgbClr val="000000"/>
+                      </a:solidFill>
+                      <a:prstDash val="solid"/>
+                      <a:round/>
+                      <a:headEnd type="none" w="med" len="med"/>
+                      <a:tailEnd type="none" w="med" len="med"/>
+                    </a:lnB>
+                  </a:tcPr>
+                </a:tc>
+                <a:tc>
+                  <a:txBody>
+                    <a:bodyPr/>
+                    <a:lstStyle/>
+                    <a:p>
+                      <a:pPr marL="0" marR="13970" algn="ctr">
+                        <a:lnSpc>
+                          <a:spcPct val="160000"/>
+                        </a:lnSpc>
+                        <a:spcBef>
+                          <a:spcPts val="0"/>
+                        </a:spcBef>
+                        <a:spcAft>
+                          <a:spcPts val="0"/>
+                        </a:spcAft>
+                      </a:pPr>
+                      <a:r>
+                        <a:rPr lang="en-US" sz="800" dirty="0">
+                          <a:solidFill>
+                            <a:srgbClr val="000000"/>
+                          </a:solidFill>
+                          <a:effectLst/>
+                          <a:latin typeface="+mn-ea"/>
+                          <a:ea typeface="+mn-ea"/>
+                        </a:rPr>
+                        <a:t>10</a:t>
+                      </a:r>
+                    </a:p>
+                  </a:txBody>
+                  <a:tcPr marL="48578" marR="48578" marT="13430" marB="13430" anchor="ctr">
+                    <a:lnL w="3556" cap="flat" cmpd="sng" algn="ctr">
+                      <a:solidFill>
+                        <a:srgbClr val="000000"/>
+                      </a:solidFill>
+                      <a:prstDash val="solid"/>
+                      <a:round/>
+                      <a:headEnd type="none" w="med" len="med"/>
+                      <a:tailEnd type="none" w="med" len="med"/>
+                    </a:lnL>
+                    <a:lnR w="3556" cap="flat" cmpd="sng" algn="ctr">
+                      <a:solidFill>
+                        <a:srgbClr val="000000"/>
+                      </a:solidFill>
+                      <a:prstDash val="solid"/>
+                      <a:round/>
+                      <a:headEnd type="none" w="med" len="med"/>
+                      <a:tailEnd type="none" w="med" len="med"/>
+                    </a:lnR>
+                    <a:lnT w="3556" cap="flat" cmpd="sng" algn="ctr">
+                      <a:solidFill>
+                        <a:srgbClr val="000000"/>
+                      </a:solidFill>
+                      <a:prstDash val="solid"/>
+                      <a:round/>
+                      <a:headEnd type="none" w="med" len="med"/>
+                      <a:tailEnd type="none" w="med" len="med"/>
+                    </a:lnT>
+                    <a:lnB w="3556" cap="flat" cmpd="sng" algn="ctr">
+                      <a:solidFill>
+                        <a:srgbClr val="000000"/>
+                      </a:solidFill>
+                      <a:prstDash val="solid"/>
+                      <a:round/>
+                      <a:headEnd type="none" w="med" len="med"/>
+                      <a:tailEnd type="none" w="med" len="med"/>
+                    </a:lnB>
+                  </a:tcPr>
+                </a:tc>
+                <a:tc>
+                  <a:txBody>
+                    <a:bodyPr/>
+                    <a:lstStyle/>
+                    <a:p>
+                      <a:pPr marL="0" marR="13970" algn="r">
+                        <a:lnSpc>
+                          <a:spcPct val="160000"/>
+                        </a:lnSpc>
+                        <a:spcBef>
+                          <a:spcPts val="0"/>
+                        </a:spcBef>
+                        <a:spcAft>
+                          <a:spcPts val="0"/>
+                        </a:spcAft>
+                      </a:pPr>
+                      <a:r>
+                        <a:rPr lang="en-US" sz="800">
+                          <a:solidFill>
+                            <a:srgbClr val="000000"/>
+                          </a:solidFill>
+                          <a:effectLst/>
+                          <a:latin typeface="+mn-ea"/>
+                          <a:ea typeface="+mn-ea"/>
+                        </a:rPr>
+                        <a:t>12000</a:t>
+                      </a:r>
+                    </a:p>
+                  </a:txBody>
+                  <a:tcPr marL="48578" marR="48578" marT="13430" marB="13430" anchor="ctr">
+                    <a:lnL w="3556" cap="flat" cmpd="sng" algn="ctr">
+                      <a:solidFill>
+                        <a:srgbClr val="000000"/>
+                      </a:solidFill>
+                      <a:prstDash val="solid"/>
+                      <a:round/>
+                      <a:headEnd type="none" w="med" len="med"/>
+                      <a:tailEnd type="none" w="med" len="med"/>
+                    </a:lnL>
+                    <a:lnR w="3556" cap="flat" cmpd="sng" algn="ctr">
+                      <a:solidFill>
+                        <a:srgbClr val="000000"/>
+                      </a:solidFill>
+                      <a:prstDash val="solid"/>
+                      <a:round/>
+                      <a:headEnd type="none" w="med" len="med"/>
+                      <a:tailEnd type="none" w="med" len="med"/>
+                    </a:lnR>
+                    <a:lnT w="3556" cap="flat" cmpd="sng" algn="ctr">
+                      <a:solidFill>
+                        <a:srgbClr val="000000"/>
+                      </a:solidFill>
+                      <a:prstDash val="solid"/>
+                      <a:round/>
+                      <a:headEnd type="none" w="med" len="med"/>
+                      <a:tailEnd type="none" w="med" len="med"/>
+                    </a:lnT>
+                    <a:lnB w="3556" cap="flat" cmpd="sng" algn="ctr">
+                      <a:solidFill>
+                        <a:srgbClr val="000000"/>
+                      </a:solidFill>
+                      <a:prstDash val="solid"/>
+                      <a:round/>
+                      <a:headEnd type="none" w="med" len="med"/>
+                      <a:tailEnd type="none" w="med" len="med"/>
+                    </a:lnB>
+                  </a:tcPr>
+                </a:tc>
+                <a:tc>
+                  <a:txBody>
+                    <a:bodyPr/>
+                    <a:lstStyle/>
+                    <a:p>
+                      <a:pPr marL="0" marR="13970" algn="ctr">
+                        <a:lnSpc>
+                          <a:spcPct val="160000"/>
+                        </a:lnSpc>
+                        <a:spcBef>
+                          <a:spcPts val="0"/>
+                        </a:spcBef>
+                        <a:spcAft>
+                          <a:spcPts val="0"/>
+                        </a:spcAft>
+                      </a:pPr>
+                      <a:r>
+                        <a:rPr lang="en-US" sz="800" dirty="0" smtClean="0">
+                          <a:solidFill>
+                            <a:srgbClr val="000000"/>
+                          </a:solidFill>
+                          <a:effectLst/>
+                          <a:latin typeface="+mn-ea"/>
+                          <a:ea typeface="+mn-ea"/>
+                        </a:rPr>
+                        <a:t>2014-07-08</a:t>
+                      </a:r>
+                      <a:endParaRPr lang="en-US" sz="800" dirty="0">
+                        <a:solidFill>
+                          <a:srgbClr val="000000"/>
+                        </a:solidFill>
+                        <a:effectLst/>
+                        <a:latin typeface="+mn-ea"/>
+                        <a:ea typeface="+mn-ea"/>
+                      </a:endParaRPr>
+                    </a:p>
+                  </a:txBody>
+                  <a:tcPr marL="48578" marR="48578" marT="13430" marB="13430" anchor="ctr">
+                    <a:lnL w="3556" cap="flat" cmpd="sng" algn="ctr">
+                      <a:solidFill>
+                        <a:srgbClr val="000000"/>
+                      </a:solidFill>
+                      <a:prstDash val="solid"/>
+                      <a:round/>
+                      <a:headEnd type="none" w="med" len="med"/>
+                      <a:tailEnd type="none" w="med" len="med"/>
+                    </a:lnL>
+                    <a:lnR w="3556" cap="flat" cmpd="sng" algn="ctr">
+                      <a:solidFill>
+                        <a:srgbClr val="000000"/>
+                      </a:solidFill>
+                      <a:prstDash val="solid"/>
+                      <a:round/>
+                      <a:headEnd type="none" w="med" len="med"/>
+                      <a:tailEnd type="none" w="med" len="med"/>
+                    </a:lnR>
+                    <a:lnT w="3556" cap="flat" cmpd="sng" algn="ctr">
+                      <a:solidFill>
+                        <a:srgbClr val="000000"/>
+                      </a:solidFill>
+                      <a:prstDash val="solid"/>
+                      <a:round/>
+                      <a:headEnd type="none" w="med" len="med"/>
+                      <a:tailEnd type="none" w="med" len="med"/>
+                    </a:lnT>
+                    <a:lnB w="3556" cap="flat" cmpd="sng" algn="ctr">
+                      <a:solidFill>
+                        <a:srgbClr val="000000"/>
+                      </a:solidFill>
+                      <a:prstDash val="solid"/>
+                      <a:round/>
+                      <a:headEnd type="none" w="med" len="med"/>
+                      <a:tailEnd type="none" w="med" len="med"/>
+                    </a:lnB>
+                  </a:tcPr>
+                </a:tc>
+                <a:extLst>
+                  <a:ext uri="{0D108BD9-81ED-4DB2-BD59-A6C34878D82A}">
+                    <a16:rowId xmlns:a16="http://schemas.microsoft.com/office/drawing/2014/main" val="10008"/>
+                  </a:ext>
+                </a:extLst>
+              </a:tr>
+              <a:tr h="209741">
+                <a:tc>
+                  <a:txBody>
+                    <a:bodyPr/>
+                    <a:lstStyle/>
+                    <a:p>
+                      <a:pPr marL="0" marR="13970" algn="ctr">
+                        <a:lnSpc>
+                          <a:spcPct val="160000"/>
+                        </a:lnSpc>
+                        <a:spcBef>
+                          <a:spcPts val="0"/>
+                        </a:spcBef>
+                        <a:spcAft>
+                          <a:spcPts val="0"/>
+                        </a:spcAft>
+                      </a:pPr>
+                      <a:r>
+                        <a:rPr lang="en-US" sz="800">
+                          <a:solidFill>
+                            <a:srgbClr val="000000"/>
+                          </a:solidFill>
+                          <a:effectLst/>
+                          <a:latin typeface="+mn-ea"/>
+                          <a:ea typeface="+mn-ea"/>
+                        </a:rPr>
+                        <a:t>9</a:t>
+                      </a:r>
+                    </a:p>
+                  </a:txBody>
+                  <a:tcPr marL="48578" marR="48578" marT="13430" marB="13430" anchor="ctr">
+                    <a:lnL w="3556" cap="flat" cmpd="sng" algn="ctr">
+                      <a:solidFill>
+                        <a:srgbClr val="000000"/>
+                      </a:solidFill>
+                      <a:prstDash val="solid"/>
+                      <a:round/>
+                      <a:headEnd type="none" w="med" len="med"/>
+                      <a:tailEnd type="none" w="med" len="med"/>
+                    </a:lnL>
+                    <a:lnR w="3556" cap="flat" cmpd="sng" algn="ctr">
+                      <a:solidFill>
+                        <a:srgbClr val="000000"/>
+                      </a:solidFill>
+                      <a:prstDash val="solid"/>
+                      <a:round/>
+                      <a:headEnd type="none" w="med" len="med"/>
+                      <a:tailEnd type="none" w="med" len="med"/>
+                    </a:lnR>
+                    <a:lnT w="3556" cap="flat" cmpd="sng" algn="ctr">
+                      <a:solidFill>
+                        <a:srgbClr val="000000"/>
+                      </a:solidFill>
+                      <a:prstDash val="solid"/>
+                      <a:round/>
+                      <a:headEnd type="none" w="med" len="med"/>
+                      <a:tailEnd type="none" w="med" len="med"/>
+                    </a:lnT>
+                    <a:lnB w="3556" cap="flat" cmpd="sng" algn="ctr">
+                      <a:solidFill>
+                        <a:srgbClr val="000000"/>
+                      </a:solidFill>
+                      <a:prstDash val="solid"/>
+                      <a:round/>
+                      <a:headEnd type="none" w="med" len="med"/>
+                      <a:tailEnd type="none" w="med" len="med"/>
+                    </a:lnB>
+                  </a:tcPr>
+                </a:tc>
+                <a:tc>
+                  <a:txBody>
+                    <a:bodyPr/>
+                    <a:lstStyle/>
+                    <a:p>
+                      <a:pPr marL="0" marR="13970" algn="ctr">
+                        <a:lnSpc>
+                          <a:spcPct val="160000"/>
+                        </a:lnSpc>
+                        <a:spcBef>
+                          <a:spcPts val="0"/>
+                        </a:spcBef>
+                        <a:spcAft>
+                          <a:spcPts val="0"/>
+                        </a:spcAft>
+                      </a:pPr>
+                      <a:r>
+                        <a:rPr lang="en-US" sz="800">
+                          <a:solidFill>
+                            <a:srgbClr val="000000"/>
+                          </a:solidFill>
+                          <a:effectLst/>
+                          <a:latin typeface="+mn-ea"/>
+                          <a:ea typeface="+mn-ea"/>
+                        </a:rPr>
+                        <a:t>2</a:t>
+                      </a:r>
+                    </a:p>
+                  </a:txBody>
+                  <a:tcPr marL="48578" marR="48578" marT="13430" marB="13430" anchor="ctr">
+                    <a:lnL w="3556" cap="flat" cmpd="sng" algn="ctr">
+                      <a:solidFill>
+                        <a:srgbClr val="000000"/>
+                      </a:solidFill>
+                      <a:prstDash val="solid"/>
+                      <a:round/>
+                      <a:headEnd type="none" w="med" len="med"/>
+                      <a:tailEnd type="none" w="med" len="med"/>
+                    </a:lnL>
+                    <a:lnR w="3556" cap="flat" cmpd="sng" algn="ctr">
+                      <a:solidFill>
+                        <a:srgbClr val="000000"/>
+                      </a:solidFill>
+                      <a:prstDash val="solid"/>
+                      <a:round/>
+                      <a:headEnd type="none" w="med" len="med"/>
+                      <a:tailEnd type="none" w="med" len="med"/>
+                    </a:lnR>
+                    <a:lnT w="3556" cap="flat" cmpd="sng" algn="ctr">
+                      <a:solidFill>
+                        <a:srgbClr val="000000"/>
+                      </a:solidFill>
+                      <a:prstDash val="solid"/>
+                      <a:round/>
+                      <a:headEnd type="none" w="med" len="med"/>
+                      <a:tailEnd type="none" w="med" len="med"/>
+                    </a:lnT>
+                    <a:lnB w="3556" cap="flat" cmpd="sng" algn="ctr">
+                      <a:solidFill>
+                        <a:srgbClr val="000000"/>
+                      </a:solidFill>
+                      <a:prstDash val="solid"/>
+                      <a:round/>
+                      <a:headEnd type="none" w="med" len="med"/>
+                      <a:tailEnd type="none" w="med" len="med"/>
+                    </a:lnB>
+                  </a:tcPr>
+                </a:tc>
+                <a:tc>
+                  <a:txBody>
+                    <a:bodyPr/>
+                    <a:lstStyle/>
+                    <a:p>
+                      <a:pPr marL="0" marR="13970" algn="ctr">
+                        <a:lnSpc>
+                          <a:spcPct val="160000"/>
+                        </a:lnSpc>
+                        <a:spcBef>
+                          <a:spcPts val="0"/>
+                        </a:spcBef>
+                        <a:spcAft>
+                          <a:spcPts val="0"/>
+                        </a:spcAft>
+                      </a:pPr>
+                      <a:r>
+                        <a:rPr lang="en-US" sz="800">
+                          <a:solidFill>
+                            <a:srgbClr val="000000"/>
+                          </a:solidFill>
+                          <a:effectLst/>
+                          <a:latin typeface="+mn-ea"/>
+                          <a:ea typeface="+mn-ea"/>
+                        </a:rPr>
+                        <a:t>10</a:t>
+                      </a:r>
+                    </a:p>
+                  </a:txBody>
+                  <a:tcPr marL="48578" marR="48578" marT="13430" marB="13430" anchor="ctr">
+                    <a:lnL w="3556" cap="flat" cmpd="sng" algn="ctr">
+                      <a:solidFill>
+                        <a:srgbClr val="000000"/>
+                      </a:solidFill>
+                      <a:prstDash val="solid"/>
+                      <a:round/>
+                      <a:headEnd type="none" w="med" len="med"/>
+                      <a:tailEnd type="none" w="med" len="med"/>
+                    </a:lnL>
+                    <a:lnR w="3556" cap="flat" cmpd="sng" algn="ctr">
+                      <a:solidFill>
+                        <a:srgbClr val="000000"/>
+                      </a:solidFill>
+                      <a:prstDash val="solid"/>
+                      <a:round/>
+                      <a:headEnd type="none" w="med" len="med"/>
+                      <a:tailEnd type="none" w="med" len="med"/>
+                    </a:lnR>
+                    <a:lnT w="3556" cap="flat" cmpd="sng" algn="ctr">
+                      <a:solidFill>
+                        <a:srgbClr val="000000"/>
+                      </a:solidFill>
+                      <a:prstDash val="solid"/>
+                      <a:round/>
+                      <a:headEnd type="none" w="med" len="med"/>
+                      <a:tailEnd type="none" w="med" len="med"/>
+                    </a:lnT>
+                    <a:lnB w="3556" cap="flat" cmpd="sng" algn="ctr">
+                      <a:solidFill>
+                        <a:srgbClr val="000000"/>
+                      </a:solidFill>
+                      <a:prstDash val="solid"/>
+                      <a:round/>
+                      <a:headEnd type="none" w="med" len="med"/>
+                      <a:tailEnd type="none" w="med" len="med"/>
+                    </a:lnB>
+                  </a:tcPr>
+                </a:tc>
+                <a:tc>
+                  <a:txBody>
+                    <a:bodyPr/>
+                    <a:lstStyle/>
+                    <a:p>
+                      <a:pPr marL="0" marR="13970" algn="r">
+                        <a:lnSpc>
+                          <a:spcPct val="160000"/>
+                        </a:lnSpc>
+                        <a:spcBef>
+                          <a:spcPts val="0"/>
+                        </a:spcBef>
+                        <a:spcAft>
+                          <a:spcPts val="0"/>
+                        </a:spcAft>
+                      </a:pPr>
+                      <a:r>
+                        <a:rPr lang="en-US" sz="800">
+                          <a:solidFill>
+                            <a:srgbClr val="000000"/>
+                          </a:solidFill>
+                          <a:effectLst/>
+                          <a:latin typeface="+mn-ea"/>
+                          <a:ea typeface="+mn-ea"/>
+                        </a:rPr>
+                        <a:t>7000</a:t>
+                      </a:r>
+                    </a:p>
+                  </a:txBody>
+                  <a:tcPr marL="48578" marR="48578" marT="13430" marB="13430" anchor="ctr">
+                    <a:lnL w="3556" cap="flat" cmpd="sng" algn="ctr">
+                      <a:solidFill>
+                        <a:srgbClr val="000000"/>
+                      </a:solidFill>
+                      <a:prstDash val="solid"/>
+                      <a:round/>
+                      <a:headEnd type="none" w="med" len="med"/>
+                      <a:tailEnd type="none" w="med" len="med"/>
+                    </a:lnL>
+                    <a:lnR w="3556" cap="flat" cmpd="sng" algn="ctr">
+                      <a:solidFill>
+                        <a:srgbClr val="000000"/>
+                      </a:solidFill>
+                      <a:prstDash val="solid"/>
+                      <a:round/>
+                      <a:headEnd type="none" w="med" len="med"/>
+                      <a:tailEnd type="none" w="med" len="med"/>
+                    </a:lnR>
+                    <a:lnT w="3556" cap="flat" cmpd="sng" algn="ctr">
+                      <a:solidFill>
+                        <a:srgbClr val="000000"/>
+                      </a:solidFill>
+                      <a:prstDash val="solid"/>
+                      <a:round/>
+                      <a:headEnd type="none" w="med" len="med"/>
+                      <a:tailEnd type="none" w="med" len="med"/>
+                    </a:lnT>
+                    <a:lnB w="3556" cap="flat" cmpd="sng" algn="ctr">
+                      <a:solidFill>
+                        <a:srgbClr val="000000"/>
+                      </a:solidFill>
+                      <a:prstDash val="solid"/>
+                      <a:round/>
+                      <a:headEnd type="none" w="med" len="med"/>
+                      <a:tailEnd type="none" w="med" len="med"/>
+                    </a:lnB>
+                  </a:tcPr>
+                </a:tc>
+                <a:tc>
+                  <a:txBody>
+                    <a:bodyPr/>
+                    <a:lstStyle/>
+                    <a:p>
+                      <a:pPr marL="0" marR="13970" algn="ctr">
+                        <a:lnSpc>
+                          <a:spcPct val="160000"/>
+                        </a:lnSpc>
+                        <a:spcBef>
+                          <a:spcPts val="0"/>
+                        </a:spcBef>
+                        <a:spcAft>
+                          <a:spcPts val="0"/>
+                        </a:spcAft>
+                      </a:pPr>
+                      <a:r>
+                        <a:rPr lang="en-US" sz="800" dirty="0" smtClean="0">
+                          <a:solidFill>
+                            <a:srgbClr val="000000"/>
+                          </a:solidFill>
+                          <a:effectLst/>
+                          <a:latin typeface="+mn-ea"/>
+                          <a:ea typeface="+mn-ea"/>
+                        </a:rPr>
+                        <a:t>2014-07-09</a:t>
+                      </a:r>
+                      <a:endParaRPr lang="en-US" sz="800" dirty="0">
+                        <a:solidFill>
+                          <a:srgbClr val="000000"/>
+                        </a:solidFill>
+                        <a:effectLst/>
+                        <a:latin typeface="+mn-ea"/>
+                        <a:ea typeface="+mn-ea"/>
+                      </a:endParaRPr>
+                    </a:p>
+                  </a:txBody>
+                  <a:tcPr marL="48578" marR="48578" marT="13430" marB="13430" anchor="ctr">
+                    <a:lnL w="3556" cap="flat" cmpd="sng" algn="ctr">
+                      <a:solidFill>
+                        <a:srgbClr val="000000"/>
+                      </a:solidFill>
+                      <a:prstDash val="solid"/>
+                      <a:round/>
+                      <a:headEnd type="none" w="med" len="med"/>
+                      <a:tailEnd type="none" w="med" len="med"/>
+                    </a:lnL>
+                    <a:lnR w="3556" cap="flat" cmpd="sng" algn="ctr">
+                      <a:solidFill>
+                        <a:srgbClr val="000000"/>
+                      </a:solidFill>
+                      <a:prstDash val="solid"/>
+                      <a:round/>
+                      <a:headEnd type="none" w="med" len="med"/>
+                      <a:tailEnd type="none" w="med" len="med"/>
+                    </a:lnR>
+                    <a:lnT w="3556" cap="flat" cmpd="sng" algn="ctr">
+                      <a:solidFill>
+                        <a:srgbClr val="000000"/>
+                      </a:solidFill>
+                      <a:prstDash val="solid"/>
+                      <a:round/>
+                      <a:headEnd type="none" w="med" len="med"/>
+                      <a:tailEnd type="none" w="med" len="med"/>
+                    </a:lnT>
+                    <a:lnB w="3556" cap="flat" cmpd="sng" algn="ctr">
+                      <a:solidFill>
+                        <a:srgbClr val="000000"/>
+                      </a:solidFill>
+                      <a:prstDash val="solid"/>
+                      <a:round/>
+                      <a:headEnd type="none" w="med" len="med"/>
+                      <a:tailEnd type="none" w="med" len="med"/>
+                    </a:lnB>
+                  </a:tcPr>
+                </a:tc>
+                <a:extLst>
+                  <a:ext uri="{0D108BD9-81ED-4DB2-BD59-A6C34878D82A}">
+                    <a16:rowId xmlns:a16="http://schemas.microsoft.com/office/drawing/2014/main" val="10009"/>
+                  </a:ext>
+                </a:extLst>
+              </a:tr>
+              <a:tr h="209741">
+                <a:tc>
+                  <a:txBody>
+                    <a:bodyPr/>
+                    <a:lstStyle/>
+                    <a:p>
+                      <a:pPr marL="0" marR="13970" algn="ctr">
+                        <a:lnSpc>
+                          <a:spcPct val="160000"/>
+                        </a:lnSpc>
+                        <a:spcBef>
+                          <a:spcPts val="0"/>
+                        </a:spcBef>
+                        <a:spcAft>
+                          <a:spcPts val="0"/>
+                        </a:spcAft>
+                      </a:pPr>
+                      <a:r>
+                        <a:rPr lang="en-US" sz="800" dirty="0">
+                          <a:solidFill>
+                            <a:srgbClr val="000000"/>
+                          </a:solidFill>
+                          <a:effectLst/>
+                          <a:latin typeface="+mn-ea"/>
+                          <a:ea typeface="+mn-ea"/>
+                        </a:rPr>
+                        <a:t>10</a:t>
+                      </a:r>
+                    </a:p>
+                  </a:txBody>
+                  <a:tcPr marL="48578" marR="48578" marT="13430" marB="13430" anchor="ctr">
+                    <a:lnL w="3556" cap="flat" cmpd="sng" algn="ctr">
+                      <a:solidFill>
+                        <a:srgbClr val="000000"/>
+                      </a:solidFill>
+                      <a:prstDash val="solid"/>
+                      <a:round/>
+                      <a:headEnd type="none" w="med" len="med"/>
+                      <a:tailEnd type="none" w="med" len="med"/>
+                    </a:lnL>
+                    <a:lnR w="3556" cap="flat" cmpd="sng" algn="ctr">
+                      <a:solidFill>
+                        <a:srgbClr val="000000"/>
+                      </a:solidFill>
+                      <a:prstDash val="solid"/>
+                      <a:round/>
+                      <a:headEnd type="none" w="med" len="med"/>
+                      <a:tailEnd type="none" w="med" len="med"/>
+                    </a:lnR>
+                    <a:lnT w="3556" cap="flat" cmpd="sng" algn="ctr">
+                      <a:solidFill>
+                        <a:srgbClr val="000000"/>
+                      </a:solidFill>
+                      <a:prstDash val="solid"/>
+                      <a:round/>
+                      <a:headEnd type="none" w="med" len="med"/>
+                      <a:tailEnd type="none" w="med" len="med"/>
+                    </a:lnT>
+                    <a:lnB w="3556" cap="flat" cmpd="sng" algn="ctr">
+                      <a:solidFill>
+                        <a:srgbClr val="000000"/>
+                      </a:solidFill>
+                      <a:prstDash val="solid"/>
+                      <a:round/>
+                      <a:headEnd type="none" w="med" len="med"/>
+                      <a:tailEnd type="none" w="med" len="med"/>
+                    </a:lnB>
+                  </a:tcPr>
+                </a:tc>
+                <a:tc>
+                  <a:txBody>
+                    <a:bodyPr/>
+                    <a:lstStyle/>
+                    <a:p>
+                      <a:pPr marL="0" marR="13970" algn="ctr">
+                        <a:lnSpc>
+                          <a:spcPct val="160000"/>
+                        </a:lnSpc>
+                        <a:spcBef>
+                          <a:spcPts val="0"/>
+                        </a:spcBef>
+                        <a:spcAft>
+                          <a:spcPts val="0"/>
+                        </a:spcAft>
+                      </a:pPr>
+                      <a:r>
+                        <a:rPr lang="en-US" sz="800" dirty="0">
+                          <a:solidFill>
+                            <a:srgbClr val="000000"/>
+                          </a:solidFill>
+                          <a:effectLst/>
+                          <a:latin typeface="+mn-ea"/>
+                          <a:ea typeface="+mn-ea"/>
+                        </a:rPr>
+                        <a:t>3</a:t>
+                      </a:r>
+                    </a:p>
+                  </a:txBody>
+                  <a:tcPr marL="48578" marR="48578" marT="13430" marB="13430" anchor="ctr">
+                    <a:lnL w="3556" cap="flat" cmpd="sng" algn="ctr">
+                      <a:solidFill>
+                        <a:srgbClr val="000000"/>
+                      </a:solidFill>
+                      <a:prstDash val="solid"/>
+                      <a:round/>
+                      <a:headEnd type="none" w="med" len="med"/>
+                      <a:tailEnd type="none" w="med" len="med"/>
+                    </a:lnL>
+                    <a:lnR w="3556" cap="flat" cmpd="sng" algn="ctr">
+                      <a:solidFill>
+                        <a:srgbClr val="000000"/>
+                      </a:solidFill>
+                      <a:prstDash val="solid"/>
+                      <a:round/>
+                      <a:headEnd type="none" w="med" len="med"/>
+                      <a:tailEnd type="none" w="med" len="med"/>
+                    </a:lnR>
+                    <a:lnT w="3556" cap="flat" cmpd="sng" algn="ctr">
+                      <a:solidFill>
+                        <a:srgbClr val="000000"/>
+                      </a:solidFill>
+                      <a:prstDash val="solid"/>
+                      <a:round/>
+                      <a:headEnd type="none" w="med" len="med"/>
+                      <a:tailEnd type="none" w="med" len="med"/>
+                    </a:lnT>
+                    <a:lnB w="3556" cap="flat" cmpd="sng" algn="ctr">
+                      <a:solidFill>
+                        <a:srgbClr val="000000"/>
+                      </a:solidFill>
+                      <a:prstDash val="solid"/>
+                      <a:round/>
+                      <a:headEnd type="none" w="med" len="med"/>
+                      <a:tailEnd type="none" w="med" len="med"/>
+                    </a:lnB>
+                  </a:tcPr>
+                </a:tc>
+                <a:tc>
+                  <a:txBody>
+                    <a:bodyPr/>
+                    <a:lstStyle/>
+                    <a:p>
+                      <a:pPr marL="0" marR="13970" algn="ctr">
+                        <a:lnSpc>
+                          <a:spcPct val="160000"/>
+                        </a:lnSpc>
+                        <a:spcBef>
+                          <a:spcPts val="0"/>
+                        </a:spcBef>
+                        <a:spcAft>
+                          <a:spcPts val="0"/>
+                        </a:spcAft>
+                      </a:pPr>
+                      <a:r>
+                        <a:rPr lang="en-US" sz="800" dirty="0">
+                          <a:solidFill>
+                            <a:srgbClr val="000000"/>
+                          </a:solidFill>
+                          <a:effectLst/>
+                          <a:latin typeface="+mn-ea"/>
+                          <a:ea typeface="+mn-ea"/>
+                        </a:rPr>
+                        <a:t>8</a:t>
+                      </a:r>
+                    </a:p>
+                  </a:txBody>
+                  <a:tcPr marL="48578" marR="48578" marT="13430" marB="13430" anchor="ctr">
+                    <a:lnL w="3556" cap="flat" cmpd="sng" algn="ctr">
+                      <a:solidFill>
+                        <a:srgbClr val="000000"/>
+                      </a:solidFill>
+                      <a:prstDash val="solid"/>
+                      <a:round/>
+                      <a:headEnd type="none" w="med" len="med"/>
+                      <a:tailEnd type="none" w="med" len="med"/>
+                    </a:lnL>
+                    <a:lnR w="3556" cap="flat" cmpd="sng" algn="ctr">
+                      <a:solidFill>
+                        <a:srgbClr val="000000"/>
+                      </a:solidFill>
+                      <a:prstDash val="solid"/>
+                      <a:round/>
+                      <a:headEnd type="none" w="med" len="med"/>
+                      <a:tailEnd type="none" w="med" len="med"/>
+                    </a:lnR>
+                    <a:lnT w="3556" cap="flat" cmpd="sng" algn="ctr">
+                      <a:solidFill>
+                        <a:srgbClr val="000000"/>
+                      </a:solidFill>
+                      <a:prstDash val="solid"/>
+                      <a:round/>
+                      <a:headEnd type="none" w="med" len="med"/>
+                      <a:tailEnd type="none" w="med" len="med"/>
+                    </a:lnT>
+                    <a:lnB w="3556" cap="flat" cmpd="sng" algn="ctr">
+                      <a:solidFill>
+                        <a:srgbClr val="000000"/>
+                      </a:solidFill>
+                      <a:prstDash val="solid"/>
+                      <a:round/>
+                      <a:headEnd type="none" w="med" len="med"/>
+                      <a:tailEnd type="none" w="med" len="med"/>
+                    </a:lnB>
+                  </a:tcPr>
+                </a:tc>
+                <a:tc>
+                  <a:txBody>
+                    <a:bodyPr/>
+                    <a:lstStyle/>
+                    <a:p>
+                      <a:pPr marL="0" marR="13970" algn="r">
+                        <a:lnSpc>
+                          <a:spcPct val="160000"/>
+                        </a:lnSpc>
+                        <a:spcBef>
+                          <a:spcPts val="0"/>
+                        </a:spcBef>
+                        <a:spcAft>
+                          <a:spcPts val="0"/>
+                        </a:spcAft>
+                      </a:pPr>
+                      <a:r>
+                        <a:rPr lang="en-US" sz="800">
+                          <a:solidFill>
+                            <a:srgbClr val="000000"/>
+                          </a:solidFill>
+                          <a:effectLst/>
+                          <a:latin typeface="+mn-ea"/>
+                          <a:ea typeface="+mn-ea"/>
+                        </a:rPr>
+                        <a:t>13000</a:t>
+                      </a:r>
+                    </a:p>
+                  </a:txBody>
+                  <a:tcPr marL="48578" marR="48578" marT="13430" marB="13430" anchor="ctr">
+                    <a:lnL w="3556" cap="flat" cmpd="sng" algn="ctr">
+                      <a:solidFill>
+                        <a:srgbClr val="000000"/>
+                      </a:solidFill>
+                      <a:prstDash val="solid"/>
+                      <a:round/>
+                      <a:headEnd type="none" w="med" len="med"/>
+                      <a:tailEnd type="none" w="med" len="med"/>
+                    </a:lnL>
+                    <a:lnR w="3556" cap="flat" cmpd="sng" algn="ctr">
+                      <a:solidFill>
+                        <a:srgbClr val="000000"/>
+                      </a:solidFill>
+                      <a:prstDash val="solid"/>
+                      <a:round/>
+                      <a:headEnd type="none" w="med" len="med"/>
+                      <a:tailEnd type="none" w="med" len="med"/>
+                    </a:lnR>
+                    <a:lnT w="3556" cap="flat" cmpd="sng" algn="ctr">
+                      <a:solidFill>
+                        <a:srgbClr val="000000"/>
+                      </a:solidFill>
+                      <a:prstDash val="solid"/>
+                      <a:round/>
+                      <a:headEnd type="none" w="med" len="med"/>
+                      <a:tailEnd type="none" w="med" len="med"/>
+                    </a:lnT>
+                    <a:lnB w="3556" cap="flat" cmpd="sng" algn="ctr">
+                      <a:solidFill>
+                        <a:srgbClr val="000000"/>
+                      </a:solidFill>
+                      <a:prstDash val="solid"/>
+                      <a:round/>
+                      <a:headEnd type="none" w="med" len="med"/>
+                      <a:tailEnd type="none" w="med" len="med"/>
+                    </a:lnB>
+                  </a:tcPr>
+                </a:tc>
+                <a:tc>
+                  <a:txBody>
+                    <a:bodyPr/>
+                    <a:lstStyle/>
+                    <a:p>
+                      <a:pPr marL="0" marR="13970" algn="ctr">
+                        <a:lnSpc>
+                          <a:spcPct val="160000"/>
+                        </a:lnSpc>
+                        <a:spcBef>
+                          <a:spcPts val="0"/>
+                        </a:spcBef>
+                        <a:spcAft>
+                          <a:spcPts val="0"/>
+                        </a:spcAft>
+                      </a:pPr>
+                      <a:r>
+                        <a:rPr lang="en-US" sz="800" dirty="0" smtClean="0">
+                          <a:solidFill>
+                            <a:srgbClr val="000000"/>
+                          </a:solidFill>
+                          <a:effectLst/>
+                          <a:latin typeface="+mn-ea"/>
+                          <a:ea typeface="+mn-ea"/>
+                        </a:rPr>
+                        <a:t>2014-07-10</a:t>
+                      </a:r>
+                      <a:endParaRPr lang="en-US" sz="800" dirty="0">
+                        <a:solidFill>
+                          <a:srgbClr val="000000"/>
+                        </a:solidFill>
+                        <a:effectLst/>
+                        <a:latin typeface="+mn-ea"/>
+                        <a:ea typeface="+mn-ea"/>
+                      </a:endParaRPr>
+                    </a:p>
+                  </a:txBody>
+                  <a:tcPr marL="48578" marR="48578" marT="13430" marB="13430" anchor="ctr">
+                    <a:lnL w="3556" cap="flat" cmpd="sng" algn="ctr">
+                      <a:solidFill>
+                        <a:srgbClr val="000000"/>
+                      </a:solidFill>
+                      <a:prstDash val="solid"/>
+                      <a:round/>
+                      <a:headEnd type="none" w="med" len="med"/>
+                      <a:tailEnd type="none" w="med" len="med"/>
+                    </a:lnL>
+                    <a:lnR w="3556" cap="flat" cmpd="sng" algn="ctr">
+                      <a:solidFill>
+                        <a:srgbClr val="000000"/>
+                      </a:solidFill>
+                      <a:prstDash val="solid"/>
+                      <a:round/>
+                      <a:headEnd type="none" w="med" len="med"/>
+                      <a:tailEnd type="none" w="med" len="med"/>
+                    </a:lnR>
+                    <a:lnT w="3556" cap="flat" cmpd="sng" algn="ctr">
+                      <a:solidFill>
+                        <a:srgbClr val="000000"/>
+                      </a:solidFill>
+                      <a:prstDash val="solid"/>
+                      <a:round/>
+                      <a:headEnd type="none" w="med" len="med"/>
+                      <a:tailEnd type="none" w="med" len="med"/>
+                    </a:lnT>
+                    <a:lnB w="3556" cap="flat" cmpd="sng" algn="ctr">
+                      <a:solidFill>
+                        <a:srgbClr val="000000"/>
+                      </a:solidFill>
+                      <a:prstDash val="solid"/>
+                      <a:round/>
+                      <a:headEnd type="none" w="med" len="med"/>
+                      <a:tailEnd type="none" w="med" len="med"/>
+                    </a:lnB>
+                  </a:tcPr>
+                </a:tc>
+                <a:extLst>
+                  <a:ext uri="{0D108BD9-81ED-4DB2-BD59-A6C34878D82A}">
+                    <a16:rowId xmlns:a16="http://schemas.microsoft.com/office/drawing/2014/main" val="10010"/>
+                  </a:ext>
+                </a:extLst>
+              </a:tr>
+            </a:tbl>
+          </a:graphicData>
+        </a:graphic>
+      </p:graphicFrame>
+      <p:sp>
+        <p:nvSpPr>
+          <p:cNvPr id="5" name="TextBox 4"/>
+          <p:cNvSpPr txBox="1"/>
+          <p:nvPr/>
+        </p:nvSpPr>
+        <p:spPr>
+          <a:xfrm>
+            <a:off x="628650" y="4550758"/>
+            <a:ext cx="1404156" cy="216024"/>
+          </a:xfrm>
+          <a:prstGeom prst="rect">
+            <a:avLst/>
+          </a:prstGeom>
+        </p:spPr>
+        <p:txBody>
+          <a:bodyPr vert="horz" wrap="none" lIns="68580" tIns="34290" rIns="68580" bIns="34290" rtlCol="0" anchor="ctr">
+            <a:noAutofit/>
+          </a:bodyPr>
+          <a:lstStyle/>
+          <a:p>
+            <a:r>
+              <a:rPr lang="en-US" altLang="ko-KR" sz="1050" b="1" dirty="0">
+                <a:ea typeface="맑은 고딕" panose="020B0503020000020004" pitchFamily="50" charset="-127"/>
+              </a:rPr>
+              <a:t>Orders </a:t>
+            </a:r>
+            <a:r>
+              <a:rPr lang="ko-KR" altLang="en-US" sz="1050" b="1" dirty="0">
+                <a:ea typeface="맑은 고딕" panose="020B0503020000020004" pitchFamily="50" charset="-127"/>
+              </a:rPr>
+              <a:t>테이블</a:t>
+            </a:r>
+            <a:endParaRPr lang="ko-KR" altLang="en-US" sz="1050" b="1" dirty="0">
+              <a:ea typeface="맑은 고딕" panose="020B0503020000020004" pitchFamily="50" charset="-127"/>
+            </a:endParaRPr>
+          </a:p>
+        </p:txBody>
+      </p:sp>
+      <p:sp>
+        <p:nvSpPr>
+          <p:cNvPr id="6" name="직사각형 5"/>
+          <p:cNvSpPr/>
+          <p:nvPr/>
+        </p:nvSpPr>
+        <p:spPr>
+          <a:xfrm>
+            <a:off x="4081450" y="2413870"/>
+            <a:ext cx="4950586" cy="507831"/>
+          </a:xfrm>
+          <a:prstGeom prst="rect">
+            <a:avLst/>
+          </a:prstGeom>
+        </p:spPr>
+        <p:txBody>
+          <a:bodyPr wrap="none">
+            <a:spAutoFit/>
+          </a:bodyPr>
+          <a:lstStyle/>
+          <a:p>
+            <a:r>
+              <a:rPr lang="ko-KR" altLang="en-US" sz="1350" dirty="0"/>
+              <a:t>단</a:t>
+            </a:r>
+            <a:r>
+              <a:rPr lang="en-US" altLang="ko-KR" sz="1350" dirty="0"/>
+              <a:t>, </a:t>
+            </a:r>
+            <a:r>
+              <a:rPr lang="en-US" altLang="ko-KR" sz="1350" dirty="0" err="1"/>
+              <a:t>custid</a:t>
+            </a:r>
+            <a:r>
+              <a:rPr lang="ko-KR" altLang="en-US" sz="1350" dirty="0"/>
+              <a:t>와 </a:t>
+            </a:r>
+            <a:r>
+              <a:rPr lang="en-US" altLang="ko-KR" sz="1350" dirty="0" err="1"/>
+              <a:t>bookid</a:t>
+            </a:r>
+            <a:r>
+              <a:rPr lang="ko-KR" altLang="en-US" sz="1350" dirty="0"/>
+              <a:t>는 각각 </a:t>
+            </a:r>
+            <a:r>
+              <a:rPr lang="en-US" altLang="ko-KR" sz="1350" dirty="0"/>
+              <a:t>Customer </a:t>
+            </a:r>
+            <a:r>
+              <a:rPr lang="ko-KR" altLang="en-US" sz="1350" dirty="0"/>
+              <a:t>와 </a:t>
+            </a:r>
+            <a:r>
+              <a:rPr lang="en-US" altLang="ko-KR" sz="1350" dirty="0"/>
+              <a:t>Book</a:t>
+            </a:r>
+            <a:r>
+              <a:rPr lang="ko-KR" altLang="en-US" sz="1350" dirty="0"/>
+              <a:t>의 영향을 받음</a:t>
+            </a:r>
+            <a:endParaRPr lang="en-US" altLang="ko-KR" sz="1350" dirty="0"/>
+          </a:p>
+          <a:p>
+            <a:r>
+              <a:rPr lang="en-US" altLang="ko-KR" sz="1350" dirty="0" err="1"/>
+              <a:t>orderid</a:t>
+            </a:r>
+            <a:r>
+              <a:rPr lang="ko-KR" altLang="en-US" sz="1350" dirty="0"/>
+              <a:t>는 순차적으로 증가하는 정수</a:t>
+            </a:r>
+            <a:endParaRPr lang="ko-KR" altLang="en-US" sz="1350" dirty="0"/>
+          </a:p>
+        </p:txBody>
+      </p:sp>
+      <p:sp>
+        <p:nvSpPr>
+          <p:cNvPr id="7" name="직사각형 6"/>
+          <p:cNvSpPr/>
+          <p:nvPr/>
+        </p:nvSpPr>
+        <p:spPr>
+          <a:xfrm>
+            <a:off x="4081450" y="2992328"/>
+            <a:ext cx="4692310" cy="715581"/>
+          </a:xfrm>
+          <a:prstGeom prst="rect">
+            <a:avLst/>
+          </a:prstGeom>
+        </p:spPr>
+        <p:txBody>
+          <a:bodyPr wrap="none">
+            <a:spAutoFit/>
+          </a:bodyPr>
+          <a:lstStyle/>
+          <a:p>
+            <a:r>
+              <a:rPr lang="ko-KR" altLang="en-US" sz="1350" dirty="0"/>
+              <a:t>만약 데이터가 추가되지 않는 것이 있다면 원인을 밝히고</a:t>
+            </a:r>
+            <a:r>
+              <a:rPr lang="en-US" altLang="ko-KR" sz="1350" dirty="0"/>
+              <a:t>, </a:t>
+            </a:r>
+          </a:p>
+          <a:p>
+            <a:r>
+              <a:rPr lang="ko-KR" altLang="en-US" sz="1350" dirty="0" err="1"/>
+              <a:t>해결하시오</a:t>
+            </a:r>
+            <a:r>
+              <a:rPr lang="en-US" altLang="ko-KR" sz="1350" dirty="0"/>
+              <a:t>.</a:t>
+            </a:r>
+          </a:p>
+          <a:p>
+            <a:r>
+              <a:rPr lang="en-US" altLang="ko-KR" sz="1350" dirty="0"/>
+              <a:t>(</a:t>
+            </a:r>
+            <a:r>
+              <a:rPr lang="ko-KR" altLang="en-US" sz="1350" dirty="0"/>
+              <a:t>데이터를 추가를 하기는 해야 함</a:t>
+            </a:r>
+            <a:r>
+              <a:rPr lang="en-US" altLang="ko-KR" sz="1350" dirty="0"/>
+              <a:t>)</a:t>
+            </a:r>
+            <a:endParaRPr lang="ko-KR" altLang="en-US" sz="1350" dirty="0"/>
+          </a:p>
+        </p:txBody>
+      </p:sp>
+    </p:spTree>
+    <p:extLst>
+      <p:ext uri="{BB962C8B-B14F-4D97-AF65-F5344CB8AC3E}">
+        <p14:creationId xmlns:p14="http://schemas.microsoft.com/office/powerpoint/2010/main" val="3488506738"/>
+      </p:ext>
+    </p:extLst>
+  </p:cSld>
+  <p:clrMapOvr>
+    <a:masterClrMapping/>
+  </p:clrMapOvr>
 </p:sld>
 </file>
 

--- a/djlee/DB/20211228/실습문제.pptx
+++ b/djlee/DB/20211228/실습문제.pptx
@@ -4197,7 +4197,7 @@
         </p:nvGraphicFramePr>
         <p:xfrm>
           <a:off x="748576" y="1302534"/>
-          <a:ext cx="2761080" cy="2343722"/>
+          <a:ext cx="2761081" cy="2465637"/>
         </p:xfrm>
         <a:graphic>
           <a:graphicData uri="http://schemas.openxmlformats.org/drawingml/2006/table">
@@ -7407,12 +7407,16 @@
             <a:graphicFrameLocks noGrp="1"/>
           </p:cNvGraphicFramePr>
           <p:nvPr>
-            <p:extLst/>
+            <p:extLst>
+              <p:ext uri="{D42A27DB-BD31-4B8C-83A1-F6EECF244321}">
+                <p14:modId xmlns:p14="http://schemas.microsoft.com/office/powerpoint/2010/main" val="541828192"/>
+              </p:ext>
+            </p:extLst>
           </p:nvPr>
         </p:nvGraphicFramePr>
         <p:xfrm>
-          <a:off x="750085" y="4013195"/>
-          <a:ext cx="2773133" cy="1295019"/>
+          <a:off x="749985" y="4437112"/>
+          <a:ext cx="2773133" cy="1355977"/>
         </p:xfrm>
         <a:graphic>
           <a:graphicData uri="http://schemas.openxmlformats.org/drawingml/2006/table">
@@ -9217,7 +9221,7 @@
         </p:nvSpPr>
         <p:spPr>
           <a:xfrm>
-            <a:off x="687426" y="3622981"/>
+            <a:off x="764597" y="1039456"/>
             <a:ext cx="1404156" cy="216024"/>
           </a:xfrm>
           <a:prstGeom prst="rect">
@@ -9242,9 +9246,6 @@
               </a:rPr>
               <a:t>테이블</a:t>
             </a:r>
-            <a:endParaRPr lang="ko-KR" altLang="en-US" sz="1050" b="1" dirty="0">
-              <a:ea typeface="맑은 고딕" panose="020B0503020000020004" pitchFamily="50" charset="-127"/>
-            </a:endParaRPr>
           </a:p>
         </p:txBody>
       </p:sp>
@@ -9256,7 +9257,7 @@
         </p:nvSpPr>
         <p:spPr>
           <a:xfrm>
-            <a:off x="687426" y="5308214"/>
+            <a:off x="708572" y="4221088"/>
             <a:ext cx="1404156" cy="216024"/>
           </a:xfrm>
           <a:prstGeom prst="rect">
@@ -9270,7 +9271,7 @@
           <a:lstStyle/>
           <a:p>
             <a:r>
-              <a:rPr lang="en-US" altLang="ko-KR" sz="1050" b="1">
+              <a:rPr lang="en-US" altLang="ko-KR" sz="1050" b="1" dirty="0">
                 <a:ea typeface="맑은 고딕" panose="020B0503020000020004" pitchFamily="50" charset="-127"/>
               </a:rPr>
               <a:t>Customer </a:t>
@@ -9281,9 +9282,6 @@
               </a:rPr>
               <a:t>테이블</a:t>
             </a:r>
-            <a:endParaRPr lang="ko-KR" altLang="en-US" sz="1050" b="1" dirty="0">
-              <a:ea typeface="맑은 고딕" panose="020B0503020000020004" pitchFamily="50" charset="-127"/>
-            </a:endParaRPr>
           </a:p>
         </p:txBody>
       </p:sp>
@@ -13358,7 +13356,7 @@
         </p:nvSpPr>
         <p:spPr>
           <a:xfrm>
-            <a:off x="628650" y="4550758"/>
+            <a:off x="467544" y="2067608"/>
             <a:ext cx="1404156" cy="216024"/>
           </a:xfrm>
           <a:prstGeom prst="rect">
@@ -13383,9 +13381,6 @@
               </a:rPr>
               <a:t>테이블</a:t>
             </a:r>
-            <a:endParaRPr lang="ko-KR" altLang="en-US" sz="1050" b="1" dirty="0">
-              <a:ea typeface="맑은 고딕" panose="020B0503020000020004" pitchFamily="50" charset="-127"/>
-            </a:endParaRPr>
           </a:p>
         </p:txBody>
       </p:sp>
@@ -13461,7 +13456,6 @@
               <a:rPr lang="ko-KR" altLang="en-US" sz="1350" dirty="0"/>
               <a:t>는 순차적으로 증가하는 정수</a:t>
             </a:r>
-            <a:endParaRPr lang="ko-KR" altLang="en-US" sz="1350" dirty="0"/>
           </a:p>
         </p:txBody>
       </p:sp>

--- a/djlee/DB/20211228/실습문제.pptx
+++ b/djlee/DB/20211228/실습문제.pptx
@@ -3354,6 +3354,13 @@
   <p:clrMapOvr>
     <a:masterClrMapping/>
   </p:clrMapOvr>
+  <p:timing>
+    <p:tnLst>
+      <p:par>
+        <p:cTn id="1" dur="indefinite" restart="never" nodeType="tmRoot"/>
+      </p:par>
+    </p:tnLst>
+  </p:timing>
 </p:sld>
 </file>
 
@@ -4197,7 +4204,7 @@
         </p:nvGraphicFramePr>
         <p:xfrm>
           <a:off x="748576" y="1302534"/>
-          <a:ext cx="2761081" cy="2465637"/>
+          <a:ext cx="2761081" cy="2343727"/>
         </p:xfrm>
         <a:graphic>
           <a:graphicData uri="http://schemas.openxmlformats.org/drawingml/2006/table">
@@ -7416,7 +7423,7 @@
         </p:nvGraphicFramePr>
         <p:xfrm>
           <a:off x="749985" y="4437112"/>
-          <a:ext cx="2773133" cy="1355977"/>
+          <a:ext cx="2773133" cy="1295022"/>
         </p:xfrm>
         <a:graphic>
           <a:graphicData uri="http://schemas.openxmlformats.org/drawingml/2006/table">
@@ -9329,7 +9336,11 @@
             <a:graphicFrameLocks noGrp="1"/>
           </p:cNvGraphicFramePr>
           <p:nvPr>
-            <p:extLst/>
+            <p:extLst>
+              <p:ext uri="{D42A27DB-BD31-4B8C-83A1-F6EECF244321}">
+                <p14:modId xmlns:p14="http://schemas.microsoft.com/office/powerpoint/2010/main" val="467829377"/>
+              </p:ext>
+            </p:extLst>
           </p:nvPr>
         </p:nvGraphicFramePr>
         <p:xfrm>
@@ -9641,7 +9652,7 @@
                         </a:spcAft>
                       </a:pPr>
                       <a:r>
-                        <a:rPr lang="en-US" sz="900" b="1" dirty="0" err="1">
+                        <a:rPr lang="en-US" sz="900" b="1" dirty="0" err="1" smtClean="0">
                           <a:solidFill>
                             <a:srgbClr val="000000"/>
                           </a:solidFill>
@@ -10015,17 +10026,14 @@
                           <a:spcPts val="0"/>
                         </a:spcAft>
                       </a:pPr>
-                      <a:r>
-                        <a:rPr lang="en-US" sz="800" dirty="0">
-                          <a:solidFill>
-                            <a:srgbClr val="000000"/>
-                          </a:solidFill>
-                          <a:effectLst/>
-                          <a:latin typeface="+mn-ea"/>
-                          <a:ea typeface="+mn-ea"/>
-                        </a:rPr>
-                        <a:t>6000</a:t>
-                      </a:r>
+                      <a:endParaRPr lang="en-US" sz="800" dirty="0">
+                        <a:solidFill>
+                          <a:srgbClr val="000000"/>
+                        </a:solidFill>
+                        <a:effectLst/>
+                        <a:latin typeface="+mn-ea"/>
+                        <a:ea typeface="+mn-ea"/>
+                      </a:endParaRPr>
                     </a:p>
                   </a:txBody>
                   <a:tcPr marL="48578" marR="48578" marT="13430" marB="13430" anchor="ctr">
@@ -10370,17 +10378,14 @@
                           <a:spcPts val="0"/>
                         </a:spcAft>
                       </a:pPr>
-                      <a:r>
-                        <a:rPr lang="en-US" sz="800" dirty="0">
-                          <a:solidFill>
-                            <a:srgbClr val="000000"/>
-                          </a:solidFill>
-                          <a:effectLst/>
-                          <a:latin typeface="+mn-ea"/>
-                          <a:ea typeface="+mn-ea"/>
-                        </a:rPr>
-                        <a:t>21000</a:t>
-                      </a:r>
+                      <a:endParaRPr lang="en-US" sz="800" dirty="0">
+                        <a:solidFill>
+                          <a:srgbClr val="000000"/>
+                        </a:solidFill>
+                        <a:effectLst/>
+                        <a:latin typeface="+mn-ea"/>
+                        <a:ea typeface="+mn-ea"/>
+                      </a:endParaRPr>
                     </a:p>
                   </a:txBody>
                   <a:tcPr marL="48578" marR="48578" marT="13430" marB="13430" anchor="ctr">
@@ -10725,17 +10730,14 @@
                           <a:spcPts val="0"/>
                         </a:spcAft>
                       </a:pPr>
-                      <a:r>
-                        <a:rPr lang="en-US" sz="800" dirty="0">
-                          <a:solidFill>
-                            <a:srgbClr val="000000"/>
-                          </a:solidFill>
-                          <a:effectLst/>
-                          <a:latin typeface="+mn-ea"/>
-                          <a:ea typeface="+mn-ea"/>
-                        </a:rPr>
-                        <a:t>8000</a:t>
-                      </a:r>
+                      <a:endParaRPr lang="en-US" sz="800" dirty="0">
+                        <a:solidFill>
+                          <a:srgbClr val="000000"/>
+                        </a:solidFill>
+                        <a:effectLst/>
+                        <a:latin typeface="+mn-ea"/>
+                        <a:ea typeface="+mn-ea"/>
+                      </a:endParaRPr>
                     </a:p>
                   </a:txBody>
                   <a:tcPr marL="48578" marR="48578" marT="13430" marB="13430" anchor="ctr">
@@ -11080,17 +11082,14 @@
                           <a:spcPts val="0"/>
                         </a:spcAft>
                       </a:pPr>
-                      <a:r>
-                        <a:rPr lang="en-US" sz="800" dirty="0">
-                          <a:solidFill>
-                            <a:srgbClr val="000000"/>
-                          </a:solidFill>
-                          <a:effectLst/>
-                          <a:latin typeface="+mn-ea"/>
-                          <a:ea typeface="+mn-ea"/>
-                        </a:rPr>
-                        <a:t>6000</a:t>
-                      </a:r>
+                      <a:endParaRPr lang="en-US" sz="800" dirty="0">
+                        <a:solidFill>
+                          <a:srgbClr val="000000"/>
+                        </a:solidFill>
+                        <a:effectLst/>
+                        <a:latin typeface="+mn-ea"/>
+                        <a:ea typeface="+mn-ea"/>
+                      </a:endParaRPr>
                     </a:p>
                   </a:txBody>
                   <a:tcPr marL="48578" marR="48578" marT="13430" marB="13430" anchor="ctr">
@@ -11435,17 +11434,14 @@
                           <a:spcPts val="0"/>
                         </a:spcAft>
                       </a:pPr>
-                      <a:r>
-                        <a:rPr lang="en-US" sz="800" dirty="0">
-                          <a:solidFill>
-                            <a:srgbClr val="000000"/>
-                          </a:solidFill>
-                          <a:effectLst/>
-                          <a:latin typeface="+mn-ea"/>
-                          <a:ea typeface="+mn-ea"/>
-                        </a:rPr>
-                        <a:t>20000</a:t>
-                      </a:r>
+                      <a:endParaRPr lang="en-US" sz="800" dirty="0">
+                        <a:solidFill>
+                          <a:srgbClr val="000000"/>
+                        </a:solidFill>
+                        <a:effectLst/>
+                        <a:latin typeface="+mn-ea"/>
+                        <a:ea typeface="+mn-ea"/>
+                      </a:endParaRPr>
                     </a:p>
                   </a:txBody>
                   <a:tcPr marL="48578" marR="48578" marT="13430" marB="13430" anchor="ctr">
@@ -11790,17 +11786,14 @@
                           <a:spcPts val="0"/>
                         </a:spcAft>
                       </a:pPr>
-                      <a:r>
-                        <a:rPr lang="en-US" sz="800">
-                          <a:solidFill>
-                            <a:srgbClr val="000000"/>
-                          </a:solidFill>
-                          <a:effectLst/>
-                          <a:latin typeface="+mn-ea"/>
-                          <a:ea typeface="+mn-ea"/>
-                        </a:rPr>
-                        <a:t>12000</a:t>
-                      </a:r>
+                      <a:endParaRPr lang="en-US" sz="800" dirty="0">
+                        <a:solidFill>
+                          <a:srgbClr val="000000"/>
+                        </a:solidFill>
+                        <a:effectLst/>
+                        <a:latin typeface="+mn-ea"/>
+                        <a:ea typeface="+mn-ea"/>
+                      </a:endParaRPr>
                     </a:p>
                   </a:txBody>
                   <a:tcPr marL="48578" marR="48578" marT="13430" marB="13430" anchor="ctr">
@@ -12145,17 +12138,14 @@
                           <a:spcPts val="0"/>
                         </a:spcAft>
                       </a:pPr>
-                      <a:r>
-                        <a:rPr lang="en-US" sz="800">
-                          <a:solidFill>
-                            <a:srgbClr val="000000"/>
-                          </a:solidFill>
-                          <a:effectLst/>
-                          <a:latin typeface="+mn-ea"/>
-                          <a:ea typeface="+mn-ea"/>
-                        </a:rPr>
-                        <a:t>13000</a:t>
-                      </a:r>
+                      <a:endParaRPr lang="en-US" sz="800" dirty="0">
+                        <a:solidFill>
+                          <a:srgbClr val="000000"/>
+                        </a:solidFill>
+                        <a:effectLst/>
+                        <a:latin typeface="+mn-ea"/>
+                        <a:ea typeface="+mn-ea"/>
+                      </a:endParaRPr>
                     </a:p>
                   </a:txBody>
                   <a:tcPr marL="48578" marR="48578" marT="13430" marB="13430" anchor="ctr">
@@ -12500,17 +12490,14 @@
                           <a:spcPts val="0"/>
                         </a:spcAft>
                       </a:pPr>
-                      <a:r>
-                        <a:rPr lang="en-US" sz="800">
-                          <a:solidFill>
-                            <a:srgbClr val="000000"/>
-                          </a:solidFill>
-                          <a:effectLst/>
-                          <a:latin typeface="+mn-ea"/>
-                          <a:ea typeface="+mn-ea"/>
-                        </a:rPr>
-                        <a:t>12000</a:t>
-                      </a:r>
+                      <a:endParaRPr lang="en-US" sz="800" dirty="0">
+                        <a:solidFill>
+                          <a:srgbClr val="000000"/>
+                        </a:solidFill>
+                        <a:effectLst/>
+                        <a:latin typeface="+mn-ea"/>
+                        <a:ea typeface="+mn-ea"/>
+                      </a:endParaRPr>
                     </a:p>
                   </a:txBody>
                   <a:tcPr marL="48578" marR="48578" marT="13430" marB="13430" anchor="ctr">
@@ -12855,17 +12842,14 @@
                           <a:spcPts val="0"/>
                         </a:spcAft>
                       </a:pPr>
-                      <a:r>
-                        <a:rPr lang="en-US" sz="800">
-                          <a:solidFill>
-                            <a:srgbClr val="000000"/>
-                          </a:solidFill>
-                          <a:effectLst/>
-                          <a:latin typeface="+mn-ea"/>
-                          <a:ea typeface="+mn-ea"/>
-                        </a:rPr>
-                        <a:t>7000</a:t>
-                      </a:r>
+                      <a:endParaRPr lang="en-US" sz="800" dirty="0">
+                        <a:solidFill>
+                          <a:srgbClr val="000000"/>
+                        </a:solidFill>
+                        <a:effectLst/>
+                        <a:latin typeface="+mn-ea"/>
+                        <a:ea typeface="+mn-ea"/>
+                      </a:endParaRPr>
                     </a:p>
                   </a:txBody>
                   <a:tcPr marL="48578" marR="48578" marT="13430" marB="13430" anchor="ctr">
@@ -13210,17 +13194,14 @@
                           <a:spcPts val="0"/>
                         </a:spcAft>
                       </a:pPr>
-                      <a:r>
-                        <a:rPr lang="en-US" sz="800">
-                          <a:solidFill>
-                            <a:srgbClr val="000000"/>
-                          </a:solidFill>
-                          <a:effectLst/>
-                          <a:latin typeface="+mn-ea"/>
-                          <a:ea typeface="+mn-ea"/>
-                        </a:rPr>
-                        <a:t>13000</a:t>
-                      </a:r>
+                      <a:endParaRPr lang="en-US" sz="800" dirty="0">
+                        <a:solidFill>
+                          <a:srgbClr val="000000"/>
+                        </a:solidFill>
+                        <a:effectLst/>
+                        <a:latin typeface="+mn-ea"/>
+                        <a:ea typeface="+mn-ea"/>
+                      </a:endParaRPr>
                     </a:p>
                   </a:txBody>
                   <a:tcPr marL="48578" marR="48578" marT="13430" marB="13430" anchor="ctr">
@@ -13526,6 +13507,13 @@
   <p:clrMapOvr>
     <a:masterClrMapping/>
   </p:clrMapOvr>
+  <p:timing>
+    <p:tnLst>
+      <p:par>
+        <p:cTn id="1" dur="indefinite" restart="never" nodeType="tmRoot"/>
+      </p:par>
+    </p:tnLst>
+  </p:timing>
 </p:sld>
 </file>
 
